--- a/Courses/Computer-Modeling-and-IT/Computer-Modeling-and-IT-6-Class/19-Saving-Presentation-in-Different-File-Formats/19-Saving-Presentation-in-Different-File-Formats.pptx
+++ b/Courses/Computer-Modeling-and-IT/Computer-Modeling-and-IT-6-Class/19-Saving-Presentation-in-Different-File-Formats/19-Saving-Presentation-in-Different-File-Formats.pptx
@@ -5,18 +5,29 @@
     <p:sldMasterId id="2147483675" r:id="rId1"/>
   </p:sldMasterIdLst>
   <p:notesMasterIdLst>
-    <p:notesMasterId r:id="rId8"/>
+    <p:notesMasterId r:id="rId19"/>
   </p:notesMasterIdLst>
   <p:handoutMasterIdLst>
-    <p:handoutMasterId r:id="rId9"/>
+    <p:handoutMasterId r:id="rId20"/>
   </p:handoutMasterIdLst>
   <p:sldIdLst>
     <p:sldId id="503" r:id="rId2"/>
     <p:sldId id="276" r:id="rId3"/>
     <p:sldId id="587" r:id="rId4"/>
-    <p:sldId id="586" r:id="rId5"/>
-    <p:sldId id="504" r:id="rId6"/>
-    <p:sldId id="505" r:id="rId7"/>
+    <p:sldId id="588" r:id="rId5"/>
+    <p:sldId id="589" r:id="rId6"/>
+    <p:sldId id="590" r:id="rId7"/>
+    <p:sldId id="591" r:id="rId8"/>
+    <p:sldId id="592" r:id="rId9"/>
+    <p:sldId id="593" r:id="rId10"/>
+    <p:sldId id="594" r:id="rId11"/>
+    <p:sldId id="595" r:id="rId12"/>
+    <p:sldId id="596" r:id="rId13"/>
+    <p:sldId id="597" r:id="rId14"/>
+    <p:sldId id="598" r:id="rId15"/>
+    <p:sldId id="586" r:id="rId16"/>
+    <p:sldId id="504" r:id="rId17"/>
+    <p:sldId id="505" r:id="rId18"/>
   </p:sldIdLst>
   <p:sldSz cx="12192000" cy="6858000"/>
   <p:notesSz cx="6858000" cy="9144000"/>
@@ -127,6 +138,25 @@
         <p14:section name="͏͏Файлови формати за презентация" id="{6BA23D02-AADA-47A1-8BFF-DBC1B1F781C4}">
           <p14:sldIdLst>
             <p14:sldId id="587"/>
+            <p14:sldId id="588"/>
+            <p14:sldId id="589"/>
+            <p14:sldId id="590"/>
+            <p14:sldId id="591"/>
+            <p14:sldId id="592"/>
+            <p14:sldId id="593"/>
+          </p14:sldIdLst>
+        </p14:section>
+        <p14:section name="͏Запазване на презентация в разлчини файлови формати" id="{1F20D5B8-6991-49FB-B22F-F87F65F306D9}">
+          <p14:sldIdLst>
+            <p14:sldId id="594"/>
+            <p14:sldId id="595"/>
+            <p14:sldId id="596"/>
+            <p14:sldId id="597"/>
+          </p14:sldIdLst>
+        </p14:section>
+        <p14:section name="͏Отпечатване на презентация" id="{FA1EAC0B-F081-4CAE-99EE-56F023A391C4}">
+          <p14:sldIdLst>
+            <p14:sldId id="598"/>
           </p14:sldIdLst>
         </p14:section>
         <p14:section name="Заключение" id="{E19D07F1-86E2-47E9-B2AB-7ADC4F89DC12}">
@@ -253,7 +283,7 @@
           <a:p>
             <a:fld id="{4E087215-0C8F-4762-A664-737A353EC9A4}" type="datetimeFigureOut">
               <a:rPr lang="bg-BG" smtClean="0"/>
-              <a:t>20.7.2024 г.</a:t>
+              <a:t>22.7.2024 г.</a:t>
             </a:fld>
             <a:endParaRPr lang="bg-BG"/>
           </a:p>
@@ -449,7 +479,7 @@
           <a:p>
             <a:fld id="{72D84649-876A-46C9-8472-14CB09C070D8}" type="datetimeFigureOut">
               <a:rPr lang="en-US" smtClean="0"/>
-              <a:t>7/20/2024</a:t>
+              <a:t>7/22/2024</a:t>
             </a:fld>
             <a:endParaRPr lang="en-US"/>
           </a:p>
@@ -1290,6 +1320,369 @@
       </p:sp>
       <p:sp>
         <p:nvSpPr>
+          <p:cNvPr id="4" name="Slide Number Placeholder 3"/>
+          <p:cNvSpPr>
+            <a:spLocks noGrp="1"/>
+          </p:cNvSpPr>
+          <p:nvPr>
+            <p:ph type="sldNum" sz="quarter" idx="10"/>
+          </p:nvPr>
+        </p:nvSpPr>
+        <p:spPr/>
+        <p:txBody>
+          <a:bodyPr/>
+          <a:lstStyle/>
+          <a:p>
+            <a:fld id="{2BF067CD-8E6B-4360-9AA8-C5DF2A48A6D1}" type="slidenum">
+              <a:rPr lang="en-US" smtClean="0"/>
+              <a:t>7</a:t>
+            </a:fld>
+            <a:endParaRPr lang="en-US" dirty="0"/>
+          </a:p>
+        </p:txBody>
+      </p:sp>
+      <p:sp>
+        <p:nvSpPr>
+          <p:cNvPr id="5" name="Footer Placeholder 4"/>
+          <p:cNvSpPr>
+            <a:spLocks noGrp="1"/>
+          </p:cNvSpPr>
+          <p:nvPr>
+            <p:ph type="ftr" sz="quarter" idx="11"/>
+          </p:nvPr>
+        </p:nvSpPr>
+        <p:spPr/>
+        <p:txBody>
+          <a:bodyPr/>
+          <a:lstStyle/>
+          <a:p>
+            <a:r>
+              <a:rPr lang="bg-BG" sz="1100" smtClean="0"/>
+              <a:t>Работна група </a:t>
+            </a:r>
+            <a:r>
+              <a:rPr lang="bg-BG" smtClean="0"/>
+              <a:t>"Образование по програмиране и ИТ"</a:t>
+            </a:r>
+            <a:r>
+              <a:rPr lang="bg-BG" sz="1100" smtClean="0"/>
+              <a:t>, с подкрепата на </a:t>
+            </a:r>
+            <a:r>
+              <a:rPr lang="en-US" sz="1100" smtClean="0">
+                <a:hlinkClick r:id="rId3"/>
+              </a:rPr>
+              <a:t>SoftUni</a:t>
+            </a:r>
+            <a:endParaRPr lang="en-US" sz="1100" dirty="0"/>
+          </a:p>
+        </p:txBody>
+      </p:sp>
+    </p:spTree>
+    <p:extLst>
+      <p:ext uri="{BB962C8B-B14F-4D97-AF65-F5344CB8AC3E}">
+        <p14:creationId xmlns:p14="http://schemas.microsoft.com/office/powerpoint/2010/main" val="3270520369"/>
+      </p:ext>
+    </p:extLst>
+  </p:cSld>
+  <p:clrMapOvr>
+    <a:masterClrMapping/>
+  </p:clrMapOvr>
+</p:notes>
+</file>
+
+<file path=ppt/notesSlides/notesSlide5.xml><?xml version="1.0" encoding="utf-8"?>
+<p:notes xmlns:a="http://schemas.openxmlformats.org/drawingml/2006/main" xmlns:r="http://schemas.openxmlformats.org/officeDocument/2006/relationships" xmlns:p="http://schemas.openxmlformats.org/presentationml/2006/main">
+  <p:cSld>
+    <p:spTree>
+      <p:nvGrpSpPr>
+        <p:cNvPr id="1" name=""/>
+        <p:cNvGrpSpPr/>
+        <p:nvPr/>
+      </p:nvGrpSpPr>
+      <p:grpSpPr>
+        <a:xfrm>
+          <a:off x="0" y="0"/>
+          <a:ext cx="0" cy="0"/>
+          <a:chOff x="0" y="0"/>
+          <a:chExt cx="0" cy="0"/>
+        </a:xfrm>
+      </p:grpSpPr>
+      <p:sp>
+        <p:nvSpPr>
+          <p:cNvPr id="2" name="Slide Image Placeholder 1"/>
+          <p:cNvSpPr>
+            <a:spLocks noGrp="1" noRot="1" noChangeAspect="1"/>
+          </p:cNvSpPr>
+          <p:nvPr>
+            <p:ph type="sldImg"/>
+          </p:nvPr>
+        </p:nvSpPr>
+        <p:spPr/>
+      </p:sp>
+      <p:sp>
+        <p:nvSpPr>
+          <p:cNvPr id="3" name="Notes Placeholder 2"/>
+          <p:cNvSpPr>
+            <a:spLocks noGrp="1"/>
+          </p:cNvSpPr>
+          <p:nvPr>
+            <p:ph type="body" idx="1"/>
+          </p:nvPr>
+        </p:nvSpPr>
+        <p:spPr/>
+        <p:txBody>
+          <a:bodyPr/>
+          <a:lstStyle/>
+          <a:p>
+            <a:endParaRPr lang="en-US" dirty="0"/>
+          </a:p>
+        </p:txBody>
+      </p:sp>
+      <p:sp>
+        <p:nvSpPr>
+          <p:cNvPr id="4" name="Slide Number Placeholder 3"/>
+          <p:cNvSpPr>
+            <a:spLocks noGrp="1"/>
+          </p:cNvSpPr>
+          <p:nvPr>
+            <p:ph type="sldNum" sz="quarter" idx="10"/>
+          </p:nvPr>
+        </p:nvSpPr>
+        <p:spPr/>
+        <p:txBody>
+          <a:bodyPr/>
+          <a:lstStyle/>
+          <a:p>
+            <a:fld id="{2BF067CD-8E6B-4360-9AA8-C5DF2A48A6D1}" type="slidenum">
+              <a:rPr lang="en-US" smtClean="0"/>
+              <a:t>8</a:t>
+            </a:fld>
+            <a:endParaRPr lang="en-US" dirty="0"/>
+          </a:p>
+        </p:txBody>
+      </p:sp>
+      <p:sp>
+        <p:nvSpPr>
+          <p:cNvPr id="5" name="Footer Placeholder 4"/>
+          <p:cNvSpPr>
+            <a:spLocks noGrp="1"/>
+          </p:cNvSpPr>
+          <p:nvPr>
+            <p:ph type="ftr" sz="quarter" idx="11"/>
+          </p:nvPr>
+        </p:nvSpPr>
+        <p:spPr/>
+        <p:txBody>
+          <a:bodyPr/>
+          <a:lstStyle/>
+          <a:p>
+            <a:r>
+              <a:rPr lang="bg-BG" sz="1100" smtClean="0"/>
+              <a:t>Работна група </a:t>
+            </a:r>
+            <a:r>
+              <a:rPr lang="bg-BG" smtClean="0"/>
+              <a:t>"Образование по програмиране и ИТ"</a:t>
+            </a:r>
+            <a:r>
+              <a:rPr lang="bg-BG" sz="1100" smtClean="0"/>
+              <a:t>, с подкрепата на </a:t>
+            </a:r>
+            <a:r>
+              <a:rPr lang="en-US" sz="1100" smtClean="0">
+                <a:hlinkClick r:id="rId3"/>
+              </a:rPr>
+              <a:t>SoftUni</a:t>
+            </a:r>
+            <a:endParaRPr lang="en-US" sz="1100" dirty="0"/>
+          </a:p>
+        </p:txBody>
+      </p:sp>
+    </p:spTree>
+    <p:extLst>
+      <p:ext uri="{BB962C8B-B14F-4D97-AF65-F5344CB8AC3E}">
+        <p14:creationId xmlns:p14="http://schemas.microsoft.com/office/powerpoint/2010/main" val="735633661"/>
+      </p:ext>
+    </p:extLst>
+  </p:cSld>
+  <p:clrMapOvr>
+    <a:masterClrMapping/>
+  </p:clrMapOvr>
+</p:notes>
+</file>
+
+<file path=ppt/notesSlides/notesSlide6.xml><?xml version="1.0" encoding="utf-8"?>
+<p:notes xmlns:a="http://schemas.openxmlformats.org/drawingml/2006/main" xmlns:r="http://schemas.openxmlformats.org/officeDocument/2006/relationships" xmlns:p="http://schemas.openxmlformats.org/presentationml/2006/main">
+  <p:cSld>
+    <p:spTree>
+      <p:nvGrpSpPr>
+        <p:cNvPr id="1" name=""/>
+        <p:cNvGrpSpPr/>
+        <p:nvPr/>
+      </p:nvGrpSpPr>
+      <p:grpSpPr>
+        <a:xfrm>
+          <a:off x="0" y="0"/>
+          <a:ext cx="0" cy="0"/>
+          <a:chOff x="0" y="0"/>
+          <a:chExt cx="0" cy="0"/>
+        </a:xfrm>
+      </p:grpSpPr>
+      <p:sp>
+        <p:nvSpPr>
+          <p:cNvPr id="2" name="Slide Image Placeholder 1"/>
+          <p:cNvSpPr>
+            <a:spLocks noGrp="1" noRot="1" noChangeAspect="1"/>
+          </p:cNvSpPr>
+          <p:nvPr>
+            <p:ph type="sldImg"/>
+          </p:nvPr>
+        </p:nvSpPr>
+        <p:spPr/>
+      </p:sp>
+      <p:sp>
+        <p:nvSpPr>
+          <p:cNvPr id="3" name="Notes Placeholder 2"/>
+          <p:cNvSpPr>
+            <a:spLocks noGrp="1"/>
+          </p:cNvSpPr>
+          <p:nvPr>
+            <p:ph type="body" idx="1"/>
+          </p:nvPr>
+        </p:nvSpPr>
+        <p:spPr/>
+        <p:txBody>
+          <a:bodyPr/>
+          <a:lstStyle/>
+          <a:p>
+            <a:endParaRPr lang="en-US" dirty="0"/>
+          </a:p>
+        </p:txBody>
+      </p:sp>
+      <p:sp>
+        <p:nvSpPr>
+          <p:cNvPr id="4" name="Slide Number Placeholder 3"/>
+          <p:cNvSpPr>
+            <a:spLocks noGrp="1"/>
+          </p:cNvSpPr>
+          <p:nvPr>
+            <p:ph type="sldNum" sz="quarter" idx="10"/>
+          </p:nvPr>
+        </p:nvSpPr>
+        <p:spPr/>
+        <p:txBody>
+          <a:bodyPr/>
+          <a:lstStyle/>
+          <a:p>
+            <a:fld id="{2BF067CD-8E6B-4360-9AA8-C5DF2A48A6D1}" type="slidenum">
+              <a:rPr lang="en-US" smtClean="0"/>
+              <a:t>11</a:t>
+            </a:fld>
+            <a:endParaRPr lang="en-US" dirty="0"/>
+          </a:p>
+        </p:txBody>
+      </p:sp>
+      <p:sp>
+        <p:nvSpPr>
+          <p:cNvPr id="5" name="Footer Placeholder 4"/>
+          <p:cNvSpPr>
+            <a:spLocks noGrp="1"/>
+          </p:cNvSpPr>
+          <p:nvPr>
+            <p:ph type="ftr" sz="quarter" idx="11"/>
+          </p:nvPr>
+        </p:nvSpPr>
+        <p:spPr/>
+        <p:txBody>
+          <a:bodyPr/>
+          <a:lstStyle/>
+          <a:p>
+            <a:r>
+              <a:rPr lang="bg-BG" sz="1100" smtClean="0"/>
+              <a:t>Работна група </a:t>
+            </a:r>
+            <a:r>
+              <a:rPr lang="bg-BG" smtClean="0"/>
+              <a:t>"Образование по програмиране и ИТ"</a:t>
+            </a:r>
+            <a:r>
+              <a:rPr lang="bg-BG" sz="1100" smtClean="0"/>
+              <a:t>, с подкрепата на </a:t>
+            </a:r>
+            <a:r>
+              <a:rPr lang="en-US" sz="1100" smtClean="0">
+                <a:hlinkClick r:id="rId3"/>
+              </a:rPr>
+              <a:t>SoftUni</a:t>
+            </a:r>
+            <a:endParaRPr lang="en-US" sz="1100" dirty="0"/>
+          </a:p>
+        </p:txBody>
+      </p:sp>
+    </p:spTree>
+    <p:extLst>
+      <p:ext uri="{BB962C8B-B14F-4D97-AF65-F5344CB8AC3E}">
+        <p14:creationId xmlns:p14="http://schemas.microsoft.com/office/powerpoint/2010/main" val="2042401762"/>
+      </p:ext>
+    </p:extLst>
+  </p:cSld>
+  <p:clrMapOvr>
+    <a:masterClrMapping/>
+  </p:clrMapOvr>
+</p:notes>
+</file>
+
+<file path=ppt/notesSlides/notesSlide7.xml><?xml version="1.0" encoding="utf-8"?>
+<p:notes xmlns:a="http://schemas.openxmlformats.org/drawingml/2006/main" xmlns:r="http://schemas.openxmlformats.org/officeDocument/2006/relationships" xmlns:p="http://schemas.openxmlformats.org/presentationml/2006/main">
+  <p:cSld>
+    <p:spTree>
+      <p:nvGrpSpPr>
+        <p:cNvPr id="1" name=""/>
+        <p:cNvGrpSpPr/>
+        <p:nvPr/>
+      </p:nvGrpSpPr>
+      <p:grpSpPr>
+        <a:xfrm>
+          <a:off x="0" y="0"/>
+          <a:ext cx="0" cy="0"/>
+          <a:chOff x="0" y="0"/>
+          <a:chExt cx="0" cy="0"/>
+        </a:xfrm>
+      </p:grpSpPr>
+      <p:sp>
+        <p:nvSpPr>
+          <p:cNvPr id="2" name="Slide Image Placeholder 1"/>
+          <p:cNvSpPr>
+            <a:spLocks noGrp="1" noRot="1" noChangeAspect="1"/>
+          </p:cNvSpPr>
+          <p:nvPr>
+            <p:ph type="sldImg"/>
+          </p:nvPr>
+        </p:nvSpPr>
+        <p:spPr/>
+      </p:sp>
+      <p:sp>
+        <p:nvSpPr>
+          <p:cNvPr id="3" name="Notes Placeholder 2"/>
+          <p:cNvSpPr>
+            <a:spLocks noGrp="1"/>
+          </p:cNvSpPr>
+          <p:nvPr>
+            <p:ph type="body" idx="1"/>
+          </p:nvPr>
+        </p:nvSpPr>
+        <p:spPr/>
+        <p:txBody>
+          <a:bodyPr/>
+          <a:lstStyle/>
+          <a:p>
+            <a:endParaRPr lang="en-US" dirty="0"/>
+          </a:p>
+        </p:txBody>
+      </p:sp>
+      <p:sp>
+        <p:nvSpPr>
           <p:cNvPr id="4" name="Footer Placeholder 3"/>
           <p:cNvSpPr>
             <a:spLocks noGrp="1"/>
@@ -1355,7 +1748,7 @@
             <a:fld id="{3EBA5BD7-F043-4D1B-AA17-CD412FC534DE}" type="slidenum">
               <a:rPr lang="en-US" smtClean="0"/>
               <a:pPr/>
-              <a:t>4</a:t>
+              <a:t>15</a:t>
             </a:fld>
             <a:endParaRPr lang="en-US" dirty="0"/>
           </a:p>
@@ -1374,7 +1767,7 @@
 </p:notes>
 </file>
 
-<file path=ppt/notesSlides/notesSlide5.xml><?xml version="1.0" encoding="utf-8"?>
+<file path=ppt/notesSlides/notesSlide8.xml><?xml version="1.0" encoding="utf-8"?>
 <p:notes xmlns:a="http://schemas.openxmlformats.org/drawingml/2006/main" xmlns:r="http://schemas.openxmlformats.org/officeDocument/2006/relationships" xmlns:p="http://schemas.openxmlformats.org/presentationml/2006/main">
   <p:cSld>
     <p:spTree>
@@ -1546,7 +1939,7 @@
             <a:fld id="{3EBA5BD7-F043-4D1B-AA17-CD412FC534DE}" type="slidenum">
               <a:rPr lang="en-US" smtClean="0"/>
               <a:pPr/>
-              <a:t>5</a:t>
+              <a:t>16</a:t>
             </a:fld>
             <a:endParaRPr lang="en-US" dirty="0"/>
           </a:p>
@@ -1604,7 +1997,7 @@
 </p:notes>
 </file>
 
-<file path=ppt/notesSlides/notesSlide6.xml><?xml version="1.0" encoding="utf-8"?>
+<file path=ppt/notesSlides/notesSlide9.xml><?xml version="1.0" encoding="utf-8"?>
 <p:notes xmlns:a="http://schemas.openxmlformats.org/drawingml/2006/main" xmlns:r="http://schemas.openxmlformats.org/officeDocument/2006/relationships" xmlns:p="http://schemas.openxmlformats.org/presentationml/2006/main">
   <p:cSld>
     <p:spTree>
@@ -1776,7 +2169,7 @@
             <a:fld id="{3EBA5BD7-F043-4D1B-AA17-CD412FC534DE}" type="slidenum">
               <a:rPr lang="en-US" smtClean="0"/>
               <a:pPr/>
-              <a:t>6</a:t>
+              <a:t>17</a:t>
             </a:fld>
             <a:endParaRPr lang="en-US" dirty="0"/>
           </a:p>
@@ -7146,6 +7539,2959 @@
 </p:sld>
 </file>
 
+<file path=ppt/slides/slide10.xml><?xml version="1.0" encoding="utf-8"?>
+<p:sld xmlns:a="http://schemas.openxmlformats.org/drawingml/2006/main" xmlns:r="http://schemas.openxmlformats.org/officeDocument/2006/relationships" xmlns:p="http://schemas.openxmlformats.org/presentationml/2006/main">
+  <p:cSld>
+    <p:spTree>
+      <p:nvGrpSpPr>
+        <p:cNvPr id="1" name=""/>
+        <p:cNvGrpSpPr/>
+        <p:nvPr/>
+      </p:nvGrpSpPr>
+      <p:grpSpPr>
+        <a:xfrm>
+          <a:off x="0" y="0"/>
+          <a:ext cx="0" cy="0"/>
+          <a:chOff x="0" y="0"/>
+          <a:chExt cx="0" cy="0"/>
+        </a:xfrm>
+      </p:grpSpPr>
+      <p:sp>
+        <p:nvSpPr>
+          <p:cNvPr id="5" name="Title 4"/>
+          <p:cNvSpPr>
+            <a:spLocks noGrp="1"/>
+          </p:cNvSpPr>
+          <p:nvPr>
+            <p:ph type="title" sz="quarter" idx="10"/>
+          </p:nvPr>
+        </p:nvSpPr>
+        <p:spPr>
+          <a:xfrm>
+            <a:off x="615109" y="4704825"/>
+            <a:ext cx="10961783" cy="1802338"/>
+          </a:xfrm>
+        </p:spPr>
+        <p:txBody>
+          <a:bodyPr/>
+          <a:lstStyle/>
+          <a:p>
+            <a:r>
+              <a:rPr lang="ru-RU" dirty="0"/>
+              <a:t>͏Запазване на презентация в разлчини файлови формати</a:t>
+            </a:r>
+            <a:endParaRPr lang="en-US" dirty="0"/>
+          </a:p>
+        </p:txBody>
+      </p:sp>
+      <p:pic>
+        <p:nvPicPr>
+          <p:cNvPr id="4098" name="Picture 2" descr="PPTXをPDFに変換する5つの方法 | ONLYOFFICE公式ブログ"/>
+          <p:cNvPicPr>
+            <a:picLocks noChangeAspect="1" noChangeArrowheads="1"/>
+          </p:cNvPicPr>
+          <p:nvPr/>
+        </p:nvPicPr>
+        <p:blipFill>
+          <a:blip r:embed="rId2">
+            <a:extLst>
+              <a:ext uri="{28A0092B-C50C-407E-A947-70E740481C1C}">
+                <a14:useLocalDpi xmlns:a14="http://schemas.microsoft.com/office/drawing/2010/main" val="0"/>
+              </a:ext>
+            </a:extLst>
+          </a:blip>
+          <a:srcRect/>
+          <a:stretch>
+            <a:fillRect/>
+          </a:stretch>
+        </p:blipFill>
+        <p:spPr bwMode="auto">
+          <a:xfrm>
+            <a:off x="2375100" y="684000"/>
+            <a:ext cx="7441800" cy="3757237"/>
+          </a:xfrm>
+          <a:prstGeom prst="rect">
+            <a:avLst/>
+          </a:prstGeom>
+          <a:noFill/>
+          <a:ln>
+            <a:solidFill>
+              <a:schemeClr val="bg2">
+                <a:lumMod val="75000"/>
+              </a:schemeClr>
+            </a:solidFill>
+          </a:ln>
+          <a:extLst>
+            <a:ext uri="{909E8E84-426E-40DD-AFC4-6F175D3DCCD1}">
+              <a14:hiddenFill xmlns:a14="http://schemas.microsoft.com/office/drawing/2010/main">
+                <a:solidFill>
+                  <a:srgbClr val="FFFFFF"/>
+                </a:solidFill>
+              </a14:hiddenFill>
+            </a:ext>
+          </a:extLst>
+        </p:spPr>
+      </p:pic>
+    </p:spTree>
+    <p:extLst>
+      <p:ext uri="{BB962C8B-B14F-4D97-AF65-F5344CB8AC3E}">
+        <p14:creationId xmlns:p14="http://schemas.microsoft.com/office/powerpoint/2010/main" val="109916572"/>
+      </p:ext>
+    </p:extLst>
+  </p:cSld>
+  <p:clrMapOvr>
+    <a:masterClrMapping/>
+  </p:clrMapOvr>
+  <mc:AlternateContent xmlns:mc="http://schemas.openxmlformats.org/markup-compatibility/2006" xmlns:p14="http://schemas.microsoft.com/office/powerpoint/2010/main">
+    <mc:Choice Requires="p14">
+      <p:transition spd="slow" p14:dur="2000" advClick="0" advTm="5000"/>
+    </mc:Choice>
+    <mc:Fallback xmlns="">
+      <p:transition spd="slow" advClick="0" advTm="5000"/>
+    </mc:Fallback>
+  </mc:AlternateContent>
+  <p:timing>
+    <p:tnLst>
+      <p:par>
+        <p:cTn id="1" dur="indefinite" restart="never" nodeType="tmRoot"/>
+      </p:par>
+    </p:tnLst>
+  </p:timing>
+</p:sld>
+</file>
+
+<file path=ppt/slides/slide11.xml><?xml version="1.0" encoding="utf-8"?>
+<p:sld xmlns:a="http://schemas.openxmlformats.org/drawingml/2006/main" xmlns:r="http://schemas.openxmlformats.org/officeDocument/2006/relationships" xmlns:p="http://schemas.openxmlformats.org/presentationml/2006/main">
+  <p:cSld>
+    <p:spTree>
+      <p:nvGrpSpPr>
+        <p:cNvPr id="1" name=""/>
+        <p:cNvGrpSpPr/>
+        <p:nvPr/>
+      </p:nvGrpSpPr>
+      <p:grpSpPr>
+        <a:xfrm>
+          <a:off x="0" y="0"/>
+          <a:ext cx="0" cy="0"/>
+          <a:chOff x="0" y="0"/>
+          <a:chExt cx="0" cy="0"/>
+        </a:xfrm>
+      </p:grpSpPr>
+      <p:sp>
+        <p:nvSpPr>
+          <p:cNvPr id="4" name="Title 3"/>
+          <p:cNvSpPr>
+            <a:spLocks noGrp="1"/>
+          </p:cNvSpPr>
+          <p:nvPr>
+            <p:ph type="title"/>
+          </p:nvPr>
+        </p:nvSpPr>
+        <p:spPr/>
+        <p:txBody>
+          <a:bodyPr>
+            <a:normAutofit fontScale="90000"/>
+          </a:bodyPr>
+          <a:lstStyle/>
+          <a:p>
+            <a:r>
+              <a:rPr lang="bg-BG" dirty="0" smtClean="0"/>
+              <a:t>Съхраняване на презентация в ралзични формати</a:t>
+            </a:r>
+            <a:endParaRPr lang="en-US" dirty="0"/>
+          </a:p>
+        </p:txBody>
+      </p:sp>
+      <p:pic>
+        <p:nvPicPr>
+          <p:cNvPr id="6" name="Picture 5"/>
+          <p:cNvPicPr>
+            <a:picLocks noChangeAspect="1"/>
+          </p:cNvPicPr>
+          <p:nvPr/>
+        </p:nvPicPr>
+        <p:blipFill rotWithShape="1">
+          <a:blip r:embed="rId3"/>
+          <a:srcRect t="1" r="72786" b="78396"/>
+          <a:stretch/>
+        </p:blipFill>
+        <p:spPr>
+          <a:xfrm>
+            <a:off x="2571256" y="2844000"/>
+            <a:ext cx="7049488" cy="3041847"/>
+          </a:xfrm>
+          <a:prstGeom prst="rect">
+            <a:avLst/>
+          </a:prstGeom>
+          <a:ln>
+            <a:solidFill>
+              <a:schemeClr val="bg2">
+                <a:lumMod val="75000"/>
+              </a:schemeClr>
+            </a:solidFill>
+          </a:ln>
+        </p:spPr>
+      </p:pic>
+      <p:sp>
+        <p:nvSpPr>
+          <p:cNvPr id="7" name="Rounded Rectangular Callout 6"/>
+          <p:cNvSpPr/>
+          <p:nvPr/>
+        </p:nvSpPr>
+        <p:spPr bwMode="auto">
+          <a:xfrm>
+            <a:off x="4071000" y="1629000"/>
+            <a:ext cx="5850000" cy="1575000"/>
+          </a:xfrm>
+          <a:prstGeom prst="wedgeRoundRectCallout">
+            <a:avLst>
+              <a:gd name="adj1" fmla="val -65771"/>
+              <a:gd name="adj2" fmla="val 64314"/>
+              <a:gd name="adj3" fmla="val 16667"/>
+            </a:avLst>
+          </a:prstGeom>
+          <a:solidFill>
+            <a:schemeClr val="dk2">
+              <a:alpha val="80000"/>
+            </a:schemeClr>
+          </a:solidFill>
+          <a:ln w="19050">
+            <a:solidFill>
+              <a:schemeClr val="tx1">
+                <a:lumMod val="75000"/>
+                <a:alpha val="80000"/>
+              </a:schemeClr>
+            </a:solidFill>
+          </a:ln>
+          <a:effectLst/>
+        </p:spPr>
+        <p:style>
+          <a:lnRef idx="2">
+            <a:schemeClr val="accent1">
+              <a:shade val="50000"/>
+            </a:schemeClr>
+          </a:lnRef>
+          <a:fillRef idx="1001">
+            <a:schemeClr val="dk2"/>
+          </a:fillRef>
+          <a:effectRef idx="0">
+            <a:schemeClr val="accent1"/>
+          </a:effectRef>
+          <a:fontRef idx="minor">
+            <a:schemeClr val="lt1"/>
+          </a:fontRef>
+        </p:style>
+        <p:txBody>
+          <a:bodyPr rot="0" spcFirstLastPara="0" vertOverflow="overflow" horzOverflow="overflow" vert="horz" wrap="square" lIns="91440" tIns="45720" rIns="91440" bIns="45720" numCol="1" spcCol="0" rtlCol="0" fromWordArt="0" anchor="ctr" anchorCtr="0" forceAA="0" compatLnSpc="1">
+            <a:prstTxWarp prst="textNoShape">
+              <a:avLst/>
+            </a:prstTxWarp>
+            <a:noAutofit/>
+          </a:bodyPr>
+          <a:lstStyle/>
+          <a:p>
+            <a:pPr algn="ctr"/>
+            <a:r>
+              <a:rPr lang="ru-RU" sz="2800" b="1" dirty="0">
+                <a:solidFill>
+                  <a:srgbClr val="FFFFFF"/>
+                </a:solidFill>
+                <a:effectLst>
+                  <a:outerShdw blurRad="38100" dist="38100" dir="2700000" algn="tl">
+                    <a:srgbClr val="000000">
+                      <a:alpha val="43137"/>
+                    </a:srgbClr>
+                  </a:outerShdw>
+                </a:effectLst>
+              </a:rPr>
+              <a:t>Съхраняването на презентация в определн формат в </a:t>
+            </a:r>
+            <a:r>
+              <a:rPr lang="ru-RU" sz="2800" b="1" dirty="0">
+                <a:solidFill>
+                  <a:schemeClr val="bg1">
+                    <a:lumMod val="60000"/>
+                    <a:lumOff val="40000"/>
+                  </a:schemeClr>
+                </a:solidFill>
+                <a:effectLst>
+                  <a:outerShdw blurRad="38100" dist="38100" dir="2700000" algn="tl">
+                    <a:srgbClr val="000000">
+                      <a:alpha val="43137"/>
+                    </a:srgbClr>
+                  </a:outerShdw>
+                </a:effectLst>
+              </a:rPr>
+              <a:t>MS PowerPoint </a:t>
+            </a:r>
+            <a:r>
+              <a:rPr lang="ru-RU" sz="2800" b="1" dirty="0">
+                <a:solidFill>
+                  <a:srgbClr val="FFFFFF"/>
+                </a:solidFill>
+                <a:effectLst>
+                  <a:outerShdw blurRad="38100" dist="38100" dir="2700000" algn="tl">
+                    <a:srgbClr val="000000">
+                      <a:alpha val="43137"/>
+                    </a:srgbClr>
+                  </a:outerShdw>
+                </a:effectLst>
+              </a:rPr>
+              <a:t>става от менюто </a:t>
+            </a:r>
+            <a:r>
+              <a:rPr lang="ru-RU" sz="2800" b="1" dirty="0" smtClean="0">
+                <a:solidFill>
+                  <a:schemeClr val="bg1">
+                    <a:lumMod val="60000"/>
+                    <a:lumOff val="40000"/>
+                  </a:schemeClr>
+                </a:solidFill>
+                <a:effectLst>
+                  <a:outerShdw blurRad="38100" dist="38100" dir="2700000" algn="tl">
+                    <a:srgbClr val="000000">
+                      <a:alpha val="43137"/>
+                    </a:srgbClr>
+                  </a:outerShdw>
+                </a:effectLst>
+              </a:rPr>
+              <a:t>File</a:t>
+            </a:r>
+            <a:r>
+              <a:rPr lang="ru-RU" sz="2800" b="1" dirty="0" smtClean="0">
+                <a:solidFill>
+                  <a:srgbClr val="FFFFFF"/>
+                </a:solidFill>
+                <a:effectLst>
+                  <a:outerShdw blurRad="38100" dist="38100" dir="2700000" algn="tl">
+                    <a:srgbClr val="000000">
+                      <a:alpha val="43137"/>
+                    </a:srgbClr>
+                  </a:outerShdw>
+                </a:effectLst>
+              </a:rPr>
+              <a:t> </a:t>
+            </a:r>
+            <a:endParaRPr lang="ru-RU" sz="2800" b="1" dirty="0">
+              <a:solidFill>
+                <a:srgbClr val="FFFFFF"/>
+              </a:solidFill>
+              <a:effectLst>
+                <a:outerShdw blurRad="38100" dist="38100" dir="2700000" algn="tl">
+                  <a:srgbClr val="000000">
+                    <a:alpha val="43137"/>
+                  </a:srgbClr>
+                </a:outerShdw>
+              </a:effectLst>
+            </a:endParaRPr>
+          </a:p>
+        </p:txBody>
+      </p:sp>
+    </p:spTree>
+    <p:extLst>
+      <p:ext uri="{BB962C8B-B14F-4D97-AF65-F5344CB8AC3E}">
+        <p14:creationId xmlns:p14="http://schemas.microsoft.com/office/powerpoint/2010/main" val="157538042"/>
+      </p:ext>
+    </p:extLst>
+  </p:cSld>
+  <p:clrMapOvr>
+    <a:masterClrMapping/>
+  </p:clrMapOvr>
+  <mc:AlternateContent xmlns:mc="http://schemas.openxmlformats.org/markup-compatibility/2006" xmlns:p14="http://schemas.microsoft.com/office/powerpoint/2010/main">
+    <mc:Choice Requires="p14">
+      <p:transition spd="slow" p14:dur="2000" advClick="0" advTm="5000"/>
+    </mc:Choice>
+    <mc:Fallback xmlns="">
+      <p:transition spd="slow" advClick="0" advTm="5000"/>
+    </mc:Fallback>
+  </mc:AlternateContent>
+  <p:timing>
+    <p:tnLst>
+      <p:par>
+        <p:cTn id="1" dur="indefinite" restart="never" nodeType="tmRoot">
+          <p:childTnLst>
+            <p:seq concurrent="1" nextAc="seek">
+              <p:cTn id="2" dur="indefinite" nodeType="mainSeq">
+                <p:childTnLst>
+                  <p:par>
+                    <p:cTn id="3" fill="hold">
+                      <p:stCondLst>
+                        <p:cond delay="indefinite"/>
+                      </p:stCondLst>
+                      <p:childTnLst>
+                        <p:par>
+                          <p:cTn id="4" fill="hold">
+                            <p:stCondLst>
+                              <p:cond delay="0"/>
+                            </p:stCondLst>
+                            <p:childTnLst>
+                              <p:par>
+                                <p:cTn id="5" presetID="1" presetClass="entr" presetSubtype="0" fill="hold" grpId="0" nodeType="clickEffect">
+                                  <p:stCondLst>
+                                    <p:cond delay="0"/>
+                                  </p:stCondLst>
+                                  <p:childTnLst>
+                                    <p:set>
+                                      <p:cBhvr>
+                                        <p:cTn id="6" dur="1" fill="hold">
+                                          <p:stCondLst>
+                                            <p:cond delay="0"/>
+                                          </p:stCondLst>
+                                        </p:cTn>
+                                        <p:tgtEl>
+                                          <p:spTgt spid="7"/>
+                                        </p:tgtEl>
+                                        <p:attrNameLst>
+                                          <p:attrName>style.visibility</p:attrName>
+                                        </p:attrNameLst>
+                                      </p:cBhvr>
+                                      <p:to>
+                                        <p:strVal val="visible"/>
+                                      </p:to>
+                                    </p:set>
+                                  </p:childTnLst>
+                                </p:cTn>
+                              </p:par>
+                            </p:childTnLst>
+                          </p:cTn>
+                        </p:par>
+                      </p:childTnLst>
+                    </p:cTn>
+                  </p:par>
+                </p:childTnLst>
+              </p:cTn>
+              <p:prevCondLst>
+                <p:cond evt="onPrev" delay="0">
+                  <p:tgtEl>
+                    <p:sldTgt/>
+                  </p:tgtEl>
+                </p:cond>
+              </p:prevCondLst>
+              <p:nextCondLst>
+                <p:cond evt="onNext" delay="0">
+                  <p:tgtEl>
+                    <p:sldTgt/>
+                  </p:tgtEl>
+                </p:cond>
+              </p:nextCondLst>
+            </p:seq>
+          </p:childTnLst>
+        </p:cTn>
+      </p:par>
+    </p:tnLst>
+    <p:bldLst>
+      <p:bldP spid="7" grpId="0" animBg="1"/>
+    </p:bldLst>
+  </p:timing>
+</p:sld>
+</file>
+
+<file path=ppt/slides/slide12.xml><?xml version="1.0" encoding="utf-8"?>
+<p:sld xmlns:a="http://schemas.openxmlformats.org/drawingml/2006/main" xmlns:r="http://schemas.openxmlformats.org/officeDocument/2006/relationships" xmlns:p="http://schemas.openxmlformats.org/presentationml/2006/main">
+  <p:cSld>
+    <p:spTree>
+      <p:nvGrpSpPr>
+        <p:cNvPr id="1" name=""/>
+        <p:cNvGrpSpPr/>
+        <p:nvPr/>
+      </p:nvGrpSpPr>
+      <p:grpSpPr>
+        <a:xfrm>
+          <a:off x="0" y="0"/>
+          <a:ext cx="0" cy="0"/>
+          <a:chOff x="0" y="0"/>
+          <a:chExt cx="0" cy="0"/>
+        </a:xfrm>
+      </p:grpSpPr>
+      <p:sp>
+        <p:nvSpPr>
+          <p:cNvPr id="2" name="Slide Number Placeholder 1"/>
+          <p:cNvSpPr>
+            <a:spLocks noGrp="1"/>
+          </p:cNvSpPr>
+          <p:nvPr>
+            <p:ph type="sldNum" sz="quarter" idx="5"/>
+          </p:nvPr>
+        </p:nvSpPr>
+        <p:spPr/>
+        <p:txBody>
+          <a:bodyPr/>
+          <a:lstStyle/>
+          <a:p>
+            <a:fld id="{2BF067CD-8E6B-4360-9AA8-C5DF2A48A6D1}" type="slidenum">
+              <a:rPr lang="en-US" noProof="0" smtClean="0"/>
+              <a:pPr/>
+              <a:t>12</a:t>
+            </a:fld>
+            <a:endParaRPr lang="en-US" noProof="0" dirty="0"/>
+          </a:p>
+        </p:txBody>
+      </p:sp>
+      <p:sp>
+        <p:nvSpPr>
+          <p:cNvPr id="4" name="Title 3"/>
+          <p:cNvSpPr>
+            <a:spLocks noGrp="1"/>
+          </p:cNvSpPr>
+          <p:nvPr>
+            <p:ph type="title"/>
+          </p:nvPr>
+        </p:nvSpPr>
+        <p:spPr/>
+        <p:txBody>
+          <a:bodyPr>
+            <a:normAutofit fontScale="90000"/>
+          </a:bodyPr>
+          <a:lstStyle/>
+          <a:p>
+            <a:r>
+              <a:rPr lang="bg-BG" dirty="0"/>
+              <a:t>Съхраняване на презентация в ралзични формати</a:t>
+            </a:r>
+            <a:endParaRPr lang="en-US" dirty="0"/>
+          </a:p>
+        </p:txBody>
+      </p:sp>
+      <p:pic>
+        <p:nvPicPr>
+          <p:cNvPr id="5" name="Picture 4"/>
+          <p:cNvPicPr>
+            <a:picLocks noChangeAspect="1"/>
+          </p:cNvPicPr>
+          <p:nvPr/>
+        </p:nvPicPr>
+        <p:blipFill rotWithShape="1">
+          <a:blip r:embed="rId2"/>
+          <a:srcRect r="74256" b="47746"/>
+          <a:stretch/>
+        </p:blipFill>
+        <p:spPr>
+          <a:xfrm>
+            <a:off x="5016000" y="1359000"/>
+            <a:ext cx="4728382" cy="5216797"/>
+          </a:xfrm>
+          <a:prstGeom prst="rect">
+            <a:avLst/>
+          </a:prstGeom>
+          <a:ln>
+            <a:solidFill>
+              <a:schemeClr val="bg2">
+                <a:lumMod val="75000"/>
+              </a:schemeClr>
+            </a:solidFill>
+          </a:ln>
+        </p:spPr>
+      </p:pic>
+      <p:sp>
+        <p:nvSpPr>
+          <p:cNvPr id="6" name="Rounded Rectangular Callout 5"/>
+          <p:cNvSpPr/>
+          <p:nvPr/>
+        </p:nvSpPr>
+        <p:spPr bwMode="auto">
+          <a:xfrm>
+            <a:off x="1477352" y="2259000"/>
+            <a:ext cx="3060000" cy="1215000"/>
+          </a:xfrm>
+          <a:prstGeom prst="wedgeRoundRectCallout">
+            <a:avLst>
+              <a:gd name="adj1" fmla="val 64145"/>
+              <a:gd name="adj2" fmla="val 61716"/>
+              <a:gd name="adj3" fmla="val 16667"/>
+            </a:avLst>
+          </a:prstGeom>
+          <a:solidFill>
+            <a:schemeClr val="dk2">
+              <a:alpha val="80000"/>
+            </a:schemeClr>
+          </a:solidFill>
+          <a:ln w="19050">
+            <a:solidFill>
+              <a:schemeClr val="tx1">
+                <a:lumMod val="75000"/>
+                <a:alpha val="80000"/>
+              </a:schemeClr>
+            </a:solidFill>
+          </a:ln>
+          <a:effectLst/>
+        </p:spPr>
+        <p:style>
+          <a:lnRef idx="2">
+            <a:schemeClr val="accent1">
+              <a:shade val="50000"/>
+            </a:schemeClr>
+          </a:lnRef>
+          <a:fillRef idx="1001">
+            <a:schemeClr val="dk2"/>
+          </a:fillRef>
+          <a:effectRef idx="0">
+            <a:schemeClr val="accent1"/>
+          </a:effectRef>
+          <a:fontRef idx="minor">
+            <a:schemeClr val="lt1"/>
+          </a:fontRef>
+        </p:style>
+        <p:txBody>
+          <a:bodyPr rot="0" spcFirstLastPara="0" vertOverflow="overflow" horzOverflow="overflow" vert="horz" wrap="square" lIns="91440" tIns="45720" rIns="91440" bIns="45720" numCol="1" spcCol="0" rtlCol="0" fromWordArt="0" anchor="ctr" anchorCtr="0" forceAA="0" compatLnSpc="1">
+            <a:prstTxWarp prst="textNoShape">
+              <a:avLst/>
+            </a:prstTxWarp>
+            <a:noAutofit/>
+          </a:bodyPr>
+          <a:lstStyle/>
+          <a:p>
+            <a:pPr algn="ctr"/>
+            <a:r>
+              <a:rPr lang="bg-BG" sz="2800" b="1" dirty="0" smtClean="0">
+                <a:solidFill>
+                  <a:srgbClr val="FFFFFF"/>
+                </a:solidFill>
+                <a:effectLst>
+                  <a:outerShdw blurRad="38100" dist="38100" dir="2700000" algn="tl">
+                    <a:srgbClr val="000000">
+                      <a:alpha val="43137"/>
+                    </a:srgbClr>
+                  </a:outerShdw>
+                </a:effectLst>
+              </a:rPr>
+              <a:t>Оттук избирате опцията </a:t>
+            </a:r>
+            <a:r>
+              <a:rPr lang="en-US" sz="2800" b="1" dirty="0" smtClean="0">
+                <a:solidFill>
+                  <a:schemeClr val="bg1">
+                    <a:lumMod val="60000"/>
+                    <a:lumOff val="40000"/>
+                  </a:schemeClr>
+                </a:solidFill>
+                <a:effectLst>
+                  <a:outerShdw blurRad="38100" dist="38100" dir="2700000" algn="tl">
+                    <a:srgbClr val="000000">
+                      <a:alpha val="43137"/>
+                    </a:srgbClr>
+                  </a:outerShdw>
+                </a:effectLst>
+              </a:rPr>
+              <a:t>Save As</a:t>
+            </a:r>
+            <a:endParaRPr lang="en-US" sz="2800" b="1" dirty="0">
+              <a:solidFill>
+                <a:schemeClr val="bg1">
+                  <a:lumMod val="60000"/>
+                  <a:lumOff val="40000"/>
+                </a:schemeClr>
+              </a:solidFill>
+              <a:effectLst>
+                <a:outerShdw blurRad="38100" dist="38100" dir="2700000" algn="tl">
+                  <a:srgbClr val="000000">
+                    <a:alpha val="43137"/>
+                  </a:srgbClr>
+                </a:outerShdw>
+              </a:effectLst>
+            </a:endParaRPr>
+          </a:p>
+        </p:txBody>
+      </p:sp>
+    </p:spTree>
+    <p:extLst>
+      <p:ext uri="{BB962C8B-B14F-4D97-AF65-F5344CB8AC3E}">
+        <p14:creationId xmlns:p14="http://schemas.microsoft.com/office/powerpoint/2010/main" val="415691239"/>
+      </p:ext>
+    </p:extLst>
+  </p:cSld>
+  <p:clrMapOvr>
+    <a:masterClrMapping/>
+  </p:clrMapOvr>
+  <mc:AlternateContent xmlns:mc="http://schemas.openxmlformats.org/markup-compatibility/2006" xmlns:p14="http://schemas.microsoft.com/office/powerpoint/2010/main">
+    <mc:Choice Requires="p14">
+      <p:transition spd="slow" p14:dur="2000" advClick="0" advTm="5000"/>
+    </mc:Choice>
+    <mc:Fallback xmlns="">
+      <p:transition spd="slow" advClick="0" advTm="5000"/>
+    </mc:Fallback>
+  </mc:AlternateContent>
+  <p:timing>
+    <p:tnLst>
+      <p:par>
+        <p:cTn id="1" dur="indefinite" restart="never" nodeType="tmRoot">
+          <p:childTnLst>
+            <p:seq concurrent="1" nextAc="seek">
+              <p:cTn id="2" dur="indefinite" nodeType="mainSeq">
+                <p:childTnLst>
+                  <p:par>
+                    <p:cTn id="3" fill="hold">
+                      <p:stCondLst>
+                        <p:cond delay="indefinite"/>
+                      </p:stCondLst>
+                      <p:childTnLst>
+                        <p:par>
+                          <p:cTn id="4" fill="hold">
+                            <p:stCondLst>
+                              <p:cond delay="0"/>
+                            </p:stCondLst>
+                            <p:childTnLst>
+                              <p:par>
+                                <p:cTn id="5" presetID="1" presetClass="entr" presetSubtype="0" fill="hold" grpId="0" nodeType="clickEffect">
+                                  <p:stCondLst>
+                                    <p:cond delay="0"/>
+                                  </p:stCondLst>
+                                  <p:childTnLst>
+                                    <p:set>
+                                      <p:cBhvr>
+                                        <p:cTn id="6" dur="1" fill="hold">
+                                          <p:stCondLst>
+                                            <p:cond delay="0"/>
+                                          </p:stCondLst>
+                                        </p:cTn>
+                                        <p:tgtEl>
+                                          <p:spTgt spid="6"/>
+                                        </p:tgtEl>
+                                        <p:attrNameLst>
+                                          <p:attrName>style.visibility</p:attrName>
+                                        </p:attrNameLst>
+                                      </p:cBhvr>
+                                      <p:to>
+                                        <p:strVal val="visible"/>
+                                      </p:to>
+                                    </p:set>
+                                  </p:childTnLst>
+                                </p:cTn>
+                              </p:par>
+                            </p:childTnLst>
+                          </p:cTn>
+                        </p:par>
+                      </p:childTnLst>
+                    </p:cTn>
+                  </p:par>
+                </p:childTnLst>
+              </p:cTn>
+              <p:prevCondLst>
+                <p:cond evt="onPrev" delay="0">
+                  <p:tgtEl>
+                    <p:sldTgt/>
+                  </p:tgtEl>
+                </p:cond>
+              </p:prevCondLst>
+              <p:nextCondLst>
+                <p:cond evt="onNext" delay="0">
+                  <p:tgtEl>
+                    <p:sldTgt/>
+                  </p:tgtEl>
+                </p:cond>
+              </p:nextCondLst>
+            </p:seq>
+          </p:childTnLst>
+        </p:cTn>
+      </p:par>
+    </p:tnLst>
+    <p:bldLst>
+      <p:bldP spid="6" grpId="0" animBg="1"/>
+    </p:bldLst>
+  </p:timing>
+</p:sld>
+</file>
+
+<file path=ppt/slides/slide13.xml><?xml version="1.0" encoding="utf-8"?>
+<p:sld xmlns:a="http://schemas.openxmlformats.org/drawingml/2006/main" xmlns:r="http://schemas.openxmlformats.org/officeDocument/2006/relationships" xmlns:p="http://schemas.openxmlformats.org/presentationml/2006/main">
+  <p:cSld>
+    <p:spTree>
+      <p:nvGrpSpPr>
+        <p:cNvPr id="1" name=""/>
+        <p:cNvGrpSpPr/>
+        <p:nvPr/>
+      </p:nvGrpSpPr>
+      <p:grpSpPr>
+        <a:xfrm>
+          <a:off x="0" y="0"/>
+          <a:ext cx="0" cy="0"/>
+          <a:chOff x="0" y="0"/>
+          <a:chExt cx="0" cy="0"/>
+        </a:xfrm>
+      </p:grpSpPr>
+      <p:sp>
+        <p:nvSpPr>
+          <p:cNvPr id="2" name="Slide Number Placeholder 1"/>
+          <p:cNvSpPr>
+            <a:spLocks noGrp="1"/>
+          </p:cNvSpPr>
+          <p:nvPr>
+            <p:ph type="sldNum" sz="quarter" idx="5"/>
+          </p:nvPr>
+        </p:nvSpPr>
+        <p:spPr/>
+        <p:txBody>
+          <a:bodyPr/>
+          <a:lstStyle/>
+          <a:p>
+            <a:fld id="{2BF067CD-8E6B-4360-9AA8-C5DF2A48A6D1}" type="slidenum">
+              <a:rPr lang="en-US" noProof="0" smtClean="0"/>
+              <a:pPr/>
+              <a:t>13</a:t>
+            </a:fld>
+            <a:endParaRPr lang="en-US" noProof="0" dirty="0"/>
+          </a:p>
+        </p:txBody>
+      </p:sp>
+      <p:sp>
+        <p:nvSpPr>
+          <p:cNvPr id="4" name="Title 3"/>
+          <p:cNvSpPr>
+            <a:spLocks noGrp="1"/>
+          </p:cNvSpPr>
+          <p:nvPr>
+            <p:ph type="title"/>
+          </p:nvPr>
+        </p:nvSpPr>
+        <p:spPr/>
+        <p:txBody>
+          <a:bodyPr>
+            <a:normAutofit fontScale="90000"/>
+          </a:bodyPr>
+          <a:lstStyle/>
+          <a:p>
+            <a:r>
+              <a:rPr lang="bg-BG" dirty="0"/>
+              <a:t>Съхраняване на презентация в ралзични формати</a:t>
+            </a:r>
+            <a:endParaRPr lang="en-US" dirty="0"/>
+          </a:p>
+        </p:txBody>
+      </p:sp>
+      <p:pic>
+        <p:nvPicPr>
+          <p:cNvPr id="8" name="Picture 7"/>
+          <p:cNvPicPr>
+            <a:picLocks noChangeAspect="1"/>
+          </p:cNvPicPr>
+          <p:nvPr/>
+        </p:nvPicPr>
+        <p:blipFill rotWithShape="1">
+          <a:blip r:embed="rId2"/>
+          <a:srcRect l="757" t="1250" b="1275"/>
+          <a:stretch/>
+        </p:blipFill>
+        <p:spPr>
+          <a:xfrm>
+            <a:off x="2271000" y="1268211"/>
+            <a:ext cx="7245000" cy="4310579"/>
+          </a:xfrm>
+          <a:prstGeom prst="rect">
+            <a:avLst/>
+          </a:prstGeom>
+          <a:ln>
+            <a:solidFill>
+              <a:schemeClr val="bg2">
+                <a:lumMod val="75000"/>
+              </a:schemeClr>
+            </a:solidFill>
+          </a:ln>
+        </p:spPr>
+      </p:pic>
+      <p:pic>
+        <p:nvPicPr>
+          <p:cNvPr id="6" name="Picture 5"/>
+          <p:cNvPicPr>
+            <a:picLocks noChangeAspect="1"/>
+          </p:cNvPicPr>
+          <p:nvPr/>
+        </p:nvPicPr>
+        <p:blipFill rotWithShape="1">
+          <a:blip r:embed="rId3"/>
+          <a:srcRect t="1" r="4301" b="21725"/>
+          <a:stretch/>
+        </p:blipFill>
+        <p:spPr>
+          <a:xfrm>
+            <a:off x="3701474" y="4537575"/>
+            <a:ext cx="5724525" cy="2269500"/>
+          </a:xfrm>
+          <a:prstGeom prst="rect">
+            <a:avLst/>
+          </a:prstGeom>
+          <a:ln>
+            <a:solidFill>
+              <a:schemeClr val="bg2">
+                <a:lumMod val="75000"/>
+              </a:schemeClr>
+            </a:solidFill>
+          </a:ln>
+        </p:spPr>
+      </p:pic>
+      <p:sp>
+        <p:nvSpPr>
+          <p:cNvPr id="12" name="Rounded Rectangular Callout 11"/>
+          <p:cNvSpPr/>
+          <p:nvPr/>
+        </p:nvSpPr>
+        <p:spPr bwMode="auto">
+          <a:xfrm>
+            <a:off x="8551087" y="1404000"/>
+            <a:ext cx="3375000" cy="1350000"/>
+          </a:xfrm>
+          <a:prstGeom prst="wedgeRoundRectCallout">
+            <a:avLst>
+              <a:gd name="adj1" fmla="val -47548"/>
+              <a:gd name="adj2" fmla="val 81942"/>
+              <a:gd name="adj3" fmla="val 16667"/>
+            </a:avLst>
+          </a:prstGeom>
+          <a:solidFill>
+            <a:schemeClr val="dk2">
+              <a:alpha val="80000"/>
+            </a:schemeClr>
+          </a:solidFill>
+          <a:ln w="19050">
+            <a:solidFill>
+              <a:schemeClr val="tx1">
+                <a:lumMod val="75000"/>
+                <a:alpha val="80000"/>
+              </a:schemeClr>
+            </a:solidFill>
+          </a:ln>
+          <a:effectLst/>
+        </p:spPr>
+        <p:style>
+          <a:lnRef idx="2">
+            <a:schemeClr val="accent1">
+              <a:shade val="50000"/>
+            </a:schemeClr>
+          </a:lnRef>
+          <a:fillRef idx="1001">
+            <a:schemeClr val="dk2"/>
+          </a:fillRef>
+          <a:effectRef idx="0">
+            <a:schemeClr val="accent1"/>
+          </a:effectRef>
+          <a:fontRef idx="minor">
+            <a:schemeClr val="lt1"/>
+          </a:fontRef>
+        </p:style>
+        <p:txBody>
+          <a:bodyPr rot="0" spcFirstLastPara="0" vertOverflow="overflow" horzOverflow="overflow" vert="horz" wrap="square" lIns="91440" tIns="45720" rIns="91440" bIns="45720" numCol="1" spcCol="0" rtlCol="0" fromWordArt="0" anchor="ctr" anchorCtr="0" forceAA="0" compatLnSpc="1">
+            <a:prstTxWarp prst="textNoShape">
+              <a:avLst/>
+            </a:prstTxWarp>
+            <a:noAutofit/>
+          </a:bodyPr>
+          <a:lstStyle/>
+          <a:p>
+            <a:pPr algn="ctr"/>
+            <a:r>
+              <a:rPr lang="bg-BG" sz="2800" b="1" dirty="0" smtClean="0">
+                <a:solidFill>
+                  <a:srgbClr val="FFFFFF"/>
+                </a:solidFill>
+                <a:effectLst>
+                  <a:outerShdw blurRad="38100" dist="38100" dir="2700000" algn="tl">
+                    <a:srgbClr val="000000">
+                      <a:alpha val="43137"/>
+                    </a:srgbClr>
+                  </a:outerShdw>
+                </a:effectLst>
+              </a:rPr>
+              <a:t>Така се отваря диалогов прозорец </a:t>
+            </a:r>
+            <a:r>
+              <a:rPr lang="en-US" sz="2800" b="1" dirty="0" smtClean="0">
+                <a:solidFill>
+                  <a:schemeClr val="bg1">
+                    <a:lumMod val="60000"/>
+                    <a:lumOff val="40000"/>
+                  </a:schemeClr>
+                </a:solidFill>
+                <a:effectLst>
+                  <a:outerShdw blurRad="38100" dist="38100" dir="2700000" algn="tl">
+                    <a:srgbClr val="000000">
+                      <a:alpha val="43137"/>
+                    </a:srgbClr>
+                  </a:outerShdw>
+                </a:effectLst>
+              </a:rPr>
+              <a:t>Save As</a:t>
+            </a:r>
+            <a:endParaRPr lang="en-US" sz="2800" b="1" dirty="0">
+              <a:solidFill>
+                <a:schemeClr val="bg1">
+                  <a:lumMod val="60000"/>
+                  <a:lumOff val="40000"/>
+                </a:schemeClr>
+              </a:solidFill>
+              <a:effectLst>
+                <a:outerShdw blurRad="38100" dist="38100" dir="2700000" algn="tl">
+                  <a:srgbClr val="000000">
+                    <a:alpha val="43137"/>
+                  </a:srgbClr>
+                </a:outerShdw>
+              </a:effectLst>
+            </a:endParaRPr>
+          </a:p>
+        </p:txBody>
+      </p:sp>
+      <p:sp>
+        <p:nvSpPr>
+          <p:cNvPr id="13" name="Rounded Rectangular Callout 12"/>
+          <p:cNvSpPr/>
+          <p:nvPr/>
+        </p:nvSpPr>
+        <p:spPr bwMode="auto">
+          <a:xfrm>
+            <a:off x="3813750" y="1883766"/>
+            <a:ext cx="3860475" cy="1466197"/>
+          </a:xfrm>
+          <a:prstGeom prst="wedgeRoundRectCallout">
+            <a:avLst>
+              <a:gd name="adj1" fmla="val -31304"/>
+              <a:gd name="adj2" fmla="val 97855"/>
+              <a:gd name="adj3" fmla="val 16667"/>
+            </a:avLst>
+          </a:prstGeom>
+          <a:solidFill>
+            <a:schemeClr val="dk2">
+              <a:alpha val="80000"/>
+            </a:schemeClr>
+          </a:solidFill>
+          <a:ln w="19050">
+            <a:solidFill>
+              <a:schemeClr val="tx1">
+                <a:lumMod val="75000"/>
+                <a:alpha val="80000"/>
+              </a:schemeClr>
+            </a:solidFill>
+          </a:ln>
+          <a:effectLst/>
+        </p:spPr>
+        <p:style>
+          <a:lnRef idx="2">
+            <a:schemeClr val="accent1">
+              <a:shade val="50000"/>
+            </a:schemeClr>
+          </a:lnRef>
+          <a:fillRef idx="1001">
+            <a:schemeClr val="dk2"/>
+          </a:fillRef>
+          <a:effectRef idx="0">
+            <a:schemeClr val="accent1"/>
+          </a:effectRef>
+          <a:fontRef idx="minor">
+            <a:schemeClr val="lt1"/>
+          </a:fontRef>
+        </p:style>
+        <p:txBody>
+          <a:bodyPr rot="0" spcFirstLastPara="0" vertOverflow="overflow" horzOverflow="overflow" vert="horz" wrap="square" lIns="91440" tIns="45720" rIns="91440" bIns="45720" numCol="1" spcCol="0" rtlCol="0" fromWordArt="0" anchor="ctr" anchorCtr="0" forceAA="0" compatLnSpc="1">
+            <a:prstTxWarp prst="textNoShape">
+              <a:avLst/>
+            </a:prstTxWarp>
+            <a:noAutofit/>
+          </a:bodyPr>
+          <a:lstStyle/>
+          <a:p>
+            <a:pPr algn="ctr"/>
+            <a:r>
+              <a:rPr lang="bg-BG" sz="2800" b="1" dirty="0" smtClean="0">
+                <a:solidFill>
+                  <a:srgbClr val="FFFFFF"/>
+                </a:solidFill>
+                <a:effectLst>
+                  <a:outerShdw blurRad="38100" dist="38100" dir="2700000" algn="tl">
+                    <a:srgbClr val="000000">
+                      <a:alpha val="43137"/>
+                    </a:srgbClr>
+                  </a:outerShdw>
+                </a:effectLst>
+              </a:rPr>
+              <a:t>От падащия списък </a:t>
+            </a:r>
+            <a:r>
+              <a:rPr lang="en-US" sz="2800" b="1" dirty="0" smtClean="0">
+                <a:solidFill>
+                  <a:schemeClr val="bg1">
+                    <a:lumMod val="60000"/>
+                    <a:lumOff val="40000"/>
+                  </a:schemeClr>
+                </a:solidFill>
+                <a:effectLst>
+                  <a:outerShdw blurRad="38100" dist="38100" dir="2700000" algn="tl">
+                    <a:srgbClr val="000000">
+                      <a:alpha val="43137"/>
+                    </a:srgbClr>
+                  </a:outerShdw>
+                </a:effectLst>
+              </a:rPr>
+              <a:t>Save as type</a:t>
+            </a:r>
+            <a:r>
+              <a:rPr lang="en-US" sz="2800" b="1" dirty="0" smtClean="0">
+                <a:solidFill>
+                  <a:srgbClr val="FFFFFF"/>
+                </a:solidFill>
+                <a:effectLst>
+                  <a:outerShdw blurRad="38100" dist="38100" dir="2700000" algn="tl">
+                    <a:srgbClr val="000000">
+                      <a:alpha val="43137"/>
+                    </a:srgbClr>
+                  </a:outerShdw>
+                </a:effectLst>
+              </a:rPr>
+              <a:t> </a:t>
+            </a:r>
+            <a:r>
+              <a:rPr lang="bg-BG" sz="2800" b="1" dirty="0" smtClean="0">
+                <a:solidFill>
+                  <a:srgbClr val="FFFFFF"/>
+                </a:solidFill>
+                <a:effectLst>
+                  <a:outerShdw blurRad="38100" dist="38100" dir="2700000" algn="tl">
+                    <a:srgbClr val="000000">
+                      <a:alpha val="43137"/>
+                    </a:srgbClr>
+                  </a:outerShdw>
+                </a:effectLst>
+              </a:rPr>
+              <a:t>избирате</a:t>
+            </a:r>
+            <a:r>
+              <a:rPr lang="en-US" sz="2800" b="1" dirty="0" smtClean="0">
+                <a:solidFill>
+                  <a:srgbClr val="FFFFFF"/>
+                </a:solidFill>
+                <a:effectLst>
+                  <a:outerShdw blurRad="38100" dist="38100" dir="2700000" algn="tl">
+                    <a:srgbClr val="000000">
+                      <a:alpha val="43137"/>
+                    </a:srgbClr>
+                  </a:outerShdw>
+                </a:effectLst>
+              </a:rPr>
+              <a:t> </a:t>
+            </a:r>
+            <a:r>
+              <a:rPr lang="bg-BG" sz="2800" b="1" dirty="0" smtClean="0">
+                <a:solidFill>
+                  <a:srgbClr val="FFFFFF"/>
+                </a:solidFill>
+                <a:effectLst>
+                  <a:outerShdw blurRad="38100" dist="38100" dir="2700000" algn="tl">
+                    <a:srgbClr val="000000">
+                      <a:alpha val="43137"/>
+                    </a:srgbClr>
+                  </a:outerShdw>
+                </a:effectLst>
+              </a:rPr>
+              <a:t>желания формат</a:t>
+            </a:r>
+            <a:endParaRPr lang="en-US" sz="2800" b="1" dirty="0">
+              <a:solidFill>
+                <a:schemeClr val="bg1">
+                  <a:lumMod val="60000"/>
+                  <a:lumOff val="40000"/>
+                </a:schemeClr>
+              </a:solidFill>
+              <a:effectLst>
+                <a:outerShdw blurRad="38100" dist="38100" dir="2700000" algn="tl">
+                  <a:srgbClr val="000000">
+                    <a:alpha val="43137"/>
+                  </a:srgbClr>
+                </a:outerShdw>
+              </a:effectLst>
+            </a:endParaRPr>
+          </a:p>
+        </p:txBody>
+      </p:sp>
+      <p:sp>
+        <p:nvSpPr>
+          <p:cNvPr id="14" name="Rectangle 13"/>
+          <p:cNvSpPr/>
+          <p:nvPr/>
+        </p:nvSpPr>
+        <p:spPr bwMode="auto">
+          <a:xfrm>
+            <a:off x="2785050" y="4248525"/>
+            <a:ext cx="6640949" cy="293564"/>
+          </a:xfrm>
+          <a:prstGeom prst="rect">
+            <a:avLst/>
+          </a:prstGeom>
+          <a:noFill/>
+          <a:ln w="38100">
+            <a:solidFill>
+              <a:schemeClr val="tx1">
+                <a:lumMod val="75000"/>
+                <a:alpha val="80000"/>
+              </a:schemeClr>
+            </a:solidFill>
+          </a:ln>
+          <a:effectLst/>
+        </p:spPr>
+        <p:style>
+          <a:lnRef idx="2">
+            <a:schemeClr val="accent1">
+              <a:shade val="50000"/>
+            </a:schemeClr>
+          </a:lnRef>
+          <a:fillRef idx="1001">
+            <a:schemeClr val="dk2"/>
+          </a:fillRef>
+          <a:effectRef idx="0">
+            <a:schemeClr val="accent1"/>
+          </a:effectRef>
+          <a:fontRef idx="minor">
+            <a:schemeClr val="lt1"/>
+          </a:fontRef>
+        </p:style>
+        <p:txBody>
+          <a:bodyPr rot="0" spcFirstLastPara="0" vertOverflow="overflow" horzOverflow="overflow" vert="horz" wrap="square" lIns="91440" tIns="45720" rIns="91440" bIns="45720" numCol="1" spcCol="0" rtlCol="0" fromWordArt="0" anchor="ctr" anchorCtr="0" forceAA="0" compatLnSpc="1">
+            <a:prstTxWarp prst="textNoShape">
+              <a:avLst/>
+            </a:prstTxWarp>
+            <a:noAutofit/>
+          </a:bodyPr>
+          <a:lstStyle/>
+          <a:p>
+            <a:pPr algn="ctr"/>
+            <a:endParaRPr lang="en-US" sz="2800" b="1" dirty="0">
+              <a:solidFill>
+                <a:srgbClr val="FFFFFF"/>
+              </a:solidFill>
+              <a:effectLst>
+                <a:outerShdw blurRad="38100" dist="38100" dir="2700000" algn="tl">
+                  <a:srgbClr val="000000">
+                    <a:alpha val="43137"/>
+                  </a:srgbClr>
+                </a:outerShdw>
+              </a:effectLst>
+            </a:endParaRPr>
+          </a:p>
+        </p:txBody>
+      </p:sp>
+    </p:spTree>
+    <p:extLst>
+      <p:ext uri="{BB962C8B-B14F-4D97-AF65-F5344CB8AC3E}">
+        <p14:creationId xmlns:p14="http://schemas.microsoft.com/office/powerpoint/2010/main" val="1734552507"/>
+      </p:ext>
+    </p:extLst>
+  </p:cSld>
+  <p:clrMapOvr>
+    <a:masterClrMapping/>
+  </p:clrMapOvr>
+  <mc:AlternateContent xmlns:mc="http://schemas.openxmlformats.org/markup-compatibility/2006" xmlns:p14="http://schemas.microsoft.com/office/powerpoint/2010/main">
+    <mc:Choice Requires="p14">
+      <p:transition spd="slow" p14:dur="2000" advClick="0" advTm="5000"/>
+    </mc:Choice>
+    <mc:Fallback xmlns="">
+      <p:transition spd="slow" advClick="0" advTm="5000"/>
+    </mc:Fallback>
+  </mc:AlternateContent>
+  <p:timing>
+    <p:tnLst>
+      <p:par>
+        <p:cTn id="1" dur="indefinite" restart="never" nodeType="tmRoot">
+          <p:childTnLst>
+            <p:seq concurrent="1" nextAc="seek">
+              <p:cTn id="2" dur="indefinite" nodeType="mainSeq">
+                <p:childTnLst>
+                  <p:par>
+                    <p:cTn id="3" fill="hold">
+                      <p:stCondLst>
+                        <p:cond delay="indefinite"/>
+                      </p:stCondLst>
+                      <p:childTnLst>
+                        <p:par>
+                          <p:cTn id="4" fill="hold">
+                            <p:stCondLst>
+                              <p:cond delay="0"/>
+                            </p:stCondLst>
+                            <p:childTnLst>
+                              <p:par>
+                                <p:cTn id="5" presetID="1" presetClass="entr" presetSubtype="0" fill="hold" grpId="0" nodeType="clickEffect">
+                                  <p:stCondLst>
+                                    <p:cond delay="0"/>
+                                  </p:stCondLst>
+                                  <p:childTnLst>
+                                    <p:set>
+                                      <p:cBhvr>
+                                        <p:cTn id="6" dur="1" fill="hold">
+                                          <p:stCondLst>
+                                            <p:cond delay="0"/>
+                                          </p:stCondLst>
+                                        </p:cTn>
+                                        <p:tgtEl>
+                                          <p:spTgt spid="12"/>
+                                        </p:tgtEl>
+                                        <p:attrNameLst>
+                                          <p:attrName>style.visibility</p:attrName>
+                                        </p:attrNameLst>
+                                      </p:cBhvr>
+                                      <p:to>
+                                        <p:strVal val="visible"/>
+                                      </p:to>
+                                    </p:set>
+                                  </p:childTnLst>
+                                </p:cTn>
+                              </p:par>
+                            </p:childTnLst>
+                          </p:cTn>
+                        </p:par>
+                      </p:childTnLst>
+                    </p:cTn>
+                  </p:par>
+                  <p:par>
+                    <p:cTn id="7" fill="hold">
+                      <p:stCondLst>
+                        <p:cond delay="indefinite"/>
+                      </p:stCondLst>
+                      <p:childTnLst>
+                        <p:par>
+                          <p:cTn id="8" fill="hold">
+                            <p:stCondLst>
+                              <p:cond delay="0"/>
+                            </p:stCondLst>
+                            <p:childTnLst>
+                              <p:par>
+                                <p:cTn id="9" presetID="1" presetClass="entr" presetSubtype="0" fill="hold" grpId="0" nodeType="clickEffect">
+                                  <p:stCondLst>
+                                    <p:cond delay="0"/>
+                                  </p:stCondLst>
+                                  <p:childTnLst>
+                                    <p:set>
+                                      <p:cBhvr>
+                                        <p:cTn id="10" dur="1" fill="hold">
+                                          <p:stCondLst>
+                                            <p:cond delay="0"/>
+                                          </p:stCondLst>
+                                        </p:cTn>
+                                        <p:tgtEl>
+                                          <p:spTgt spid="14"/>
+                                        </p:tgtEl>
+                                        <p:attrNameLst>
+                                          <p:attrName>style.visibility</p:attrName>
+                                        </p:attrNameLst>
+                                      </p:cBhvr>
+                                      <p:to>
+                                        <p:strVal val="visible"/>
+                                      </p:to>
+                                    </p:set>
+                                  </p:childTnLst>
+                                </p:cTn>
+                              </p:par>
+                              <p:par>
+                                <p:cTn id="11" presetID="1" presetClass="exit" presetSubtype="0" fill="hold" grpId="1" nodeType="withEffect">
+                                  <p:stCondLst>
+                                    <p:cond delay="0"/>
+                                  </p:stCondLst>
+                                  <p:childTnLst>
+                                    <p:set>
+                                      <p:cBhvr>
+                                        <p:cTn id="12" dur="1" fill="hold">
+                                          <p:stCondLst>
+                                            <p:cond delay="0"/>
+                                          </p:stCondLst>
+                                        </p:cTn>
+                                        <p:tgtEl>
+                                          <p:spTgt spid="12"/>
+                                        </p:tgtEl>
+                                        <p:attrNameLst>
+                                          <p:attrName>style.visibility</p:attrName>
+                                        </p:attrNameLst>
+                                      </p:cBhvr>
+                                      <p:to>
+                                        <p:strVal val="hidden"/>
+                                      </p:to>
+                                    </p:set>
+                                  </p:childTnLst>
+                                </p:cTn>
+                              </p:par>
+                            </p:childTnLst>
+                          </p:cTn>
+                        </p:par>
+                      </p:childTnLst>
+                    </p:cTn>
+                  </p:par>
+                  <p:par>
+                    <p:cTn id="13" fill="hold">
+                      <p:stCondLst>
+                        <p:cond delay="indefinite"/>
+                      </p:stCondLst>
+                      <p:childTnLst>
+                        <p:par>
+                          <p:cTn id="14" fill="hold">
+                            <p:stCondLst>
+                              <p:cond delay="0"/>
+                            </p:stCondLst>
+                            <p:childTnLst>
+                              <p:par>
+                                <p:cTn id="15" presetID="1" presetClass="entr" presetSubtype="0" fill="hold" grpId="0" nodeType="clickEffect">
+                                  <p:stCondLst>
+                                    <p:cond delay="0"/>
+                                  </p:stCondLst>
+                                  <p:childTnLst>
+                                    <p:set>
+                                      <p:cBhvr>
+                                        <p:cTn id="16" dur="1" fill="hold">
+                                          <p:stCondLst>
+                                            <p:cond delay="0"/>
+                                          </p:stCondLst>
+                                        </p:cTn>
+                                        <p:tgtEl>
+                                          <p:spTgt spid="13"/>
+                                        </p:tgtEl>
+                                        <p:attrNameLst>
+                                          <p:attrName>style.visibility</p:attrName>
+                                        </p:attrNameLst>
+                                      </p:cBhvr>
+                                      <p:to>
+                                        <p:strVal val="visible"/>
+                                      </p:to>
+                                    </p:set>
+                                  </p:childTnLst>
+                                </p:cTn>
+                              </p:par>
+                            </p:childTnLst>
+                          </p:cTn>
+                        </p:par>
+                      </p:childTnLst>
+                    </p:cTn>
+                  </p:par>
+                  <p:par>
+                    <p:cTn id="17" fill="hold">
+                      <p:stCondLst>
+                        <p:cond delay="indefinite"/>
+                      </p:stCondLst>
+                      <p:childTnLst>
+                        <p:par>
+                          <p:cTn id="18" fill="hold">
+                            <p:stCondLst>
+                              <p:cond delay="0"/>
+                            </p:stCondLst>
+                            <p:childTnLst>
+                              <p:par>
+                                <p:cTn id="19" presetID="1" presetClass="entr" presetSubtype="0" fill="hold" nodeType="clickEffect">
+                                  <p:stCondLst>
+                                    <p:cond delay="0"/>
+                                  </p:stCondLst>
+                                  <p:childTnLst>
+                                    <p:set>
+                                      <p:cBhvr>
+                                        <p:cTn id="20" dur="1" fill="hold">
+                                          <p:stCondLst>
+                                            <p:cond delay="0"/>
+                                          </p:stCondLst>
+                                        </p:cTn>
+                                        <p:tgtEl>
+                                          <p:spTgt spid="6"/>
+                                        </p:tgtEl>
+                                        <p:attrNameLst>
+                                          <p:attrName>style.visibility</p:attrName>
+                                        </p:attrNameLst>
+                                      </p:cBhvr>
+                                      <p:to>
+                                        <p:strVal val="visible"/>
+                                      </p:to>
+                                    </p:set>
+                                  </p:childTnLst>
+                                </p:cTn>
+                              </p:par>
+                              <p:par>
+                                <p:cTn id="21" presetID="1" presetClass="exit" presetSubtype="0" fill="hold" grpId="1" nodeType="withEffect">
+                                  <p:stCondLst>
+                                    <p:cond delay="0"/>
+                                  </p:stCondLst>
+                                  <p:childTnLst>
+                                    <p:set>
+                                      <p:cBhvr>
+                                        <p:cTn id="22" dur="1" fill="hold">
+                                          <p:stCondLst>
+                                            <p:cond delay="0"/>
+                                          </p:stCondLst>
+                                        </p:cTn>
+                                        <p:tgtEl>
+                                          <p:spTgt spid="14"/>
+                                        </p:tgtEl>
+                                        <p:attrNameLst>
+                                          <p:attrName>style.visibility</p:attrName>
+                                        </p:attrNameLst>
+                                      </p:cBhvr>
+                                      <p:to>
+                                        <p:strVal val="hidden"/>
+                                      </p:to>
+                                    </p:set>
+                                  </p:childTnLst>
+                                </p:cTn>
+                              </p:par>
+                            </p:childTnLst>
+                          </p:cTn>
+                        </p:par>
+                      </p:childTnLst>
+                    </p:cTn>
+                  </p:par>
+                </p:childTnLst>
+              </p:cTn>
+              <p:prevCondLst>
+                <p:cond evt="onPrev" delay="0">
+                  <p:tgtEl>
+                    <p:sldTgt/>
+                  </p:tgtEl>
+                </p:cond>
+              </p:prevCondLst>
+              <p:nextCondLst>
+                <p:cond evt="onNext" delay="0">
+                  <p:tgtEl>
+                    <p:sldTgt/>
+                  </p:tgtEl>
+                </p:cond>
+              </p:nextCondLst>
+            </p:seq>
+          </p:childTnLst>
+        </p:cTn>
+      </p:par>
+    </p:tnLst>
+    <p:bldLst>
+      <p:bldP spid="12" grpId="0" animBg="1"/>
+      <p:bldP spid="12" grpId="1" animBg="1"/>
+      <p:bldP spid="13" grpId="0" animBg="1"/>
+      <p:bldP spid="14" grpId="0" animBg="1"/>
+      <p:bldP spid="14" grpId="1" animBg="1"/>
+    </p:bldLst>
+  </p:timing>
+</p:sld>
+</file>
+
+<file path=ppt/slides/slide14.xml><?xml version="1.0" encoding="utf-8"?>
+<p:sld xmlns:a="http://schemas.openxmlformats.org/drawingml/2006/main" xmlns:r="http://schemas.openxmlformats.org/officeDocument/2006/relationships" xmlns:p="http://schemas.openxmlformats.org/presentationml/2006/main">
+  <p:cSld>
+    <p:spTree>
+      <p:nvGrpSpPr>
+        <p:cNvPr id="1" name=""/>
+        <p:cNvGrpSpPr/>
+        <p:nvPr/>
+      </p:nvGrpSpPr>
+      <p:grpSpPr>
+        <a:xfrm>
+          <a:off x="0" y="0"/>
+          <a:ext cx="0" cy="0"/>
+          <a:chOff x="0" y="0"/>
+          <a:chExt cx="0" cy="0"/>
+        </a:xfrm>
+      </p:grpSpPr>
+      <p:sp>
+        <p:nvSpPr>
+          <p:cNvPr id="5" name="Title 4"/>
+          <p:cNvSpPr>
+            <a:spLocks noGrp="1"/>
+          </p:cNvSpPr>
+          <p:nvPr>
+            <p:ph type="title" sz="quarter" idx="10"/>
+          </p:nvPr>
+        </p:nvSpPr>
+        <p:spPr>
+          <a:xfrm>
+            <a:off x="615109" y="5180916"/>
+            <a:ext cx="10961783" cy="768084"/>
+          </a:xfrm>
+        </p:spPr>
+        <p:txBody>
+          <a:bodyPr/>
+          <a:lstStyle/>
+          <a:p>
+            <a:r>
+              <a:rPr lang="bg-BG" dirty="0"/>
+              <a:t>͏Отпечатване на презентация</a:t>
+            </a:r>
+            <a:endParaRPr lang="en-US" dirty="0"/>
+          </a:p>
+        </p:txBody>
+      </p:sp>
+      <p:pic>
+        <p:nvPicPr>
+          <p:cNvPr id="5124" name="Picture 4" descr="Printing Vectors &amp; Illustrations for Free Download | Freepik"/>
+          <p:cNvPicPr>
+            <a:picLocks noChangeAspect="1" noChangeArrowheads="1"/>
+          </p:cNvPicPr>
+          <p:nvPr/>
+        </p:nvPicPr>
+        <p:blipFill>
+          <a:blip r:embed="rId2">
+            <a:extLst>
+              <a:ext uri="{28A0092B-C50C-407E-A947-70E740481C1C}">
+                <a14:useLocalDpi xmlns:a14="http://schemas.microsoft.com/office/drawing/2010/main" val="0"/>
+              </a:ext>
+            </a:extLst>
+          </a:blip>
+          <a:srcRect/>
+          <a:stretch>
+            <a:fillRect/>
+          </a:stretch>
+        </p:blipFill>
+        <p:spPr bwMode="auto">
+          <a:xfrm>
+            <a:off x="3647742" y="613784"/>
+            <a:ext cx="4896516" cy="4075216"/>
+          </a:xfrm>
+          <a:prstGeom prst="rect">
+            <a:avLst/>
+          </a:prstGeom>
+          <a:noFill/>
+          <a:ln>
+            <a:solidFill>
+              <a:schemeClr val="bg2">
+                <a:lumMod val="75000"/>
+              </a:schemeClr>
+            </a:solidFill>
+          </a:ln>
+          <a:extLst>
+            <a:ext uri="{909E8E84-426E-40DD-AFC4-6F175D3DCCD1}">
+              <a14:hiddenFill xmlns:a14="http://schemas.microsoft.com/office/drawing/2010/main">
+                <a:solidFill>
+                  <a:srgbClr val="FFFFFF"/>
+                </a:solidFill>
+              </a14:hiddenFill>
+            </a:ext>
+          </a:extLst>
+        </p:spPr>
+      </p:pic>
+    </p:spTree>
+    <p:extLst>
+      <p:ext uri="{BB962C8B-B14F-4D97-AF65-F5344CB8AC3E}">
+        <p14:creationId xmlns:p14="http://schemas.microsoft.com/office/powerpoint/2010/main" val="227642382"/>
+      </p:ext>
+    </p:extLst>
+  </p:cSld>
+  <p:clrMapOvr>
+    <a:masterClrMapping/>
+  </p:clrMapOvr>
+  <mc:AlternateContent xmlns:mc="http://schemas.openxmlformats.org/markup-compatibility/2006" xmlns:p14="http://schemas.microsoft.com/office/powerpoint/2010/main">
+    <mc:Choice Requires="p14">
+      <p:transition spd="slow" p14:dur="2000" advClick="0" advTm="5000"/>
+    </mc:Choice>
+    <mc:Fallback xmlns="">
+      <p:transition spd="slow" advClick="0" advTm="5000"/>
+    </mc:Fallback>
+  </mc:AlternateContent>
+  <p:timing>
+    <p:tnLst>
+      <p:par>
+        <p:cTn id="1" dur="indefinite" restart="never" nodeType="tmRoot"/>
+      </p:par>
+    </p:tnLst>
+  </p:timing>
+</p:sld>
+</file>
+
+<file path=ppt/slides/slide15.xml><?xml version="1.0" encoding="utf-8"?>
+<p:sld xmlns:a="http://schemas.openxmlformats.org/drawingml/2006/main" xmlns:r="http://schemas.openxmlformats.org/officeDocument/2006/relationships" xmlns:p="http://schemas.openxmlformats.org/presentationml/2006/main">
+  <p:cSld>
+    <p:spTree>
+      <p:nvGrpSpPr>
+        <p:cNvPr id="1" name=""/>
+        <p:cNvGrpSpPr/>
+        <p:nvPr/>
+      </p:nvGrpSpPr>
+      <p:grpSpPr>
+        <a:xfrm>
+          <a:off x="0" y="0"/>
+          <a:ext cx="0" cy="0"/>
+          <a:chOff x="0" y="0"/>
+          <a:chExt cx="0" cy="0"/>
+        </a:xfrm>
+      </p:grpSpPr>
+      <p:sp>
+        <p:nvSpPr>
+          <p:cNvPr id="14" name="Text Placeholder 4">
+            <a:extLst>
+              <a:ext uri="{FF2B5EF4-FFF2-40B4-BE49-F238E27FC236}">
+                <a16:creationId xmlns:a16="http://schemas.microsoft.com/office/drawing/2014/main" id="{0E49D336-45B6-44D3-97C4-E28F8DEA2022}"/>
+              </a:ext>
+            </a:extLst>
+          </p:cNvPr>
+          <p:cNvSpPr>
+            <a:spLocks noGrp="1"/>
+          </p:cNvSpPr>
+          <p:nvPr>
+            <p:ph type="body" sz="quarter" idx="10"/>
+          </p:nvPr>
+        </p:nvSpPr>
+        <p:spPr>
+          <a:xfrm>
+            <a:off x="869725" y="1577986"/>
+            <a:ext cx="7581212" cy="4772369"/>
+          </a:xfrm>
+        </p:spPr>
+        <p:txBody>
+          <a:bodyPr/>
+          <a:lstStyle>
+            <a:lvl1pPr marL="514350" indent="-514350">
+              <a:buFont typeface="Wingdings" panose="05000000000000000000" pitchFamily="2" charset="2"/>
+              <a:buChar char="§"/>
+              <a:defRPr>
+                <a:solidFill>
+                  <a:schemeClr val="bg2"/>
+                </a:solidFill>
+              </a:defRPr>
+            </a:lvl1pPr>
+            <a:lvl2pPr marL="1123935" indent="-514350">
+              <a:buFont typeface="Wingdings" panose="05000000000000000000" pitchFamily="2" charset="2"/>
+              <a:buChar char="§"/>
+              <a:defRPr>
+                <a:solidFill>
+                  <a:schemeClr val="tx1"/>
+                </a:solidFill>
+              </a:defRPr>
+            </a:lvl2pPr>
+            <a:lvl3pPr marL="1733520" indent="-514350">
+              <a:buFont typeface="Wingdings" panose="05000000000000000000" pitchFamily="2" charset="2"/>
+              <a:buChar char="§"/>
+              <a:defRPr>
+                <a:solidFill>
+                  <a:schemeClr val="tx1"/>
+                </a:solidFill>
+              </a:defRPr>
+            </a:lvl3pPr>
+            <a:lvl4pPr marL="2343105" indent="-514350">
+              <a:buFont typeface="Wingdings" panose="05000000000000000000" pitchFamily="2" charset="2"/>
+              <a:buChar char="§"/>
+              <a:defRPr>
+                <a:solidFill>
+                  <a:schemeClr val="tx1"/>
+                </a:solidFill>
+              </a:defRPr>
+            </a:lvl4pPr>
+            <a:lvl5pPr marL="2952689" indent="-514350">
+              <a:buFont typeface="Wingdings" panose="05000000000000000000" pitchFamily="2" charset="2"/>
+              <a:buChar char="§"/>
+              <a:defRPr>
+                <a:solidFill>
+                  <a:schemeClr val="tx1"/>
+                </a:solidFill>
+              </a:defRPr>
+            </a:lvl5pPr>
+          </a:lstStyle>
+          <a:p>
+            <a:pPr lvl="0"/>
+            <a:r>
+              <a:rPr lang="en-US" dirty="0"/>
+              <a:t>…</a:t>
+            </a:r>
+          </a:p>
+          <a:p>
+            <a:pPr lvl="0"/>
+            <a:r>
+              <a:rPr lang="en-GB" dirty="0"/>
+              <a:t>…</a:t>
+            </a:r>
+            <a:endParaRPr lang="en-US" dirty="0"/>
+          </a:p>
+          <a:p>
+            <a:pPr lvl="0"/>
+            <a:r>
+              <a:rPr lang="en-GB" dirty="0"/>
+              <a:t>…</a:t>
+            </a:r>
+            <a:endParaRPr lang="en-US" dirty="0"/>
+          </a:p>
+          <a:p>
+            <a:pPr lvl="0"/>
+            <a:endParaRPr lang="en-US" dirty="0"/>
+          </a:p>
+        </p:txBody>
+      </p:sp>
+      <p:sp>
+        <p:nvSpPr>
+          <p:cNvPr id="4" name="Title 3"/>
+          <p:cNvSpPr>
+            <a:spLocks noGrp="1"/>
+          </p:cNvSpPr>
+          <p:nvPr>
+            <p:ph type="title"/>
+          </p:nvPr>
+        </p:nvSpPr>
+        <p:spPr/>
+        <p:txBody>
+          <a:bodyPr>
+            <a:normAutofit/>
+          </a:bodyPr>
+          <a:lstStyle/>
+          <a:p>
+            <a:r>
+              <a:rPr lang="bg-BG" dirty="0"/>
+              <a:t>Какво научихме днес?</a:t>
+            </a:r>
+            <a:endParaRPr lang="en-US" dirty="0"/>
+          </a:p>
+        </p:txBody>
+      </p:sp>
+      <p:sp>
+        <p:nvSpPr>
+          <p:cNvPr id="6" name="Slide Number Placeholder 5"/>
+          <p:cNvSpPr>
+            <a:spLocks noGrp="1"/>
+          </p:cNvSpPr>
+          <p:nvPr>
+            <p:ph type="sldNum" sz="quarter" idx="4294967295"/>
+          </p:nvPr>
+        </p:nvSpPr>
+        <p:spPr>
+          <a:xfrm>
+            <a:off x="11566412" y="6397196"/>
+            <a:ext cx="428822" cy="308845"/>
+          </a:xfrm>
+          <a:prstGeom prst="rect">
+            <a:avLst/>
+          </a:prstGeom>
+        </p:spPr>
+        <p:txBody>
+          <a:bodyPr vert="horz" lIns="36000" tIns="36000" rIns="36000" bIns="36000" rtlCol="0" anchor="ctr"/>
+          <a:lstStyle>
+            <a:defPPr>
+              <a:defRPr lang="en-US"/>
+            </a:defPPr>
+            <a:lvl1pPr marL="0" algn="r" defTabSz="914400" rtl="0" eaLnBrk="1" latinLnBrk="0" hangingPunct="1">
+              <a:defRPr sz="1000" kern="1200">
+                <a:solidFill>
+                  <a:schemeClr val="tx1"/>
+                </a:solidFill>
+                <a:latin typeface="+mn-lt"/>
+                <a:ea typeface="+mn-ea"/>
+                <a:cs typeface="+mn-cs"/>
+              </a:defRPr>
+            </a:lvl1pPr>
+            <a:lvl2pPr marL="457200" algn="l" defTabSz="914400" rtl="0" eaLnBrk="1" latinLnBrk="0" hangingPunct="1">
+              <a:defRPr sz="1800" kern="1200">
+                <a:solidFill>
+                  <a:schemeClr val="tx1"/>
+                </a:solidFill>
+                <a:latin typeface="+mn-lt"/>
+                <a:ea typeface="+mn-ea"/>
+                <a:cs typeface="+mn-cs"/>
+              </a:defRPr>
+            </a:lvl2pPr>
+            <a:lvl3pPr marL="914400" algn="l" defTabSz="914400" rtl="0" eaLnBrk="1" latinLnBrk="0" hangingPunct="1">
+              <a:defRPr sz="1800" kern="1200">
+                <a:solidFill>
+                  <a:schemeClr val="tx1"/>
+                </a:solidFill>
+                <a:latin typeface="+mn-lt"/>
+                <a:ea typeface="+mn-ea"/>
+                <a:cs typeface="+mn-cs"/>
+              </a:defRPr>
+            </a:lvl3pPr>
+            <a:lvl4pPr marL="1371600" algn="l" defTabSz="914400" rtl="0" eaLnBrk="1" latinLnBrk="0" hangingPunct="1">
+              <a:defRPr sz="1800" kern="1200">
+                <a:solidFill>
+                  <a:schemeClr val="tx1"/>
+                </a:solidFill>
+                <a:latin typeface="+mn-lt"/>
+                <a:ea typeface="+mn-ea"/>
+                <a:cs typeface="+mn-cs"/>
+              </a:defRPr>
+            </a:lvl4pPr>
+            <a:lvl5pPr marL="1828800" algn="l" defTabSz="914400" rtl="0" eaLnBrk="1" latinLnBrk="0" hangingPunct="1">
+              <a:defRPr sz="1800" kern="1200">
+                <a:solidFill>
+                  <a:schemeClr val="tx1"/>
+                </a:solidFill>
+                <a:latin typeface="+mn-lt"/>
+                <a:ea typeface="+mn-ea"/>
+                <a:cs typeface="+mn-cs"/>
+              </a:defRPr>
+            </a:lvl5pPr>
+            <a:lvl6pPr marL="2286000" algn="l" defTabSz="914400" rtl="0" eaLnBrk="1" latinLnBrk="0" hangingPunct="1">
+              <a:defRPr sz="1800" kern="1200">
+                <a:solidFill>
+                  <a:schemeClr val="tx1"/>
+                </a:solidFill>
+                <a:latin typeface="+mn-lt"/>
+                <a:ea typeface="+mn-ea"/>
+                <a:cs typeface="+mn-cs"/>
+              </a:defRPr>
+            </a:lvl6pPr>
+            <a:lvl7pPr marL="2743200" algn="l" defTabSz="914400" rtl="0" eaLnBrk="1" latinLnBrk="0" hangingPunct="1">
+              <a:defRPr sz="1800" kern="1200">
+                <a:solidFill>
+                  <a:schemeClr val="tx1"/>
+                </a:solidFill>
+                <a:latin typeface="+mn-lt"/>
+                <a:ea typeface="+mn-ea"/>
+                <a:cs typeface="+mn-cs"/>
+              </a:defRPr>
+            </a:lvl7pPr>
+            <a:lvl8pPr marL="3200400" algn="l" defTabSz="914400" rtl="0" eaLnBrk="1" latinLnBrk="0" hangingPunct="1">
+              <a:defRPr sz="1800" kern="1200">
+                <a:solidFill>
+                  <a:schemeClr val="tx1"/>
+                </a:solidFill>
+                <a:latin typeface="+mn-lt"/>
+                <a:ea typeface="+mn-ea"/>
+                <a:cs typeface="+mn-cs"/>
+              </a:defRPr>
+            </a:lvl8pPr>
+            <a:lvl9pPr marL="3657600" algn="l" defTabSz="914400" rtl="0" eaLnBrk="1" latinLnBrk="0" hangingPunct="1">
+              <a:defRPr sz="1800" kern="1200">
+                <a:solidFill>
+                  <a:schemeClr val="tx1"/>
+                </a:solidFill>
+                <a:latin typeface="+mn-lt"/>
+                <a:ea typeface="+mn-ea"/>
+                <a:cs typeface="+mn-cs"/>
+              </a:defRPr>
+            </a:lvl9pPr>
+          </a:lstStyle>
+          <a:p>
+            <a:fld id="{C014DD1E-5D91-48A3-AD6D-45FBA980D106}" type="slidenum">
+              <a:rPr lang="en-US" smtClean="0"/>
+              <a:pPr/>
+              <a:t>15</a:t>
+            </a:fld>
+            <a:endParaRPr lang="en-US" dirty="0"/>
+          </a:p>
+        </p:txBody>
+      </p:sp>
+      <p:grpSp>
+        <p:nvGrpSpPr>
+          <p:cNvPr id="9" name="Group 8">
+            <a:extLst>
+              <a:ext uri="{FF2B5EF4-FFF2-40B4-BE49-F238E27FC236}">
+                <a16:creationId xmlns:a16="http://schemas.microsoft.com/office/drawing/2014/main" id="{EBAFE522-EB7D-4931-A015-9A7E8A98517D}"/>
+              </a:ext>
+            </a:extLst>
+          </p:cNvPr>
+          <p:cNvGrpSpPr/>
+          <p:nvPr/>
+        </p:nvGrpSpPr>
+        <p:grpSpPr>
+          <a:xfrm>
+            <a:off x="196766" y="1314000"/>
+            <a:ext cx="11798468" cy="5300339"/>
+            <a:chOff x="472011" y="1508786"/>
+            <a:chExt cx="3799787" cy="4865561"/>
+          </a:xfrm>
+        </p:grpSpPr>
+        <p:sp>
+          <p:nvSpPr>
+            <p:cNvPr id="10" name="Rounded Rectangle 10">
+              <a:extLst>
+                <a:ext uri="{FF2B5EF4-FFF2-40B4-BE49-F238E27FC236}">
+                  <a16:creationId xmlns:a16="http://schemas.microsoft.com/office/drawing/2014/main" id="{18F78F23-3D09-4B63-8DF9-D49CFBB145EE}"/>
+                </a:ext>
+              </a:extLst>
+            </p:cNvPr>
+            <p:cNvSpPr/>
+            <p:nvPr userDrawn="1"/>
+          </p:nvSpPr>
+          <p:spPr>
+            <a:xfrm>
+              <a:off x="472011" y="1508786"/>
+              <a:ext cx="3799787" cy="4865561"/>
+            </a:xfrm>
+            <a:prstGeom prst="roundRect">
+              <a:avLst>
+                <a:gd name="adj" fmla="val 3968"/>
+              </a:avLst>
+            </a:prstGeom>
+            <a:solidFill>
+              <a:schemeClr val="tx2"/>
+            </a:solidFill>
+            <a:ln>
+              <a:noFill/>
+            </a:ln>
+          </p:spPr>
+          <p:style>
+            <a:lnRef idx="2">
+              <a:schemeClr val="accent1">
+                <a:shade val="50000"/>
+              </a:schemeClr>
+            </a:lnRef>
+            <a:fillRef idx="1">
+              <a:schemeClr val="accent1"/>
+            </a:fillRef>
+            <a:effectRef idx="0">
+              <a:schemeClr val="accent1"/>
+            </a:effectRef>
+            <a:fontRef idx="minor">
+              <a:schemeClr val="lt1"/>
+            </a:fontRef>
+          </p:style>
+          <p:txBody>
+            <a:bodyPr rtlCol="0" anchor="ctr"/>
+            <a:lstStyle/>
+            <a:p>
+              <a:pPr algn="ctr"/>
+              <a:endParaRPr lang="ko-KR" altLang="en-US" sz="2399" dirty="0"/>
+            </a:p>
+          </p:txBody>
+        </p:sp>
+        <p:sp>
+          <p:nvSpPr>
+            <p:cNvPr id="11" name="Rounded Rectangle 16">
+              <a:extLst>
+                <a:ext uri="{FF2B5EF4-FFF2-40B4-BE49-F238E27FC236}">
+                  <a16:creationId xmlns:a16="http://schemas.microsoft.com/office/drawing/2014/main" id="{F12C06CE-2BBE-46C2-B718-813794C58DF9}"/>
+                </a:ext>
+              </a:extLst>
+            </p:cNvPr>
+            <p:cNvSpPr/>
+            <p:nvPr userDrawn="1"/>
+          </p:nvSpPr>
+          <p:spPr>
+            <a:xfrm>
+              <a:off x="540767" y="1781251"/>
+              <a:ext cx="85794" cy="4320631"/>
+            </a:xfrm>
+            <a:prstGeom prst="roundRect">
+              <a:avLst>
+                <a:gd name="adj" fmla="val 50000"/>
+              </a:avLst>
+            </a:prstGeom>
+            <a:solidFill>
+              <a:schemeClr val="bg2">
+                <a:alpha val="41000"/>
+              </a:schemeClr>
+            </a:solidFill>
+            <a:ln>
+              <a:noFill/>
+            </a:ln>
+          </p:spPr>
+          <p:style>
+            <a:lnRef idx="2">
+              <a:schemeClr val="accent1">
+                <a:shade val="50000"/>
+              </a:schemeClr>
+            </a:lnRef>
+            <a:fillRef idx="1">
+              <a:schemeClr val="accent1"/>
+            </a:fillRef>
+            <a:effectRef idx="0">
+              <a:schemeClr val="accent1"/>
+            </a:effectRef>
+            <a:fontRef idx="minor">
+              <a:schemeClr val="lt1"/>
+            </a:fontRef>
+          </p:style>
+          <p:txBody>
+            <a:bodyPr rtlCol="0" anchor="ctr"/>
+            <a:lstStyle/>
+            <a:p>
+              <a:pPr algn="ctr"/>
+              <a:endParaRPr lang="ko-KR" altLang="en-US" sz="2399">
+                <a:solidFill>
+                  <a:schemeClr val="bg1"/>
+                </a:solidFill>
+              </a:endParaRPr>
+            </a:p>
+          </p:txBody>
+        </p:sp>
+        <p:sp>
+          <p:nvSpPr>
+            <p:cNvPr id="12" name="Half Frame 11">
+              <a:extLst>
+                <a:ext uri="{FF2B5EF4-FFF2-40B4-BE49-F238E27FC236}">
+                  <a16:creationId xmlns:a16="http://schemas.microsoft.com/office/drawing/2014/main" id="{66CDBB1E-AF3C-43FC-9F34-2DD691F81726}"/>
+                </a:ext>
+              </a:extLst>
+            </p:cNvPr>
+            <p:cNvSpPr/>
+            <p:nvPr userDrawn="1"/>
+          </p:nvSpPr>
+          <p:spPr>
+            <a:xfrm rot="5400000">
+              <a:off x="3762569" y="1912372"/>
+              <a:ext cx="669775" cy="238503"/>
+            </a:xfrm>
+            <a:prstGeom prst="halfFrame">
+              <a:avLst>
+                <a:gd name="adj1" fmla="val 23728"/>
+                <a:gd name="adj2" fmla="val 24642"/>
+              </a:avLst>
+            </a:prstGeom>
+            <a:solidFill>
+              <a:schemeClr val="bg2">
+                <a:alpha val="23000"/>
+              </a:schemeClr>
+            </a:solidFill>
+            <a:ln>
+              <a:noFill/>
+            </a:ln>
+          </p:spPr>
+          <p:style>
+            <a:lnRef idx="2">
+              <a:schemeClr val="accent1">
+                <a:shade val="50000"/>
+              </a:schemeClr>
+            </a:lnRef>
+            <a:fillRef idx="1">
+              <a:schemeClr val="accent1"/>
+            </a:fillRef>
+            <a:effectRef idx="0">
+              <a:schemeClr val="accent1"/>
+            </a:effectRef>
+            <a:fontRef idx="minor">
+              <a:schemeClr val="lt1"/>
+            </a:fontRef>
+          </p:style>
+          <p:txBody>
+            <a:bodyPr rtlCol="0" anchor="ctr"/>
+            <a:lstStyle/>
+            <a:p>
+              <a:pPr algn="ctr"/>
+              <a:endParaRPr lang="ko-KR" altLang="en-US" sz="2399">
+                <a:solidFill>
+                  <a:schemeClr val="tx1"/>
+                </a:solidFill>
+              </a:endParaRPr>
+            </a:p>
+          </p:txBody>
+        </p:sp>
+      </p:grpSp>
+      <p:sp>
+        <p:nvSpPr>
+          <p:cNvPr id="15" name="Content Placeholder 4">
+            <a:extLst>
+              <a:ext uri="{FF2B5EF4-FFF2-40B4-BE49-F238E27FC236}">
+                <a16:creationId xmlns:a16="http://schemas.microsoft.com/office/drawing/2014/main" id="{B96A0DF8-27E7-4DC8-BBE3-7238AAAEB845}"/>
+              </a:ext>
+            </a:extLst>
+          </p:cNvPr>
+          <p:cNvSpPr txBox="1">
+            <a:spLocks/>
+          </p:cNvSpPr>
+          <p:nvPr/>
+        </p:nvSpPr>
+        <p:spPr>
+          <a:xfrm>
+            <a:off x="741000" y="1504870"/>
+            <a:ext cx="11040744" cy="4894130"/>
+          </a:xfrm>
+          <a:prstGeom prst="rect">
+            <a:avLst/>
+          </a:prstGeom>
+        </p:spPr>
+        <p:txBody>
+          <a:bodyPr vert="horz" lIns="108000" tIns="36000" rIns="108000" bIns="36000" rtlCol="0">
+            <a:noAutofit/>
+          </a:bodyPr>
+          <a:lstStyle>
+            <a:lvl1pPr marL="456915" indent="-456915" algn="l" defTabSz="1218438" rtl="0" eaLnBrk="1" latinLnBrk="0" hangingPunct="1">
+              <a:lnSpc>
+                <a:spcPct val="105000"/>
+              </a:lnSpc>
+              <a:spcBef>
+                <a:spcPts val="600"/>
+              </a:spcBef>
+              <a:spcAft>
+                <a:spcPts val="600"/>
+              </a:spcAft>
+              <a:buFont typeface="Wingdings" panose="05000000000000000000" pitchFamily="2" charset="2"/>
+              <a:buChar char="§"/>
+              <a:defRPr sz="3398" kern="1200">
+                <a:solidFill>
+                  <a:schemeClr val="tx1"/>
+                </a:solidFill>
+                <a:latin typeface="+mn-lt"/>
+                <a:ea typeface="+mn-ea"/>
+                <a:cs typeface="+mn-cs"/>
+              </a:defRPr>
+            </a:lvl1pPr>
+            <a:lvl2pPr marL="989981" indent="-380762" algn="l" defTabSz="1218438" rtl="0" eaLnBrk="1" latinLnBrk="0" hangingPunct="1">
+              <a:lnSpc>
+                <a:spcPct val="105000"/>
+              </a:lnSpc>
+              <a:spcBef>
+                <a:spcPts val="600"/>
+              </a:spcBef>
+              <a:spcAft>
+                <a:spcPts val="600"/>
+              </a:spcAft>
+              <a:buFont typeface="Wingdings" panose="05000000000000000000" pitchFamily="2" charset="2"/>
+              <a:buChar char="§"/>
+              <a:defRPr sz="3198" kern="1200">
+                <a:solidFill>
+                  <a:schemeClr val="tx1"/>
+                </a:solidFill>
+                <a:latin typeface="+mn-lt"/>
+                <a:ea typeface="+mn-ea"/>
+                <a:cs typeface="+mn-cs"/>
+              </a:defRPr>
+            </a:lvl2pPr>
+            <a:lvl3pPr marL="1523048" indent="-304610" algn="l" defTabSz="1218438" rtl="0" eaLnBrk="1" latinLnBrk="0" hangingPunct="1">
+              <a:lnSpc>
+                <a:spcPct val="105000"/>
+              </a:lnSpc>
+              <a:spcBef>
+                <a:spcPts val="600"/>
+              </a:spcBef>
+              <a:spcAft>
+                <a:spcPts val="600"/>
+              </a:spcAft>
+              <a:buFont typeface="Wingdings" panose="05000000000000000000" pitchFamily="2" charset="2"/>
+              <a:buChar char="§"/>
+              <a:defRPr sz="2998" kern="1200">
+                <a:solidFill>
+                  <a:schemeClr val="tx1"/>
+                </a:solidFill>
+                <a:latin typeface="+mn-lt"/>
+                <a:ea typeface="+mn-ea"/>
+                <a:cs typeface="+mn-cs"/>
+              </a:defRPr>
+            </a:lvl3pPr>
+            <a:lvl4pPr marL="2132267" indent="-304610" algn="l" defTabSz="1218438" rtl="0" eaLnBrk="1" latinLnBrk="0" hangingPunct="1">
+              <a:lnSpc>
+                <a:spcPct val="105000"/>
+              </a:lnSpc>
+              <a:spcBef>
+                <a:spcPts val="600"/>
+              </a:spcBef>
+              <a:spcAft>
+                <a:spcPts val="600"/>
+              </a:spcAft>
+              <a:buFont typeface="Wingdings" panose="05000000000000000000" pitchFamily="2" charset="2"/>
+              <a:buChar char="§"/>
+              <a:defRPr sz="2798" kern="1200">
+                <a:solidFill>
+                  <a:schemeClr val="tx1"/>
+                </a:solidFill>
+                <a:latin typeface="+mn-lt"/>
+                <a:ea typeface="+mn-ea"/>
+                <a:cs typeface="+mn-cs"/>
+              </a:defRPr>
+            </a:lvl4pPr>
+            <a:lvl5pPr marL="2741485" indent="-304610" algn="l" defTabSz="1218438" rtl="0" eaLnBrk="1" latinLnBrk="0" hangingPunct="1">
+              <a:lnSpc>
+                <a:spcPct val="105000"/>
+              </a:lnSpc>
+              <a:spcBef>
+                <a:spcPts val="600"/>
+              </a:spcBef>
+              <a:spcAft>
+                <a:spcPts val="600"/>
+              </a:spcAft>
+              <a:buFont typeface="Wingdings" panose="05000000000000000000" pitchFamily="2" charset="2"/>
+              <a:buChar char="§"/>
+              <a:defRPr sz="2598" kern="1200">
+                <a:solidFill>
+                  <a:schemeClr val="tx1"/>
+                </a:solidFill>
+                <a:latin typeface="+mn-lt"/>
+                <a:ea typeface="+mn-ea"/>
+                <a:cs typeface="+mn-cs"/>
+              </a:defRPr>
+            </a:lvl5pPr>
+            <a:lvl6pPr marL="3350704" indent="-304610" algn="l" defTabSz="1218438" rtl="0" eaLnBrk="1" latinLnBrk="0" hangingPunct="1">
+              <a:spcBef>
+                <a:spcPct val="20000"/>
+              </a:spcBef>
+              <a:buFont typeface="Arial" pitchFamily="34" charset="0"/>
+              <a:buChar char="•"/>
+              <a:defRPr sz="2665" kern="1200">
+                <a:solidFill>
+                  <a:schemeClr val="tx1"/>
+                </a:solidFill>
+                <a:latin typeface="+mn-lt"/>
+                <a:ea typeface="+mn-ea"/>
+                <a:cs typeface="+mn-cs"/>
+              </a:defRPr>
+            </a:lvl6pPr>
+            <a:lvl7pPr marL="3959924" indent="-304610" algn="l" defTabSz="1218438" rtl="0" eaLnBrk="1" latinLnBrk="0" hangingPunct="1">
+              <a:spcBef>
+                <a:spcPct val="20000"/>
+              </a:spcBef>
+              <a:buFont typeface="Arial" pitchFamily="34" charset="0"/>
+              <a:buChar char="•"/>
+              <a:defRPr sz="2665" kern="1200">
+                <a:solidFill>
+                  <a:schemeClr val="tx1"/>
+                </a:solidFill>
+                <a:latin typeface="+mn-lt"/>
+                <a:ea typeface="+mn-ea"/>
+                <a:cs typeface="+mn-cs"/>
+              </a:defRPr>
+            </a:lvl7pPr>
+            <a:lvl8pPr marL="4569143" indent="-304610" algn="l" defTabSz="1218438" rtl="0" eaLnBrk="1" latinLnBrk="0" hangingPunct="1">
+              <a:spcBef>
+                <a:spcPct val="20000"/>
+              </a:spcBef>
+              <a:buFont typeface="Arial" pitchFamily="34" charset="0"/>
+              <a:buChar char="•"/>
+              <a:defRPr sz="2665" kern="1200">
+                <a:solidFill>
+                  <a:schemeClr val="tx1"/>
+                </a:solidFill>
+                <a:latin typeface="+mn-lt"/>
+                <a:ea typeface="+mn-ea"/>
+                <a:cs typeface="+mn-cs"/>
+              </a:defRPr>
+            </a:lvl8pPr>
+            <a:lvl9pPr marL="5178362" indent="-304610" algn="l" defTabSz="1218438" rtl="0" eaLnBrk="1" latinLnBrk="0" hangingPunct="1">
+              <a:spcBef>
+                <a:spcPct val="20000"/>
+              </a:spcBef>
+              <a:buFont typeface="Arial" pitchFamily="34" charset="0"/>
+              <a:buChar char="•"/>
+              <a:defRPr sz="2665" kern="1200">
+                <a:solidFill>
+                  <a:schemeClr val="tx1"/>
+                </a:solidFill>
+                <a:latin typeface="+mn-lt"/>
+                <a:ea typeface="+mn-ea"/>
+                <a:cs typeface="+mn-cs"/>
+              </a:defRPr>
+            </a:lvl9pPr>
+          </a:lstStyle>
+          <a:p>
+            <a:pPr marL="355600" indent="-355600">
+              <a:lnSpc>
+                <a:spcPct val="100000"/>
+              </a:lnSpc>
+              <a:buClr>
+                <a:schemeClr val="bg2"/>
+              </a:buClr>
+            </a:pPr>
+            <a:r>
+              <a:rPr lang="bg-BG" sz="2800" b="1" dirty="0" smtClean="0">
+                <a:solidFill>
+                  <a:schemeClr val="bg1">
+                    <a:lumMod val="60000"/>
+                    <a:lumOff val="40000"/>
+                  </a:schemeClr>
+                </a:solidFill>
+              </a:rPr>
+              <a:t>ТОДО</a:t>
+            </a:r>
+            <a:endParaRPr lang="ru-RU" sz="2800" dirty="0">
+              <a:solidFill>
+                <a:schemeClr val="bg2"/>
+              </a:solidFill>
+            </a:endParaRPr>
+          </a:p>
+          <a:p>
+            <a:pPr marL="355600" indent="-355600">
+              <a:lnSpc>
+                <a:spcPct val="100000"/>
+              </a:lnSpc>
+              <a:buClr>
+                <a:schemeClr val="bg2"/>
+              </a:buClr>
+            </a:pPr>
+            <a:endParaRPr lang="en-US" sz="2400" b="1" dirty="0">
+              <a:solidFill>
+                <a:schemeClr val="bg2"/>
+              </a:solidFill>
+            </a:endParaRPr>
+          </a:p>
+        </p:txBody>
+      </p:sp>
+    </p:spTree>
+    <p:extLst>
+      <p:ext uri="{BB962C8B-B14F-4D97-AF65-F5344CB8AC3E}">
+        <p14:creationId xmlns:p14="http://schemas.microsoft.com/office/powerpoint/2010/main" val="3528394487"/>
+      </p:ext>
+    </p:extLst>
+  </p:cSld>
+  <p:clrMapOvr>
+    <a:masterClrMapping/>
+  </p:clrMapOvr>
+  <mc:AlternateContent xmlns:mc="http://schemas.openxmlformats.org/markup-compatibility/2006" xmlns:p14="http://schemas.microsoft.com/office/powerpoint/2010/main">
+    <mc:Choice Requires="p14">
+      <p:transition spd="slow" p14:dur="2000" advClick="0" advTm="5000"/>
+    </mc:Choice>
+    <mc:Fallback xmlns="">
+      <p:transition spd="slow" advClick="0" advTm="5000"/>
+    </mc:Fallback>
+  </mc:AlternateContent>
+  <p:timing>
+    <p:tnLst>
+      <p:par>
+        <p:cTn id="1" dur="indefinite" restart="never" nodeType="tmRoot"/>
+      </p:par>
+    </p:tnLst>
+  </p:timing>
+</p:sld>
+</file>
+
+<file path=ppt/slides/slide16.xml><?xml version="1.0" encoding="utf-8"?>
+<p:sld xmlns:a="http://schemas.openxmlformats.org/drawingml/2006/main" xmlns:r="http://schemas.openxmlformats.org/officeDocument/2006/relationships" xmlns:p="http://schemas.openxmlformats.org/presentationml/2006/main">
+  <p:cSld>
+    <p:spTree>
+      <p:nvGrpSpPr>
+        <p:cNvPr id="1" name=""/>
+        <p:cNvGrpSpPr/>
+        <p:nvPr/>
+      </p:nvGrpSpPr>
+      <p:grpSpPr>
+        <a:xfrm>
+          <a:off x="0" y="0"/>
+          <a:ext cx="0" cy="0"/>
+          <a:chOff x="0" y="0"/>
+          <a:chExt cx="0" cy="0"/>
+        </a:xfrm>
+      </p:grpSpPr>
+      <p:sp>
+        <p:nvSpPr>
+          <p:cNvPr id="5" name="Slide Title">
+            <a:extLst>
+              <a:ext uri="{FF2B5EF4-FFF2-40B4-BE49-F238E27FC236}">
+                <a16:creationId xmlns:a16="http://schemas.microsoft.com/office/drawing/2014/main" id="{FA0703FC-0F8F-4C80-A615-E4B381EC0E0C}"/>
+              </a:ext>
+            </a:extLst>
+          </p:cNvPr>
+          <p:cNvSpPr>
+            <a:spLocks noGrp="1"/>
+          </p:cNvSpPr>
+          <p:nvPr>
+            <p:ph type="title"/>
+          </p:nvPr>
+        </p:nvSpPr>
+        <p:spPr/>
+        <p:txBody>
+          <a:bodyPr/>
+          <a:lstStyle/>
+          <a:p>
+            <a:r>
+              <a:rPr lang="bg-BG" dirty="0"/>
+              <a:t>Въпроси</a:t>
+            </a:r>
+            <a:r>
+              <a:rPr lang="en-US" dirty="0"/>
+              <a:t>?</a:t>
+            </a:r>
+          </a:p>
+        </p:txBody>
+      </p:sp>
+      <p:sp>
+        <p:nvSpPr>
+          <p:cNvPr id="2" name="Rectangle Bottom Copyright">
+            <a:extLst>
+              <a:ext uri="{FF2B5EF4-FFF2-40B4-BE49-F238E27FC236}">
+                <a16:creationId xmlns:a16="http://schemas.microsoft.com/office/drawing/2014/main" id="{664812A4-2991-44D1-BFE9-32E55AADF8A5}"/>
+              </a:ext>
+            </a:extLst>
+          </p:cNvPr>
+          <p:cNvSpPr/>
+          <p:nvPr/>
+        </p:nvSpPr>
+        <p:spPr>
+          <a:xfrm>
+            <a:off x="111000" y="6454758"/>
+            <a:ext cx="11970000" cy="304242"/>
+          </a:xfrm>
+          <a:prstGeom prst="rect">
+            <a:avLst/>
+          </a:prstGeom>
+        </p:spPr>
+        <p:txBody>
+          <a:bodyPr wrap="square">
+            <a:noAutofit/>
+          </a:bodyPr>
+          <a:lstStyle/>
+          <a:p>
+            <a:pPr algn="ctr">
+              <a:lnSpc>
+                <a:spcPct val="100000"/>
+              </a:lnSpc>
+              <a:spcBef>
+                <a:spcPts val="0"/>
+              </a:spcBef>
+              <a:spcAft>
+                <a:spcPts val="0"/>
+              </a:spcAft>
+            </a:pPr>
+            <a:r>
+              <a:rPr lang="bg-BG" sz="1600" dirty="0">
+                <a:solidFill>
+                  <a:schemeClr val="bg2"/>
+                </a:solidFill>
+                <a:effectLst/>
+                <a:latin typeface="Calibri" panose="020F0502020204030204" pitchFamily="34" charset="0"/>
+                <a:ea typeface="Calibri" panose="020F0502020204030204" pitchFamily="34" charset="0"/>
+                <a:cs typeface="Arial" panose="020B0604020202020204" pitchFamily="34" charset="0"/>
+              </a:rPr>
+              <a:t>Проект "</a:t>
+            </a:r>
+            <a:r>
+              <a:rPr lang="bg-BG" sz="1600" dirty="0">
+                <a:solidFill>
+                  <a:schemeClr val="bg1">
+                    <a:lumMod val="20000"/>
+                    <a:lumOff val="80000"/>
+                  </a:schemeClr>
+                </a:solidFill>
+                <a:effectLst/>
+                <a:latin typeface="Calibri" panose="020F0502020204030204" pitchFamily="34" charset="0"/>
+                <a:ea typeface="Calibri" panose="020F0502020204030204" pitchFamily="34" charset="0"/>
+                <a:cs typeface="Arial" panose="020B0604020202020204" pitchFamily="34" charset="0"/>
+                <a:hlinkClick r:id="rId3">
+                  <a:extLst>
+                    <a:ext uri="{A12FA001-AC4F-418D-AE19-62706E023703}">
+                      <ahyp:hlinkClr xmlns:ahyp="http://schemas.microsoft.com/office/drawing/2018/hyperlinkcolor" xmlns="" val="tx"/>
+                    </a:ext>
+                  </a:extLst>
+                </a:hlinkClick>
+              </a:rPr>
+              <a:t>Отворено учебно съдържание по програмиране и ИТ</a:t>
+            </a:r>
+            <a:r>
+              <a:rPr lang="bg-BG" sz="1600" dirty="0">
+                <a:solidFill>
+                  <a:schemeClr val="bg2"/>
+                </a:solidFill>
+                <a:effectLst/>
+                <a:latin typeface="Calibri" panose="020F0502020204030204" pitchFamily="34" charset="0"/>
+                <a:ea typeface="Calibri" panose="020F0502020204030204" pitchFamily="34" charset="0"/>
+                <a:cs typeface="Arial" panose="020B0604020202020204" pitchFamily="34" charset="0"/>
+              </a:rPr>
+              <a:t>", СофтУни Фондация (лиценз </a:t>
+            </a:r>
+            <a:r>
+              <a:rPr lang="en-US" sz="1600" dirty="0">
+                <a:solidFill>
+                  <a:schemeClr val="bg2"/>
+                </a:solidFill>
+                <a:effectLst/>
+                <a:latin typeface="Calibri" panose="020F0502020204030204" pitchFamily="34" charset="0"/>
+                <a:ea typeface="Calibri" panose="020F0502020204030204" pitchFamily="34" charset="0"/>
+                <a:cs typeface="Arial" panose="020B0604020202020204" pitchFamily="34" charset="0"/>
+              </a:rPr>
+              <a:t>CC-BY-NC-SA</a:t>
+            </a:r>
+            <a:r>
+              <a:rPr lang="bg-BG" sz="1600" dirty="0">
+                <a:solidFill>
+                  <a:schemeClr val="bg2"/>
+                </a:solidFill>
+                <a:effectLst/>
+                <a:latin typeface="Calibri" panose="020F0502020204030204" pitchFamily="34" charset="0"/>
+                <a:ea typeface="Calibri" panose="020F0502020204030204" pitchFamily="34" charset="0"/>
+                <a:cs typeface="Arial" panose="020B0604020202020204" pitchFamily="34" charset="0"/>
+              </a:rPr>
+              <a:t>)</a:t>
+            </a:r>
+            <a:endParaRPr lang="bg-BG" sz="2400" dirty="0">
+              <a:solidFill>
+                <a:schemeClr val="bg2"/>
+              </a:solidFill>
+              <a:effectLst/>
+              <a:latin typeface="Calibri" panose="020F0502020204030204" pitchFamily="34" charset="0"/>
+              <a:ea typeface="Calibri" panose="020F0502020204030204" pitchFamily="34" charset="0"/>
+              <a:cs typeface="Arial" panose="020B0604020202020204" pitchFamily="34" charset="0"/>
+            </a:endParaRPr>
+          </a:p>
+        </p:txBody>
+      </p:sp>
+    </p:spTree>
+    <p:extLst>
+      <p:ext uri="{BB962C8B-B14F-4D97-AF65-F5344CB8AC3E}">
+        <p14:creationId xmlns:p14="http://schemas.microsoft.com/office/powerpoint/2010/main" val="1472534970"/>
+      </p:ext>
+    </p:extLst>
+  </p:cSld>
+  <p:clrMapOvr>
+    <a:masterClrMapping/>
+  </p:clrMapOvr>
+  <mc:AlternateContent xmlns:mc="http://schemas.openxmlformats.org/markup-compatibility/2006" xmlns:p14="http://schemas.microsoft.com/office/powerpoint/2010/main">
+    <mc:Choice Requires="p14">
+      <p:transition spd="slow" p14:dur="2000" advClick="0" advTm="5000"/>
+    </mc:Choice>
+    <mc:Fallback xmlns="">
+      <p:transition spd="slow" advClick="0" advTm="5000"/>
+    </mc:Fallback>
+  </mc:AlternateContent>
+  <p:timing>
+    <p:tnLst>
+      <p:par>
+        <p:cTn id="1" dur="indefinite" restart="never" nodeType="tmRoot"/>
+      </p:par>
+    </p:tnLst>
+  </p:timing>
+</p:sld>
+</file>
+
+<file path=ppt/slides/slide17.xml><?xml version="1.0" encoding="utf-8"?>
+<p:sld xmlns:a="http://schemas.openxmlformats.org/drawingml/2006/main" xmlns:r="http://schemas.openxmlformats.org/officeDocument/2006/relationships" xmlns:p="http://schemas.openxmlformats.org/presentationml/2006/main" show="0">
+  <p:cSld>
+    <p:spTree>
+      <p:nvGrpSpPr>
+        <p:cNvPr id="1" name=""/>
+        <p:cNvGrpSpPr/>
+        <p:nvPr/>
+      </p:nvGrpSpPr>
+      <p:grpSpPr>
+        <a:xfrm>
+          <a:off x="0" y="0"/>
+          <a:ext cx="0" cy="0"/>
+          <a:chOff x="0" y="0"/>
+          <a:chExt cx="0" cy="0"/>
+        </a:xfrm>
+      </p:grpSpPr>
+      <p:sp>
+        <p:nvSpPr>
+          <p:cNvPr id="5" name="Slide Number">
+            <a:extLst>
+              <a:ext uri="{FF2B5EF4-FFF2-40B4-BE49-F238E27FC236}">
+                <a16:creationId xmlns:a16="http://schemas.microsoft.com/office/drawing/2014/main" id="{F48C3C93-90A1-4D31-BEA6-B54D1106CE31}"/>
+              </a:ext>
+            </a:extLst>
+          </p:cNvPr>
+          <p:cNvSpPr>
+            <a:spLocks noGrp="1"/>
+          </p:cNvSpPr>
+          <p:nvPr>
+            <p:ph type="sldNum" sz="quarter" idx="5"/>
+          </p:nvPr>
+        </p:nvSpPr>
+        <p:spPr>
+          <a:xfrm>
+            <a:off x="11753030" y="6507000"/>
+            <a:ext cx="367414" cy="297000"/>
+          </a:xfrm>
+          <a:prstGeom prst="rect">
+            <a:avLst/>
+          </a:prstGeom>
+        </p:spPr>
+        <p:txBody>
+          <a:bodyPr vert="horz" lIns="91440" tIns="45720" rIns="91440" bIns="45720" rtlCol="0" anchor="b"/>
+          <a:lstStyle>
+            <a:lvl1pPr algn="r">
+              <a:defRPr sz="1000"/>
+            </a:lvl1pPr>
+          </a:lstStyle>
+          <a:p>
+            <a:fld id="{2BF067CD-8E6B-4360-9AA8-C5DF2A48A6D1}" type="slidenum">
+              <a:rPr lang="en-US" smtClean="0"/>
+              <a:pPr/>
+              <a:t>17</a:t>
+            </a:fld>
+            <a:endParaRPr lang="en-US" dirty="0"/>
+          </a:p>
+        </p:txBody>
+      </p:sp>
+      <p:sp>
+        <p:nvSpPr>
+          <p:cNvPr id="2" name="Slide Body">
+            <a:extLst>
+              <a:ext uri="{FF2B5EF4-FFF2-40B4-BE49-F238E27FC236}">
+                <a16:creationId xmlns:a16="http://schemas.microsoft.com/office/drawing/2014/main" id="{980F49B1-E4BE-4389-A747-7AB9B71AD920}"/>
+              </a:ext>
+            </a:extLst>
+          </p:cNvPr>
+          <p:cNvSpPr>
+            <a:spLocks noGrp="1"/>
+          </p:cNvSpPr>
+          <p:nvPr>
+            <p:ph type="body" sz="quarter" idx="10"/>
+          </p:nvPr>
+        </p:nvSpPr>
+        <p:spPr>
+          <a:xfrm>
+            <a:off x="190402" y="1269001"/>
+            <a:ext cx="9865598" cy="2474999"/>
+          </a:xfrm>
+        </p:spPr>
+        <p:txBody>
+          <a:bodyPr>
+            <a:normAutofit/>
+          </a:bodyPr>
+          <a:lstStyle/>
+          <a:p>
+            <a:pPr>
+              <a:lnSpc>
+                <a:spcPct val="120000"/>
+              </a:lnSpc>
+            </a:pPr>
+            <a:r>
+              <a:rPr lang="bg-BG" sz="3200" dirty="0"/>
+              <a:t>Този курс</a:t>
+            </a:r>
+            <a:r>
+              <a:rPr lang="en-US" sz="3200" dirty="0"/>
+              <a:t> (</a:t>
+            </a:r>
+            <a:r>
+              <a:rPr lang="bg-BG" sz="3200" dirty="0"/>
+              <a:t>презентации, примери, демонстрационен код, упражнения, домашни, видео и други активи</a:t>
+            </a:r>
+            <a:r>
+              <a:rPr lang="en-US" sz="3200" dirty="0"/>
+              <a:t>) </a:t>
+            </a:r>
+            <a:r>
+              <a:rPr lang="bg-BG" sz="3200" dirty="0"/>
+              <a:t>представлява</a:t>
+            </a:r>
+            <a:r>
+              <a:rPr lang="en-US" sz="3200" dirty="0"/>
+              <a:t> </a:t>
+            </a:r>
+            <a:r>
+              <a:rPr lang="bg-BG" sz="3200" b="1" dirty="0"/>
+              <a:t>свободно учебно съдържание </a:t>
+            </a:r>
+            <a:r>
+              <a:rPr lang="bg-BG" sz="3200" dirty="0"/>
+              <a:t>и се разпространява под свободен лиценз </a:t>
+            </a:r>
+            <a:r>
+              <a:rPr lang="en-US" sz="3200" b="1" dirty="0"/>
+              <a:t>CC-BY-NC-SA</a:t>
+            </a:r>
+            <a:endParaRPr lang="bg-BG" sz="3200" dirty="0"/>
+          </a:p>
+        </p:txBody>
+      </p:sp>
+      <p:pic>
+        <p:nvPicPr>
+          <p:cNvPr id="6" name="Picture License" descr="License">
+            <a:extLst>
+              <a:ext uri="{FF2B5EF4-FFF2-40B4-BE49-F238E27FC236}">
+                <a16:creationId xmlns:a16="http://schemas.microsoft.com/office/drawing/2014/main" id="{82BA520F-A037-4E01-AA18-27D9F1E930A6}"/>
+              </a:ext>
+            </a:extLst>
+          </p:cNvPr>
+          <p:cNvPicPr>
+            <a:picLocks noChangeAspect="1"/>
+          </p:cNvPicPr>
+          <p:nvPr/>
+        </p:nvPicPr>
+        <p:blipFill>
+          <a:blip r:embed="rId3">
+            <a:clrChange>
+              <a:clrFrom>
+                <a:srgbClr val="FFFFFF"/>
+              </a:clrFrom>
+              <a:clrTo>
+                <a:srgbClr val="FFFFFF">
+                  <a:alpha val="0"/>
+                </a:srgbClr>
+              </a:clrTo>
+            </a:clrChange>
+          </a:blip>
+          <a:stretch>
+            <a:fillRect/>
+          </a:stretch>
+        </p:blipFill>
+        <p:spPr>
+          <a:xfrm>
+            <a:off x="10226175" y="1440120"/>
+            <a:ext cx="1198986" cy="1268880"/>
+          </a:xfrm>
+          <a:prstGeom prst="rect">
+            <a:avLst/>
+          </a:prstGeom>
+        </p:spPr>
+      </p:pic>
+      <p:sp>
+        <p:nvSpPr>
+          <p:cNvPr id="3" name="Slide Title">
+            <a:extLst>
+              <a:ext uri="{FF2B5EF4-FFF2-40B4-BE49-F238E27FC236}">
+                <a16:creationId xmlns:a16="http://schemas.microsoft.com/office/drawing/2014/main" id="{E5F1FB41-80C3-4816-BC47-CCC50632E6E8}"/>
+              </a:ext>
+            </a:extLst>
+          </p:cNvPr>
+          <p:cNvSpPr>
+            <a:spLocks noGrp="1"/>
+          </p:cNvSpPr>
+          <p:nvPr>
+            <p:ph type="title"/>
+          </p:nvPr>
+        </p:nvSpPr>
+        <p:spPr/>
+        <p:txBody>
+          <a:bodyPr/>
+          <a:lstStyle/>
+          <a:p>
+            <a:r>
+              <a:rPr lang="bg-BG" dirty="0"/>
+              <a:t>Лиценз</a:t>
+            </a:r>
+          </a:p>
+        </p:txBody>
+      </p:sp>
+      <p:sp>
+        <p:nvSpPr>
+          <p:cNvPr id="11" name="TextBox 10">
+            <a:extLst>
+              <a:ext uri="{FF2B5EF4-FFF2-40B4-BE49-F238E27FC236}">
+                <a16:creationId xmlns:a16="http://schemas.microsoft.com/office/drawing/2014/main" id="{0C18DF19-B750-4C88-975B-661A6BF61F5E}"/>
+              </a:ext>
+            </a:extLst>
+          </p:cNvPr>
+          <p:cNvSpPr txBox="1"/>
+          <p:nvPr/>
+        </p:nvSpPr>
+        <p:spPr>
+          <a:xfrm>
+            <a:off x="190401" y="3927519"/>
+            <a:ext cx="11710599" cy="1979644"/>
+          </a:xfrm>
+          <a:prstGeom prst="rect">
+            <a:avLst/>
+          </a:prstGeom>
+          <a:noFill/>
+          <a:ln w="12700">
+            <a:noFill/>
+          </a:ln>
+        </p:spPr>
+        <p:txBody>
+          <a:bodyPr wrap="square">
+            <a:spAutoFit/>
+          </a:bodyPr>
+          <a:lstStyle/>
+          <a:p>
+            <a:pPr marL="360363" indent="-360363" defTabSz="1218438">
+              <a:lnSpc>
+                <a:spcPct val="120000"/>
+              </a:lnSpc>
+              <a:spcBef>
+                <a:spcPts val="600"/>
+              </a:spcBef>
+              <a:spcAft>
+                <a:spcPts val="600"/>
+              </a:spcAft>
+              <a:buFont typeface="Wingdings" panose="05000000000000000000" pitchFamily="2" charset="2"/>
+              <a:buChar char="§"/>
+              <a:defRPr/>
+            </a:pPr>
+            <a:r>
+              <a:rPr lang="bg-BG" sz="3200" dirty="0"/>
+              <a:t>Проект "</a:t>
+            </a:r>
+            <a:r>
+              <a:rPr lang="bg-BG" sz="3200" b="1" dirty="0"/>
+              <a:t>Отворено учебно съдържание по програмиране и ИТ</a:t>
+            </a:r>
+            <a:r>
+              <a:rPr lang="bg-BG" sz="3200" dirty="0"/>
+              <a:t>" към Фондация "Софтуерен университет"</a:t>
+            </a:r>
+            <a:r>
+              <a:rPr lang="en-US" sz="3200" dirty="0"/>
+              <a:t>:</a:t>
+            </a:r>
+            <a:endParaRPr lang="bg-BG" sz="3200" dirty="0"/>
+          </a:p>
+          <a:p>
+            <a:pPr marL="817563" lvl="1" indent="-360363" defTabSz="1218438">
+              <a:lnSpc>
+                <a:spcPct val="120000"/>
+              </a:lnSpc>
+              <a:spcBef>
+                <a:spcPts val="600"/>
+              </a:spcBef>
+              <a:spcAft>
+                <a:spcPts val="600"/>
+              </a:spcAft>
+              <a:buFont typeface="Wingdings" panose="05000000000000000000" pitchFamily="2" charset="2"/>
+              <a:buChar char="§"/>
+              <a:defRPr/>
+            </a:pPr>
+            <a:r>
+              <a:rPr kumimoji="0" lang="en-US" sz="3200" b="0" i="0" u="none" strike="noStrike" kern="1200" cap="none" spc="0" normalizeH="0" baseline="0" noProof="0" dirty="0">
+                <a:ln>
+                  <a:noFill/>
+                </a:ln>
+                <a:solidFill>
+                  <a:srgbClr val="234465"/>
+                </a:solidFill>
+                <a:effectLst/>
+                <a:uLnTx/>
+                <a:uFillTx/>
+                <a:latin typeface="Calibri"/>
+                <a:ea typeface="+mn-ea"/>
+                <a:cs typeface="+mn-cs"/>
+                <a:hlinkClick r:id="rId4"/>
+              </a:rPr>
+              <a:t>https://github.com/BG-IT-Edu</a:t>
+            </a:r>
+            <a:endParaRPr kumimoji="0" lang="bg-BG" sz="3200" b="0" i="0" u="none" strike="noStrike" kern="1200" cap="none" spc="0" normalizeH="0" baseline="0" noProof="0" dirty="0">
+              <a:ln>
+                <a:noFill/>
+              </a:ln>
+              <a:solidFill>
+                <a:srgbClr val="234465"/>
+              </a:solidFill>
+              <a:effectLst/>
+              <a:uLnTx/>
+              <a:uFillTx/>
+              <a:latin typeface="Calibri"/>
+              <a:ea typeface="+mn-ea"/>
+              <a:cs typeface="+mn-cs"/>
+            </a:endParaRPr>
+          </a:p>
+        </p:txBody>
+      </p:sp>
+      <p:pic>
+        <p:nvPicPr>
+          <p:cNvPr id="7" name="Picture 6" title="CC-BY-NC-SA License">
+            <a:hlinkClick r:id="rId5" tooltip="This work is licensed under the &quot;Creative Commons Attribution-NonCommercial-ShareAlike 4.0 International&quot; license"/>
+            <a:extLst>
+              <a:ext uri="{FF2B5EF4-FFF2-40B4-BE49-F238E27FC236}">
+                <a16:creationId xmlns:a16="http://schemas.microsoft.com/office/drawing/2014/main" id="{F6C77C47-F7D8-A176-5C69-7FDE5C7E8003}"/>
+              </a:ext>
+            </a:extLst>
+          </p:cNvPr>
+          <p:cNvPicPr>
+            <a:picLocks noChangeAspect="1" noChangeArrowheads="1"/>
+          </p:cNvPicPr>
+          <p:nvPr/>
+        </p:nvPicPr>
+        <p:blipFill>
+          <a:blip r:embed="rId6">
+            <a:extLst>
+              <a:ext uri="{28A0092B-C50C-407E-A947-70E740481C1C}">
+                <a14:useLocalDpi xmlns:a14="http://schemas.microsoft.com/office/drawing/2010/main"/>
+              </a:ext>
+            </a:extLst>
+          </a:blip>
+          <a:srcRect/>
+          <a:stretch>
+            <a:fillRect/>
+          </a:stretch>
+        </p:blipFill>
+        <p:spPr bwMode="auto">
+          <a:xfrm>
+            <a:off x="9831000" y="2908593"/>
+            <a:ext cx="1989336" cy="696022"/>
+          </a:xfrm>
+          <a:prstGeom prst="roundRect">
+            <a:avLst>
+              <a:gd name="adj" fmla="val 3940"/>
+            </a:avLst>
+          </a:prstGeom>
+          <a:solidFill>
+            <a:srgbClr val="231F20">
+              <a:alpha val="50000"/>
+            </a:srgbClr>
+          </a:solidFill>
+          <a:ln>
+            <a:noFill/>
+          </a:ln>
+        </p:spPr>
+      </p:pic>
+    </p:spTree>
+    <p:extLst>
+      <p:ext uri="{BB962C8B-B14F-4D97-AF65-F5344CB8AC3E}">
+        <p14:creationId xmlns:p14="http://schemas.microsoft.com/office/powerpoint/2010/main" val="3879276042"/>
+      </p:ext>
+    </p:extLst>
+  </p:cSld>
+  <p:clrMapOvr>
+    <a:masterClrMapping/>
+  </p:clrMapOvr>
+  <mc:AlternateContent xmlns:mc="http://schemas.openxmlformats.org/markup-compatibility/2006" xmlns:p14="http://schemas.microsoft.com/office/powerpoint/2010/main">
+    <mc:Choice Requires="p14">
+      <p:transition spd="slow" p14:dur="2000" advClick="0" advTm="5000"/>
+    </mc:Choice>
+    <mc:Fallback xmlns="">
+      <p:transition spd="slow" advClick="0" advTm="5000"/>
+    </mc:Fallback>
+  </mc:AlternateContent>
+  <p:timing>
+    <p:tnLst>
+      <p:par>
+        <p:cTn id="1" dur="indefinite" restart="never" nodeType="tmRoot"/>
+      </p:par>
+    </p:tnLst>
+  </p:timing>
+</p:sld>
+</file>
+
 <file path=ppt/slides/slide2.xml><?xml version="1.0" encoding="utf-8"?>
 <p:sld xmlns:a="http://schemas.openxmlformats.org/drawingml/2006/main" xmlns:r="http://schemas.openxmlformats.org/officeDocument/2006/relationships" xmlns:p="http://schemas.openxmlformats.org/presentationml/2006/main">
   <p:cSld>
@@ -7733,13 +11079,7 @@
       </p:grpSpPr>
       <p:sp>
         <p:nvSpPr>
-          <p:cNvPr id="14" name="Text Placeholder 4">
-            <a:extLst>
-              <a:ext uri="{FF2B5EF4-FFF2-40B4-BE49-F238E27FC236}">
-                <a16:creationId xmlns:a16="http://schemas.microsoft.com/office/drawing/2014/main" id="{0E49D336-45B6-44D3-97C4-E28F8DEA2022}"/>
-              </a:ext>
-            </a:extLst>
-          </p:cNvPr>
+          <p:cNvPr id="5" name="Text Placeholder 4"/>
           <p:cNvSpPr>
             <a:spLocks noGrp="1"/>
           </p:cNvSpPr>
@@ -7749,84 +11089,116 @@
         </p:nvSpPr>
         <p:spPr>
           <a:xfrm>
-            <a:off x="869725" y="1577986"/>
-            <a:ext cx="7581212" cy="4772369"/>
+            <a:off x="111000" y="1196125"/>
+            <a:ext cx="12015000" cy="5528766"/>
           </a:xfrm>
         </p:spPr>
         <p:txBody>
           <a:bodyPr/>
-          <a:lstStyle>
-            <a:lvl1pPr marL="514350" indent="-514350">
-              <a:buFont typeface="Wingdings" panose="05000000000000000000" pitchFamily="2" charset="2"/>
-              <a:buChar char="§"/>
-              <a:defRPr>
+          <a:lstStyle/>
+          <a:p>
+            <a:r>
+              <a:rPr lang="bg-BG" dirty="0" smtClean="0"/>
+              <a:t>Обикновено </a:t>
+            </a:r>
+            <a:r>
+              <a:rPr lang="en-US" b="1" dirty="0" smtClean="0">
                 <a:solidFill>
-                  <a:schemeClr val="bg2"/>
+                  <a:schemeClr val="bg1"/>
                 </a:solidFill>
-              </a:defRPr>
-            </a:lvl1pPr>
-            <a:lvl2pPr marL="1123935" indent="-514350">
-              <a:buFont typeface="Wingdings" panose="05000000000000000000" pitchFamily="2" charset="2"/>
-              <a:buChar char="§"/>
-              <a:defRPr>
+              </a:rPr>
+              <a:t>MS PowerPoint </a:t>
+            </a:r>
+            <a:r>
+              <a:rPr lang="bg-BG" dirty="0" smtClean="0"/>
+              <a:t>съхранява презентациите във файл с познатото </a:t>
+            </a:r>
+            <a:r>
+              <a:rPr lang="bg-BG" b="1" dirty="0" smtClean="0"/>
+              <a:t>разширение</a:t>
+            </a:r>
+            <a:r>
+              <a:rPr lang="bg-BG" dirty="0" smtClean="0"/>
+              <a:t> </a:t>
+            </a:r>
+            <a:r>
+              <a:rPr lang="en-US" b="1" dirty="0" smtClean="0">
                 <a:solidFill>
-                  <a:schemeClr val="tx1"/>
+                  <a:schemeClr val="bg1"/>
                 </a:solidFill>
-              </a:defRPr>
-            </a:lvl2pPr>
-            <a:lvl3pPr marL="1733520" indent="-514350">
-              <a:buFont typeface="Wingdings" panose="05000000000000000000" pitchFamily="2" charset="2"/>
-              <a:buChar char="§"/>
-              <a:defRPr>
+              </a:rPr>
+              <a:t>pptx</a:t>
+            </a:r>
+          </a:p>
+          <a:p>
+            <a:pPr lvl="1"/>
+            <a:r>
+              <a:rPr lang="bg-BG" dirty="0" smtClean="0"/>
+              <a:t>По-старите версии са били с </a:t>
+            </a:r>
+            <a:r>
+              <a:rPr lang="en-US" b="1" dirty="0" err="1" smtClean="0">
                 <a:solidFill>
-                  <a:schemeClr val="tx1"/>
+                  <a:schemeClr val="bg1"/>
                 </a:solidFill>
-              </a:defRPr>
-            </a:lvl3pPr>
-            <a:lvl4pPr marL="2343105" indent="-514350">
-              <a:buFont typeface="Wingdings" panose="05000000000000000000" pitchFamily="2" charset="2"/>
-              <a:buChar char="§"/>
-              <a:defRPr>
+              </a:rPr>
+              <a:t>ppt</a:t>
+            </a:r>
+            <a:endParaRPr lang="en-US" b="1" dirty="0">
+              <a:solidFill>
+                <a:schemeClr val="bg1"/>
+              </a:solidFill>
+            </a:endParaRPr>
+          </a:p>
+          <a:p>
+            <a:r>
+              <a:rPr lang="bg-BG" dirty="0" smtClean="0"/>
+              <a:t>За да се </a:t>
+            </a:r>
+            <a:r>
+              <a:rPr lang="bg-BG" b="1" dirty="0" smtClean="0"/>
+              <a:t>работи</a:t>
+            </a:r>
+            <a:r>
+              <a:rPr lang="bg-BG" dirty="0" smtClean="0"/>
+              <a:t> с тези </a:t>
+            </a:r>
+            <a:r>
+              <a:rPr lang="bg-BG" b="1" dirty="0" smtClean="0"/>
+              <a:t>формати</a:t>
+            </a:r>
+            <a:r>
+              <a:rPr lang="bg-BG" dirty="0" smtClean="0"/>
+              <a:t>, е необходимо на </a:t>
+            </a:r>
+            <a:r>
+              <a:rPr lang="bg-BG" b="1" dirty="0" smtClean="0"/>
+              <a:t>компютъра</a:t>
+            </a:r>
+            <a:r>
+              <a:rPr lang="bg-BG" dirty="0" smtClean="0"/>
+              <a:t> да има </a:t>
+            </a:r>
+            <a:r>
+              <a:rPr lang="bg-BG" b="1" dirty="0" smtClean="0"/>
+              <a:t>инсталиран </a:t>
+            </a:r>
+            <a:r>
+              <a:rPr lang="en-US" b="1" dirty="0" smtClean="0">
                 <a:solidFill>
-                  <a:schemeClr val="tx1"/>
+                  <a:schemeClr val="bg1"/>
                 </a:solidFill>
-              </a:defRPr>
-            </a:lvl4pPr>
-            <a:lvl5pPr marL="2952689" indent="-514350">
-              <a:buFont typeface="Wingdings" panose="05000000000000000000" pitchFamily="2" charset="2"/>
-              <a:buChar char="§"/>
-              <a:defRPr>
-                <a:solidFill>
-                  <a:schemeClr val="tx1"/>
-                </a:solidFill>
-              </a:defRPr>
-            </a:lvl5pPr>
-          </a:lstStyle>
-          <a:p>
-            <a:pPr lvl="0"/>
-            <a:r>
-              <a:rPr lang="en-US" dirty="0"/>
-              <a:t>…</a:t>
-            </a:r>
-          </a:p>
-          <a:p>
-            <a:pPr lvl="0"/>
-            <a:r>
-              <a:rPr lang="en-GB" dirty="0"/>
-              <a:t>…</a:t>
-            </a:r>
-            <a:endParaRPr lang="en-US" dirty="0"/>
-          </a:p>
-          <a:p>
-            <a:pPr lvl="0"/>
-            <a:r>
-              <a:rPr lang="en-GB" dirty="0"/>
-              <a:t>…</a:t>
-            </a:r>
-            <a:endParaRPr lang="en-US" dirty="0"/>
-          </a:p>
-          <a:p>
-            <a:pPr lvl="0"/>
+              </a:rPr>
+              <a:t>PowerPoint</a:t>
+            </a:r>
+            <a:endParaRPr lang="bg-BG" b="1" dirty="0" smtClean="0">
+              <a:solidFill>
+                <a:schemeClr val="bg1"/>
+              </a:solidFill>
+            </a:endParaRPr>
+          </a:p>
+          <a:p>
+            <a:pPr lvl="1"/>
             <a:endParaRPr lang="en-US" dirty="0"/>
           </a:p>
         </p:txBody>
@@ -7843,582 +11215,120 @@
         </p:nvSpPr>
         <p:spPr/>
         <p:txBody>
-          <a:bodyPr>
-            <a:normAutofit/>
-          </a:bodyPr>
+          <a:bodyPr/>
           <a:lstStyle/>
           <a:p>
             <a:r>
               <a:rPr lang="bg-BG" dirty="0"/>
-              <a:t>Какво научихме днес?</a:t>
-            </a:r>
-            <a:endParaRPr lang="en-US" dirty="0"/>
+              <a:t>Файлови формати за презентация – </a:t>
+            </a:r>
+            <a:r>
+              <a:rPr lang="en-US" dirty="0"/>
+              <a:t>pptx</a:t>
+            </a:r>
           </a:p>
         </p:txBody>
       </p:sp>
-      <p:sp>
-        <p:nvSpPr>
-          <p:cNvPr id="6" name="Slide Number Placeholder 5"/>
-          <p:cNvSpPr>
-            <a:spLocks noGrp="1"/>
-          </p:cNvSpPr>
-          <p:nvPr>
-            <p:ph type="sldNum" sz="quarter" idx="4294967295"/>
-          </p:nvPr>
-        </p:nvSpPr>
-        <p:spPr>
+      <p:pic>
+        <p:nvPicPr>
+          <p:cNvPr id="1026" name="Picture 2" descr="What is a PPTX file? | ONLYOFFICE Blog"/>
+          <p:cNvPicPr>
+            <a:picLocks noChangeAspect="1" noChangeArrowheads="1"/>
+          </p:cNvPicPr>
+          <p:nvPr/>
+        </p:nvPicPr>
+        <p:blipFill>
+          <a:blip r:embed="rId2">
+            <a:extLst>
+              <a:ext uri="{28A0092B-C50C-407E-A947-70E740481C1C}">
+                <a14:useLocalDpi xmlns:a14="http://schemas.microsoft.com/office/drawing/2010/main" val="0"/>
+              </a:ext>
+            </a:extLst>
+          </a:blip>
+          <a:srcRect/>
+          <a:stretch>
+            <a:fillRect/>
+          </a:stretch>
+        </p:blipFill>
+        <p:spPr bwMode="auto">
           <a:xfrm>
-            <a:off x="11566412" y="6397196"/>
-            <a:ext cx="428822" cy="308845"/>
+            <a:off x="1145999" y="4424812"/>
+            <a:ext cx="4537729" cy="2206419"/>
           </a:xfrm>
           <a:prstGeom prst="rect">
             <a:avLst/>
           </a:prstGeom>
+          <a:noFill/>
+          <a:ln>
+            <a:solidFill>
+              <a:schemeClr val="bg2">
+                <a:lumMod val="65000"/>
+              </a:schemeClr>
+            </a:solidFill>
+          </a:ln>
+          <a:extLst>
+            <a:ext uri="{909E8E84-426E-40DD-AFC4-6F175D3DCCD1}">
+              <a14:hiddenFill xmlns:a14="http://schemas.microsoft.com/office/drawing/2010/main">
+                <a:solidFill>
+                  <a:srgbClr val="FFFFFF"/>
+                </a:solidFill>
+              </a14:hiddenFill>
+            </a:ext>
+          </a:extLst>
         </p:spPr>
-        <p:txBody>
-          <a:bodyPr vert="horz" lIns="36000" tIns="36000" rIns="36000" bIns="36000" rtlCol="0" anchor="ctr"/>
-          <a:lstStyle>
-            <a:defPPr>
-              <a:defRPr lang="en-US"/>
-            </a:defPPr>
-            <a:lvl1pPr marL="0" algn="r" defTabSz="914400" rtl="0" eaLnBrk="1" latinLnBrk="0" hangingPunct="1">
-              <a:defRPr sz="1000" kern="1200">
-                <a:solidFill>
-                  <a:schemeClr val="tx1"/>
-                </a:solidFill>
-                <a:latin typeface="+mn-lt"/>
-                <a:ea typeface="+mn-ea"/>
-                <a:cs typeface="+mn-cs"/>
-              </a:defRPr>
-            </a:lvl1pPr>
-            <a:lvl2pPr marL="457200" algn="l" defTabSz="914400" rtl="0" eaLnBrk="1" latinLnBrk="0" hangingPunct="1">
-              <a:defRPr sz="1800" kern="1200">
-                <a:solidFill>
-                  <a:schemeClr val="tx1"/>
-                </a:solidFill>
-                <a:latin typeface="+mn-lt"/>
-                <a:ea typeface="+mn-ea"/>
-                <a:cs typeface="+mn-cs"/>
-              </a:defRPr>
-            </a:lvl2pPr>
-            <a:lvl3pPr marL="914400" algn="l" defTabSz="914400" rtl="0" eaLnBrk="1" latinLnBrk="0" hangingPunct="1">
-              <a:defRPr sz="1800" kern="1200">
-                <a:solidFill>
-                  <a:schemeClr val="tx1"/>
-                </a:solidFill>
-                <a:latin typeface="+mn-lt"/>
-                <a:ea typeface="+mn-ea"/>
-                <a:cs typeface="+mn-cs"/>
-              </a:defRPr>
-            </a:lvl3pPr>
-            <a:lvl4pPr marL="1371600" algn="l" defTabSz="914400" rtl="0" eaLnBrk="1" latinLnBrk="0" hangingPunct="1">
-              <a:defRPr sz="1800" kern="1200">
-                <a:solidFill>
-                  <a:schemeClr val="tx1"/>
-                </a:solidFill>
-                <a:latin typeface="+mn-lt"/>
-                <a:ea typeface="+mn-ea"/>
-                <a:cs typeface="+mn-cs"/>
-              </a:defRPr>
-            </a:lvl4pPr>
-            <a:lvl5pPr marL="1828800" algn="l" defTabSz="914400" rtl="0" eaLnBrk="1" latinLnBrk="0" hangingPunct="1">
-              <a:defRPr sz="1800" kern="1200">
-                <a:solidFill>
-                  <a:schemeClr val="tx1"/>
-                </a:solidFill>
-                <a:latin typeface="+mn-lt"/>
-                <a:ea typeface="+mn-ea"/>
-                <a:cs typeface="+mn-cs"/>
-              </a:defRPr>
-            </a:lvl5pPr>
-            <a:lvl6pPr marL="2286000" algn="l" defTabSz="914400" rtl="0" eaLnBrk="1" latinLnBrk="0" hangingPunct="1">
-              <a:defRPr sz="1800" kern="1200">
-                <a:solidFill>
-                  <a:schemeClr val="tx1"/>
-                </a:solidFill>
-                <a:latin typeface="+mn-lt"/>
-                <a:ea typeface="+mn-ea"/>
-                <a:cs typeface="+mn-cs"/>
-              </a:defRPr>
-            </a:lvl6pPr>
-            <a:lvl7pPr marL="2743200" algn="l" defTabSz="914400" rtl="0" eaLnBrk="1" latinLnBrk="0" hangingPunct="1">
-              <a:defRPr sz="1800" kern="1200">
-                <a:solidFill>
-                  <a:schemeClr val="tx1"/>
-                </a:solidFill>
-                <a:latin typeface="+mn-lt"/>
-                <a:ea typeface="+mn-ea"/>
-                <a:cs typeface="+mn-cs"/>
-              </a:defRPr>
-            </a:lvl7pPr>
-            <a:lvl8pPr marL="3200400" algn="l" defTabSz="914400" rtl="0" eaLnBrk="1" latinLnBrk="0" hangingPunct="1">
-              <a:defRPr sz="1800" kern="1200">
-                <a:solidFill>
-                  <a:schemeClr val="tx1"/>
-                </a:solidFill>
-                <a:latin typeface="+mn-lt"/>
-                <a:ea typeface="+mn-ea"/>
-                <a:cs typeface="+mn-cs"/>
-              </a:defRPr>
-            </a:lvl8pPr>
-            <a:lvl9pPr marL="3657600" algn="l" defTabSz="914400" rtl="0" eaLnBrk="1" latinLnBrk="0" hangingPunct="1">
-              <a:defRPr sz="1800" kern="1200">
-                <a:solidFill>
-                  <a:schemeClr val="tx1"/>
-                </a:solidFill>
-                <a:latin typeface="+mn-lt"/>
-                <a:ea typeface="+mn-ea"/>
-                <a:cs typeface="+mn-cs"/>
-              </a:defRPr>
-            </a:lvl9pPr>
-          </a:lstStyle>
-          <a:p>
-            <a:fld id="{C014DD1E-5D91-48A3-AD6D-45FBA980D106}" type="slidenum">
-              <a:rPr lang="en-US" smtClean="0"/>
-              <a:pPr/>
-              <a:t>4</a:t>
-            </a:fld>
-            <a:endParaRPr lang="en-US" dirty="0"/>
-          </a:p>
-        </p:txBody>
-      </p:sp>
-      <p:grpSp>
-        <p:nvGrpSpPr>
-          <p:cNvPr id="9" name="Group 8">
+      </p:pic>
+      <p:pic>
+        <p:nvPicPr>
+          <p:cNvPr id="1028" name="Picture 4" descr="How to view and open .PPTX Files | Adobe"/>
+          <p:cNvPicPr>
+            <a:picLocks noChangeAspect="1" noChangeArrowheads="1"/>
+          </p:cNvPicPr>
+          <p:nvPr/>
+        </p:nvPicPr>
+        <p:blipFill>
+          <a:blip r:embed="rId3">
             <a:extLst>
-              <a:ext uri="{FF2B5EF4-FFF2-40B4-BE49-F238E27FC236}">
-                <a16:creationId xmlns:a16="http://schemas.microsoft.com/office/drawing/2014/main" id="{EBAFE522-EB7D-4931-A015-9A7E8A98517D}"/>
+              <a:ext uri="{28A0092B-C50C-407E-A947-70E740481C1C}">
+                <a14:useLocalDpi xmlns:a14="http://schemas.microsoft.com/office/drawing/2010/main" val="0"/>
               </a:ext>
             </a:extLst>
-          </p:cNvPr>
-          <p:cNvGrpSpPr/>
-          <p:nvPr/>
-        </p:nvGrpSpPr>
-        <p:grpSpPr>
+          </a:blip>
+          <a:srcRect/>
+          <a:stretch>
+            <a:fillRect/>
+          </a:stretch>
+        </p:blipFill>
+        <p:spPr bwMode="auto">
           <a:xfrm>
-            <a:off x="196766" y="1314000"/>
-            <a:ext cx="11798468" cy="5300339"/>
-            <a:chOff x="472011" y="1508786"/>
-            <a:chExt cx="3799787" cy="4865561"/>
-          </a:xfrm>
-        </p:grpSpPr>
-        <p:sp>
-          <p:nvSpPr>
-            <p:cNvPr id="10" name="Rounded Rectangle 10">
-              <a:extLst>
-                <a:ext uri="{FF2B5EF4-FFF2-40B4-BE49-F238E27FC236}">
-                  <a16:creationId xmlns:a16="http://schemas.microsoft.com/office/drawing/2014/main" id="{18F78F23-3D09-4B63-8DF9-D49CFBB145EE}"/>
-                </a:ext>
-              </a:extLst>
-            </p:cNvPr>
-            <p:cNvSpPr/>
-            <p:nvPr userDrawn="1"/>
-          </p:nvSpPr>
-          <p:spPr>
-            <a:xfrm>
-              <a:off x="472011" y="1508786"/>
-              <a:ext cx="3799787" cy="4865561"/>
-            </a:xfrm>
-            <a:prstGeom prst="roundRect">
-              <a:avLst>
-                <a:gd name="adj" fmla="val 3968"/>
-              </a:avLst>
-            </a:prstGeom>
-            <a:solidFill>
-              <a:schemeClr val="tx2"/>
-            </a:solidFill>
-            <a:ln>
-              <a:noFill/>
-            </a:ln>
-          </p:spPr>
-          <p:style>
-            <a:lnRef idx="2">
-              <a:schemeClr val="accent1">
-                <a:shade val="50000"/>
-              </a:schemeClr>
-            </a:lnRef>
-            <a:fillRef idx="1">
-              <a:schemeClr val="accent1"/>
-            </a:fillRef>
-            <a:effectRef idx="0">
-              <a:schemeClr val="accent1"/>
-            </a:effectRef>
-            <a:fontRef idx="minor">
-              <a:schemeClr val="lt1"/>
-            </a:fontRef>
-          </p:style>
-          <p:txBody>
-            <a:bodyPr rtlCol="0" anchor="ctr"/>
-            <a:lstStyle/>
-            <a:p>
-              <a:pPr algn="ctr"/>
-              <a:endParaRPr lang="ko-KR" altLang="en-US" sz="2399" dirty="0"/>
-            </a:p>
-          </p:txBody>
-        </p:sp>
-        <p:sp>
-          <p:nvSpPr>
-            <p:cNvPr id="11" name="Rounded Rectangle 16">
-              <a:extLst>
-                <a:ext uri="{FF2B5EF4-FFF2-40B4-BE49-F238E27FC236}">
-                  <a16:creationId xmlns:a16="http://schemas.microsoft.com/office/drawing/2014/main" id="{F12C06CE-2BBE-46C2-B718-813794C58DF9}"/>
-                </a:ext>
-              </a:extLst>
-            </p:cNvPr>
-            <p:cNvSpPr/>
-            <p:nvPr userDrawn="1"/>
-          </p:nvSpPr>
-          <p:spPr>
-            <a:xfrm>
-              <a:off x="540767" y="1781251"/>
-              <a:ext cx="85794" cy="4320631"/>
-            </a:xfrm>
-            <a:prstGeom prst="roundRect">
-              <a:avLst>
-                <a:gd name="adj" fmla="val 50000"/>
-              </a:avLst>
-            </a:prstGeom>
-            <a:solidFill>
-              <a:schemeClr val="bg2">
-                <a:alpha val="41000"/>
-              </a:schemeClr>
-            </a:solidFill>
-            <a:ln>
-              <a:noFill/>
-            </a:ln>
-          </p:spPr>
-          <p:style>
-            <a:lnRef idx="2">
-              <a:schemeClr val="accent1">
-                <a:shade val="50000"/>
-              </a:schemeClr>
-            </a:lnRef>
-            <a:fillRef idx="1">
-              <a:schemeClr val="accent1"/>
-            </a:fillRef>
-            <a:effectRef idx="0">
-              <a:schemeClr val="accent1"/>
-            </a:effectRef>
-            <a:fontRef idx="minor">
-              <a:schemeClr val="lt1"/>
-            </a:fontRef>
-          </p:style>
-          <p:txBody>
-            <a:bodyPr rtlCol="0" anchor="ctr"/>
-            <a:lstStyle/>
-            <a:p>
-              <a:pPr algn="ctr"/>
-              <a:endParaRPr lang="ko-KR" altLang="en-US" sz="2399">
-                <a:solidFill>
-                  <a:schemeClr val="bg1"/>
-                </a:solidFill>
-              </a:endParaRPr>
-            </a:p>
-          </p:txBody>
-        </p:sp>
-        <p:sp>
-          <p:nvSpPr>
-            <p:cNvPr id="12" name="Half Frame 11">
-              <a:extLst>
-                <a:ext uri="{FF2B5EF4-FFF2-40B4-BE49-F238E27FC236}">
-                  <a16:creationId xmlns:a16="http://schemas.microsoft.com/office/drawing/2014/main" id="{66CDBB1E-AF3C-43FC-9F34-2DD691F81726}"/>
-                </a:ext>
-              </a:extLst>
-            </p:cNvPr>
-            <p:cNvSpPr/>
-            <p:nvPr userDrawn="1"/>
-          </p:nvSpPr>
-          <p:spPr>
-            <a:xfrm rot="5400000">
-              <a:off x="3762569" y="1912372"/>
-              <a:ext cx="669775" cy="238503"/>
-            </a:xfrm>
-            <a:prstGeom prst="halfFrame">
-              <a:avLst>
-                <a:gd name="adj1" fmla="val 23728"/>
-                <a:gd name="adj2" fmla="val 24642"/>
-              </a:avLst>
-            </a:prstGeom>
-            <a:solidFill>
-              <a:schemeClr val="bg2">
-                <a:alpha val="23000"/>
-              </a:schemeClr>
-            </a:solidFill>
-            <a:ln>
-              <a:noFill/>
-            </a:ln>
-          </p:spPr>
-          <p:style>
-            <a:lnRef idx="2">
-              <a:schemeClr val="accent1">
-                <a:shade val="50000"/>
-              </a:schemeClr>
-            </a:lnRef>
-            <a:fillRef idx="1">
-              <a:schemeClr val="accent1"/>
-            </a:fillRef>
-            <a:effectRef idx="0">
-              <a:schemeClr val="accent1"/>
-            </a:effectRef>
-            <a:fontRef idx="minor">
-              <a:schemeClr val="lt1"/>
-            </a:fontRef>
-          </p:style>
-          <p:txBody>
-            <a:bodyPr rtlCol="0" anchor="ctr"/>
-            <a:lstStyle/>
-            <a:p>
-              <a:pPr algn="ctr"/>
-              <a:endParaRPr lang="ko-KR" altLang="en-US" sz="2399">
-                <a:solidFill>
-                  <a:schemeClr val="tx1"/>
-                </a:solidFill>
-              </a:endParaRPr>
-            </a:p>
-          </p:txBody>
-        </p:sp>
-      </p:grpSp>
-      <p:sp>
-        <p:nvSpPr>
-          <p:cNvPr id="15" name="Content Placeholder 4">
-            <a:extLst>
-              <a:ext uri="{FF2B5EF4-FFF2-40B4-BE49-F238E27FC236}">
-                <a16:creationId xmlns:a16="http://schemas.microsoft.com/office/drawing/2014/main" id="{B96A0DF8-27E7-4DC8-BBE3-7238AAAEB845}"/>
-              </a:ext>
-            </a:extLst>
-          </p:cNvPr>
-          <p:cNvSpPr txBox="1">
-            <a:spLocks/>
-          </p:cNvSpPr>
-          <p:nvPr/>
-        </p:nvSpPr>
-        <p:spPr>
-          <a:xfrm>
-            <a:off x="741000" y="1504870"/>
-            <a:ext cx="11040744" cy="4894130"/>
+            <a:off x="6449949" y="4423407"/>
+            <a:ext cx="4731052" cy="2207824"/>
           </a:xfrm>
           <a:prstGeom prst="rect">
             <a:avLst/>
           </a:prstGeom>
+          <a:noFill/>
+          <a:ln>
+            <a:solidFill>
+              <a:schemeClr val="bg2">
+                <a:lumMod val="65000"/>
+              </a:schemeClr>
+            </a:solidFill>
+          </a:ln>
+          <a:extLst>
+            <a:ext uri="{909E8E84-426E-40DD-AFC4-6F175D3DCCD1}">
+              <a14:hiddenFill xmlns:a14="http://schemas.microsoft.com/office/drawing/2010/main">
+                <a:solidFill>
+                  <a:srgbClr val="FFFFFF"/>
+                </a:solidFill>
+              </a14:hiddenFill>
+            </a:ext>
+          </a:extLst>
         </p:spPr>
-        <p:txBody>
-          <a:bodyPr vert="horz" lIns="108000" tIns="36000" rIns="108000" bIns="36000" rtlCol="0">
-            <a:noAutofit/>
-          </a:bodyPr>
-          <a:lstStyle>
-            <a:lvl1pPr marL="456915" indent="-456915" algn="l" defTabSz="1218438" rtl="0" eaLnBrk="1" latinLnBrk="0" hangingPunct="1">
-              <a:lnSpc>
-                <a:spcPct val="105000"/>
-              </a:lnSpc>
-              <a:spcBef>
-                <a:spcPts val="600"/>
-              </a:spcBef>
-              <a:spcAft>
-                <a:spcPts val="600"/>
-              </a:spcAft>
-              <a:buFont typeface="Wingdings" panose="05000000000000000000" pitchFamily="2" charset="2"/>
-              <a:buChar char="§"/>
-              <a:defRPr sz="3398" kern="1200">
-                <a:solidFill>
-                  <a:schemeClr val="tx1"/>
-                </a:solidFill>
-                <a:latin typeface="+mn-lt"/>
-                <a:ea typeface="+mn-ea"/>
-                <a:cs typeface="+mn-cs"/>
-              </a:defRPr>
-            </a:lvl1pPr>
-            <a:lvl2pPr marL="989981" indent="-380762" algn="l" defTabSz="1218438" rtl="0" eaLnBrk="1" latinLnBrk="0" hangingPunct="1">
-              <a:lnSpc>
-                <a:spcPct val="105000"/>
-              </a:lnSpc>
-              <a:spcBef>
-                <a:spcPts val="600"/>
-              </a:spcBef>
-              <a:spcAft>
-                <a:spcPts val="600"/>
-              </a:spcAft>
-              <a:buFont typeface="Wingdings" panose="05000000000000000000" pitchFamily="2" charset="2"/>
-              <a:buChar char="§"/>
-              <a:defRPr sz="3198" kern="1200">
-                <a:solidFill>
-                  <a:schemeClr val="tx1"/>
-                </a:solidFill>
-                <a:latin typeface="+mn-lt"/>
-                <a:ea typeface="+mn-ea"/>
-                <a:cs typeface="+mn-cs"/>
-              </a:defRPr>
-            </a:lvl2pPr>
-            <a:lvl3pPr marL="1523048" indent="-304610" algn="l" defTabSz="1218438" rtl="0" eaLnBrk="1" latinLnBrk="0" hangingPunct="1">
-              <a:lnSpc>
-                <a:spcPct val="105000"/>
-              </a:lnSpc>
-              <a:spcBef>
-                <a:spcPts val="600"/>
-              </a:spcBef>
-              <a:spcAft>
-                <a:spcPts val="600"/>
-              </a:spcAft>
-              <a:buFont typeface="Wingdings" panose="05000000000000000000" pitchFamily="2" charset="2"/>
-              <a:buChar char="§"/>
-              <a:defRPr sz="2998" kern="1200">
-                <a:solidFill>
-                  <a:schemeClr val="tx1"/>
-                </a:solidFill>
-                <a:latin typeface="+mn-lt"/>
-                <a:ea typeface="+mn-ea"/>
-                <a:cs typeface="+mn-cs"/>
-              </a:defRPr>
-            </a:lvl3pPr>
-            <a:lvl4pPr marL="2132267" indent="-304610" algn="l" defTabSz="1218438" rtl="0" eaLnBrk="1" latinLnBrk="0" hangingPunct="1">
-              <a:lnSpc>
-                <a:spcPct val="105000"/>
-              </a:lnSpc>
-              <a:spcBef>
-                <a:spcPts val="600"/>
-              </a:spcBef>
-              <a:spcAft>
-                <a:spcPts val="600"/>
-              </a:spcAft>
-              <a:buFont typeface="Wingdings" panose="05000000000000000000" pitchFamily="2" charset="2"/>
-              <a:buChar char="§"/>
-              <a:defRPr sz="2798" kern="1200">
-                <a:solidFill>
-                  <a:schemeClr val="tx1"/>
-                </a:solidFill>
-                <a:latin typeface="+mn-lt"/>
-                <a:ea typeface="+mn-ea"/>
-                <a:cs typeface="+mn-cs"/>
-              </a:defRPr>
-            </a:lvl4pPr>
-            <a:lvl5pPr marL="2741485" indent="-304610" algn="l" defTabSz="1218438" rtl="0" eaLnBrk="1" latinLnBrk="0" hangingPunct="1">
-              <a:lnSpc>
-                <a:spcPct val="105000"/>
-              </a:lnSpc>
-              <a:spcBef>
-                <a:spcPts val="600"/>
-              </a:spcBef>
-              <a:spcAft>
-                <a:spcPts val="600"/>
-              </a:spcAft>
-              <a:buFont typeface="Wingdings" panose="05000000000000000000" pitchFamily="2" charset="2"/>
-              <a:buChar char="§"/>
-              <a:defRPr sz="2598" kern="1200">
-                <a:solidFill>
-                  <a:schemeClr val="tx1"/>
-                </a:solidFill>
-                <a:latin typeface="+mn-lt"/>
-                <a:ea typeface="+mn-ea"/>
-                <a:cs typeface="+mn-cs"/>
-              </a:defRPr>
-            </a:lvl5pPr>
-            <a:lvl6pPr marL="3350704" indent="-304610" algn="l" defTabSz="1218438" rtl="0" eaLnBrk="1" latinLnBrk="0" hangingPunct="1">
-              <a:spcBef>
-                <a:spcPct val="20000"/>
-              </a:spcBef>
-              <a:buFont typeface="Arial" pitchFamily="34" charset="0"/>
-              <a:buChar char="•"/>
-              <a:defRPr sz="2665" kern="1200">
-                <a:solidFill>
-                  <a:schemeClr val="tx1"/>
-                </a:solidFill>
-                <a:latin typeface="+mn-lt"/>
-                <a:ea typeface="+mn-ea"/>
-                <a:cs typeface="+mn-cs"/>
-              </a:defRPr>
-            </a:lvl6pPr>
-            <a:lvl7pPr marL="3959924" indent="-304610" algn="l" defTabSz="1218438" rtl="0" eaLnBrk="1" latinLnBrk="0" hangingPunct="1">
-              <a:spcBef>
-                <a:spcPct val="20000"/>
-              </a:spcBef>
-              <a:buFont typeface="Arial" pitchFamily="34" charset="0"/>
-              <a:buChar char="•"/>
-              <a:defRPr sz="2665" kern="1200">
-                <a:solidFill>
-                  <a:schemeClr val="tx1"/>
-                </a:solidFill>
-                <a:latin typeface="+mn-lt"/>
-                <a:ea typeface="+mn-ea"/>
-                <a:cs typeface="+mn-cs"/>
-              </a:defRPr>
-            </a:lvl7pPr>
-            <a:lvl8pPr marL="4569143" indent="-304610" algn="l" defTabSz="1218438" rtl="0" eaLnBrk="1" latinLnBrk="0" hangingPunct="1">
-              <a:spcBef>
-                <a:spcPct val="20000"/>
-              </a:spcBef>
-              <a:buFont typeface="Arial" pitchFamily="34" charset="0"/>
-              <a:buChar char="•"/>
-              <a:defRPr sz="2665" kern="1200">
-                <a:solidFill>
-                  <a:schemeClr val="tx1"/>
-                </a:solidFill>
-                <a:latin typeface="+mn-lt"/>
-                <a:ea typeface="+mn-ea"/>
-                <a:cs typeface="+mn-cs"/>
-              </a:defRPr>
-            </a:lvl8pPr>
-            <a:lvl9pPr marL="5178362" indent="-304610" algn="l" defTabSz="1218438" rtl="0" eaLnBrk="1" latinLnBrk="0" hangingPunct="1">
-              <a:spcBef>
-                <a:spcPct val="20000"/>
-              </a:spcBef>
-              <a:buFont typeface="Arial" pitchFamily="34" charset="0"/>
-              <a:buChar char="•"/>
-              <a:defRPr sz="2665" kern="1200">
-                <a:solidFill>
-                  <a:schemeClr val="tx1"/>
-                </a:solidFill>
-                <a:latin typeface="+mn-lt"/>
-                <a:ea typeface="+mn-ea"/>
-                <a:cs typeface="+mn-cs"/>
-              </a:defRPr>
-            </a:lvl9pPr>
-          </a:lstStyle>
-          <a:p>
-            <a:pPr marL="355600" indent="-355600">
-              <a:lnSpc>
-                <a:spcPct val="100000"/>
-              </a:lnSpc>
-              <a:buClr>
-                <a:schemeClr val="bg2"/>
-              </a:buClr>
-            </a:pPr>
-            <a:r>
-              <a:rPr lang="bg-BG" sz="2800" b="1" dirty="0" smtClean="0">
-                <a:solidFill>
-                  <a:schemeClr val="bg1">
-                    <a:lumMod val="60000"/>
-                    <a:lumOff val="40000"/>
-                  </a:schemeClr>
-                </a:solidFill>
-              </a:rPr>
-              <a:t>ТОДО</a:t>
-            </a:r>
-            <a:endParaRPr lang="ru-RU" sz="2800" dirty="0">
-              <a:solidFill>
-                <a:schemeClr val="bg2"/>
-              </a:solidFill>
-            </a:endParaRPr>
-          </a:p>
-          <a:p>
-            <a:pPr marL="355600" indent="-355600">
-              <a:lnSpc>
-                <a:spcPct val="100000"/>
-              </a:lnSpc>
-              <a:buClr>
-                <a:schemeClr val="bg2"/>
-              </a:buClr>
-            </a:pPr>
-            <a:endParaRPr lang="en-US" sz="2400" b="1" dirty="0">
-              <a:solidFill>
-                <a:schemeClr val="bg2"/>
-              </a:solidFill>
-            </a:endParaRPr>
-          </a:p>
-        </p:txBody>
-      </p:sp>
+      </p:pic>
     </p:spTree>
     <p:extLst>
       <p:ext uri="{BB962C8B-B14F-4D97-AF65-F5344CB8AC3E}">
-        <p14:creationId xmlns:p14="http://schemas.microsoft.com/office/powerpoint/2010/main" val="3528394487"/>
+        <p14:creationId xmlns:p14="http://schemas.microsoft.com/office/powerpoint/2010/main" val="1150711862"/>
       </p:ext>
     </p:extLst>
   </p:cSld>
@@ -8436,7 +11346,218 @@
   <p:timing>
     <p:tnLst>
       <p:par>
-        <p:cTn id="1" dur="indefinite" restart="never" nodeType="tmRoot"/>
+        <p:cTn id="1" dur="indefinite" restart="never" nodeType="tmRoot">
+          <p:childTnLst>
+            <p:seq concurrent="1" nextAc="seek">
+              <p:cTn id="2" dur="indefinite" nodeType="mainSeq">
+                <p:childTnLst>
+                  <p:par>
+                    <p:cTn id="3" fill="hold">
+                      <p:stCondLst>
+                        <p:cond delay="indefinite"/>
+                      </p:stCondLst>
+                      <p:childTnLst>
+                        <p:par>
+                          <p:cTn id="4" fill="hold">
+                            <p:stCondLst>
+                              <p:cond delay="0"/>
+                            </p:stCondLst>
+                            <p:childTnLst>
+                              <p:par>
+                                <p:cTn id="5" presetID="1" presetClass="entr" presetSubtype="0" fill="hold" nodeType="clickEffect">
+                                  <p:stCondLst>
+                                    <p:cond delay="0"/>
+                                  </p:stCondLst>
+                                  <p:childTnLst>
+                                    <p:set>
+                                      <p:cBhvr>
+                                        <p:cTn id="6" dur="1" fill="hold">
+                                          <p:stCondLst>
+                                            <p:cond delay="0"/>
+                                          </p:stCondLst>
+                                        </p:cTn>
+                                        <p:tgtEl>
+                                          <p:spTgt spid="5">
+                                            <p:txEl>
+                                              <p:pRg st="1" end="1"/>
+                                            </p:txEl>
+                                          </p:spTgt>
+                                        </p:tgtEl>
+                                        <p:attrNameLst>
+                                          <p:attrName>style.visibility</p:attrName>
+                                        </p:attrNameLst>
+                                      </p:cBhvr>
+                                      <p:to>
+                                        <p:strVal val="visible"/>
+                                      </p:to>
+                                    </p:set>
+                                  </p:childTnLst>
+                                </p:cTn>
+                              </p:par>
+                            </p:childTnLst>
+                          </p:cTn>
+                        </p:par>
+                      </p:childTnLst>
+                    </p:cTn>
+                  </p:par>
+                  <p:par>
+                    <p:cTn id="7" fill="hold">
+                      <p:stCondLst>
+                        <p:cond delay="indefinite"/>
+                      </p:stCondLst>
+                      <p:childTnLst>
+                        <p:par>
+                          <p:cTn id="8" fill="hold">
+                            <p:stCondLst>
+                              <p:cond delay="0"/>
+                            </p:stCondLst>
+                            <p:childTnLst>
+                              <p:par>
+                                <p:cTn id="9" presetID="1" presetClass="entr" presetSubtype="0" fill="hold" nodeType="clickEffect">
+                                  <p:stCondLst>
+                                    <p:cond delay="0"/>
+                                  </p:stCondLst>
+                                  <p:childTnLst>
+                                    <p:set>
+                                      <p:cBhvr>
+                                        <p:cTn id="10" dur="1" fill="hold">
+                                          <p:stCondLst>
+                                            <p:cond delay="0"/>
+                                          </p:stCondLst>
+                                        </p:cTn>
+                                        <p:tgtEl>
+                                          <p:spTgt spid="5">
+                                            <p:txEl>
+                                              <p:pRg st="2" end="2"/>
+                                            </p:txEl>
+                                          </p:spTgt>
+                                        </p:tgtEl>
+                                        <p:attrNameLst>
+                                          <p:attrName>style.visibility</p:attrName>
+                                        </p:attrNameLst>
+                                      </p:cBhvr>
+                                      <p:to>
+                                        <p:strVal val="visible"/>
+                                      </p:to>
+                                    </p:set>
+                                  </p:childTnLst>
+                                </p:cTn>
+                              </p:par>
+                            </p:childTnLst>
+                          </p:cTn>
+                        </p:par>
+                      </p:childTnLst>
+                    </p:cTn>
+                  </p:par>
+                  <p:par>
+                    <p:cTn id="11" fill="hold">
+                      <p:stCondLst>
+                        <p:cond delay="indefinite"/>
+                      </p:stCondLst>
+                      <p:childTnLst>
+                        <p:par>
+                          <p:cTn id="12" fill="hold">
+                            <p:stCondLst>
+                              <p:cond delay="0"/>
+                            </p:stCondLst>
+                            <p:childTnLst>
+                              <p:par>
+                                <p:cTn id="13" presetID="1" presetClass="entr" presetSubtype="0" fill="hold" nodeType="clickEffect">
+                                  <p:stCondLst>
+                                    <p:cond delay="0"/>
+                                  </p:stCondLst>
+                                  <p:childTnLst>
+                                    <p:set>
+                                      <p:cBhvr>
+                                        <p:cTn id="14" dur="1" fill="hold">
+                                          <p:stCondLst>
+                                            <p:cond delay="0"/>
+                                          </p:stCondLst>
+                                        </p:cTn>
+                                        <p:tgtEl>
+                                          <p:spTgt spid="1026"/>
+                                        </p:tgtEl>
+                                        <p:attrNameLst>
+                                          <p:attrName>style.visibility</p:attrName>
+                                        </p:attrNameLst>
+                                      </p:cBhvr>
+                                      <p:to>
+                                        <p:strVal val="visible"/>
+                                      </p:to>
+                                    </p:set>
+                                  </p:childTnLst>
+                                </p:cTn>
+                              </p:par>
+                            </p:childTnLst>
+                          </p:cTn>
+                        </p:par>
+                      </p:childTnLst>
+                    </p:cTn>
+                  </p:par>
+                  <p:par>
+                    <p:cTn id="15" fill="hold">
+                      <p:stCondLst>
+                        <p:cond delay="indefinite"/>
+                      </p:stCondLst>
+                      <p:childTnLst>
+                        <p:par>
+                          <p:cTn id="16" fill="hold">
+                            <p:stCondLst>
+                              <p:cond delay="0"/>
+                            </p:stCondLst>
+                            <p:childTnLst>
+                              <p:par>
+                                <p:cTn id="17" presetID="1" presetClass="entr" presetSubtype="0" fill="hold" nodeType="clickEffect">
+                                  <p:stCondLst>
+                                    <p:cond delay="0"/>
+                                  </p:stCondLst>
+                                  <p:childTnLst>
+                                    <p:set>
+                                      <p:cBhvr>
+                                        <p:cTn id="18" dur="1" fill="hold">
+                                          <p:stCondLst>
+                                            <p:cond delay="0"/>
+                                          </p:stCondLst>
+                                        </p:cTn>
+                                        <p:tgtEl>
+                                          <p:spTgt spid="1028"/>
+                                        </p:tgtEl>
+                                        <p:attrNameLst>
+                                          <p:attrName>style.visibility</p:attrName>
+                                        </p:attrNameLst>
+                                      </p:cBhvr>
+                                      <p:to>
+                                        <p:strVal val="visible"/>
+                                      </p:to>
+                                    </p:set>
+                                  </p:childTnLst>
+                                </p:cTn>
+                              </p:par>
+                            </p:childTnLst>
+                          </p:cTn>
+                        </p:par>
+                      </p:childTnLst>
+                    </p:cTn>
+                  </p:par>
+                </p:childTnLst>
+              </p:cTn>
+              <p:prevCondLst>
+                <p:cond evt="onPrev" delay="0">
+                  <p:tgtEl>
+                    <p:sldTgt/>
+                  </p:tgtEl>
+                </p:cond>
+              </p:prevCondLst>
+              <p:nextCondLst>
+                <p:cond evt="onNext" delay="0">
+                  <p:tgtEl>
+                    <p:sldTgt/>
+                  </p:tgtEl>
+                </p:cond>
+              </p:nextCondLst>
+            </p:seq>
+          </p:childTnLst>
+        </p:cTn>
       </p:par>
     </p:tnLst>
   </p:timing>
@@ -8462,13 +11583,154 @@
       </p:grpSpPr>
       <p:sp>
         <p:nvSpPr>
-          <p:cNvPr id="5" name="Slide Title">
-            <a:extLst>
-              <a:ext uri="{FF2B5EF4-FFF2-40B4-BE49-F238E27FC236}">
-                <a16:creationId xmlns:a16="http://schemas.microsoft.com/office/drawing/2014/main" id="{FA0703FC-0F8F-4C80-A615-E4B381EC0E0C}"/>
-              </a:ext>
-            </a:extLst>
-          </p:cNvPr>
+          <p:cNvPr id="2" name="Slide Number Placeholder 1"/>
+          <p:cNvSpPr>
+            <a:spLocks noGrp="1"/>
+          </p:cNvSpPr>
+          <p:nvPr>
+            <p:ph type="sldNum" sz="quarter" idx="5"/>
+          </p:nvPr>
+        </p:nvSpPr>
+        <p:spPr/>
+        <p:txBody>
+          <a:bodyPr/>
+          <a:lstStyle/>
+          <a:p>
+            <a:fld id="{2BF067CD-8E6B-4360-9AA8-C5DF2A48A6D1}" type="slidenum">
+              <a:rPr lang="en-US" noProof="0" smtClean="0"/>
+              <a:pPr/>
+              <a:t>5</a:t>
+            </a:fld>
+            <a:endParaRPr lang="en-US" noProof="0" dirty="0"/>
+          </a:p>
+        </p:txBody>
+      </p:sp>
+      <p:sp>
+        <p:nvSpPr>
+          <p:cNvPr id="3" name="Text Placeholder 2"/>
+          <p:cNvSpPr>
+            <a:spLocks noGrp="1"/>
+          </p:cNvSpPr>
+          <p:nvPr>
+            <p:ph type="body" sz="quarter" idx="10"/>
+          </p:nvPr>
+        </p:nvSpPr>
+        <p:spPr>
+          <a:xfrm>
+            <a:off x="190406" y="1196125"/>
+            <a:ext cx="11930038" cy="5528766"/>
+          </a:xfrm>
+        </p:spPr>
+        <p:txBody>
+          <a:bodyPr/>
+          <a:lstStyle/>
+          <a:p>
+            <a:r>
+              <a:rPr lang="bg-BG" dirty="0" smtClean="0"/>
+              <a:t>Ако </a:t>
+            </a:r>
+            <a:r>
+              <a:rPr lang="bg-BG" b="1" dirty="0" smtClean="0"/>
+              <a:t>не желаете</a:t>
+            </a:r>
+            <a:r>
+              <a:rPr lang="bg-BG" dirty="0" smtClean="0"/>
+              <a:t> презентацията да може да се </a:t>
+            </a:r>
+            <a:r>
+              <a:rPr lang="bg-BG" b="1" dirty="0" smtClean="0"/>
+              <a:t>променя</a:t>
+            </a:r>
+            <a:r>
+              <a:rPr lang="bg-BG" dirty="0" smtClean="0"/>
+              <a:t>, се използва </a:t>
+            </a:r>
+            <a:r>
+              <a:rPr lang="en-US" b="1" dirty="0" err="1" smtClean="0">
+                <a:solidFill>
+                  <a:schemeClr val="bg1"/>
+                </a:solidFill>
+              </a:rPr>
+              <a:t>ppsx</a:t>
+            </a:r>
+            <a:r>
+              <a:rPr lang="bg-BG" dirty="0" smtClean="0"/>
+              <a:t> </a:t>
+            </a:r>
+            <a:r>
+              <a:rPr lang="bg-BG" b="1" dirty="0" smtClean="0"/>
+              <a:t>формат</a:t>
+            </a:r>
+            <a:endParaRPr lang="en-US" b="1" dirty="0" smtClean="0"/>
+          </a:p>
+          <a:p>
+            <a:pPr lvl="1"/>
+            <a:r>
+              <a:rPr lang="bg-BG" dirty="0"/>
+              <a:t>По-старите версии са били с </a:t>
+            </a:r>
+            <a:r>
+              <a:rPr lang="en-US" b="1" dirty="0" err="1" smtClean="0">
+                <a:solidFill>
+                  <a:schemeClr val="bg1"/>
+                </a:solidFill>
+              </a:rPr>
+              <a:t>pps</a:t>
+            </a:r>
+            <a:endParaRPr lang="en-US" b="1" dirty="0" smtClean="0">
+              <a:solidFill>
+                <a:schemeClr val="bg1"/>
+              </a:solidFill>
+            </a:endParaRPr>
+          </a:p>
+          <a:p>
+            <a:r>
+              <a:rPr lang="bg-BG" dirty="0" smtClean="0"/>
+              <a:t>Когато презентацията се </a:t>
+            </a:r>
+            <a:r>
+              <a:rPr lang="bg-BG" b="1" dirty="0" smtClean="0"/>
+              <a:t>отвори</a:t>
+            </a:r>
+            <a:r>
+              <a:rPr lang="bg-BG" dirty="0" smtClean="0"/>
+              <a:t>, тя </a:t>
+            </a:r>
+            <a:r>
+              <a:rPr lang="bg-BG" b="1" dirty="0" smtClean="0"/>
+              <a:t>автоматично</a:t>
+            </a:r>
+            <a:r>
+              <a:rPr lang="bg-BG" dirty="0" smtClean="0"/>
+              <a:t> </a:t>
+            </a:r>
+            <a:r>
+              <a:rPr lang="bg-BG" dirty="0"/>
+              <a:t>се </a:t>
+            </a:r>
+            <a:r>
+              <a:rPr lang="bg-BG" b="1" dirty="0"/>
+              <a:t>стартира</a:t>
+            </a:r>
+            <a:r>
+              <a:rPr lang="bg-BG" dirty="0" smtClean="0"/>
+              <a:t> като </a:t>
+            </a:r>
+            <a:r>
+              <a:rPr lang="bg-BG" b="1" dirty="0" smtClean="0"/>
+              <a:t>слайдшоу</a:t>
+            </a:r>
+            <a:endParaRPr lang="en-US" b="1" dirty="0"/>
+          </a:p>
+          <a:p>
+            <a:pPr lvl="1"/>
+            <a:endParaRPr lang="en-US" dirty="0"/>
+          </a:p>
+        </p:txBody>
+      </p:sp>
+      <p:sp>
+        <p:nvSpPr>
+          <p:cNvPr id="4" name="Title 3"/>
           <p:cNvSpPr>
             <a:spLocks noGrp="1"/>
           </p:cNvSpPr>
@@ -8483,139 +11745,68 @@
           <a:p>
             <a:r>
               <a:rPr lang="bg-BG" dirty="0"/>
-              <a:t>Въпроси</a:t>
-            </a:r>
-            <a:r>
-              <a:rPr lang="en-US" dirty="0"/>
-              <a:t>?</a:t>
-            </a:r>
+              <a:t>Файлови формати за презентация – </a:t>
+            </a:r>
+            <a:r>
+              <a:rPr lang="en-US" dirty="0" err="1" smtClean="0"/>
+              <a:t>ppsx</a:t>
+            </a:r>
+            <a:endParaRPr lang="en-US" dirty="0"/>
           </a:p>
         </p:txBody>
       </p:sp>
-      <p:sp>
-        <p:nvSpPr>
-          <p:cNvPr id="2" name="Rectangle Bottom Copyright">
+      <p:pic>
+        <p:nvPicPr>
+          <p:cNvPr id="2050" name="Picture 2" descr="Computación, Jueves 13 de Octubre de 2022, Microsoft Office y PowerPoint,  ¿Qué es y para"/>
+          <p:cNvPicPr>
+            <a:picLocks noChangeAspect="1" noChangeArrowheads="1"/>
+          </p:cNvPicPr>
+          <p:nvPr/>
+        </p:nvPicPr>
+        <p:blipFill>
+          <a:blip r:embed="rId2">
             <a:extLst>
-              <a:ext uri="{FF2B5EF4-FFF2-40B4-BE49-F238E27FC236}">
-                <a16:creationId xmlns:a16="http://schemas.microsoft.com/office/drawing/2014/main" id="{664812A4-2991-44D1-BFE9-32E55AADF8A5}"/>
+              <a:ext uri="{28A0092B-C50C-407E-A947-70E740481C1C}">
+                <a14:useLocalDpi xmlns:a14="http://schemas.microsoft.com/office/drawing/2010/main" val="0"/>
               </a:ext>
             </a:extLst>
-          </p:cNvPr>
-          <p:cNvSpPr/>
-          <p:nvPr/>
-        </p:nvSpPr>
-        <p:spPr>
+          </a:blip>
+          <a:srcRect/>
+          <a:stretch>
+            <a:fillRect/>
+          </a:stretch>
+        </p:blipFill>
+        <p:spPr bwMode="auto">
           <a:xfrm>
-            <a:off x="111000" y="6454758"/>
-            <a:ext cx="11970000" cy="304242"/>
+            <a:off x="3868500" y="4074300"/>
+            <a:ext cx="4455000" cy="2504700"/>
           </a:xfrm>
           <a:prstGeom prst="rect">
             <a:avLst/>
           </a:prstGeom>
+          <a:noFill/>
+          <a:ln>
+            <a:solidFill>
+              <a:schemeClr val="bg2">
+                <a:lumMod val="65000"/>
+              </a:schemeClr>
+            </a:solidFill>
+          </a:ln>
+          <a:extLst>
+            <a:ext uri="{909E8E84-426E-40DD-AFC4-6F175D3DCCD1}">
+              <a14:hiddenFill xmlns:a14="http://schemas.microsoft.com/office/drawing/2010/main">
+                <a:solidFill>
+                  <a:srgbClr val="FFFFFF"/>
+                </a:solidFill>
+              </a14:hiddenFill>
+            </a:ext>
+          </a:extLst>
         </p:spPr>
-        <p:txBody>
-          <a:bodyPr wrap="square">
-            <a:noAutofit/>
-          </a:bodyPr>
-          <a:lstStyle/>
-          <a:p>
-            <a:pPr algn="ctr">
-              <a:lnSpc>
-                <a:spcPct val="100000"/>
-              </a:lnSpc>
-              <a:spcBef>
-                <a:spcPts val="0"/>
-              </a:spcBef>
-              <a:spcAft>
-                <a:spcPts val="0"/>
-              </a:spcAft>
-            </a:pPr>
-            <a:r>
-              <a:rPr lang="bg-BG" sz="1600" dirty="0">
-                <a:solidFill>
-                  <a:schemeClr val="bg2"/>
-                </a:solidFill>
-                <a:effectLst/>
-                <a:latin typeface="Calibri" panose="020F0502020204030204" pitchFamily="34" charset="0"/>
-                <a:ea typeface="Calibri" panose="020F0502020204030204" pitchFamily="34" charset="0"/>
-                <a:cs typeface="Arial" panose="020B0604020202020204" pitchFamily="34" charset="0"/>
-              </a:rPr>
-              <a:t>Проект "</a:t>
-            </a:r>
-            <a:r>
-              <a:rPr lang="bg-BG" sz="1600" dirty="0">
-                <a:solidFill>
-                  <a:schemeClr val="bg1">
-                    <a:lumMod val="20000"/>
-                    <a:lumOff val="80000"/>
-                  </a:schemeClr>
-                </a:solidFill>
-                <a:effectLst/>
-                <a:latin typeface="Calibri" panose="020F0502020204030204" pitchFamily="34" charset="0"/>
-                <a:ea typeface="Calibri" panose="020F0502020204030204" pitchFamily="34" charset="0"/>
-                <a:cs typeface="Arial" panose="020B0604020202020204" pitchFamily="34" charset="0"/>
-                <a:hlinkClick r:id="rId3">
-                  <a:extLst>
-                    <a:ext uri="{A12FA001-AC4F-418D-AE19-62706E023703}">
-                      <ahyp:hlinkClr xmlns="" xmlns:ahyp="http://schemas.microsoft.com/office/drawing/2018/hyperlinkcolor" val="tx"/>
-                    </a:ext>
-                  </a:extLst>
-                </a:hlinkClick>
-              </a:rPr>
-              <a:t>Отворено учебно съдържание по програмиране и ИТ</a:t>
-            </a:r>
-            <a:r>
-              <a:rPr lang="bg-BG" sz="1600" dirty="0">
-                <a:solidFill>
-                  <a:schemeClr val="bg2"/>
-                </a:solidFill>
-                <a:effectLst/>
-                <a:latin typeface="Calibri" panose="020F0502020204030204" pitchFamily="34" charset="0"/>
-                <a:ea typeface="Calibri" panose="020F0502020204030204" pitchFamily="34" charset="0"/>
-                <a:cs typeface="Arial" panose="020B0604020202020204" pitchFamily="34" charset="0"/>
-              </a:rPr>
-              <a:t>", СофтУни Фондация (лиценз </a:t>
-            </a:r>
-            <a:r>
-              <a:rPr lang="en-US" sz="1600" dirty="0">
-                <a:solidFill>
-                  <a:schemeClr val="bg2"/>
-                </a:solidFill>
-                <a:effectLst/>
-                <a:latin typeface="Calibri" panose="020F0502020204030204" pitchFamily="34" charset="0"/>
-                <a:ea typeface="Calibri" panose="020F0502020204030204" pitchFamily="34" charset="0"/>
-                <a:cs typeface="Arial" panose="020B0604020202020204" pitchFamily="34" charset="0"/>
-              </a:rPr>
-              <a:t>CC-BY-NC-SA</a:t>
-            </a:r>
-            <a:r>
-              <a:rPr lang="bg-BG" sz="1600" dirty="0">
-                <a:solidFill>
-                  <a:schemeClr val="bg2"/>
-                </a:solidFill>
-                <a:effectLst/>
-                <a:latin typeface="Calibri" panose="020F0502020204030204" pitchFamily="34" charset="0"/>
-                <a:ea typeface="Calibri" panose="020F0502020204030204" pitchFamily="34" charset="0"/>
-                <a:cs typeface="Arial" panose="020B0604020202020204" pitchFamily="34" charset="0"/>
-              </a:rPr>
-              <a:t>)</a:t>
-            </a:r>
-            <a:endParaRPr lang="bg-BG" sz="2400" dirty="0">
-              <a:solidFill>
-                <a:schemeClr val="bg2"/>
-              </a:solidFill>
-              <a:effectLst/>
-              <a:latin typeface="Calibri" panose="020F0502020204030204" pitchFamily="34" charset="0"/>
-              <a:ea typeface="Calibri" panose="020F0502020204030204" pitchFamily="34" charset="0"/>
-              <a:cs typeface="Arial" panose="020B0604020202020204" pitchFamily="34" charset="0"/>
-            </a:endParaRPr>
-          </a:p>
-        </p:txBody>
-      </p:sp>
+      </p:pic>
     </p:spTree>
     <p:extLst>
       <p:ext uri="{BB962C8B-B14F-4D97-AF65-F5344CB8AC3E}">
-        <p14:creationId xmlns:p14="http://schemas.microsoft.com/office/powerpoint/2010/main" val="1472534970"/>
+        <p14:creationId xmlns:p14="http://schemas.microsoft.com/office/powerpoint/2010/main" val="2926283720"/>
       </p:ext>
     </p:extLst>
   </p:cSld>
@@ -8633,7 +11824,173 @@
   <p:timing>
     <p:tnLst>
       <p:par>
-        <p:cTn id="1" dur="indefinite" restart="never" nodeType="tmRoot"/>
+        <p:cTn id="1" dur="indefinite" restart="never" nodeType="tmRoot">
+          <p:childTnLst>
+            <p:seq concurrent="1" nextAc="seek">
+              <p:cTn id="2" dur="indefinite" nodeType="mainSeq">
+                <p:childTnLst>
+                  <p:par>
+                    <p:cTn id="3" fill="hold">
+                      <p:stCondLst>
+                        <p:cond delay="indefinite"/>
+                      </p:stCondLst>
+                      <p:childTnLst>
+                        <p:par>
+                          <p:cTn id="4" fill="hold">
+                            <p:stCondLst>
+                              <p:cond delay="0"/>
+                            </p:stCondLst>
+                            <p:childTnLst>
+                              <p:par>
+                                <p:cTn id="5" presetID="1" presetClass="entr" presetSubtype="0" fill="hold" nodeType="clickEffect">
+                                  <p:stCondLst>
+                                    <p:cond delay="0"/>
+                                  </p:stCondLst>
+                                  <p:childTnLst>
+                                    <p:set>
+                                      <p:cBhvr>
+                                        <p:cTn id="6" dur="1" fill="hold">
+                                          <p:stCondLst>
+                                            <p:cond delay="0"/>
+                                          </p:stCondLst>
+                                        </p:cTn>
+                                        <p:tgtEl>
+                                          <p:spTgt spid="3">
+                                            <p:txEl>
+                                              <p:pRg st="1" end="1"/>
+                                            </p:txEl>
+                                          </p:spTgt>
+                                        </p:tgtEl>
+                                        <p:attrNameLst>
+                                          <p:attrName>style.visibility</p:attrName>
+                                        </p:attrNameLst>
+                                      </p:cBhvr>
+                                      <p:to>
+                                        <p:strVal val="visible"/>
+                                      </p:to>
+                                    </p:set>
+                                  </p:childTnLst>
+                                </p:cTn>
+                              </p:par>
+                            </p:childTnLst>
+                          </p:cTn>
+                        </p:par>
+                      </p:childTnLst>
+                    </p:cTn>
+                  </p:par>
+                  <p:par>
+                    <p:cTn id="7" fill="hold">
+                      <p:stCondLst>
+                        <p:cond delay="indefinite"/>
+                      </p:stCondLst>
+                      <p:childTnLst>
+                        <p:par>
+                          <p:cTn id="8" fill="hold">
+                            <p:stCondLst>
+                              <p:cond delay="0"/>
+                            </p:stCondLst>
+                            <p:childTnLst>
+                              <p:par>
+                                <p:cTn id="9" presetID="1" presetClass="entr" presetSubtype="0" fill="hold" nodeType="clickEffect">
+                                  <p:stCondLst>
+                                    <p:cond delay="0"/>
+                                  </p:stCondLst>
+                                  <p:childTnLst>
+                                    <p:set>
+                                      <p:cBhvr>
+                                        <p:cTn id="10" dur="1" fill="hold">
+                                          <p:stCondLst>
+                                            <p:cond delay="0"/>
+                                          </p:stCondLst>
+                                        </p:cTn>
+                                        <p:tgtEl>
+                                          <p:spTgt spid="3">
+                                            <p:txEl>
+                                              <p:pRg st="2" end="2"/>
+                                            </p:txEl>
+                                          </p:spTgt>
+                                        </p:tgtEl>
+                                        <p:attrNameLst>
+                                          <p:attrName>style.visibility</p:attrName>
+                                        </p:attrNameLst>
+                                      </p:cBhvr>
+                                      <p:to>
+                                        <p:strVal val="visible"/>
+                                      </p:to>
+                                    </p:set>
+                                  </p:childTnLst>
+                                </p:cTn>
+                              </p:par>
+                            </p:childTnLst>
+                          </p:cTn>
+                        </p:par>
+                      </p:childTnLst>
+                    </p:cTn>
+                  </p:par>
+                  <p:par>
+                    <p:cTn id="11" fill="hold">
+                      <p:stCondLst>
+                        <p:cond delay="indefinite"/>
+                      </p:stCondLst>
+                      <p:childTnLst>
+                        <p:par>
+                          <p:cTn id="12" fill="hold">
+                            <p:stCondLst>
+                              <p:cond delay="0"/>
+                            </p:stCondLst>
+                            <p:childTnLst>
+                              <p:par>
+                                <p:cTn id="13" presetID="1" presetClass="entr" presetSubtype="0" fill="hold" nodeType="clickEffect">
+                                  <p:stCondLst>
+                                    <p:cond delay="0"/>
+                                  </p:stCondLst>
+                                  <p:childTnLst>
+                                    <p:set>
+                                      <p:cBhvr>
+                                        <p:cTn id="14" dur="1" fill="hold">
+                                          <p:stCondLst>
+                                            <p:cond delay="0"/>
+                                          </p:stCondLst>
+                                        </p:cTn>
+                                        <p:tgtEl>
+                                          <p:spTgt spid="2050"/>
+                                        </p:tgtEl>
+                                        <p:attrNameLst>
+                                          <p:attrName>style.visibility</p:attrName>
+                                        </p:attrNameLst>
+                                      </p:cBhvr>
+                                      <p:to>
+                                        <p:strVal val="visible"/>
+                                      </p:to>
+                                    </p:set>
+                                  </p:childTnLst>
+                                </p:cTn>
+                              </p:par>
+                            </p:childTnLst>
+                          </p:cTn>
+                        </p:par>
+                      </p:childTnLst>
+                    </p:cTn>
+                  </p:par>
+                </p:childTnLst>
+              </p:cTn>
+              <p:prevCondLst>
+                <p:cond evt="onPrev" delay="0">
+                  <p:tgtEl>
+                    <p:sldTgt/>
+                  </p:tgtEl>
+                </p:cond>
+              </p:prevCondLst>
+              <p:nextCondLst>
+                <p:cond evt="onNext" delay="0">
+                  <p:tgtEl>
+                    <p:sldTgt/>
+                  </p:tgtEl>
+                </p:cond>
+              </p:nextCondLst>
+            </p:seq>
+          </p:childTnLst>
+        </p:cTn>
       </p:par>
     </p:tnLst>
   </p:timing>
@@ -8641,7 +11998,7 @@
 </file>
 
 <file path=ppt/slides/slide6.xml><?xml version="1.0" encoding="utf-8"?>
-<p:sld xmlns:a="http://schemas.openxmlformats.org/drawingml/2006/main" xmlns:r="http://schemas.openxmlformats.org/officeDocument/2006/relationships" xmlns:p="http://schemas.openxmlformats.org/presentationml/2006/main" show="0">
+<p:sld xmlns:a="http://schemas.openxmlformats.org/drawingml/2006/main" xmlns:r="http://schemas.openxmlformats.org/officeDocument/2006/relationships" xmlns:p="http://schemas.openxmlformats.org/presentationml/2006/main">
   <p:cSld>
     <p:spTree>
       <p:nvGrpSpPr>
@@ -8659,13 +12016,7 @@
       </p:grpSpPr>
       <p:sp>
         <p:nvSpPr>
-          <p:cNvPr id="5" name="Slide Number">
-            <a:extLst>
-              <a:ext uri="{FF2B5EF4-FFF2-40B4-BE49-F238E27FC236}">
-                <a16:creationId xmlns:a16="http://schemas.microsoft.com/office/drawing/2014/main" id="{F48C3C93-90A1-4D31-BEA6-B54D1106CE31}"/>
-              </a:ext>
-            </a:extLst>
-          </p:cNvPr>
+          <p:cNvPr id="2" name="Slide Number Placeholder 1"/>
           <p:cNvSpPr>
             <a:spLocks noGrp="1"/>
           </p:cNvSpPr>
@@ -8673,41 +12024,23 @@
             <p:ph type="sldNum" sz="quarter" idx="5"/>
           </p:nvPr>
         </p:nvSpPr>
-        <p:spPr>
-          <a:xfrm>
-            <a:off x="11753030" y="6507000"/>
-            <a:ext cx="367414" cy="297000"/>
-          </a:xfrm>
-          <a:prstGeom prst="rect">
-            <a:avLst/>
-          </a:prstGeom>
-        </p:spPr>
+        <p:spPr/>
         <p:txBody>
-          <a:bodyPr vert="horz" lIns="91440" tIns="45720" rIns="91440" bIns="45720" rtlCol="0" anchor="b"/>
-          <a:lstStyle>
-            <a:lvl1pPr algn="r">
-              <a:defRPr sz="1000"/>
-            </a:lvl1pPr>
-          </a:lstStyle>
+          <a:bodyPr/>
+          <a:lstStyle/>
           <a:p>
             <a:fld id="{2BF067CD-8E6B-4360-9AA8-C5DF2A48A6D1}" type="slidenum">
-              <a:rPr lang="en-US" smtClean="0"/>
+              <a:rPr lang="en-US" noProof="0" smtClean="0"/>
               <a:pPr/>
               <a:t>6</a:t>
             </a:fld>
-            <a:endParaRPr lang="en-US" dirty="0"/>
+            <a:endParaRPr lang="en-US" noProof="0" dirty="0"/>
           </a:p>
         </p:txBody>
       </p:sp>
       <p:sp>
         <p:nvSpPr>
-          <p:cNvPr id="2" name="Slide Body">
-            <a:extLst>
-              <a:ext uri="{FF2B5EF4-FFF2-40B4-BE49-F238E27FC236}">
-                <a16:creationId xmlns:a16="http://schemas.microsoft.com/office/drawing/2014/main" id="{980F49B1-E4BE-4389-A747-7AB9B71AD920}"/>
-              </a:ext>
-            </a:extLst>
-          </p:cNvPr>
+          <p:cNvPr id="3" name="Text Placeholder 2"/>
           <p:cNvSpPr>
             <a:spLocks noGrp="1"/>
           </p:cNvSpPr>
@@ -8715,113 +12048,121 @@
             <p:ph type="body" sz="quarter" idx="10"/>
           </p:nvPr>
         </p:nvSpPr>
-        <p:spPr>
-          <a:xfrm>
-            <a:off x="190402" y="1269001"/>
-            <a:ext cx="9865598" cy="2474999"/>
-          </a:xfrm>
-        </p:spPr>
+        <p:spPr/>
         <p:txBody>
-          <a:bodyPr>
-            <a:normAutofit/>
-          </a:bodyPr>
+          <a:bodyPr/>
           <a:lstStyle/>
           <a:p>
-            <a:pPr>
-              <a:lnSpc>
-                <a:spcPct val="120000"/>
-              </a:lnSpc>
-            </a:pPr>
-            <a:r>
-              <a:rPr lang="bg-BG" sz="3200" dirty="0"/>
-              <a:t>Този курс</a:t>
-            </a:r>
-            <a:r>
-              <a:rPr lang="en-US" sz="3200" dirty="0"/>
-              <a:t> (</a:t>
-            </a:r>
-            <a:r>
-              <a:rPr lang="bg-BG" sz="3200" dirty="0"/>
-              <a:t>презентации, примери, демонстрационен код, упражнения, домашни, видео и други активи</a:t>
-            </a:r>
-            <a:r>
-              <a:rPr lang="en-US" sz="3200" dirty="0"/>
-              <a:t>) </a:t>
-            </a:r>
-            <a:r>
-              <a:rPr lang="bg-BG" sz="3200" dirty="0"/>
-              <a:t>представлява</a:t>
-            </a:r>
-            <a:r>
-              <a:rPr lang="en-US" sz="3200" dirty="0"/>
-              <a:t> </a:t>
-            </a:r>
-            <a:r>
-              <a:rPr lang="bg-BG" sz="3200" b="1" dirty="0"/>
-              <a:t>свободно учебно съдържание </a:t>
-            </a:r>
-            <a:r>
-              <a:rPr lang="bg-BG" sz="3200" dirty="0"/>
-              <a:t>и се разпространява под свободен лиценз </a:t>
-            </a:r>
-            <a:r>
-              <a:rPr lang="en-US" sz="3200" b="1" dirty="0"/>
-              <a:t>CC-BY-NC-SA</a:t>
-            </a:r>
-            <a:endParaRPr lang="bg-BG" sz="3200" dirty="0"/>
+            <a:r>
+              <a:rPr lang="bg-BG" dirty="0" smtClean="0"/>
+              <a:t>Презентация може да се запише като </a:t>
+            </a:r>
+            <a:r>
+              <a:rPr lang="bg-BG" b="1" dirty="0" smtClean="0"/>
+              <a:t>видеофайл</a:t>
+            </a:r>
+            <a:r>
+              <a:rPr lang="bg-BG" dirty="0" smtClean="0"/>
+              <a:t> – </a:t>
+            </a:r>
+            <a:r>
+              <a:rPr lang="en-US" b="1" dirty="0" smtClean="0">
+                <a:solidFill>
+                  <a:schemeClr val="bg1"/>
+                </a:solidFill>
+              </a:rPr>
+              <a:t>mp4</a:t>
+            </a:r>
+            <a:endParaRPr lang="bg-BG" b="1" dirty="0" smtClean="0">
+              <a:solidFill>
+                <a:schemeClr val="bg1"/>
+              </a:solidFill>
+            </a:endParaRPr>
+          </a:p>
+          <a:p>
+            <a:r>
+              <a:rPr lang="bg-BG" dirty="0" smtClean="0"/>
+              <a:t>Така тя може да се </a:t>
+            </a:r>
+            <a:r>
+              <a:rPr lang="bg-BG" b="1" dirty="0" smtClean="0"/>
+              <a:t>възпроизвежда</a:t>
+            </a:r>
+            <a:r>
+              <a:rPr lang="bg-BG" dirty="0" smtClean="0"/>
+              <a:t> на </a:t>
+            </a:r>
+            <a:r>
+              <a:rPr lang="bg-BG" b="1" dirty="0" smtClean="0"/>
+              <a:t>устройства</a:t>
+            </a:r>
+            <a:r>
+              <a:rPr lang="bg-BG" dirty="0" smtClean="0"/>
+              <a:t>, които </a:t>
+            </a:r>
+            <a:r>
+              <a:rPr lang="bg-BG" b="1" dirty="0" smtClean="0"/>
+              <a:t>няма</a:t>
+            </a:r>
+            <a:r>
+              <a:rPr lang="bg-BG" dirty="0" smtClean="0"/>
+              <a:t> инсталиран </a:t>
+            </a:r>
+            <a:r>
+              <a:rPr lang="en-US" b="1" dirty="0" smtClean="0">
+                <a:solidFill>
+                  <a:schemeClr val="bg1"/>
+                </a:solidFill>
+              </a:rPr>
+              <a:t>PowerPoint</a:t>
+            </a:r>
+          </a:p>
+          <a:p>
+            <a:r>
+              <a:rPr lang="bg-BG" b="1" dirty="0" smtClean="0"/>
+              <a:t>Недостатъците</a:t>
+            </a:r>
+            <a:r>
+              <a:rPr lang="bg-BG" dirty="0" smtClean="0"/>
+              <a:t> на този формат са:</a:t>
+            </a:r>
+          </a:p>
+          <a:p>
+            <a:pPr lvl="1"/>
+            <a:r>
+              <a:rPr lang="bg-BG" b="1" dirty="0" smtClean="0"/>
+              <a:t>Невъзможност</a:t>
+            </a:r>
+            <a:r>
+              <a:rPr lang="bg-BG" dirty="0" smtClean="0"/>
+              <a:t> за </a:t>
+            </a:r>
+            <a:r>
+              <a:rPr lang="bg-BG" b="1" dirty="0" smtClean="0"/>
+              <a:t>управление</a:t>
+            </a:r>
+            <a:r>
+              <a:rPr lang="bg-BG" dirty="0" smtClean="0"/>
+              <a:t> на презентацията</a:t>
+            </a:r>
+          </a:p>
+          <a:p>
+            <a:pPr lvl="1"/>
+            <a:r>
+              <a:rPr lang="bg-BG" b="1" dirty="0" smtClean="0"/>
+              <a:t>Големината</a:t>
+            </a:r>
+            <a:r>
+              <a:rPr lang="bg-BG" dirty="0" smtClean="0"/>
+              <a:t> на файла</a:t>
+            </a:r>
+            <a:endParaRPr lang="en-US" dirty="0" smtClean="0"/>
           </a:p>
         </p:txBody>
       </p:sp>
-      <p:pic>
-        <p:nvPicPr>
-          <p:cNvPr id="6" name="Picture License" descr="License">
-            <a:extLst>
-              <a:ext uri="{FF2B5EF4-FFF2-40B4-BE49-F238E27FC236}">
-                <a16:creationId xmlns:a16="http://schemas.microsoft.com/office/drawing/2014/main" id="{82BA520F-A037-4E01-AA18-27D9F1E930A6}"/>
-              </a:ext>
-            </a:extLst>
-          </p:cNvPr>
-          <p:cNvPicPr>
-            <a:picLocks noChangeAspect="1"/>
-          </p:cNvPicPr>
-          <p:nvPr/>
-        </p:nvPicPr>
-        <p:blipFill>
-          <a:blip r:embed="rId3">
-            <a:clrChange>
-              <a:clrFrom>
-                <a:srgbClr val="FFFFFF"/>
-              </a:clrFrom>
-              <a:clrTo>
-                <a:srgbClr val="FFFFFF">
-                  <a:alpha val="0"/>
-                </a:srgbClr>
-              </a:clrTo>
-            </a:clrChange>
-          </a:blip>
-          <a:stretch>
-            <a:fillRect/>
-          </a:stretch>
-        </p:blipFill>
-        <p:spPr>
-          <a:xfrm>
-            <a:off x="10226175" y="1440120"/>
-            <a:ext cx="1198986" cy="1268880"/>
-          </a:xfrm>
-          <a:prstGeom prst="rect">
-            <a:avLst/>
-          </a:prstGeom>
-        </p:spPr>
-      </p:pic>
-      <p:sp>
-        <p:nvSpPr>
-          <p:cNvPr id="3" name="Slide Title">
-            <a:extLst>
-              <a:ext uri="{FF2B5EF4-FFF2-40B4-BE49-F238E27FC236}">
-                <a16:creationId xmlns:a16="http://schemas.microsoft.com/office/drawing/2014/main" id="{E5F1FB41-80C3-4816-BC47-CCC50632E6E8}"/>
-              </a:ext>
-            </a:extLst>
-          </p:cNvPr>
+      <p:sp>
+        <p:nvSpPr>
+          <p:cNvPr id="4" name="Title 3"/>
           <p:cNvSpPr>
             <a:spLocks noGrp="1"/>
           </p:cNvSpPr>
@@ -8836,144 +12177,29 @@
           <a:p>
             <a:r>
               <a:rPr lang="bg-BG" dirty="0"/>
-              <a:t>Лиценз</a:t>
-            </a:r>
-          </a:p>
-        </p:txBody>
-      </p:sp>
-      <p:sp>
-        <p:nvSpPr>
-          <p:cNvPr id="11" name="TextBox 10">
-            <a:extLst>
-              <a:ext uri="{FF2B5EF4-FFF2-40B4-BE49-F238E27FC236}">
-                <a16:creationId xmlns:a16="http://schemas.microsoft.com/office/drawing/2014/main" id="{0C18DF19-B750-4C88-975B-661A6BF61F5E}"/>
-              </a:ext>
-            </a:extLst>
-          </p:cNvPr>
-          <p:cNvSpPr txBox="1"/>
-          <p:nvPr/>
-        </p:nvSpPr>
-        <p:spPr>
-          <a:xfrm>
-            <a:off x="190401" y="3927519"/>
-            <a:ext cx="11710599" cy="1979644"/>
-          </a:xfrm>
-          <a:prstGeom prst="rect">
-            <a:avLst/>
-          </a:prstGeom>
-          <a:noFill/>
-          <a:ln w="12700">
-            <a:noFill/>
-          </a:ln>
-        </p:spPr>
-        <p:txBody>
-          <a:bodyPr wrap="square">
-            <a:spAutoFit/>
-          </a:bodyPr>
-          <a:lstStyle/>
-          <a:p>
-            <a:pPr marL="360363" indent="-360363" defTabSz="1218438">
-              <a:lnSpc>
-                <a:spcPct val="120000"/>
-              </a:lnSpc>
-              <a:spcBef>
-                <a:spcPts val="600"/>
-              </a:spcBef>
-              <a:spcAft>
-                <a:spcPts val="600"/>
-              </a:spcAft>
-              <a:buFont typeface="Wingdings" panose="05000000000000000000" pitchFamily="2" charset="2"/>
-              <a:buChar char="§"/>
-              <a:defRPr/>
-            </a:pPr>
-            <a:r>
-              <a:rPr lang="bg-BG" sz="3200" dirty="0"/>
-              <a:t>Проект "</a:t>
-            </a:r>
-            <a:r>
-              <a:rPr lang="bg-BG" sz="3200" b="1" dirty="0"/>
-              <a:t>Отворено учебно съдържание по програмиране и ИТ</a:t>
-            </a:r>
-            <a:r>
-              <a:rPr lang="bg-BG" sz="3200" dirty="0"/>
-              <a:t>" към Фондация "Софтуерен университет"</a:t>
-            </a:r>
-            <a:r>
-              <a:rPr lang="en-US" sz="3200" dirty="0"/>
-              <a:t>:</a:t>
-            </a:r>
-            <a:endParaRPr lang="bg-BG" sz="3200" dirty="0"/>
-          </a:p>
-          <a:p>
-            <a:pPr marL="817563" lvl="1" indent="-360363" defTabSz="1218438">
-              <a:lnSpc>
-                <a:spcPct val="120000"/>
-              </a:lnSpc>
-              <a:spcBef>
-                <a:spcPts val="600"/>
-              </a:spcBef>
-              <a:spcAft>
-                <a:spcPts val="600"/>
-              </a:spcAft>
-              <a:buFont typeface="Wingdings" panose="05000000000000000000" pitchFamily="2" charset="2"/>
-              <a:buChar char="§"/>
-              <a:defRPr/>
-            </a:pPr>
-            <a:r>
-              <a:rPr kumimoji="0" lang="en-US" sz="3200" b="0" i="0" u="none" strike="noStrike" kern="1200" cap="none" spc="0" normalizeH="0" baseline="0" noProof="0" dirty="0">
-                <a:ln>
-                  <a:noFill/>
-                </a:ln>
-                <a:solidFill>
-                  <a:srgbClr val="234465"/>
-                </a:solidFill>
-                <a:effectLst/>
-                <a:uLnTx/>
-                <a:uFillTx/>
-                <a:latin typeface="Calibri"/>
-                <a:ea typeface="+mn-ea"/>
-                <a:cs typeface="+mn-cs"/>
-                <a:hlinkClick r:id="rId4"/>
-              </a:rPr>
-              <a:t>https://github.com/BG-IT-Edu</a:t>
-            </a:r>
-            <a:endParaRPr kumimoji="0" lang="bg-BG" sz="3200" b="0" i="0" u="none" strike="noStrike" kern="1200" cap="none" spc="0" normalizeH="0" baseline="0" noProof="0" dirty="0">
-              <a:ln>
-                <a:noFill/>
-              </a:ln>
-              <a:solidFill>
-                <a:srgbClr val="234465"/>
-              </a:solidFill>
-              <a:effectLst/>
-              <a:uLnTx/>
-              <a:uFillTx/>
-              <a:latin typeface="Calibri"/>
-              <a:ea typeface="+mn-ea"/>
-              <a:cs typeface="+mn-cs"/>
-            </a:endParaRPr>
+              <a:t>Файлови формати за презентация – </a:t>
+            </a:r>
+            <a:r>
+              <a:rPr lang="en-US" dirty="0" smtClean="0"/>
+              <a:t>mp4</a:t>
+            </a:r>
+            <a:endParaRPr lang="en-US" dirty="0"/>
           </a:p>
         </p:txBody>
       </p:sp>
       <p:pic>
         <p:nvPicPr>
-          <p:cNvPr id="7" name="Picture 6" title="CC-BY-NC-SA License">
-            <a:hlinkClick r:id="rId5" tooltip="This work is licensed under the &quot;Creative Commons Attribution-NonCommercial-ShareAlike 4.0 International&quot; license"/>
-            <a:extLst>
-              <a:ext uri="{FF2B5EF4-FFF2-40B4-BE49-F238E27FC236}">
-                <a16:creationId xmlns:a16="http://schemas.microsoft.com/office/drawing/2014/main" id="{F6C77C47-F7D8-A176-5C69-7FDE5C7E8003}"/>
-              </a:ext>
-            </a:extLst>
-          </p:cNvPr>
+          <p:cNvPr id="3074" name="Picture 2" descr="20 Best Product Demo Videos Of India - Ecommerce Photography India"/>
           <p:cNvPicPr>
             <a:picLocks noChangeAspect="1" noChangeArrowheads="1"/>
           </p:cNvPicPr>
           <p:nvPr/>
         </p:nvPicPr>
         <p:blipFill>
-          <a:blip r:embed="rId6">
+          <a:blip r:embed="rId2" cstate="hqprint">
             <a:extLst>
               <a:ext uri="{28A0092B-C50C-407E-A947-70E740481C1C}">
-                <a14:useLocalDpi xmlns:a14="http://schemas.microsoft.com/office/drawing/2010/main"/>
+                <a14:useLocalDpi xmlns:a14="http://schemas.microsoft.com/office/drawing/2010/main" val="0"/>
               </a:ext>
             </a:extLst>
           </a:blip>
@@ -8984,28 +12210,31 @@
         </p:blipFill>
         <p:spPr bwMode="auto">
           <a:xfrm>
-            <a:off x="9831000" y="2908593"/>
-            <a:ext cx="1989336" cy="696022"/>
+            <a:off x="6089100" y="4405050"/>
+            <a:ext cx="4230000" cy="2379375"/>
           </a:xfrm>
-          <a:prstGeom prst="roundRect">
-            <a:avLst>
-              <a:gd name="adj" fmla="val 3940"/>
-            </a:avLst>
+          <a:prstGeom prst="rect">
+            <a:avLst/>
           </a:prstGeom>
-          <a:solidFill>
-            <a:srgbClr val="231F20">
-              <a:alpha val="50000"/>
-            </a:srgbClr>
-          </a:solidFill>
+          <a:noFill/>
           <a:ln>
             <a:noFill/>
           </a:ln>
+          <a:extLst>
+            <a:ext uri="{909E8E84-426E-40DD-AFC4-6F175D3DCCD1}">
+              <a14:hiddenFill xmlns:a14="http://schemas.microsoft.com/office/drawing/2010/main">
+                <a:solidFill>
+                  <a:srgbClr val="FFFFFF"/>
+                </a:solidFill>
+              </a14:hiddenFill>
+            </a:ext>
+          </a:extLst>
         </p:spPr>
       </p:pic>
     </p:spTree>
     <p:extLst>
       <p:ext uri="{BB962C8B-B14F-4D97-AF65-F5344CB8AC3E}">
-        <p14:creationId xmlns:p14="http://schemas.microsoft.com/office/powerpoint/2010/main" val="3879276042"/>
+        <p14:creationId xmlns:p14="http://schemas.microsoft.com/office/powerpoint/2010/main" val="1709905633"/>
       </p:ext>
     </p:extLst>
   </p:cSld>
@@ -9023,7 +12252,1187 @@
   <p:timing>
     <p:tnLst>
       <p:par>
-        <p:cTn id="1" dur="indefinite" restart="never" nodeType="tmRoot"/>
+        <p:cTn id="1" dur="indefinite" restart="never" nodeType="tmRoot">
+          <p:childTnLst>
+            <p:seq concurrent="1" nextAc="seek">
+              <p:cTn id="2" dur="indefinite" nodeType="mainSeq">
+                <p:childTnLst>
+                  <p:par>
+                    <p:cTn id="3" fill="hold">
+                      <p:stCondLst>
+                        <p:cond delay="indefinite"/>
+                      </p:stCondLst>
+                      <p:childTnLst>
+                        <p:par>
+                          <p:cTn id="4" fill="hold">
+                            <p:stCondLst>
+                              <p:cond delay="0"/>
+                            </p:stCondLst>
+                            <p:childTnLst>
+                              <p:par>
+                                <p:cTn id="5" presetID="1" presetClass="entr" presetSubtype="0" fill="hold" nodeType="clickEffect">
+                                  <p:stCondLst>
+                                    <p:cond delay="0"/>
+                                  </p:stCondLst>
+                                  <p:childTnLst>
+                                    <p:set>
+                                      <p:cBhvr>
+                                        <p:cTn id="6" dur="1" fill="hold">
+                                          <p:stCondLst>
+                                            <p:cond delay="0"/>
+                                          </p:stCondLst>
+                                        </p:cTn>
+                                        <p:tgtEl>
+                                          <p:spTgt spid="3">
+                                            <p:txEl>
+                                              <p:pRg st="1" end="1"/>
+                                            </p:txEl>
+                                          </p:spTgt>
+                                        </p:tgtEl>
+                                        <p:attrNameLst>
+                                          <p:attrName>style.visibility</p:attrName>
+                                        </p:attrNameLst>
+                                      </p:cBhvr>
+                                      <p:to>
+                                        <p:strVal val="visible"/>
+                                      </p:to>
+                                    </p:set>
+                                  </p:childTnLst>
+                                </p:cTn>
+                              </p:par>
+                            </p:childTnLst>
+                          </p:cTn>
+                        </p:par>
+                      </p:childTnLst>
+                    </p:cTn>
+                  </p:par>
+                  <p:par>
+                    <p:cTn id="7" fill="hold">
+                      <p:stCondLst>
+                        <p:cond delay="indefinite"/>
+                      </p:stCondLst>
+                      <p:childTnLst>
+                        <p:par>
+                          <p:cTn id="8" fill="hold">
+                            <p:stCondLst>
+                              <p:cond delay="0"/>
+                            </p:stCondLst>
+                            <p:childTnLst>
+                              <p:par>
+                                <p:cTn id="9" presetID="1" presetClass="entr" presetSubtype="0" fill="hold" nodeType="clickEffect">
+                                  <p:stCondLst>
+                                    <p:cond delay="0"/>
+                                  </p:stCondLst>
+                                  <p:childTnLst>
+                                    <p:set>
+                                      <p:cBhvr>
+                                        <p:cTn id="10" dur="1" fill="hold">
+                                          <p:stCondLst>
+                                            <p:cond delay="0"/>
+                                          </p:stCondLst>
+                                        </p:cTn>
+                                        <p:tgtEl>
+                                          <p:spTgt spid="3">
+                                            <p:txEl>
+                                              <p:pRg st="2" end="2"/>
+                                            </p:txEl>
+                                          </p:spTgt>
+                                        </p:tgtEl>
+                                        <p:attrNameLst>
+                                          <p:attrName>style.visibility</p:attrName>
+                                        </p:attrNameLst>
+                                      </p:cBhvr>
+                                      <p:to>
+                                        <p:strVal val="visible"/>
+                                      </p:to>
+                                    </p:set>
+                                  </p:childTnLst>
+                                </p:cTn>
+                              </p:par>
+                            </p:childTnLst>
+                          </p:cTn>
+                        </p:par>
+                      </p:childTnLst>
+                    </p:cTn>
+                  </p:par>
+                  <p:par>
+                    <p:cTn id="11" fill="hold">
+                      <p:stCondLst>
+                        <p:cond delay="indefinite"/>
+                      </p:stCondLst>
+                      <p:childTnLst>
+                        <p:par>
+                          <p:cTn id="12" fill="hold">
+                            <p:stCondLst>
+                              <p:cond delay="0"/>
+                            </p:stCondLst>
+                            <p:childTnLst>
+                              <p:par>
+                                <p:cTn id="13" presetID="1" presetClass="entr" presetSubtype="0" fill="hold" nodeType="clickEffect">
+                                  <p:stCondLst>
+                                    <p:cond delay="0"/>
+                                  </p:stCondLst>
+                                  <p:childTnLst>
+                                    <p:set>
+                                      <p:cBhvr>
+                                        <p:cTn id="14" dur="1" fill="hold">
+                                          <p:stCondLst>
+                                            <p:cond delay="0"/>
+                                          </p:stCondLst>
+                                        </p:cTn>
+                                        <p:tgtEl>
+                                          <p:spTgt spid="3">
+                                            <p:txEl>
+                                              <p:pRg st="3" end="3"/>
+                                            </p:txEl>
+                                          </p:spTgt>
+                                        </p:tgtEl>
+                                        <p:attrNameLst>
+                                          <p:attrName>style.visibility</p:attrName>
+                                        </p:attrNameLst>
+                                      </p:cBhvr>
+                                      <p:to>
+                                        <p:strVal val="visible"/>
+                                      </p:to>
+                                    </p:set>
+                                  </p:childTnLst>
+                                </p:cTn>
+                              </p:par>
+                            </p:childTnLst>
+                          </p:cTn>
+                        </p:par>
+                      </p:childTnLst>
+                    </p:cTn>
+                  </p:par>
+                  <p:par>
+                    <p:cTn id="15" fill="hold">
+                      <p:stCondLst>
+                        <p:cond delay="indefinite"/>
+                      </p:stCondLst>
+                      <p:childTnLst>
+                        <p:par>
+                          <p:cTn id="16" fill="hold">
+                            <p:stCondLst>
+                              <p:cond delay="0"/>
+                            </p:stCondLst>
+                            <p:childTnLst>
+                              <p:par>
+                                <p:cTn id="17" presetID="1" presetClass="entr" presetSubtype="0" fill="hold" nodeType="clickEffect">
+                                  <p:stCondLst>
+                                    <p:cond delay="0"/>
+                                  </p:stCondLst>
+                                  <p:childTnLst>
+                                    <p:set>
+                                      <p:cBhvr>
+                                        <p:cTn id="18" dur="1" fill="hold">
+                                          <p:stCondLst>
+                                            <p:cond delay="0"/>
+                                          </p:stCondLst>
+                                        </p:cTn>
+                                        <p:tgtEl>
+                                          <p:spTgt spid="3">
+                                            <p:txEl>
+                                              <p:pRg st="4" end="4"/>
+                                            </p:txEl>
+                                          </p:spTgt>
+                                        </p:tgtEl>
+                                        <p:attrNameLst>
+                                          <p:attrName>style.visibility</p:attrName>
+                                        </p:attrNameLst>
+                                      </p:cBhvr>
+                                      <p:to>
+                                        <p:strVal val="visible"/>
+                                      </p:to>
+                                    </p:set>
+                                  </p:childTnLst>
+                                </p:cTn>
+                              </p:par>
+                            </p:childTnLst>
+                          </p:cTn>
+                        </p:par>
+                      </p:childTnLst>
+                    </p:cTn>
+                  </p:par>
+                  <p:par>
+                    <p:cTn id="19" fill="hold">
+                      <p:stCondLst>
+                        <p:cond delay="indefinite"/>
+                      </p:stCondLst>
+                      <p:childTnLst>
+                        <p:par>
+                          <p:cTn id="20" fill="hold">
+                            <p:stCondLst>
+                              <p:cond delay="0"/>
+                            </p:stCondLst>
+                            <p:childTnLst>
+                              <p:par>
+                                <p:cTn id="21" presetID="1" presetClass="entr" presetSubtype="0" fill="hold" nodeType="clickEffect">
+                                  <p:stCondLst>
+                                    <p:cond delay="0"/>
+                                  </p:stCondLst>
+                                  <p:childTnLst>
+                                    <p:set>
+                                      <p:cBhvr>
+                                        <p:cTn id="22" dur="1" fill="hold">
+                                          <p:stCondLst>
+                                            <p:cond delay="0"/>
+                                          </p:stCondLst>
+                                        </p:cTn>
+                                        <p:tgtEl>
+                                          <p:spTgt spid="3074"/>
+                                        </p:tgtEl>
+                                        <p:attrNameLst>
+                                          <p:attrName>style.visibility</p:attrName>
+                                        </p:attrNameLst>
+                                      </p:cBhvr>
+                                      <p:to>
+                                        <p:strVal val="visible"/>
+                                      </p:to>
+                                    </p:set>
+                                  </p:childTnLst>
+                                </p:cTn>
+                              </p:par>
+                            </p:childTnLst>
+                          </p:cTn>
+                        </p:par>
+                      </p:childTnLst>
+                    </p:cTn>
+                  </p:par>
+                </p:childTnLst>
+              </p:cTn>
+              <p:prevCondLst>
+                <p:cond evt="onPrev" delay="0">
+                  <p:tgtEl>
+                    <p:sldTgt/>
+                  </p:tgtEl>
+                </p:cond>
+              </p:prevCondLst>
+              <p:nextCondLst>
+                <p:cond evt="onNext" delay="0">
+                  <p:tgtEl>
+                    <p:sldTgt/>
+                  </p:tgtEl>
+                </p:cond>
+              </p:nextCondLst>
+            </p:seq>
+          </p:childTnLst>
+        </p:cTn>
+      </p:par>
+    </p:tnLst>
+  </p:timing>
+</p:sld>
+</file>
+
+<file path=ppt/slides/slide7.xml><?xml version="1.0" encoding="utf-8"?>
+<p:sld xmlns:a="http://schemas.openxmlformats.org/drawingml/2006/main" xmlns:r="http://schemas.openxmlformats.org/officeDocument/2006/relationships" xmlns:p="http://schemas.openxmlformats.org/presentationml/2006/main">
+  <p:cSld>
+    <p:spTree>
+      <p:nvGrpSpPr>
+        <p:cNvPr id="1" name=""/>
+        <p:cNvGrpSpPr/>
+        <p:nvPr/>
+      </p:nvGrpSpPr>
+      <p:grpSpPr>
+        <a:xfrm>
+          <a:off x="0" y="0"/>
+          <a:ext cx="0" cy="0"/>
+          <a:chOff x="0" y="0"/>
+          <a:chExt cx="0" cy="0"/>
+        </a:xfrm>
+      </p:grpSpPr>
+      <p:sp>
+        <p:nvSpPr>
+          <p:cNvPr id="2" name="Slide Number Placeholder 1"/>
+          <p:cNvSpPr>
+            <a:spLocks noGrp="1"/>
+          </p:cNvSpPr>
+          <p:nvPr>
+            <p:ph type="sldNum" sz="quarter" idx="5"/>
+          </p:nvPr>
+        </p:nvSpPr>
+        <p:spPr/>
+        <p:txBody>
+          <a:bodyPr/>
+          <a:lstStyle/>
+          <a:p>
+            <a:fld id="{2BF067CD-8E6B-4360-9AA8-C5DF2A48A6D1}" type="slidenum">
+              <a:rPr lang="en-US" noProof="0" smtClean="0"/>
+              <a:pPr/>
+              <a:t>7</a:t>
+            </a:fld>
+            <a:endParaRPr lang="en-US" noProof="0" dirty="0"/>
+          </a:p>
+        </p:txBody>
+      </p:sp>
+      <p:sp>
+        <p:nvSpPr>
+          <p:cNvPr id="3" name="Text Placeholder 2"/>
+          <p:cNvSpPr>
+            <a:spLocks noGrp="1"/>
+          </p:cNvSpPr>
+          <p:nvPr>
+            <p:ph type="body" sz="quarter" idx="10"/>
+          </p:nvPr>
+        </p:nvSpPr>
+        <p:spPr>
+          <a:xfrm>
+            <a:off x="246000" y="1944000"/>
+            <a:ext cx="6570000" cy="4780890"/>
+          </a:xfrm>
+        </p:spPr>
+        <p:txBody>
+          <a:bodyPr/>
+          <a:lstStyle/>
+          <a:p>
+            <a:r>
+              <a:rPr lang="bg-BG" dirty="0" smtClean="0"/>
+              <a:t>Когато </a:t>
+            </a:r>
+            <a:r>
+              <a:rPr lang="bg-BG" b="1" dirty="0" smtClean="0"/>
+              <a:t>изпращате</a:t>
+            </a:r>
+            <a:r>
+              <a:rPr lang="bg-BG" dirty="0" smtClean="0"/>
+              <a:t> </a:t>
+            </a:r>
+            <a:r>
+              <a:rPr lang="bg-BG" b="1" dirty="0" smtClean="0"/>
+              <a:t>презентация</a:t>
+            </a:r>
+            <a:r>
+              <a:rPr lang="bg-BG" dirty="0" smtClean="0"/>
+              <a:t> през </a:t>
+            </a:r>
+            <a:r>
+              <a:rPr lang="bg-BG" b="1" dirty="0" smtClean="0"/>
+              <a:t>интернет</a:t>
+            </a:r>
+            <a:r>
+              <a:rPr lang="bg-BG" dirty="0" smtClean="0"/>
+              <a:t>, може да използвате </a:t>
+            </a:r>
+            <a:r>
+              <a:rPr lang="en-US" b="1" dirty="0" smtClean="0">
+                <a:solidFill>
+                  <a:schemeClr val="bg1"/>
+                </a:solidFill>
+              </a:rPr>
+              <a:t>pdf</a:t>
+            </a:r>
+            <a:r>
+              <a:rPr lang="en-US" b="1" dirty="0" smtClean="0"/>
+              <a:t> </a:t>
+            </a:r>
+            <a:r>
+              <a:rPr lang="bg-BG" b="1" dirty="0" smtClean="0"/>
+              <a:t>формат</a:t>
+            </a:r>
+          </a:p>
+          <a:p>
+            <a:r>
+              <a:rPr lang="bg-BG" dirty="0" smtClean="0"/>
+              <a:t>Този формат </a:t>
+            </a:r>
+            <a:r>
+              <a:rPr lang="bg-BG" b="1" dirty="0" smtClean="0"/>
+              <a:t>предава точно съдържанието</a:t>
+            </a:r>
+            <a:r>
+              <a:rPr lang="bg-BG" dirty="0" smtClean="0"/>
+              <a:t>, но </a:t>
+            </a:r>
+            <a:r>
+              <a:rPr lang="bg-BG" b="1" dirty="0" smtClean="0"/>
+              <a:t>не поддържа видео</a:t>
+            </a:r>
+            <a:r>
+              <a:rPr lang="bg-BG" dirty="0" smtClean="0"/>
+              <a:t> и </a:t>
+            </a:r>
+            <a:r>
+              <a:rPr lang="bg-BG" b="1" dirty="0" smtClean="0"/>
+              <a:t>анимации</a:t>
+            </a:r>
+            <a:endParaRPr lang="en-US" b="1" dirty="0"/>
+          </a:p>
+        </p:txBody>
+      </p:sp>
+      <p:sp>
+        <p:nvSpPr>
+          <p:cNvPr id="4" name="Title 3"/>
+          <p:cNvSpPr>
+            <a:spLocks noGrp="1"/>
+          </p:cNvSpPr>
+          <p:nvPr>
+            <p:ph type="title"/>
+          </p:nvPr>
+        </p:nvSpPr>
+        <p:spPr/>
+        <p:txBody>
+          <a:bodyPr/>
+          <a:lstStyle/>
+          <a:p>
+            <a:r>
+              <a:rPr lang="bg-BG" dirty="0"/>
+              <a:t>Файлови формати за презентация – </a:t>
+            </a:r>
+            <a:r>
+              <a:rPr lang="en-US" dirty="0" smtClean="0"/>
+              <a:t>pdf</a:t>
+            </a:r>
+            <a:endParaRPr lang="en-US" dirty="0"/>
+          </a:p>
+        </p:txBody>
+      </p:sp>
+      <p:pic>
+        <p:nvPicPr>
+          <p:cNvPr id="5" name="Picture 4"/>
+          <p:cNvPicPr>
+            <a:picLocks noChangeAspect="1"/>
+          </p:cNvPicPr>
+          <p:nvPr/>
+        </p:nvPicPr>
+        <p:blipFill>
+          <a:blip r:embed="rId3"/>
+          <a:stretch>
+            <a:fillRect/>
+          </a:stretch>
+        </p:blipFill>
+        <p:spPr>
+          <a:xfrm>
+            <a:off x="6816000" y="1314000"/>
+            <a:ext cx="4702026" cy="5093454"/>
+          </a:xfrm>
+          <a:prstGeom prst="rect">
+            <a:avLst/>
+          </a:prstGeom>
+        </p:spPr>
+      </p:pic>
+    </p:spTree>
+    <p:extLst>
+      <p:ext uri="{BB962C8B-B14F-4D97-AF65-F5344CB8AC3E}">
+        <p14:creationId xmlns:p14="http://schemas.microsoft.com/office/powerpoint/2010/main" val="3708257489"/>
+      </p:ext>
+    </p:extLst>
+  </p:cSld>
+  <p:clrMapOvr>
+    <a:masterClrMapping/>
+  </p:clrMapOvr>
+  <mc:AlternateContent xmlns:mc="http://schemas.openxmlformats.org/markup-compatibility/2006" xmlns:p14="http://schemas.microsoft.com/office/powerpoint/2010/main">
+    <mc:Choice Requires="p14">
+      <p:transition spd="slow" p14:dur="2000" advClick="0" advTm="5000"/>
+    </mc:Choice>
+    <mc:Fallback xmlns="">
+      <p:transition spd="slow" advClick="0" advTm="5000"/>
+    </mc:Fallback>
+  </mc:AlternateContent>
+  <p:timing>
+    <p:tnLst>
+      <p:par>
+        <p:cTn id="1" dur="indefinite" restart="never" nodeType="tmRoot">
+          <p:childTnLst>
+            <p:seq concurrent="1" nextAc="seek">
+              <p:cTn id="2" dur="indefinite" nodeType="mainSeq">
+                <p:childTnLst>
+                  <p:par>
+                    <p:cTn id="3" fill="hold">
+                      <p:stCondLst>
+                        <p:cond delay="indefinite"/>
+                      </p:stCondLst>
+                      <p:childTnLst>
+                        <p:par>
+                          <p:cTn id="4" fill="hold">
+                            <p:stCondLst>
+                              <p:cond delay="0"/>
+                            </p:stCondLst>
+                            <p:childTnLst>
+                              <p:par>
+                                <p:cTn id="5" presetID="1" presetClass="entr" presetSubtype="0" fill="hold" nodeType="clickEffect">
+                                  <p:stCondLst>
+                                    <p:cond delay="0"/>
+                                  </p:stCondLst>
+                                  <p:childTnLst>
+                                    <p:set>
+                                      <p:cBhvr>
+                                        <p:cTn id="6" dur="1" fill="hold">
+                                          <p:stCondLst>
+                                            <p:cond delay="0"/>
+                                          </p:stCondLst>
+                                        </p:cTn>
+                                        <p:tgtEl>
+                                          <p:spTgt spid="3">
+                                            <p:txEl>
+                                              <p:pRg st="1" end="1"/>
+                                            </p:txEl>
+                                          </p:spTgt>
+                                        </p:tgtEl>
+                                        <p:attrNameLst>
+                                          <p:attrName>style.visibility</p:attrName>
+                                        </p:attrNameLst>
+                                      </p:cBhvr>
+                                      <p:to>
+                                        <p:strVal val="visible"/>
+                                      </p:to>
+                                    </p:set>
+                                  </p:childTnLst>
+                                </p:cTn>
+                              </p:par>
+                            </p:childTnLst>
+                          </p:cTn>
+                        </p:par>
+                      </p:childTnLst>
+                    </p:cTn>
+                  </p:par>
+                  <p:par>
+                    <p:cTn id="7" fill="hold">
+                      <p:stCondLst>
+                        <p:cond delay="indefinite"/>
+                      </p:stCondLst>
+                      <p:childTnLst>
+                        <p:par>
+                          <p:cTn id="8" fill="hold">
+                            <p:stCondLst>
+                              <p:cond delay="0"/>
+                            </p:stCondLst>
+                            <p:childTnLst>
+                              <p:par>
+                                <p:cTn id="9" presetID="1" presetClass="entr" presetSubtype="0" fill="hold" nodeType="clickEffect">
+                                  <p:stCondLst>
+                                    <p:cond delay="0"/>
+                                  </p:stCondLst>
+                                  <p:childTnLst>
+                                    <p:set>
+                                      <p:cBhvr>
+                                        <p:cTn id="10" dur="1" fill="hold">
+                                          <p:stCondLst>
+                                            <p:cond delay="0"/>
+                                          </p:stCondLst>
+                                        </p:cTn>
+                                        <p:tgtEl>
+                                          <p:spTgt spid="5"/>
+                                        </p:tgtEl>
+                                        <p:attrNameLst>
+                                          <p:attrName>style.visibility</p:attrName>
+                                        </p:attrNameLst>
+                                      </p:cBhvr>
+                                      <p:to>
+                                        <p:strVal val="visible"/>
+                                      </p:to>
+                                    </p:set>
+                                  </p:childTnLst>
+                                </p:cTn>
+                              </p:par>
+                            </p:childTnLst>
+                          </p:cTn>
+                        </p:par>
+                      </p:childTnLst>
+                    </p:cTn>
+                  </p:par>
+                </p:childTnLst>
+              </p:cTn>
+              <p:prevCondLst>
+                <p:cond evt="onPrev" delay="0">
+                  <p:tgtEl>
+                    <p:sldTgt/>
+                  </p:tgtEl>
+                </p:cond>
+              </p:prevCondLst>
+              <p:nextCondLst>
+                <p:cond evt="onNext" delay="0">
+                  <p:tgtEl>
+                    <p:sldTgt/>
+                  </p:tgtEl>
+                </p:cond>
+              </p:nextCondLst>
+            </p:seq>
+          </p:childTnLst>
+        </p:cTn>
+      </p:par>
+    </p:tnLst>
+  </p:timing>
+</p:sld>
+</file>
+
+<file path=ppt/slides/slide8.xml><?xml version="1.0" encoding="utf-8"?>
+<p:sld xmlns:a="http://schemas.openxmlformats.org/drawingml/2006/main" xmlns:r="http://schemas.openxmlformats.org/officeDocument/2006/relationships" xmlns:p="http://schemas.openxmlformats.org/presentationml/2006/main">
+  <p:cSld>
+    <p:spTree>
+      <p:nvGrpSpPr>
+        <p:cNvPr id="1" name=""/>
+        <p:cNvGrpSpPr/>
+        <p:nvPr/>
+      </p:nvGrpSpPr>
+      <p:grpSpPr>
+        <a:xfrm>
+          <a:off x="0" y="0"/>
+          <a:ext cx="0" cy="0"/>
+          <a:chOff x="0" y="0"/>
+          <a:chExt cx="0" cy="0"/>
+        </a:xfrm>
+      </p:grpSpPr>
+      <p:sp>
+        <p:nvSpPr>
+          <p:cNvPr id="2" name="Slide Number Placeholder 1"/>
+          <p:cNvSpPr>
+            <a:spLocks noGrp="1"/>
+          </p:cNvSpPr>
+          <p:nvPr>
+            <p:ph type="sldNum" sz="quarter" idx="5"/>
+          </p:nvPr>
+        </p:nvSpPr>
+        <p:spPr/>
+        <p:txBody>
+          <a:bodyPr/>
+          <a:lstStyle/>
+          <a:p>
+            <a:fld id="{2BF067CD-8E6B-4360-9AA8-C5DF2A48A6D1}" type="slidenum">
+              <a:rPr lang="en-US" noProof="0" smtClean="0"/>
+              <a:pPr/>
+              <a:t>8</a:t>
+            </a:fld>
+            <a:endParaRPr lang="en-US" noProof="0" dirty="0"/>
+          </a:p>
+        </p:txBody>
+      </p:sp>
+      <p:sp>
+        <p:nvSpPr>
+          <p:cNvPr id="3" name="Text Placeholder 2"/>
+          <p:cNvSpPr>
+            <a:spLocks noGrp="1"/>
+          </p:cNvSpPr>
+          <p:nvPr>
+            <p:ph type="body" sz="quarter" idx="10"/>
+          </p:nvPr>
+        </p:nvSpPr>
+        <p:spPr/>
+        <p:txBody>
+          <a:bodyPr/>
+          <a:lstStyle/>
+          <a:p>
+            <a:r>
+              <a:rPr lang="bg-BG" dirty="0" smtClean="0"/>
+              <a:t>Отделни </a:t>
+            </a:r>
+            <a:r>
+              <a:rPr lang="bg-BG" b="1" dirty="0" smtClean="0"/>
+              <a:t>слайдове</a:t>
+            </a:r>
+            <a:r>
+              <a:rPr lang="bg-BG" dirty="0" smtClean="0"/>
+              <a:t> или </a:t>
+            </a:r>
+            <a:r>
+              <a:rPr lang="bg-BG" b="1" dirty="0" smtClean="0"/>
+              <a:t>цялата презентация </a:t>
+            </a:r>
+            <a:r>
+              <a:rPr lang="bg-BG" dirty="0" smtClean="0"/>
+              <a:t>могат да бъдат </a:t>
+            </a:r>
+            <a:r>
+              <a:rPr lang="bg-BG" b="1" dirty="0" smtClean="0"/>
+              <a:t>съхранени</a:t>
+            </a:r>
+            <a:r>
+              <a:rPr lang="bg-BG" dirty="0" smtClean="0"/>
+              <a:t> като отделни </a:t>
+            </a:r>
+            <a:r>
+              <a:rPr lang="bg-BG" b="1" dirty="0" smtClean="0">
+                <a:solidFill>
+                  <a:schemeClr val="bg1"/>
+                </a:solidFill>
+              </a:rPr>
+              <a:t>графични изображения</a:t>
+            </a:r>
+          </a:p>
+        </p:txBody>
+      </p:sp>
+      <p:sp>
+        <p:nvSpPr>
+          <p:cNvPr id="4" name="Title 3"/>
+          <p:cNvSpPr>
+            <a:spLocks noGrp="1"/>
+          </p:cNvSpPr>
+          <p:nvPr>
+            <p:ph type="title"/>
+          </p:nvPr>
+        </p:nvSpPr>
+        <p:spPr/>
+        <p:txBody>
+          <a:bodyPr>
+            <a:normAutofit fontScale="90000"/>
+          </a:bodyPr>
+          <a:lstStyle/>
+          <a:p>
+            <a:r>
+              <a:rPr lang="bg-BG" dirty="0"/>
+              <a:t>Файлови формати за презентация – </a:t>
+            </a:r>
+            <a:r>
+              <a:rPr lang="en-US" dirty="0" smtClean="0"/>
+              <a:t>jpg, </a:t>
+            </a:r>
+            <a:r>
+              <a:rPr lang="en-US" dirty="0" err="1" smtClean="0"/>
+              <a:t>png</a:t>
+            </a:r>
+            <a:r>
+              <a:rPr lang="en-US" dirty="0" smtClean="0"/>
+              <a:t>…</a:t>
+            </a:r>
+            <a:endParaRPr lang="en-US" dirty="0"/>
+          </a:p>
+        </p:txBody>
+      </p:sp>
+      <p:pic>
+        <p:nvPicPr>
+          <p:cNvPr id="5" name="Picture 4"/>
+          <p:cNvPicPr>
+            <a:picLocks noChangeAspect="1"/>
+          </p:cNvPicPr>
+          <p:nvPr/>
+        </p:nvPicPr>
+        <p:blipFill>
+          <a:blip r:embed="rId3"/>
+          <a:stretch>
+            <a:fillRect/>
+          </a:stretch>
+        </p:blipFill>
+        <p:spPr>
+          <a:xfrm>
+            <a:off x="2534738" y="2438030"/>
+            <a:ext cx="7122525" cy="4275970"/>
+          </a:xfrm>
+          <a:prstGeom prst="rect">
+            <a:avLst/>
+          </a:prstGeom>
+          <a:ln>
+            <a:solidFill>
+              <a:schemeClr val="bg2">
+                <a:lumMod val="75000"/>
+              </a:schemeClr>
+            </a:solidFill>
+          </a:ln>
+        </p:spPr>
+      </p:pic>
+    </p:spTree>
+    <p:extLst>
+      <p:ext uri="{BB962C8B-B14F-4D97-AF65-F5344CB8AC3E}">
+        <p14:creationId xmlns:p14="http://schemas.microsoft.com/office/powerpoint/2010/main" val="3073040203"/>
+      </p:ext>
+    </p:extLst>
+  </p:cSld>
+  <p:clrMapOvr>
+    <a:masterClrMapping/>
+  </p:clrMapOvr>
+  <mc:AlternateContent xmlns:mc="http://schemas.openxmlformats.org/markup-compatibility/2006" xmlns:p14="http://schemas.microsoft.com/office/powerpoint/2010/main">
+    <mc:Choice Requires="p14">
+      <p:transition spd="slow" p14:dur="2000" advClick="0" advTm="5000"/>
+    </mc:Choice>
+    <mc:Fallback xmlns="">
+      <p:transition spd="slow" advClick="0" advTm="5000"/>
+    </mc:Fallback>
+  </mc:AlternateContent>
+  <p:timing>
+    <p:tnLst>
+      <p:par>
+        <p:cTn id="1" dur="indefinite" restart="never" nodeType="tmRoot">
+          <p:childTnLst>
+            <p:seq concurrent="1" nextAc="seek">
+              <p:cTn id="2" dur="indefinite" nodeType="mainSeq">
+                <p:childTnLst>
+                  <p:par>
+                    <p:cTn id="3" fill="hold">
+                      <p:stCondLst>
+                        <p:cond delay="indefinite"/>
+                      </p:stCondLst>
+                      <p:childTnLst>
+                        <p:par>
+                          <p:cTn id="4" fill="hold">
+                            <p:stCondLst>
+                              <p:cond delay="0"/>
+                            </p:stCondLst>
+                            <p:childTnLst>
+                              <p:par>
+                                <p:cTn id="5" presetID="1" presetClass="entr" presetSubtype="0" fill="hold" nodeType="clickEffect">
+                                  <p:stCondLst>
+                                    <p:cond delay="0"/>
+                                  </p:stCondLst>
+                                  <p:childTnLst>
+                                    <p:set>
+                                      <p:cBhvr>
+                                        <p:cTn id="6" dur="1" fill="hold">
+                                          <p:stCondLst>
+                                            <p:cond delay="0"/>
+                                          </p:stCondLst>
+                                        </p:cTn>
+                                        <p:tgtEl>
+                                          <p:spTgt spid="5"/>
+                                        </p:tgtEl>
+                                        <p:attrNameLst>
+                                          <p:attrName>style.visibility</p:attrName>
+                                        </p:attrNameLst>
+                                      </p:cBhvr>
+                                      <p:to>
+                                        <p:strVal val="visible"/>
+                                      </p:to>
+                                    </p:set>
+                                  </p:childTnLst>
+                                </p:cTn>
+                              </p:par>
+                            </p:childTnLst>
+                          </p:cTn>
+                        </p:par>
+                      </p:childTnLst>
+                    </p:cTn>
+                  </p:par>
+                </p:childTnLst>
+              </p:cTn>
+              <p:prevCondLst>
+                <p:cond evt="onPrev" delay="0">
+                  <p:tgtEl>
+                    <p:sldTgt/>
+                  </p:tgtEl>
+                </p:cond>
+              </p:prevCondLst>
+              <p:nextCondLst>
+                <p:cond evt="onNext" delay="0">
+                  <p:tgtEl>
+                    <p:sldTgt/>
+                  </p:tgtEl>
+                </p:cond>
+              </p:nextCondLst>
+            </p:seq>
+          </p:childTnLst>
+        </p:cTn>
+      </p:par>
+    </p:tnLst>
+  </p:timing>
+</p:sld>
+</file>
+
+<file path=ppt/slides/slide9.xml><?xml version="1.0" encoding="utf-8"?>
+<p:sld xmlns:a="http://schemas.openxmlformats.org/drawingml/2006/main" xmlns:r="http://schemas.openxmlformats.org/officeDocument/2006/relationships" xmlns:p="http://schemas.openxmlformats.org/presentationml/2006/main">
+  <p:cSld>
+    <p:spTree>
+      <p:nvGrpSpPr>
+        <p:cNvPr id="1" name=""/>
+        <p:cNvGrpSpPr/>
+        <p:nvPr/>
+      </p:nvGrpSpPr>
+      <p:grpSpPr>
+        <a:xfrm>
+          <a:off x="0" y="0"/>
+          <a:ext cx="0" cy="0"/>
+          <a:chOff x="0" y="0"/>
+          <a:chExt cx="0" cy="0"/>
+        </a:xfrm>
+      </p:grpSpPr>
+      <p:sp>
+        <p:nvSpPr>
+          <p:cNvPr id="2" name="Slide Number Placeholder 1"/>
+          <p:cNvSpPr>
+            <a:spLocks noGrp="1"/>
+          </p:cNvSpPr>
+          <p:nvPr>
+            <p:ph type="sldNum" sz="quarter" idx="5"/>
+          </p:nvPr>
+        </p:nvSpPr>
+        <p:spPr/>
+        <p:txBody>
+          <a:bodyPr/>
+          <a:lstStyle/>
+          <a:p>
+            <a:fld id="{2BF067CD-8E6B-4360-9AA8-C5DF2A48A6D1}" type="slidenum">
+              <a:rPr lang="en-US" noProof="0" smtClean="0"/>
+              <a:pPr/>
+              <a:t>9</a:t>
+            </a:fld>
+            <a:endParaRPr lang="en-US" noProof="0" dirty="0"/>
+          </a:p>
+        </p:txBody>
+      </p:sp>
+      <p:sp>
+        <p:nvSpPr>
+          <p:cNvPr id="3" name="Text Placeholder 2"/>
+          <p:cNvSpPr>
+            <a:spLocks noGrp="1"/>
+          </p:cNvSpPr>
+          <p:nvPr>
+            <p:ph type="body" sz="quarter" idx="10"/>
+          </p:nvPr>
+        </p:nvSpPr>
+        <p:spPr/>
+        <p:txBody>
+          <a:bodyPr/>
+          <a:lstStyle/>
+          <a:p>
+            <a:r>
+              <a:rPr lang="bg-BG" dirty="0" smtClean="0"/>
+              <a:t>Ако запишете презентацията в </a:t>
+            </a:r>
+            <a:r>
+              <a:rPr lang="en-US" b="1" dirty="0" smtClean="0">
+                <a:solidFill>
+                  <a:schemeClr val="bg1"/>
+                </a:solidFill>
+              </a:rPr>
+              <a:t>rtf</a:t>
+            </a:r>
+            <a:r>
+              <a:rPr lang="en-US" b="1" dirty="0" smtClean="0"/>
+              <a:t> </a:t>
+            </a:r>
+            <a:r>
+              <a:rPr lang="bg-BG" b="1" dirty="0" smtClean="0"/>
+              <a:t>формат</a:t>
+            </a:r>
+            <a:r>
+              <a:rPr lang="bg-BG" dirty="0" smtClean="0"/>
+              <a:t>, можете да отворите файла с </a:t>
+            </a:r>
+            <a:r>
+              <a:rPr lang="bg-BG" b="1" dirty="0" smtClean="0"/>
+              <a:t>програмата </a:t>
+            </a:r>
+            <a:r>
+              <a:rPr lang="en-US" b="1" dirty="0" smtClean="0">
+                <a:solidFill>
+                  <a:schemeClr val="bg1"/>
+                </a:solidFill>
+              </a:rPr>
+              <a:t>MS Word</a:t>
+            </a:r>
+          </a:p>
+          <a:p>
+            <a:r>
+              <a:rPr lang="bg-BG" dirty="0" smtClean="0"/>
+              <a:t>Така </a:t>
+            </a:r>
+            <a:r>
+              <a:rPr lang="bg-BG" b="1" dirty="0" smtClean="0"/>
+              <a:t>текстовете</a:t>
+            </a:r>
+            <a:r>
+              <a:rPr lang="bg-BG" dirty="0" smtClean="0"/>
+              <a:t> в </a:t>
+            </a:r>
+            <a:r>
+              <a:rPr lang="bg-BG" b="1" dirty="0" smtClean="0"/>
+              <a:t>презентацията</a:t>
+            </a:r>
+            <a:r>
+              <a:rPr lang="bg-BG" dirty="0" smtClean="0"/>
+              <a:t> могат да се </a:t>
+            </a:r>
+            <a:r>
+              <a:rPr lang="bg-BG" b="1" dirty="0" smtClean="0"/>
+              <a:t>редактират</a:t>
+            </a:r>
+            <a:endParaRPr lang="en-US" b="1" dirty="0"/>
+          </a:p>
+        </p:txBody>
+      </p:sp>
+      <p:sp>
+        <p:nvSpPr>
+          <p:cNvPr id="4" name="Title 3"/>
+          <p:cNvSpPr>
+            <a:spLocks noGrp="1"/>
+          </p:cNvSpPr>
+          <p:nvPr>
+            <p:ph type="title"/>
+          </p:nvPr>
+        </p:nvSpPr>
+        <p:spPr/>
+        <p:txBody>
+          <a:bodyPr>
+            <a:normAutofit/>
+          </a:bodyPr>
+          <a:lstStyle/>
+          <a:p>
+            <a:r>
+              <a:rPr lang="bg-BG" dirty="0"/>
+              <a:t>Файлови формати за презентация – </a:t>
+            </a:r>
+            <a:r>
+              <a:rPr lang="en-US" dirty="0" smtClean="0"/>
+              <a:t>rtf</a:t>
+            </a:r>
+            <a:endParaRPr lang="en-US" dirty="0"/>
+          </a:p>
+        </p:txBody>
+      </p:sp>
+      <p:pic>
+        <p:nvPicPr>
+          <p:cNvPr id="5" name="Picture 4"/>
+          <p:cNvPicPr>
+            <a:picLocks noChangeAspect="1"/>
+          </p:cNvPicPr>
+          <p:nvPr/>
+        </p:nvPicPr>
+        <p:blipFill rotWithShape="1">
+          <a:blip r:embed="rId2"/>
+          <a:srcRect r="525" b="869"/>
+          <a:stretch/>
+        </p:blipFill>
+        <p:spPr>
+          <a:xfrm>
+            <a:off x="2788500" y="3120988"/>
+            <a:ext cx="6615000" cy="3583278"/>
+          </a:xfrm>
+          <a:prstGeom prst="rect">
+            <a:avLst/>
+          </a:prstGeom>
+          <a:ln>
+            <a:solidFill>
+              <a:schemeClr val="bg2">
+                <a:lumMod val="75000"/>
+              </a:schemeClr>
+            </a:solidFill>
+          </a:ln>
+        </p:spPr>
+      </p:pic>
+    </p:spTree>
+    <p:extLst>
+      <p:ext uri="{BB962C8B-B14F-4D97-AF65-F5344CB8AC3E}">
+        <p14:creationId xmlns:p14="http://schemas.microsoft.com/office/powerpoint/2010/main" val="459108629"/>
+      </p:ext>
+    </p:extLst>
+  </p:cSld>
+  <p:clrMapOvr>
+    <a:masterClrMapping/>
+  </p:clrMapOvr>
+  <mc:AlternateContent xmlns:mc="http://schemas.openxmlformats.org/markup-compatibility/2006" xmlns:p14="http://schemas.microsoft.com/office/powerpoint/2010/main">
+    <mc:Choice Requires="p14">
+      <p:transition spd="slow" p14:dur="2000" advClick="0" advTm="5000"/>
+    </mc:Choice>
+    <mc:Fallback xmlns="">
+      <p:transition spd="slow" advClick="0" advTm="5000"/>
+    </mc:Fallback>
+  </mc:AlternateContent>
+  <p:timing>
+    <p:tnLst>
+      <p:par>
+        <p:cTn id="1" dur="indefinite" restart="never" nodeType="tmRoot">
+          <p:childTnLst>
+            <p:seq concurrent="1" nextAc="seek">
+              <p:cTn id="2" dur="indefinite" nodeType="mainSeq">
+                <p:childTnLst>
+                  <p:par>
+                    <p:cTn id="3" fill="hold">
+                      <p:stCondLst>
+                        <p:cond delay="indefinite"/>
+                      </p:stCondLst>
+                      <p:childTnLst>
+                        <p:par>
+                          <p:cTn id="4" fill="hold">
+                            <p:stCondLst>
+                              <p:cond delay="0"/>
+                            </p:stCondLst>
+                            <p:childTnLst>
+                              <p:par>
+                                <p:cTn id="5" presetID="1" presetClass="entr" presetSubtype="0" fill="hold" nodeType="clickEffect">
+                                  <p:stCondLst>
+                                    <p:cond delay="0"/>
+                                  </p:stCondLst>
+                                  <p:childTnLst>
+                                    <p:set>
+                                      <p:cBhvr>
+                                        <p:cTn id="6" dur="1" fill="hold">
+                                          <p:stCondLst>
+                                            <p:cond delay="0"/>
+                                          </p:stCondLst>
+                                        </p:cTn>
+                                        <p:tgtEl>
+                                          <p:spTgt spid="3">
+                                            <p:txEl>
+                                              <p:pRg st="1" end="1"/>
+                                            </p:txEl>
+                                          </p:spTgt>
+                                        </p:tgtEl>
+                                        <p:attrNameLst>
+                                          <p:attrName>style.visibility</p:attrName>
+                                        </p:attrNameLst>
+                                      </p:cBhvr>
+                                      <p:to>
+                                        <p:strVal val="visible"/>
+                                      </p:to>
+                                    </p:set>
+                                  </p:childTnLst>
+                                </p:cTn>
+                              </p:par>
+                            </p:childTnLst>
+                          </p:cTn>
+                        </p:par>
+                      </p:childTnLst>
+                    </p:cTn>
+                  </p:par>
+                  <p:par>
+                    <p:cTn id="7" fill="hold">
+                      <p:stCondLst>
+                        <p:cond delay="indefinite"/>
+                      </p:stCondLst>
+                      <p:childTnLst>
+                        <p:par>
+                          <p:cTn id="8" fill="hold">
+                            <p:stCondLst>
+                              <p:cond delay="0"/>
+                            </p:stCondLst>
+                            <p:childTnLst>
+                              <p:par>
+                                <p:cTn id="9" presetID="1" presetClass="entr" presetSubtype="0" fill="hold" nodeType="clickEffect">
+                                  <p:stCondLst>
+                                    <p:cond delay="0"/>
+                                  </p:stCondLst>
+                                  <p:childTnLst>
+                                    <p:set>
+                                      <p:cBhvr>
+                                        <p:cTn id="10" dur="1" fill="hold">
+                                          <p:stCondLst>
+                                            <p:cond delay="0"/>
+                                          </p:stCondLst>
+                                        </p:cTn>
+                                        <p:tgtEl>
+                                          <p:spTgt spid="5"/>
+                                        </p:tgtEl>
+                                        <p:attrNameLst>
+                                          <p:attrName>style.visibility</p:attrName>
+                                        </p:attrNameLst>
+                                      </p:cBhvr>
+                                      <p:to>
+                                        <p:strVal val="visible"/>
+                                      </p:to>
+                                    </p:set>
+                                  </p:childTnLst>
+                                </p:cTn>
+                              </p:par>
+                            </p:childTnLst>
+                          </p:cTn>
+                        </p:par>
+                      </p:childTnLst>
+                    </p:cTn>
+                  </p:par>
+                </p:childTnLst>
+              </p:cTn>
+              <p:prevCondLst>
+                <p:cond evt="onPrev" delay="0">
+                  <p:tgtEl>
+                    <p:sldTgt/>
+                  </p:tgtEl>
+                </p:cond>
+              </p:prevCondLst>
+              <p:nextCondLst>
+                <p:cond evt="onNext" delay="0">
+                  <p:tgtEl>
+                    <p:sldTgt/>
+                  </p:tgtEl>
+                </p:cond>
+              </p:nextCondLst>
+            </p:seq>
+          </p:childTnLst>
+        </p:cTn>
       </p:par>
     </p:tnLst>
   </p:timing>

--- a/Courses/Computer-Modeling-and-IT/Computer-Modeling-and-IT-6-Class/19-Saving-Presentation-in-Different-File-Formats/19-Saving-Presentation-in-Different-File-Formats.pptx
+++ b/Courses/Computer-Modeling-and-IT/Computer-Modeling-and-IT-6-Class/19-Saving-Presentation-in-Different-File-Formats/19-Saving-Presentation-in-Different-File-Formats.pptx
@@ -5,10 +5,10 @@
     <p:sldMasterId id="2147483675" r:id="rId1"/>
   </p:sldMasterIdLst>
   <p:notesMasterIdLst>
-    <p:notesMasterId r:id="rId19"/>
+    <p:notesMasterId r:id="rId26"/>
   </p:notesMasterIdLst>
   <p:handoutMasterIdLst>
-    <p:handoutMasterId r:id="rId20"/>
+    <p:handoutMasterId r:id="rId27"/>
   </p:handoutMasterIdLst>
   <p:sldIdLst>
     <p:sldId id="503" r:id="rId2"/>
@@ -25,9 +25,16 @@
     <p:sldId id="596" r:id="rId13"/>
     <p:sldId id="597" r:id="rId14"/>
     <p:sldId id="598" r:id="rId15"/>
-    <p:sldId id="586" r:id="rId16"/>
-    <p:sldId id="504" r:id="rId17"/>
-    <p:sldId id="505" r:id="rId18"/>
+    <p:sldId id="599" r:id="rId16"/>
+    <p:sldId id="600" r:id="rId17"/>
+    <p:sldId id="601" r:id="rId18"/>
+    <p:sldId id="602" r:id="rId19"/>
+    <p:sldId id="603" r:id="rId20"/>
+    <p:sldId id="604" r:id="rId21"/>
+    <p:sldId id="605" r:id="rId22"/>
+    <p:sldId id="586" r:id="rId23"/>
+    <p:sldId id="504" r:id="rId24"/>
+    <p:sldId id="505" r:id="rId25"/>
   </p:sldIdLst>
   <p:sldSz cx="12192000" cy="6858000"/>
   <p:notesSz cx="6858000" cy="9144000"/>
@@ -157,6 +164,13 @@
         <p14:section name="͏Отпечатване на презентация" id="{FA1EAC0B-F081-4CAE-99EE-56F023A391C4}">
           <p14:sldIdLst>
             <p14:sldId id="598"/>
+            <p14:sldId id="599"/>
+            <p14:sldId id="600"/>
+            <p14:sldId id="601"/>
+            <p14:sldId id="602"/>
+            <p14:sldId id="603"/>
+            <p14:sldId id="604"/>
+            <p14:sldId id="605"/>
           </p14:sldIdLst>
         </p14:section>
         <p14:section name="Заключение" id="{E19D07F1-86E2-47E9-B2AB-7ADC4F89DC12}">
@@ -283,7 +297,7 @@
           <a:p>
             <a:fld id="{4E087215-0C8F-4762-A664-737A353EC9A4}" type="datetimeFigureOut">
               <a:rPr lang="bg-BG" smtClean="0"/>
-              <a:t>22.7.2024 г.</a:t>
+              <a:t>4.8.2024 г.</a:t>
             </a:fld>
             <a:endParaRPr lang="bg-BG"/>
           </a:p>
@@ -479,7 +493,7 @@
           <a:p>
             <a:fld id="{72D84649-876A-46C9-8472-14CB09C070D8}" type="datetimeFigureOut">
               <a:rPr lang="en-US" smtClean="0"/>
-              <a:t>7/22/2024</a:t>
+              <a:t>8/4/2024</a:t>
             </a:fld>
             <a:endParaRPr lang="en-US"/>
           </a:p>
@@ -1748,7 +1762,7 @@
             <a:fld id="{3EBA5BD7-F043-4D1B-AA17-CD412FC534DE}" type="slidenum">
               <a:rPr lang="en-US" smtClean="0"/>
               <a:pPr/>
-              <a:t>15</a:t>
+              <a:t>22</a:t>
             </a:fld>
             <a:endParaRPr lang="en-US" dirty="0"/>
           </a:p>
@@ -1939,7 +1953,7 @@
             <a:fld id="{3EBA5BD7-F043-4D1B-AA17-CD412FC534DE}" type="slidenum">
               <a:rPr lang="en-US" smtClean="0"/>
               <a:pPr/>
-              <a:t>16</a:t>
+              <a:t>23</a:t>
             </a:fld>
             <a:endParaRPr lang="en-US" dirty="0"/>
           </a:p>
@@ -2169,7 +2183,7 @@
             <a:fld id="{3EBA5BD7-F043-4D1B-AA17-CD412FC534DE}" type="slidenum">
               <a:rPr lang="en-US" smtClean="0"/>
               <a:pPr/>
-              <a:t>17</a:t>
+              <a:t>24</a:t>
             </a:fld>
             <a:endParaRPr lang="en-US" dirty="0"/>
           </a:p>
@@ -7472,7 +7486,7 @@
       </p:pic>
       <p:pic>
         <p:nvPicPr>
-          <p:cNvPr id="4" name="Picture 2" descr="How to loop a sequence of PowerPoint animations | BrightCarbon"/>
+          <p:cNvPr id="1026" name="Picture 2" descr="25+ Best Free MS PowerPoint PPT Icons to Download for 2024 | Envato Tuts+"/>
           <p:cNvPicPr>
             <a:picLocks noGrp="1" noChangeAspect="1" noChangeArrowheads="1"/>
           </p:cNvPicPr>
@@ -7480,7 +7494,7 @@
             <p:ph type="pic" sz="quarter" idx="10"/>
           </p:nvPr>
         </p:nvPicPr>
-        <p:blipFill rotWithShape="1">
+        <p:blipFill>
           <a:blip r:embed="rId5">
             <a:extLst>
               <a:ext uri="{28A0092B-C50C-407E-A947-70E740481C1C}">
@@ -7488,14 +7502,12 @@
               </a:ext>
             </a:extLst>
           </a:blip>
-          <a:srcRect l="-2113" t="4443" r="2113" b="5208"/>
-          <a:stretch/>
+          <a:srcRect t="18734" b="18734"/>
+          <a:stretch>
+            <a:fillRect/>
+          </a:stretch>
         </p:blipFill>
         <p:spPr bwMode="auto">
-          <a:xfrm>
-            <a:off x="6390123" y="2844001"/>
-            <a:ext cx="5248260" cy="2745000"/>
-          </a:xfrm>
           <a:prstGeom prst="rect">
             <a:avLst/>
           </a:prstGeom>
@@ -9195,107 +9207,7 @@
       </p:grpSpPr>
       <p:sp>
         <p:nvSpPr>
-          <p:cNvPr id="14" name="Text Placeholder 4">
-            <a:extLst>
-              <a:ext uri="{FF2B5EF4-FFF2-40B4-BE49-F238E27FC236}">
-                <a16:creationId xmlns:a16="http://schemas.microsoft.com/office/drawing/2014/main" id="{0E49D336-45B6-44D3-97C4-E28F8DEA2022}"/>
-              </a:ext>
-            </a:extLst>
-          </p:cNvPr>
-          <p:cNvSpPr>
-            <a:spLocks noGrp="1"/>
-          </p:cNvSpPr>
-          <p:nvPr>
-            <p:ph type="body" sz="quarter" idx="10"/>
-          </p:nvPr>
-        </p:nvSpPr>
-        <p:spPr>
-          <a:xfrm>
-            <a:off x="869725" y="1577986"/>
-            <a:ext cx="7581212" cy="4772369"/>
-          </a:xfrm>
-        </p:spPr>
-        <p:txBody>
-          <a:bodyPr/>
-          <a:lstStyle>
-            <a:lvl1pPr marL="514350" indent="-514350">
-              <a:buFont typeface="Wingdings" panose="05000000000000000000" pitchFamily="2" charset="2"/>
-              <a:buChar char="§"/>
-              <a:defRPr>
-                <a:solidFill>
-                  <a:schemeClr val="bg2"/>
-                </a:solidFill>
-              </a:defRPr>
-            </a:lvl1pPr>
-            <a:lvl2pPr marL="1123935" indent="-514350">
-              <a:buFont typeface="Wingdings" panose="05000000000000000000" pitchFamily="2" charset="2"/>
-              <a:buChar char="§"/>
-              <a:defRPr>
-                <a:solidFill>
-                  <a:schemeClr val="tx1"/>
-                </a:solidFill>
-              </a:defRPr>
-            </a:lvl2pPr>
-            <a:lvl3pPr marL="1733520" indent="-514350">
-              <a:buFont typeface="Wingdings" panose="05000000000000000000" pitchFamily="2" charset="2"/>
-              <a:buChar char="§"/>
-              <a:defRPr>
-                <a:solidFill>
-                  <a:schemeClr val="tx1"/>
-                </a:solidFill>
-              </a:defRPr>
-            </a:lvl3pPr>
-            <a:lvl4pPr marL="2343105" indent="-514350">
-              <a:buFont typeface="Wingdings" panose="05000000000000000000" pitchFamily="2" charset="2"/>
-              <a:buChar char="§"/>
-              <a:defRPr>
-                <a:solidFill>
-                  <a:schemeClr val="tx1"/>
-                </a:solidFill>
-              </a:defRPr>
-            </a:lvl4pPr>
-            <a:lvl5pPr marL="2952689" indent="-514350">
-              <a:buFont typeface="Wingdings" panose="05000000000000000000" pitchFamily="2" charset="2"/>
-              <a:buChar char="§"/>
-              <a:defRPr>
-                <a:solidFill>
-                  <a:schemeClr val="tx1"/>
-                </a:solidFill>
-              </a:defRPr>
-            </a:lvl5pPr>
-          </a:lstStyle>
-          <a:p>
-            <a:pPr lvl="0"/>
-            <a:r>
-              <a:rPr lang="en-US" dirty="0"/>
-              <a:t>…</a:t>
-            </a:r>
-          </a:p>
-          <a:p>
-            <a:pPr lvl="0"/>
-            <a:r>
-              <a:rPr lang="en-GB" dirty="0"/>
-              <a:t>…</a:t>
-            </a:r>
-            <a:endParaRPr lang="en-US" dirty="0"/>
-          </a:p>
-          <a:p>
-            <a:pPr lvl="0"/>
-            <a:r>
-              <a:rPr lang="en-GB" dirty="0"/>
-              <a:t>…</a:t>
-            </a:r>
-            <a:endParaRPr lang="en-US" dirty="0"/>
-          </a:p>
-          <a:p>
-            <a:pPr lvl="0"/>
-            <a:endParaRPr lang="en-US" dirty="0"/>
-          </a:p>
-        </p:txBody>
-      </p:sp>
-      <p:sp>
-        <p:nvSpPr>
-          <p:cNvPr id="4" name="Title 3"/>
+          <p:cNvPr id="7" name="Title 6"/>
           <p:cNvSpPr>
             <a:spLocks noGrp="1"/>
           </p:cNvSpPr>
@@ -9305,574 +9217,228 @@
         </p:nvSpPr>
         <p:spPr/>
         <p:txBody>
-          <a:bodyPr>
-            <a:normAutofit/>
-          </a:bodyPr>
+          <a:bodyPr/>
           <a:lstStyle/>
           <a:p>
             <a:r>
               <a:rPr lang="bg-BG" dirty="0"/>
-              <a:t>Какво научихме днес?</a:t>
+              <a:t>͏Отпечатване на презентация</a:t>
             </a:r>
             <a:endParaRPr lang="en-US" dirty="0"/>
           </a:p>
         </p:txBody>
       </p:sp>
-      <p:sp>
-        <p:nvSpPr>
-          <p:cNvPr id="6" name="Slide Number Placeholder 5"/>
-          <p:cNvSpPr>
-            <a:spLocks noGrp="1"/>
-          </p:cNvSpPr>
-          <p:nvPr>
-            <p:ph type="sldNum" sz="quarter" idx="4294967295"/>
-          </p:nvPr>
-        </p:nvSpPr>
+      <p:pic>
+        <p:nvPicPr>
+          <p:cNvPr id="9" name="Picture 8"/>
+          <p:cNvPicPr>
+            <a:picLocks noChangeAspect="1"/>
+          </p:cNvPicPr>
+          <p:nvPr/>
+        </p:nvPicPr>
+        <p:blipFill rotWithShape="1">
+          <a:blip r:embed="rId2"/>
+          <a:srcRect t="1" r="72786" b="78396"/>
+          <a:stretch/>
+        </p:blipFill>
         <p:spPr>
           <a:xfrm>
-            <a:off x="11566412" y="6397196"/>
-            <a:ext cx="428822" cy="308845"/>
+            <a:off x="2571256" y="2844000"/>
+            <a:ext cx="7049488" cy="3041847"/>
           </a:xfrm>
           <a:prstGeom prst="rect">
             <a:avLst/>
           </a:prstGeom>
-        </p:spPr>
-        <p:txBody>
-          <a:bodyPr vert="horz" lIns="36000" tIns="36000" rIns="36000" bIns="36000" rtlCol="0" anchor="ctr"/>
-          <a:lstStyle>
-            <a:defPPr>
-              <a:defRPr lang="en-US"/>
-            </a:defPPr>
-            <a:lvl1pPr marL="0" algn="r" defTabSz="914400" rtl="0" eaLnBrk="1" latinLnBrk="0" hangingPunct="1">
-              <a:defRPr sz="1000" kern="1200">
-                <a:solidFill>
-                  <a:schemeClr val="tx1"/>
-                </a:solidFill>
-                <a:latin typeface="+mn-lt"/>
-                <a:ea typeface="+mn-ea"/>
-                <a:cs typeface="+mn-cs"/>
-              </a:defRPr>
-            </a:lvl1pPr>
-            <a:lvl2pPr marL="457200" algn="l" defTabSz="914400" rtl="0" eaLnBrk="1" latinLnBrk="0" hangingPunct="1">
-              <a:defRPr sz="1800" kern="1200">
-                <a:solidFill>
-                  <a:schemeClr val="tx1"/>
-                </a:solidFill>
-                <a:latin typeface="+mn-lt"/>
-                <a:ea typeface="+mn-ea"/>
-                <a:cs typeface="+mn-cs"/>
-              </a:defRPr>
-            </a:lvl2pPr>
-            <a:lvl3pPr marL="914400" algn="l" defTabSz="914400" rtl="0" eaLnBrk="1" latinLnBrk="0" hangingPunct="1">
-              <a:defRPr sz="1800" kern="1200">
-                <a:solidFill>
-                  <a:schemeClr val="tx1"/>
-                </a:solidFill>
-                <a:latin typeface="+mn-lt"/>
-                <a:ea typeface="+mn-ea"/>
-                <a:cs typeface="+mn-cs"/>
-              </a:defRPr>
-            </a:lvl3pPr>
-            <a:lvl4pPr marL="1371600" algn="l" defTabSz="914400" rtl="0" eaLnBrk="1" latinLnBrk="0" hangingPunct="1">
-              <a:defRPr sz="1800" kern="1200">
-                <a:solidFill>
-                  <a:schemeClr val="tx1"/>
-                </a:solidFill>
-                <a:latin typeface="+mn-lt"/>
-                <a:ea typeface="+mn-ea"/>
-                <a:cs typeface="+mn-cs"/>
-              </a:defRPr>
-            </a:lvl4pPr>
-            <a:lvl5pPr marL="1828800" algn="l" defTabSz="914400" rtl="0" eaLnBrk="1" latinLnBrk="0" hangingPunct="1">
-              <a:defRPr sz="1800" kern="1200">
-                <a:solidFill>
-                  <a:schemeClr val="tx1"/>
-                </a:solidFill>
-                <a:latin typeface="+mn-lt"/>
-                <a:ea typeface="+mn-ea"/>
-                <a:cs typeface="+mn-cs"/>
-              </a:defRPr>
-            </a:lvl5pPr>
-            <a:lvl6pPr marL="2286000" algn="l" defTabSz="914400" rtl="0" eaLnBrk="1" latinLnBrk="0" hangingPunct="1">
-              <a:defRPr sz="1800" kern="1200">
-                <a:solidFill>
-                  <a:schemeClr val="tx1"/>
-                </a:solidFill>
-                <a:latin typeface="+mn-lt"/>
-                <a:ea typeface="+mn-ea"/>
-                <a:cs typeface="+mn-cs"/>
-              </a:defRPr>
-            </a:lvl6pPr>
-            <a:lvl7pPr marL="2743200" algn="l" defTabSz="914400" rtl="0" eaLnBrk="1" latinLnBrk="0" hangingPunct="1">
-              <a:defRPr sz="1800" kern="1200">
-                <a:solidFill>
-                  <a:schemeClr val="tx1"/>
-                </a:solidFill>
-                <a:latin typeface="+mn-lt"/>
-                <a:ea typeface="+mn-ea"/>
-                <a:cs typeface="+mn-cs"/>
-              </a:defRPr>
-            </a:lvl7pPr>
-            <a:lvl8pPr marL="3200400" algn="l" defTabSz="914400" rtl="0" eaLnBrk="1" latinLnBrk="0" hangingPunct="1">
-              <a:defRPr sz="1800" kern="1200">
-                <a:solidFill>
-                  <a:schemeClr val="tx1"/>
-                </a:solidFill>
-                <a:latin typeface="+mn-lt"/>
-                <a:ea typeface="+mn-ea"/>
-                <a:cs typeface="+mn-cs"/>
-              </a:defRPr>
-            </a:lvl8pPr>
-            <a:lvl9pPr marL="3657600" algn="l" defTabSz="914400" rtl="0" eaLnBrk="1" latinLnBrk="0" hangingPunct="1">
-              <a:defRPr sz="1800" kern="1200">
-                <a:solidFill>
-                  <a:schemeClr val="tx1"/>
-                </a:solidFill>
-                <a:latin typeface="+mn-lt"/>
-                <a:ea typeface="+mn-ea"/>
-                <a:cs typeface="+mn-cs"/>
-              </a:defRPr>
-            </a:lvl9pPr>
-          </a:lstStyle>
-          <a:p>
-            <a:fld id="{C014DD1E-5D91-48A3-AD6D-45FBA980D106}" type="slidenum">
-              <a:rPr lang="en-US" smtClean="0"/>
-              <a:pPr/>
-              <a:t>15</a:t>
-            </a:fld>
-            <a:endParaRPr lang="en-US" dirty="0"/>
-          </a:p>
-        </p:txBody>
-      </p:sp>
-      <p:grpSp>
-        <p:nvGrpSpPr>
-          <p:cNvPr id="9" name="Group 8">
-            <a:extLst>
-              <a:ext uri="{FF2B5EF4-FFF2-40B4-BE49-F238E27FC236}">
-                <a16:creationId xmlns:a16="http://schemas.microsoft.com/office/drawing/2014/main" id="{EBAFE522-EB7D-4931-A015-9A7E8A98517D}"/>
-              </a:ext>
-            </a:extLst>
-          </p:cNvPr>
-          <p:cNvGrpSpPr/>
-          <p:nvPr/>
-        </p:nvGrpSpPr>
-        <p:grpSpPr>
-          <a:xfrm>
-            <a:off x="196766" y="1314000"/>
-            <a:ext cx="11798468" cy="5300339"/>
-            <a:chOff x="472011" y="1508786"/>
-            <a:chExt cx="3799787" cy="4865561"/>
-          </a:xfrm>
-        </p:grpSpPr>
-        <p:sp>
-          <p:nvSpPr>
-            <p:cNvPr id="10" name="Rounded Rectangle 10">
-              <a:extLst>
-                <a:ext uri="{FF2B5EF4-FFF2-40B4-BE49-F238E27FC236}">
-                  <a16:creationId xmlns:a16="http://schemas.microsoft.com/office/drawing/2014/main" id="{18F78F23-3D09-4B63-8DF9-D49CFBB145EE}"/>
-                </a:ext>
-              </a:extLst>
-            </p:cNvPr>
-            <p:cNvSpPr/>
-            <p:nvPr userDrawn="1"/>
-          </p:nvSpPr>
-          <p:spPr>
-            <a:xfrm>
-              <a:off x="472011" y="1508786"/>
-              <a:ext cx="3799787" cy="4865561"/>
-            </a:xfrm>
-            <a:prstGeom prst="roundRect">
-              <a:avLst>
-                <a:gd name="adj" fmla="val 3968"/>
-              </a:avLst>
-            </a:prstGeom>
-            <a:solidFill>
-              <a:schemeClr val="tx2"/>
-            </a:solidFill>
-            <a:ln>
-              <a:noFill/>
-            </a:ln>
-          </p:spPr>
-          <p:style>
-            <a:lnRef idx="2">
-              <a:schemeClr val="accent1">
-                <a:shade val="50000"/>
-              </a:schemeClr>
-            </a:lnRef>
-            <a:fillRef idx="1">
-              <a:schemeClr val="accent1"/>
-            </a:fillRef>
-            <a:effectRef idx="0">
-              <a:schemeClr val="accent1"/>
-            </a:effectRef>
-            <a:fontRef idx="minor">
-              <a:schemeClr val="lt1"/>
-            </a:fontRef>
-          </p:style>
-          <p:txBody>
-            <a:bodyPr rtlCol="0" anchor="ctr"/>
-            <a:lstStyle/>
-            <a:p>
-              <a:pPr algn="ctr"/>
-              <a:endParaRPr lang="ko-KR" altLang="en-US" sz="2399" dirty="0"/>
-            </a:p>
-          </p:txBody>
-        </p:sp>
-        <p:sp>
-          <p:nvSpPr>
-            <p:cNvPr id="11" name="Rounded Rectangle 16">
-              <a:extLst>
-                <a:ext uri="{FF2B5EF4-FFF2-40B4-BE49-F238E27FC236}">
-                  <a16:creationId xmlns:a16="http://schemas.microsoft.com/office/drawing/2014/main" id="{F12C06CE-2BBE-46C2-B718-813794C58DF9}"/>
-                </a:ext>
-              </a:extLst>
-            </p:cNvPr>
-            <p:cNvSpPr/>
-            <p:nvPr userDrawn="1"/>
-          </p:nvSpPr>
-          <p:spPr>
-            <a:xfrm>
-              <a:off x="540767" y="1781251"/>
-              <a:ext cx="85794" cy="4320631"/>
-            </a:xfrm>
-            <a:prstGeom prst="roundRect">
-              <a:avLst>
-                <a:gd name="adj" fmla="val 50000"/>
-              </a:avLst>
-            </a:prstGeom>
+          <a:ln>
             <a:solidFill>
               <a:schemeClr val="bg2">
-                <a:alpha val="41000"/>
+                <a:lumMod val="75000"/>
               </a:schemeClr>
             </a:solidFill>
-            <a:ln>
-              <a:noFill/>
-            </a:ln>
-          </p:spPr>
-          <p:style>
-            <a:lnRef idx="2">
-              <a:schemeClr val="accent1">
-                <a:shade val="50000"/>
-              </a:schemeClr>
-            </a:lnRef>
-            <a:fillRef idx="1">
-              <a:schemeClr val="accent1"/>
-            </a:fillRef>
-            <a:effectRef idx="0">
-              <a:schemeClr val="accent1"/>
-            </a:effectRef>
-            <a:fontRef idx="minor">
-              <a:schemeClr val="lt1"/>
-            </a:fontRef>
-          </p:style>
-          <p:txBody>
-            <a:bodyPr rtlCol="0" anchor="ctr"/>
-            <a:lstStyle/>
-            <a:p>
-              <a:pPr algn="ctr"/>
-              <a:endParaRPr lang="ko-KR" altLang="en-US" sz="2399">
-                <a:solidFill>
-                  <a:schemeClr val="bg1"/>
-                </a:solidFill>
-              </a:endParaRPr>
-            </a:p>
-          </p:txBody>
-        </p:sp>
-        <p:sp>
-          <p:nvSpPr>
-            <p:cNvPr id="12" name="Half Frame 11">
-              <a:extLst>
-                <a:ext uri="{FF2B5EF4-FFF2-40B4-BE49-F238E27FC236}">
-                  <a16:creationId xmlns:a16="http://schemas.microsoft.com/office/drawing/2014/main" id="{66CDBB1E-AF3C-43FC-9F34-2DD691F81726}"/>
-                </a:ext>
-              </a:extLst>
-            </p:cNvPr>
-            <p:cNvSpPr/>
-            <p:nvPr userDrawn="1"/>
-          </p:nvSpPr>
-          <p:spPr>
-            <a:xfrm rot="5400000">
-              <a:off x="3762569" y="1912372"/>
-              <a:ext cx="669775" cy="238503"/>
-            </a:xfrm>
-            <a:prstGeom prst="halfFrame">
-              <a:avLst>
-                <a:gd name="adj1" fmla="val 23728"/>
-                <a:gd name="adj2" fmla="val 24642"/>
-              </a:avLst>
-            </a:prstGeom>
+          </a:ln>
+        </p:spPr>
+      </p:pic>
+      <p:sp>
+        <p:nvSpPr>
+          <p:cNvPr id="10" name="Rounded Rectangular Callout 9"/>
+          <p:cNvSpPr/>
+          <p:nvPr/>
+        </p:nvSpPr>
+        <p:spPr bwMode="auto">
+          <a:xfrm>
+            <a:off x="4071000" y="1899000"/>
+            <a:ext cx="5805000" cy="1080000"/>
+          </a:xfrm>
+          <a:prstGeom prst="wedgeRoundRectCallout">
+            <a:avLst>
+              <a:gd name="adj1" fmla="val -63691"/>
+              <a:gd name="adj2" fmla="val 88276"/>
+              <a:gd name="adj3" fmla="val 16667"/>
+            </a:avLst>
+          </a:prstGeom>
+          <a:solidFill>
+            <a:schemeClr val="dk2">
+              <a:alpha val="80000"/>
+            </a:schemeClr>
+          </a:solidFill>
+          <a:ln w="19050">
             <a:solidFill>
-              <a:schemeClr val="bg2">
-                <a:alpha val="23000"/>
+              <a:schemeClr val="tx1">
+                <a:lumMod val="75000"/>
+                <a:alpha val="80000"/>
               </a:schemeClr>
             </a:solidFill>
-            <a:ln>
-              <a:noFill/>
-            </a:ln>
-          </p:spPr>
-          <p:style>
-            <a:lnRef idx="2">
-              <a:schemeClr val="accent1">
-                <a:shade val="50000"/>
-              </a:schemeClr>
-            </a:lnRef>
-            <a:fillRef idx="1">
-              <a:schemeClr val="accent1"/>
-            </a:fillRef>
-            <a:effectRef idx="0">
-              <a:schemeClr val="accent1"/>
-            </a:effectRef>
-            <a:fontRef idx="minor">
-              <a:schemeClr val="lt1"/>
-            </a:fontRef>
-          </p:style>
-          <p:txBody>
-            <a:bodyPr rtlCol="0" anchor="ctr"/>
-            <a:lstStyle/>
-            <a:p>
-              <a:pPr algn="ctr"/>
-              <a:endParaRPr lang="ko-KR" altLang="en-US" sz="2399">
-                <a:solidFill>
-                  <a:schemeClr val="tx1"/>
-                </a:solidFill>
-              </a:endParaRPr>
-            </a:p>
-          </p:txBody>
-        </p:sp>
-      </p:grpSp>
-      <p:sp>
-        <p:nvSpPr>
-          <p:cNvPr id="15" name="Content Placeholder 4">
-            <a:extLst>
-              <a:ext uri="{FF2B5EF4-FFF2-40B4-BE49-F238E27FC236}">
-                <a16:creationId xmlns:a16="http://schemas.microsoft.com/office/drawing/2014/main" id="{B96A0DF8-27E7-4DC8-BBE3-7238AAAEB845}"/>
-              </a:ext>
-            </a:extLst>
-          </p:cNvPr>
-          <p:cNvSpPr txBox="1">
-            <a:spLocks/>
-          </p:cNvSpPr>
-          <p:nvPr/>
-        </p:nvSpPr>
-        <p:spPr>
-          <a:xfrm>
-            <a:off x="741000" y="1504870"/>
-            <a:ext cx="11040744" cy="4894130"/>
-          </a:xfrm>
-          <a:prstGeom prst="rect">
-            <a:avLst/>
-          </a:prstGeom>
+          </a:ln>
+          <a:effectLst/>
         </p:spPr>
+        <p:style>
+          <a:lnRef idx="2">
+            <a:schemeClr val="accent1">
+              <a:shade val="50000"/>
+            </a:schemeClr>
+          </a:lnRef>
+          <a:fillRef idx="1001">
+            <a:schemeClr val="dk2"/>
+          </a:fillRef>
+          <a:effectRef idx="0">
+            <a:schemeClr val="accent1"/>
+          </a:effectRef>
+          <a:fontRef idx="minor">
+            <a:schemeClr val="lt1"/>
+          </a:fontRef>
+        </p:style>
         <p:txBody>
-          <a:bodyPr vert="horz" lIns="108000" tIns="36000" rIns="108000" bIns="36000" rtlCol="0">
+          <a:bodyPr rot="0" spcFirstLastPara="0" vertOverflow="overflow" horzOverflow="overflow" vert="horz" wrap="square" lIns="91440" tIns="45720" rIns="91440" bIns="45720" numCol="1" spcCol="0" rtlCol="0" fromWordArt="0" anchor="ctr" anchorCtr="0" forceAA="0" compatLnSpc="1">
+            <a:prstTxWarp prst="textNoShape">
+              <a:avLst/>
+            </a:prstTxWarp>
             <a:noAutofit/>
           </a:bodyPr>
-          <a:lstStyle>
-            <a:lvl1pPr marL="456915" indent="-456915" algn="l" defTabSz="1218438" rtl="0" eaLnBrk="1" latinLnBrk="0" hangingPunct="1">
-              <a:lnSpc>
-                <a:spcPct val="105000"/>
-              </a:lnSpc>
-              <a:spcBef>
-                <a:spcPts val="600"/>
-              </a:spcBef>
-              <a:spcAft>
-                <a:spcPts val="600"/>
-              </a:spcAft>
-              <a:buFont typeface="Wingdings" panose="05000000000000000000" pitchFamily="2" charset="2"/>
-              <a:buChar char="§"/>
-              <a:defRPr sz="3398" kern="1200">
-                <a:solidFill>
-                  <a:schemeClr val="tx1"/>
-                </a:solidFill>
-                <a:latin typeface="+mn-lt"/>
-                <a:ea typeface="+mn-ea"/>
-                <a:cs typeface="+mn-cs"/>
-              </a:defRPr>
-            </a:lvl1pPr>
-            <a:lvl2pPr marL="989981" indent="-380762" algn="l" defTabSz="1218438" rtl="0" eaLnBrk="1" latinLnBrk="0" hangingPunct="1">
-              <a:lnSpc>
-                <a:spcPct val="105000"/>
-              </a:lnSpc>
-              <a:spcBef>
-                <a:spcPts val="600"/>
-              </a:spcBef>
-              <a:spcAft>
-                <a:spcPts val="600"/>
-              </a:spcAft>
-              <a:buFont typeface="Wingdings" panose="05000000000000000000" pitchFamily="2" charset="2"/>
-              <a:buChar char="§"/>
-              <a:defRPr sz="3198" kern="1200">
-                <a:solidFill>
-                  <a:schemeClr val="tx1"/>
-                </a:solidFill>
-                <a:latin typeface="+mn-lt"/>
-                <a:ea typeface="+mn-ea"/>
-                <a:cs typeface="+mn-cs"/>
-              </a:defRPr>
-            </a:lvl2pPr>
-            <a:lvl3pPr marL="1523048" indent="-304610" algn="l" defTabSz="1218438" rtl="0" eaLnBrk="1" latinLnBrk="0" hangingPunct="1">
-              <a:lnSpc>
-                <a:spcPct val="105000"/>
-              </a:lnSpc>
-              <a:spcBef>
-                <a:spcPts val="600"/>
-              </a:spcBef>
-              <a:spcAft>
-                <a:spcPts val="600"/>
-              </a:spcAft>
-              <a:buFont typeface="Wingdings" panose="05000000000000000000" pitchFamily="2" charset="2"/>
-              <a:buChar char="§"/>
-              <a:defRPr sz="2998" kern="1200">
-                <a:solidFill>
-                  <a:schemeClr val="tx1"/>
-                </a:solidFill>
-                <a:latin typeface="+mn-lt"/>
-                <a:ea typeface="+mn-ea"/>
-                <a:cs typeface="+mn-cs"/>
-              </a:defRPr>
-            </a:lvl3pPr>
-            <a:lvl4pPr marL="2132267" indent="-304610" algn="l" defTabSz="1218438" rtl="0" eaLnBrk="1" latinLnBrk="0" hangingPunct="1">
-              <a:lnSpc>
-                <a:spcPct val="105000"/>
-              </a:lnSpc>
-              <a:spcBef>
-                <a:spcPts val="600"/>
-              </a:spcBef>
-              <a:spcAft>
-                <a:spcPts val="600"/>
-              </a:spcAft>
-              <a:buFont typeface="Wingdings" panose="05000000000000000000" pitchFamily="2" charset="2"/>
-              <a:buChar char="§"/>
-              <a:defRPr sz="2798" kern="1200">
-                <a:solidFill>
-                  <a:schemeClr val="tx1"/>
-                </a:solidFill>
-                <a:latin typeface="+mn-lt"/>
-                <a:ea typeface="+mn-ea"/>
-                <a:cs typeface="+mn-cs"/>
-              </a:defRPr>
-            </a:lvl4pPr>
-            <a:lvl5pPr marL="2741485" indent="-304610" algn="l" defTabSz="1218438" rtl="0" eaLnBrk="1" latinLnBrk="0" hangingPunct="1">
-              <a:lnSpc>
-                <a:spcPct val="105000"/>
-              </a:lnSpc>
-              <a:spcBef>
-                <a:spcPts val="600"/>
-              </a:spcBef>
-              <a:spcAft>
-                <a:spcPts val="600"/>
-              </a:spcAft>
-              <a:buFont typeface="Wingdings" panose="05000000000000000000" pitchFamily="2" charset="2"/>
-              <a:buChar char="§"/>
-              <a:defRPr sz="2598" kern="1200">
-                <a:solidFill>
-                  <a:schemeClr val="tx1"/>
-                </a:solidFill>
-                <a:latin typeface="+mn-lt"/>
-                <a:ea typeface="+mn-ea"/>
-                <a:cs typeface="+mn-cs"/>
-              </a:defRPr>
-            </a:lvl5pPr>
-            <a:lvl6pPr marL="3350704" indent="-304610" algn="l" defTabSz="1218438" rtl="0" eaLnBrk="1" latinLnBrk="0" hangingPunct="1">
-              <a:spcBef>
-                <a:spcPct val="20000"/>
-              </a:spcBef>
-              <a:buFont typeface="Arial" pitchFamily="34" charset="0"/>
-              <a:buChar char="•"/>
-              <a:defRPr sz="2665" kern="1200">
-                <a:solidFill>
-                  <a:schemeClr val="tx1"/>
-                </a:solidFill>
-                <a:latin typeface="+mn-lt"/>
-                <a:ea typeface="+mn-ea"/>
-                <a:cs typeface="+mn-cs"/>
-              </a:defRPr>
-            </a:lvl6pPr>
-            <a:lvl7pPr marL="3959924" indent="-304610" algn="l" defTabSz="1218438" rtl="0" eaLnBrk="1" latinLnBrk="0" hangingPunct="1">
-              <a:spcBef>
-                <a:spcPct val="20000"/>
-              </a:spcBef>
-              <a:buFont typeface="Arial" pitchFamily="34" charset="0"/>
-              <a:buChar char="•"/>
-              <a:defRPr sz="2665" kern="1200">
-                <a:solidFill>
-                  <a:schemeClr val="tx1"/>
-                </a:solidFill>
-                <a:latin typeface="+mn-lt"/>
-                <a:ea typeface="+mn-ea"/>
-                <a:cs typeface="+mn-cs"/>
-              </a:defRPr>
-            </a:lvl7pPr>
-            <a:lvl8pPr marL="4569143" indent="-304610" algn="l" defTabSz="1218438" rtl="0" eaLnBrk="1" latinLnBrk="0" hangingPunct="1">
-              <a:spcBef>
-                <a:spcPct val="20000"/>
-              </a:spcBef>
-              <a:buFont typeface="Arial" pitchFamily="34" charset="0"/>
-              <a:buChar char="•"/>
-              <a:defRPr sz="2665" kern="1200">
-                <a:solidFill>
-                  <a:schemeClr val="tx1"/>
-                </a:solidFill>
-                <a:latin typeface="+mn-lt"/>
-                <a:ea typeface="+mn-ea"/>
-                <a:cs typeface="+mn-cs"/>
-              </a:defRPr>
-            </a:lvl8pPr>
-            <a:lvl9pPr marL="5178362" indent="-304610" algn="l" defTabSz="1218438" rtl="0" eaLnBrk="1" latinLnBrk="0" hangingPunct="1">
-              <a:spcBef>
-                <a:spcPct val="20000"/>
-              </a:spcBef>
-              <a:buFont typeface="Arial" pitchFamily="34" charset="0"/>
-              <a:buChar char="•"/>
-              <a:defRPr sz="2665" kern="1200">
-                <a:solidFill>
-                  <a:schemeClr val="tx1"/>
-                </a:solidFill>
-                <a:latin typeface="+mn-lt"/>
-                <a:ea typeface="+mn-ea"/>
-                <a:cs typeface="+mn-cs"/>
-              </a:defRPr>
-            </a:lvl9pPr>
-          </a:lstStyle>
-          <a:p>
-            <a:pPr marL="355600" indent="-355600">
-              <a:lnSpc>
-                <a:spcPct val="100000"/>
-              </a:lnSpc>
-              <a:buClr>
-                <a:schemeClr val="bg2"/>
-              </a:buClr>
-            </a:pPr>
-            <a:r>
-              <a:rPr lang="bg-BG" sz="2800" b="1" dirty="0" smtClean="0">
+          <a:lstStyle/>
+          <a:p>
+            <a:pPr algn="ctr"/>
+            <a:r>
+              <a:rPr lang="ru-RU" sz="2800" b="1" dirty="0" smtClean="0">
+                <a:solidFill>
+                  <a:srgbClr val="FFFFFF"/>
+                </a:solidFill>
+                <a:effectLst>
+                  <a:outerShdw blurRad="38100" dist="38100" dir="2700000" algn="tl">
+                    <a:srgbClr val="000000">
+                      <a:alpha val="43137"/>
+                    </a:srgbClr>
+                  </a:outerShdw>
+                </a:effectLst>
+              </a:rPr>
+              <a:t>Принтирането </a:t>
+            </a:r>
+            <a:r>
+              <a:rPr lang="ru-RU" sz="2800" b="1" dirty="0">
+                <a:solidFill>
+                  <a:srgbClr val="FFFFFF"/>
+                </a:solidFill>
+                <a:effectLst>
+                  <a:outerShdw blurRad="38100" dist="38100" dir="2700000" algn="tl">
+                    <a:srgbClr val="000000">
+                      <a:alpha val="43137"/>
+                    </a:srgbClr>
+                  </a:outerShdw>
+                </a:effectLst>
+              </a:rPr>
+              <a:t>на презентация </a:t>
+            </a:r>
+            <a:r>
+              <a:rPr lang="ru-RU" sz="2800" b="1" dirty="0" smtClean="0">
+                <a:solidFill>
+                  <a:srgbClr val="FFFFFF"/>
+                </a:solidFill>
+                <a:effectLst>
+                  <a:outerShdw blurRad="38100" dist="38100" dir="2700000" algn="tl">
+                    <a:srgbClr val="000000">
+                      <a:alpha val="43137"/>
+                    </a:srgbClr>
+                  </a:outerShdw>
+                </a:effectLst>
+              </a:rPr>
+              <a:t>в </a:t>
+            </a:r>
+            <a:r>
+              <a:rPr lang="ru-RU" sz="2800" b="1" dirty="0">
                 <a:solidFill>
                   <a:schemeClr val="bg1">
                     <a:lumMod val="60000"/>
                     <a:lumOff val="40000"/>
                   </a:schemeClr>
                 </a:solidFill>
+                <a:effectLst>
+                  <a:outerShdw blurRad="38100" dist="38100" dir="2700000" algn="tl">
+                    <a:srgbClr val="000000">
+                      <a:alpha val="43137"/>
+                    </a:srgbClr>
+                  </a:outerShdw>
+                </a:effectLst>
               </a:rPr>
-              <a:t>ТОДО</a:t>
-            </a:r>
-            <a:endParaRPr lang="ru-RU" sz="2800" dirty="0">
+              <a:t>MS PowerPoint </a:t>
+            </a:r>
+            <a:r>
+              <a:rPr lang="ru-RU" sz="2800" b="1" dirty="0">
+                <a:solidFill>
+                  <a:srgbClr val="FFFFFF"/>
+                </a:solidFill>
+                <a:effectLst>
+                  <a:outerShdw blurRad="38100" dist="38100" dir="2700000" algn="tl">
+                    <a:srgbClr val="000000">
+                      <a:alpha val="43137"/>
+                    </a:srgbClr>
+                  </a:outerShdw>
+                </a:effectLst>
+              </a:rPr>
+              <a:t>става от менюто </a:t>
+            </a:r>
+            <a:r>
+              <a:rPr lang="ru-RU" sz="2800" b="1" dirty="0" smtClean="0">
+                <a:solidFill>
+                  <a:schemeClr val="bg1">
+                    <a:lumMod val="60000"/>
+                    <a:lumOff val="40000"/>
+                  </a:schemeClr>
+                </a:solidFill>
+                <a:effectLst>
+                  <a:outerShdw blurRad="38100" dist="38100" dir="2700000" algn="tl">
+                    <a:srgbClr val="000000">
+                      <a:alpha val="43137"/>
+                    </a:srgbClr>
+                  </a:outerShdw>
+                </a:effectLst>
+              </a:rPr>
+              <a:t>File</a:t>
+            </a:r>
+            <a:r>
+              <a:rPr lang="ru-RU" sz="2800" b="1" dirty="0" smtClean="0">
+                <a:solidFill>
+                  <a:srgbClr val="FFFFFF"/>
+                </a:solidFill>
+                <a:effectLst>
+                  <a:outerShdw blurRad="38100" dist="38100" dir="2700000" algn="tl">
+                    <a:srgbClr val="000000">
+                      <a:alpha val="43137"/>
+                    </a:srgbClr>
+                  </a:outerShdw>
+                </a:effectLst>
+              </a:rPr>
+              <a:t> </a:t>
+            </a:r>
+            <a:endParaRPr lang="ru-RU" sz="2800" b="1" dirty="0">
               <a:solidFill>
-                <a:schemeClr val="bg2"/>
+                <a:srgbClr val="FFFFFF"/>
               </a:solidFill>
-            </a:endParaRPr>
-          </a:p>
-          <a:p>
-            <a:pPr marL="355600" indent="-355600">
-              <a:lnSpc>
-                <a:spcPct val="100000"/>
-              </a:lnSpc>
-              <a:buClr>
-                <a:schemeClr val="bg2"/>
-              </a:buClr>
-            </a:pPr>
-            <a:endParaRPr lang="en-US" sz="2400" b="1" dirty="0">
-              <a:solidFill>
-                <a:schemeClr val="bg2"/>
-              </a:solidFill>
+              <a:effectLst>
+                <a:outerShdw blurRad="38100" dist="38100" dir="2700000" algn="tl">
+                  <a:srgbClr val="000000">
+                    <a:alpha val="43137"/>
+                  </a:srgbClr>
+                </a:outerShdw>
+              </a:effectLst>
             </a:endParaRPr>
           </a:p>
         </p:txBody>
@@ -9880,7 +9446,7 @@
     </p:spTree>
     <p:extLst>
       <p:ext uri="{BB962C8B-B14F-4D97-AF65-F5344CB8AC3E}">
-        <p14:creationId xmlns:p14="http://schemas.microsoft.com/office/powerpoint/2010/main" val="3528394487"/>
+        <p14:creationId xmlns:p14="http://schemas.microsoft.com/office/powerpoint/2010/main" val="4224407155"/>
       </p:ext>
     </p:extLst>
   </p:cSld>
@@ -9898,9 +9464,80 @@
   <p:timing>
     <p:tnLst>
       <p:par>
-        <p:cTn id="1" dur="indefinite" restart="never" nodeType="tmRoot"/>
+        <p:cTn id="1" dur="indefinite" restart="never" nodeType="tmRoot">
+          <p:childTnLst>
+            <p:seq concurrent="1" nextAc="seek">
+              <p:cTn id="2" dur="indefinite" nodeType="mainSeq">
+                <p:childTnLst>
+                  <p:par>
+                    <p:cTn id="3" fill="hold">
+                      <p:stCondLst>
+                        <p:cond delay="indefinite"/>
+                      </p:stCondLst>
+                      <p:childTnLst>
+                        <p:par>
+                          <p:cTn id="4" fill="hold">
+                            <p:stCondLst>
+                              <p:cond delay="0"/>
+                            </p:stCondLst>
+                            <p:childTnLst>
+                              <p:par>
+                                <p:cTn id="5" presetID="1" presetClass="entr" presetSubtype="0" fill="hold" grpId="0" nodeType="clickEffect">
+                                  <p:stCondLst>
+                                    <p:cond delay="0"/>
+                                  </p:stCondLst>
+                                  <p:childTnLst>
+                                    <p:set>
+                                      <p:cBhvr>
+                                        <p:cTn id="6" dur="1" fill="hold">
+                                          <p:stCondLst>
+                                            <p:cond delay="0"/>
+                                          </p:stCondLst>
+                                        </p:cTn>
+                                        <p:tgtEl>
+                                          <p:spTgt spid="10"/>
+                                        </p:tgtEl>
+                                        <p:attrNameLst>
+                                          <p:attrName>style.visibility</p:attrName>
+                                        </p:attrNameLst>
+                                      </p:cBhvr>
+                                      <p:to>
+                                        <p:strVal val="visible"/>
+                                      </p:to>
+                                    </p:set>
+                                  </p:childTnLst>
+                                </p:cTn>
+                              </p:par>
+                            </p:childTnLst>
+                          </p:cTn>
+                        </p:par>
+                      </p:childTnLst>
+                    </p:cTn>
+                  </p:par>
+                </p:childTnLst>
+              </p:cTn>
+              <p:prevCondLst>
+                <p:cond evt="onPrev" delay="0">
+                  <p:tgtEl>
+                    <p:sldTgt/>
+                  </p:tgtEl>
+                </p:cond>
+              </p:prevCondLst>
+              <p:nextCondLst>
+                <p:cond evt="onNext" delay="0">
+                  <p:tgtEl>
+                    <p:sldTgt/>
+                  </p:tgtEl>
+                </p:cond>
+              </p:nextCondLst>
+            </p:seq>
+          </p:childTnLst>
+        </p:cTn>
       </p:par>
     </p:tnLst>
+    <p:bldLst>
+      <p:bldP spid="10" grpId="0" animBg="1"/>
+    </p:bldLst>
   </p:timing>
 </p:sld>
 </file>
@@ -9924,13 +9561,7 @@
       </p:grpSpPr>
       <p:sp>
         <p:nvSpPr>
-          <p:cNvPr id="5" name="Slide Title">
-            <a:extLst>
-              <a:ext uri="{FF2B5EF4-FFF2-40B4-BE49-F238E27FC236}">
-                <a16:creationId xmlns:a16="http://schemas.microsoft.com/office/drawing/2014/main" id="{FA0703FC-0F8F-4C80-A615-E4B381EC0E0C}"/>
-              </a:ext>
-            </a:extLst>
-          </p:cNvPr>
+          <p:cNvPr id="7" name="Title 6"/>
           <p:cNvSpPr>
             <a:spLocks noGrp="1"/>
           </p:cNvSpPr>
@@ -9945,131 +9576,148 @@
           <a:p>
             <a:r>
               <a:rPr lang="bg-BG" dirty="0"/>
-              <a:t>Въпроси</a:t>
-            </a:r>
-            <a:r>
-              <a:rPr lang="en-US" dirty="0"/>
-              <a:t>?</a:t>
-            </a:r>
+              <a:t>͏Отпечатване на презентация</a:t>
+            </a:r>
+            <a:endParaRPr lang="en-US" dirty="0"/>
           </a:p>
         </p:txBody>
       </p:sp>
-      <p:sp>
-        <p:nvSpPr>
-          <p:cNvPr id="2" name="Rectangle Bottom Copyright">
-            <a:extLst>
-              <a:ext uri="{FF2B5EF4-FFF2-40B4-BE49-F238E27FC236}">
-                <a16:creationId xmlns:a16="http://schemas.microsoft.com/office/drawing/2014/main" id="{664812A4-2991-44D1-BFE9-32E55AADF8A5}"/>
-              </a:ext>
-            </a:extLst>
-          </p:cNvPr>
-          <p:cNvSpPr/>
+      <p:pic>
+        <p:nvPicPr>
+          <p:cNvPr id="2" name="Picture 1"/>
+          <p:cNvPicPr>
+            <a:picLocks noChangeAspect="1"/>
+          </p:cNvPicPr>
           <p:nvPr/>
-        </p:nvSpPr>
+        </p:nvPicPr>
+        <p:blipFill rotWithShape="1">
+          <a:blip r:embed="rId2"/>
+          <a:srcRect r="86034" b="59015"/>
+          <a:stretch/>
+        </p:blipFill>
         <p:spPr>
           <a:xfrm>
-            <a:off x="111000" y="6454758"/>
-            <a:ext cx="11970000" cy="304242"/>
+            <a:off x="4813500" y="2034000"/>
+            <a:ext cx="2565000" cy="4091797"/>
           </a:xfrm>
           <a:prstGeom prst="rect">
             <a:avLst/>
           </a:prstGeom>
+          <a:ln>
+            <a:solidFill>
+              <a:schemeClr val="bg2">
+                <a:lumMod val="75000"/>
+              </a:schemeClr>
+            </a:solidFill>
+          </a:ln>
         </p:spPr>
+      </p:pic>
+      <p:sp>
+        <p:nvSpPr>
+          <p:cNvPr id="6" name="Rounded Rectangular Callout 5"/>
+          <p:cNvSpPr/>
+          <p:nvPr/>
+        </p:nvSpPr>
+        <p:spPr bwMode="auto">
+          <a:xfrm>
+            <a:off x="1477352" y="2259000"/>
+            <a:ext cx="3060000" cy="1215000"/>
+          </a:xfrm>
+          <a:prstGeom prst="wedgeRoundRectCallout">
+            <a:avLst>
+              <a:gd name="adj1" fmla="val 57943"/>
+              <a:gd name="adj2" fmla="val 146205"/>
+              <a:gd name="adj3" fmla="val 16667"/>
+            </a:avLst>
+          </a:prstGeom>
+          <a:solidFill>
+            <a:schemeClr val="dk2">
+              <a:alpha val="80000"/>
+            </a:schemeClr>
+          </a:solidFill>
+          <a:ln w="19050">
+            <a:solidFill>
+              <a:schemeClr val="tx1">
+                <a:lumMod val="75000"/>
+                <a:alpha val="80000"/>
+              </a:schemeClr>
+            </a:solidFill>
+          </a:ln>
+          <a:effectLst/>
+        </p:spPr>
+        <p:style>
+          <a:lnRef idx="2">
+            <a:schemeClr val="accent1">
+              <a:shade val="50000"/>
+            </a:schemeClr>
+          </a:lnRef>
+          <a:fillRef idx="1001">
+            <a:schemeClr val="dk2"/>
+          </a:fillRef>
+          <a:effectRef idx="0">
+            <a:schemeClr val="accent1"/>
+          </a:effectRef>
+          <a:fontRef idx="minor">
+            <a:schemeClr val="lt1"/>
+          </a:fontRef>
+        </p:style>
         <p:txBody>
-          <a:bodyPr wrap="square">
+          <a:bodyPr rot="0" spcFirstLastPara="0" vertOverflow="overflow" horzOverflow="overflow" vert="horz" wrap="square" lIns="91440" tIns="45720" rIns="91440" bIns="45720" numCol="1" spcCol="0" rtlCol="0" fromWordArt="0" anchor="ctr" anchorCtr="0" forceAA="0" compatLnSpc="1">
+            <a:prstTxWarp prst="textNoShape">
+              <a:avLst/>
+            </a:prstTxWarp>
             <a:noAutofit/>
           </a:bodyPr>
           <a:lstStyle/>
           <a:p>
-            <a:pPr algn="ctr">
-              <a:lnSpc>
-                <a:spcPct val="100000"/>
-              </a:lnSpc>
-              <a:spcBef>
-                <a:spcPts val="0"/>
-              </a:spcBef>
-              <a:spcAft>
-                <a:spcPts val="0"/>
-              </a:spcAft>
-            </a:pPr>
-            <a:r>
-              <a:rPr lang="bg-BG" sz="1600" dirty="0">
-                <a:solidFill>
-                  <a:schemeClr val="bg2"/>
-                </a:solidFill>
-                <a:effectLst/>
-                <a:latin typeface="Calibri" panose="020F0502020204030204" pitchFamily="34" charset="0"/>
-                <a:ea typeface="Calibri" panose="020F0502020204030204" pitchFamily="34" charset="0"/>
-                <a:cs typeface="Arial" panose="020B0604020202020204" pitchFamily="34" charset="0"/>
+            <a:pPr algn="ctr"/>
+            <a:r>
+              <a:rPr lang="bg-BG" sz="2800" b="1" dirty="0" smtClean="0">
+                <a:solidFill>
+                  <a:srgbClr val="FFFFFF"/>
+                </a:solidFill>
+                <a:effectLst>
+                  <a:outerShdw blurRad="38100" dist="38100" dir="2700000" algn="tl">
+                    <a:srgbClr val="000000">
+                      <a:alpha val="43137"/>
+                    </a:srgbClr>
+                  </a:outerShdw>
+                </a:effectLst>
               </a:rPr>
-              <a:t>Проект "</a:t>
-            </a:r>
-            <a:r>
-              <a:rPr lang="bg-BG" sz="1600" dirty="0">
+              <a:t>Оттук избирате опцията </a:t>
+            </a:r>
+            <a:r>
+              <a:rPr lang="en-US" sz="2800" b="1" dirty="0" smtClean="0">
                 <a:solidFill>
                   <a:schemeClr val="bg1">
-                    <a:lumMod val="20000"/>
-                    <a:lumOff val="80000"/>
+                    <a:lumMod val="60000"/>
+                    <a:lumOff val="40000"/>
                   </a:schemeClr>
                 </a:solidFill>
-                <a:effectLst/>
-                <a:latin typeface="Calibri" panose="020F0502020204030204" pitchFamily="34" charset="0"/>
-                <a:ea typeface="Calibri" panose="020F0502020204030204" pitchFamily="34" charset="0"/>
-                <a:cs typeface="Arial" panose="020B0604020202020204" pitchFamily="34" charset="0"/>
-                <a:hlinkClick r:id="rId3">
-                  <a:extLst>
-                    <a:ext uri="{A12FA001-AC4F-418D-AE19-62706E023703}">
-                      <ahyp:hlinkClr xmlns:ahyp="http://schemas.microsoft.com/office/drawing/2018/hyperlinkcolor" xmlns="" val="tx"/>
-                    </a:ext>
-                  </a:extLst>
-                </a:hlinkClick>
+                <a:effectLst>
+                  <a:outerShdw blurRad="38100" dist="38100" dir="2700000" algn="tl">
+                    <a:srgbClr val="000000">
+                      <a:alpha val="43137"/>
+                    </a:srgbClr>
+                  </a:outerShdw>
+                </a:effectLst>
               </a:rPr>
-              <a:t>Отворено учебно съдържание по програмиране и ИТ</a:t>
-            </a:r>
-            <a:r>
-              <a:rPr lang="bg-BG" sz="1600" dirty="0">
-                <a:solidFill>
-                  <a:schemeClr val="bg2"/>
-                </a:solidFill>
-                <a:effectLst/>
-                <a:latin typeface="Calibri" panose="020F0502020204030204" pitchFamily="34" charset="0"/>
-                <a:ea typeface="Calibri" panose="020F0502020204030204" pitchFamily="34" charset="0"/>
-                <a:cs typeface="Arial" panose="020B0604020202020204" pitchFamily="34" charset="0"/>
-              </a:rPr>
-              <a:t>", СофтУни Фондация (лиценз </a:t>
-            </a:r>
-            <a:r>
-              <a:rPr lang="en-US" sz="1600" dirty="0">
-                <a:solidFill>
-                  <a:schemeClr val="bg2"/>
-                </a:solidFill>
-                <a:effectLst/>
-                <a:latin typeface="Calibri" panose="020F0502020204030204" pitchFamily="34" charset="0"/>
-                <a:ea typeface="Calibri" panose="020F0502020204030204" pitchFamily="34" charset="0"/>
-                <a:cs typeface="Arial" panose="020B0604020202020204" pitchFamily="34" charset="0"/>
-              </a:rPr>
-              <a:t>CC-BY-NC-SA</a:t>
-            </a:r>
-            <a:r>
-              <a:rPr lang="bg-BG" sz="1600" dirty="0">
-                <a:solidFill>
-                  <a:schemeClr val="bg2"/>
-                </a:solidFill>
-                <a:effectLst/>
-                <a:latin typeface="Calibri" panose="020F0502020204030204" pitchFamily="34" charset="0"/>
-                <a:ea typeface="Calibri" panose="020F0502020204030204" pitchFamily="34" charset="0"/>
-                <a:cs typeface="Arial" panose="020B0604020202020204" pitchFamily="34" charset="0"/>
-              </a:rPr>
-              <a:t>)</a:t>
-            </a:r>
-            <a:endParaRPr lang="bg-BG" sz="2400" dirty="0">
+              <a:t>Print</a:t>
+            </a:r>
+            <a:endParaRPr lang="en-US" sz="2800" b="1" dirty="0">
               <a:solidFill>
-                <a:schemeClr val="bg2"/>
+                <a:schemeClr val="bg1">
+                  <a:lumMod val="60000"/>
+                  <a:lumOff val="40000"/>
+                </a:schemeClr>
               </a:solidFill>
-              <a:effectLst/>
-              <a:latin typeface="Calibri" panose="020F0502020204030204" pitchFamily="34" charset="0"/>
-              <a:ea typeface="Calibri" panose="020F0502020204030204" pitchFamily="34" charset="0"/>
-              <a:cs typeface="Arial" panose="020B0604020202020204" pitchFamily="34" charset="0"/>
+              <a:effectLst>
+                <a:outerShdw blurRad="38100" dist="38100" dir="2700000" algn="tl">
+                  <a:srgbClr val="000000">
+                    <a:alpha val="43137"/>
+                  </a:srgbClr>
+                </a:outerShdw>
+              </a:effectLst>
             </a:endParaRPr>
           </a:p>
         </p:txBody>
@@ -10077,7 +9725,7 @@
     </p:spTree>
     <p:extLst>
       <p:ext uri="{BB962C8B-B14F-4D97-AF65-F5344CB8AC3E}">
-        <p14:creationId xmlns:p14="http://schemas.microsoft.com/office/powerpoint/2010/main" val="1472534970"/>
+        <p14:creationId xmlns:p14="http://schemas.microsoft.com/office/powerpoint/2010/main" val="1351227017"/>
       </p:ext>
     </p:extLst>
   </p:cSld>
@@ -10095,15 +9743,86 @@
   <p:timing>
     <p:tnLst>
       <p:par>
-        <p:cTn id="1" dur="indefinite" restart="never" nodeType="tmRoot"/>
+        <p:cTn id="1" dur="indefinite" restart="never" nodeType="tmRoot">
+          <p:childTnLst>
+            <p:seq concurrent="1" nextAc="seek">
+              <p:cTn id="2" dur="indefinite" nodeType="mainSeq">
+                <p:childTnLst>
+                  <p:par>
+                    <p:cTn id="3" fill="hold">
+                      <p:stCondLst>
+                        <p:cond delay="indefinite"/>
+                      </p:stCondLst>
+                      <p:childTnLst>
+                        <p:par>
+                          <p:cTn id="4" fill="hold">
+                            <p:stCondLst>
+                              <p:cond delay="0"/>
+                            </p:stCondLst>
+                            <p:childTnLst>
+                              <p:par>
+                                <p:cTn id="5" presetID="1" presetClass="entr" presetSubtype="0" fill="hold" grpId="0" nodeType="clickEffect">
+                                  <p:stCondLst>
+                                    <p:cond delay="0"/>
+                                  </p:stCondLst>
+                                  <p:childTnLst>
+                                    <p:set>
+                                      <p:cBhvr>
+                                        <p:cTn id="6" dur="1" fill="hold">
+                                          <p:stCondLst>
+                                            <p:cond delay="0"/>
+                                          </p:stCondLst>
+                                        </p:cTn>
+                                        <p:tgtEl>
+                                          <p:spTgt spid="6"/>
+                                        </p:tgtEl>
+                                        <p:attrNameLst>
+                                          <p:attrName>style.visibility</p:attrName>
+                                        </p:attrNameLst>
+                                      </p:cBhvr>
+                                      <p:to>
+                                        <p:strVal val="visible"/>
+                                      </p:to>
+                                    </p:set>
+                                  </p:childTnLst>
+                                </p:cTn>
+                              </p:par>
+                            </p:childTnLst>
+                          </p:cTn>
+                        </p:par>
+                      </p:childTnLst>
+                    </p:cTn>
+                  </p:par>
+                </p:childTnLst>
+              </p:cTn>
+              <p:prevCondLst>
+                <p:cond evt="onPrev" delay="0">
+                  <p:tgtEl>
+                    <p:sldTgt/>
+                  </p:tgtEl>
+                </p:cond>
+              </p:prevCondLst>
+              <p:nextCondLst>
+                <p:cond evt="onNext" delay="0">
+                  <p:tgtEl>
+                    <p:sldTgt/>
+                  </p:tgtEl>
+                </p:cond>
+              </p:nextCondLst>
+            </p:seq>
+          </p:childTnLst>
+        </p:cTn>
       </p:par>
     </p:tnLst>
+    <p:bldLst>
+      <p:bldP spid="6" grpId="0" animBg="1"/>
+    </p:bldLst>
   </p:timing>
 </p:sld>
 </file>
 
 <file path=ppt/slides/slide17.xml><?xml version="1.0" encoding="utf-8"?>
-<p:sld xmlns:a="http://schemas.openxmlformats.org/drawingml/2006/main" xmlns:r="http://schemas.openxmlformats.org/officeDocument/2006/relationships" xmlns:p="http://schemas.openxmlformats.org/presentationml/2006/main" show="0">
+<p:sld xmlns:a="http://schemas.openxmlformats.org/drawingml/2006/main" xmlns:r="http://schemas.openxmlformats.org/officeDocument/2006/relationships" xmlns:p="http://schemas.openxmlformats.org/presentationml/2006/main">
   <p:cSld>
     <p:spTree>
       <p:nvGrpSpPr>
@@ -10121,13 +9840,7 @@
       </p:grpSpPr>
       <p:sp>
         <p:nvSpPr>
-          <p:cNvPr id="5" name="Slide Number">
-            <a:extLst>
-              <a:ext uri="{FF2B5EF4-FFF2-40B4-BE49-F238E27FC236}">
-                <a16:creationId xmlns:a16="http://schemas.microsoft.com/office/drawing/2014/main" id="{F48C3C93-90A1-4D31-BEA6-B54D1106CE31}"/>
-              </a:ext>
-            </a:extLst>
-          </p:cNvPr>
+          <p:cNvPr id="2" name="Slide Number Placeholder 1"/>
           <p:cNvSpPr>
             <a:spLocks noGrp="1"/>
           </p:cNvSpPr>
@@ -10135,155 +9848,23 @@
             <p:ph type="sldNum" sz="quarter" idx="5"/>
           </p:nvPr>
         </p:nvSpPr>
-        <p:spPr>
-          <a:xfrm>
-            <a:off x="11753030" y="6507000"/>
-            <a:ext cx="367414" cy="297000"/>
-          </a:xfrm>
-          <a:prstGeom prst="rect">
-            <a:avLst/>
-          </a:prstGeom>
-        </p:spPr>
+        <p:spPr/>
         <p:txBody>
-          <a:bodyPr vert="horz" lIns="91440" tIns="45720" rIns="91440" bIns="45720" rtlCol="0" anchor="b"/>
-          <a:lstStyle>
-            <a:lvl1pPr algn="r">
-              <a:defRPr sz="1000"/>
-            </a:lvl1pPr>
-          </a:lstStyle>
+          <a:bodyPr/>
+          <a:lstStyle/>
           <a:p>
             <a:fld id="{2BF067CD-8E6B-4360-9AA8-C5DF2A48A6D1}" type="slidenum">
-              <a:rPr lang="en-US" smtClean="0"/>
+              <a:rPr lang="en-US" noProof="0" smtClean="0"/>
               <a:pPr/>
               <a:t>17</a:t>
             </a:fld>
-            <a:endParaRPr lang="en-US" dirty="0"/>
+            <a:endParaRPr lang="en-US" noProof="0" dirty="0"/>
           </a:p>
         </p:txBody>
       </p:sp>
       <p:sp>
         <p:nvSpPr>
-          <p:cNvPr id="2" name="Slide Body">
-            <a:extLst>
-              <a:ext uri="{FF2B5EF4-FFF2-40B4-BE49-F238E27FC236}">
-                <a16:creationId xmlns:a16="http://schemas.microsoft.com/office/drawing/2014/main" id="{980F49B1-E4BE-4389-A747-7AB9B71AD920}"/>
-              </a:ext>
-            </a:extLst>
-          </p:cNvPr>
-          <p:cNvSpPr>
-            <a:spLocks noGrp="1"/>
-          </p:cNvSpPr>
-          <p:nvPr>
-            <p:ph type="body" sz="quarter" idx="10"/>
-          </p:nvPr>
-        </p:nvSpPr>
-        <p:spPr>
-          <a:xfrm>
-            <a:off x="190402" y="1269001"/>
-            <a:ext cx="9865598" cy="2474999"/>
-          </a:xfrm>
-        </p:spPr>
-        <p:txBody>
-          <a:bodyPr>
-            <a:normAutofit/>
-          </a:bodyPr>
-          <a:lstStyle/>
-          <a:p>
-            <a:pPr>
-              <a:lnSpc>
-                <a:spcPct val="120000"/>
-              </a:lnSpc>
-            </a:pPr>
-            <a:r>
-              <a:rPr lang="bg-BG" sz="3200" dirty="0"/>
-              <a:t>Този курс</a:t>
-            </a:r>
-            <a:r>
-              <a:rPr lang="en-US" sz="3200" dirty="0"/>
-              <a:t> (</a:t>
-            </a:r>
-            <a:r>
-              <a:rPr lang="bg-BG" sz="3200" dirty="0"/>
-              <a:t>презентации, примери, демонстрационен код, упражнения, домашни, видео и други активи</a:t>
-            </a:r>
-            <a:r>
-              <a:rPr lang="en-US" sz="3200" dirty="0"/>
-              <a:t>) </a:t>
-            </a:r>
-            <a:r>
-              <a:rPr lang="bg-BG" sz="3200" dirty="0"/>
-              <a:t>представлява</a:t>
-            </a:r>
-            <a:r>
-              <a:rPr lang="en-US" sz="3200" dirty="0"/>
-              <a:t> </a:t>
-            </a:r>
-            <a:r>
-              <a:rPr lang="bg-BG" sz="3200" b="1" dirty="0"/>
-              <a:t>свободно учебно съдържание </a:t>
-            </a:r>
-            <a:r>
-              <a:rPr lang="bg-BG" sz="3200" dirty="0"/>
-              <a:t>и се разпространява под свободен лиценз </a:t>
-            </a:r>
-            <a:r>
-              <a:rPr lang="en-US" sz="3200" b="1" dirty="0"/>
-              <a:t>CC-BY-NC-SA</a:t>
-            </a:r>
-            <a:endParaRPr lang="bg-BG" sz="3200" dirty="0"/>
-          </a:p>
-        </p:txBody>
-      </p:sp>
-      <p:pic>
-        <p:nvPicPr>
-          <p:cNvPr id="6" name="Picture License" descr="License">
-            <a:extLst>
-              <a:ext uri="{FF2B5EF4-FFF2-40B4-BE49-F238E27FC236}">
-                <a16:creationId xmlns:a16="http://schemas.microsoft.com/office/drawing/2014/main" id="{82BA520F-A037-4E01-AA18-27D9F1E930A6}"/>
-              </a:ext>
-            </a:extLst>
-          </p:cNvPr>
-          <p:cNvPicPr>
-            <a:picLocks noChangeAspect="1"/>
-          </p:cNvPicPr>
-          <p:nvPr/>
-        </p:nvPicPr>
-        <p:blipFill>
-          <a:blip r:embed="rId3">
-            <a:clrChange>
-              <a:clrFrom>
-                <a:srgbClr val="FFFFFF"/>
-              </a:clrFrom>
-              <a:clrTo>
-                <a:srgbClr val="FFFFFF">
-                  <a:alpha val="0"/>
-                </a:srgbClr>
-              </a:clrTo>
-            </a:clrChange>
-          </a:blip>
-          <a:stretch>
-            <a:fillRect/>
-          </a:stretch>
-        </p:blipFill>
-        <p:spPr>
-          <a:xfrm>
-            <a:off x="10226175" y="1440120"/>
-            <a:ext cx="1198986" cy="1268880"/>
-          </a:xfrm>
-          <a:prstGeom prst="rect">
-            <a:avLst/>
-          </a:prstGeom>
-        </p:spPr>
-      </p:pic>
-      <p:sp>
-        <p:nvSpPr>
-          <p:cNvPr id="3" name="Slide Title">
-            <a:extLst>
-              <a:ext uri="{FF2B5EF4-FFF2-40B4-BE49-F238E27FC236}">
-                <a16:creationId xmlns:a16="http://schemas.microsoft.com/office/drawing/2014/main" id="{E5F1FB41-80C3-4816-BC47-CCC50632E6E8}"/>
-              </a:ext>
-            </a:extLst>
-          </p:cNvPr>
+          <p:cNvPr id="4" name="Title 3"/>
           <p:cNvSpPr>
             <a:spLocks noGrp="1"/>
           </p:cNvSpPr>
@@ -10298,176 +9879,419 @@
           <a:p>
             <a:r>
               <a:rPr lang="bg-BG" dirty="0"/>
-              <a:t>Лиценз</a:t>
-            </a:r>
+              <a:t>͏Отпечатване на презентация</a:t>
+            </a:r>
+            <a:endParaRPr lang="en-US" dirty="0"/>
+          </a:p>
+        </p:txBody>
+      </p:sp>
+      <p:pic>
+        <p:nvPicPr>
+          <p:cNvPr id="5" name="Picture 4"/>
+          <p:cNvPicPr>
+            <a:picLocks noChangeAspect="1"/>
+          </p:cNvPicPr>
+          <p:nvPr/>
+        </p:nvPicPr>
+        <p:blipFill>
+          <a:blip r:embed="rId2"/>
+          <a:stretch>
+            <a:fillRect/>
+          </a:stretch>
+        </p:blipFill>
+        <p:spPr>
+          <a:xfrm>
+            <a:off x="1241576" y="1302647"/>
+            <a:ext cx="9708848" cy="5411353"/>
+          </a:xfrm>
+          <a:prstGeom prst="rect">
+            <a:avLst/>
+          </a:prstGeom>
+          <a:ln>
+            <a:solidFill>
+              <a:schemeClr val="bg2">
+                <a:lumMod val="75000"/>
+              </a:schemeClr>
+            </a:solidFill>
+          </a:ln>
+        </p:spPr>
+      </p:pic>
+      <p:sp>
+        <p:nvSpPr>
+          <p:cNvPr id="7" name="Rounded Rectangular Callout 6"/>
+          <p:cNvSpPr/>
+          <p:nvPr/>
+        </p:nvSpPr>
+        <p:spPr bwMode="auto">
+          <a:xfrm>
+            <a:off x="381000" y="1404000"/>
+            <a:ext cx="3850087" cy="1035000"/>
+          </a:xfrm>
+          <a:prstGeom prst="wedgeRoundRectCallout">
+            <a:avLst>
+              <a:gd name="adj1" fmla="val -38586"/>
+              <a:gd name="adj2" fmla="val 22766"/>
+              <a:gd name="adj3" fmla="val 16667"/>
+            </a:avLst>
+          </a:prstGeom>
+          <a:solidFill>
+            <a:schemeClr val="dk2">
+              <a:alpha val="80000"/>
+            </a:schemeClr>
+          </a:solidFill>
+          <a:ln w="19050">
+            <a:solidFill>
+              <a:schemeClr val="tx1">
+                <a:lumMod val="75000"/>
+                <a:alpha val="80000"/>
+              </a:schemeClr>
+            </a:solidFill>
+          </a:ln>
+          <a:effectLst/>
+        </p:spPr>
+        <p:style>
+          <a:lnRef idx="2">
+            <a:schemeClr val="accent1">
+              <a:shade val="50000"/>
+            </a:schemeClr>
+          </a:lnRef>
+          <a:fillRef idx="1001">
+            <a:schemeClr val="dk2"/>
+          </a:fillRef>
+          <a:effectRef idx="0">
+            <a:schemeClr val="accent1"/>
+          </a:effectRef>
+          <a:fontRef idx="minor">
+            <a:schemeClr val="lt1"/>
+          </a:fontRef>
+        </p:style>
+        <p:txBody>
+          <a:bodyPr rot="0" spcFirstLastPara="0" vertOverflow="overflow" horzOverflow="overflow" vert="horz" wrap="square" lIns="91440" tIns="45720" rIns="91440" bIns="45720" numCol="1" spcCol="0" rtlCol="0" fromWordArt="0" anchor="ctr" anchorCtr="0" forceAA="0" compatLnSpc="1">
+            <a:prstTxWarp prst="textNoShape">
+              <a:avLst/>
+            </a:prstTxWarp>
+            <a:noAutofit/>
+          </a:bodyPr>
+          <a:lstStyle/>
+          <a:p>
+            <a:pPr algn="ctr"/>
+            <a:r>
+              <a:rPr lang="bg-BG" sz="2800" b="1" dirty="0" smtClean="0">
+                <a:solidFill>
+                  <a:srgbClr val="FFFFFF"/>
+                </a:solidFill>
+                <a:effectLst>
+                  <a:outerShdw blurRad="38100" dist="38100" dir="2700000" algn="tl">
+                    <a:srgbClr val="000000">
+                      <a:alpha val="43137"/>
+                    </a:srgbClr>
+                  </a:outerShdw>
+                </a:effectLst>
+              </a:rPr>
+              <a:t>Така се отваря </a:t>
+            </a:r>
+            <a:r>
+              <a:rPr lang="bg-BG" sz="2800" b="1" dirty="0" smtClean="0">
+                <a:solidFill>
+                  <a:srgbClr val="FFFFFF"/>
+                </a:solidFill>
+                <a:effectLst>
+                  <a:outerShdw blurRad="38100" dist="38100" dir="2700000" algn="tl">
+                    <a:srgbClr val="000000">
+                      <a:alpha val="43137"/>
+                    </a:srgbClr>
+                  </a:outerShdw>
+                </a:effectLst>
+              </a:rPr>
+              <a:t>прозорец </a:t>
+            </a:r>
+            <a:r>
+              <a:rPr lang="bg-BG" sz="2800" b="1" dirty="0" smtClean="0">
+                <a:solidFill>
+                  <a:schemeClr val="bg2"/>
+                </a:solidFill>
+                <a:effectLst>
+                  <a:outerShdw blurRad="38100" dist="38100" dir="2700000" algn="tl">
+                    <a:srgbClr val="000000">
+                      <a:alpha val="43137"/>
+                    </a:srgbClr>
+                  </a:outerShdw>
+                </a:effectLst>
+              </a:rPr>
+              <a:t>от две части</a:t>
+            </a:r>
+            <a:endParaRPr lang="en-US" sz="2800" b="1" dirty="0">
+              <a:solidFill>
+                <a:schemeClr val="bg1">
+                  <a:lumMod val="60000"/>
+                  <a:lumOff val="40000"/>
+                </a:schemeClr>
+              </a:solidFill>
+              <a:effectLst>
+                <a:outerShdw blurRad="38100" dist="38100" dir="2700000" algn="tl">
+                  <a:srgbClr val="000000">
+                    <a:alpha val="43137"/>
+                  </a:srgbClr>
+                </a:outerShdw>
+              </a:effectLst>
+            </a:endParaRPr>
           </a:p>
         </p:txBody>
       </p:sp>
       <p:sp>
         <p:nvSpPr>
-          <p:cNvPr id="11" name="TextBox 10">
-            <a:extLst>
-              <a:ext uri="{FF2B5EF4-FFF2-40B4-BE49-F238E27FC236}">
-                <a16:creationId xmlns:a16="http://schemas.microsoft.com/office/drawing/2014/main" id="{0C18DF19-B750-4C88-975B-661A6BF61F5E}"/>
-              </a:ext>
-            </a:extLst>
-          </p:cNvPr>
-          <p:cNvSpPr txBox="1"/>
+          <p:cNvPr id="8" name="Rounded Rectangular Callout 7"/>
+          <p:cNvSpPr/>
           <p:nvPr/>
         </p:nvSpPr>
-        <p:spPr>
+        <p:spPr bwMode="auto">
           <a:xfrm>
-            <a:off x="190401" y="3927519"/>
-            <a:ext cx="11710599" cy="1979644"/>
+            <a:off x="6806737" y="1404000"/>
+            <a:ext cx="5130000" cy="1395000"/>
+          </a:xfrm>
+          <a:prstGeom prst="wedgeRoundRectCallout">
+            <a:avLst>
+              <a:gd name="adj1" fmla="val -32918"/>
+              <a:gd name="adj2" fmla="val 70192"/>
+              <a:gd name="adj3" fmla="val 16667"/>
+            </a:avLst>
+          </a:prstGeom>
+          <a:solidFill>
+            <a:schemeClr val="dk2">
+              <a:alpha val="80000"/>
+            </a:schemeClr>
+          </a:solidFill>
+          <a:ln w="19050">
+            <a:solidFill>
+              <a:schemeClr val="tx1">
+                <a:lumMod val="75000"/>
+                <a:alpha val="80000"/>
+              </a:schemeClr>
+            </a:solidFill>
+          </a:ln>
+          <a:effectLst/>
+        </p:spPr>
+        <p:style>
+          <a:lnRef idx="2">
+            <a:schemeClr val="accent1">
+              <a:shade val="50000"/>
+            </a:schemeClr>
+          </a:lnRef>
+          <a:fillRef idx="1001">
+            <a:schemeClr val="dk2"/>
+          </a:fillRef>
+          <a:effectRef idx="0">
+            <a:schemeClr val="accent1"/>
+          </a:effectRef>
+          <a:fontRef idx="minor">
+            <a:schemeClr val="lt1"/>
+          </a:fontRef>
+        </p:style>
+        <p:txBody>
+          <a:bodyPr rot="0" spcFirstLastPara="0" vertOverflow="overflow" horzOverflow="overflow" vert="horz" wrap="square" lIns="91440" tIns="45720" rIns="91440" bIns="45720" numCol="1" spcCol="0" rtlCol="0" fromWordArt="0" anchor="ctr" anchorCtr="0" forceAA="0" compatLnSpc="1">
+            <a:prstTxWarp prst="textNoShape">
+              <a:avLst/>
+            </a:prstTxWarp>
+            <a:noAutofit/>
+          </a:bodyPr>
+          <a:lstStyle/>
+          <a:p>
+            <a:pPr algn="ctr"/>
+            <a:r>
+              <a:rPr lang="bg-BG" sz="2800" b="1" dirty="0" smtClean="0">
+                <a:solidFill>
+                  <a:srgbClr val="FFFFFF"/>
+                </a:solidFill>
+                <a:effectLst>
+                  <a:outerShdw blurRad="38100" dist="38100" dir="2700000" algn="tl">
+                    <a:srgbClr val="000000">
+                      <a:alpha val="43137"/>
+                    </a:srgbClr>
+                  </a:outerShdw>
+                </a:effectLst>
+              </a:rPr>
+              <a:t>В дясната му част се показва как ще изглеждат слайдовете при отпечатването</a:t>
+            </a:r>
+            <a:endParaRPr lang="en-US" sz="2800" b="1" dirty="0">
+              <a:solidFill>
+                <a:schemeClr val="bg1">
+                  <a:lumMod val="60000"/>
+                  <a:lumOff val="40000"/>
+                </a:schemeClr>
+              </a:solidFill>
+              <a:effectLst>
+                <a:outerShdw blurRad="38100" dist="38100" dir="2700000" algn="tl">
+                  <a:srgbClr val="000000">
+                    <a:alpha val="43137"/>
+                  </a:srgbClr>
+                </a:outerShdw>
+              </a:effectLst>
+            </a:endParaRPr>
+          </a:p>
+        </p:txBody>
+      </p:sp>
+      <p:sp>
+        <p:nvSpPr>
+          <p:cNvPr id="9" name="Rounded Rectangular Callout 8"/>
+          <p:cNvSpPr/>
+          <p:nvPr/>
+        </p:nvSpPr>
+        <p:spPr bwMode="auto">
+          <a:xfrm>
+            <a:off x="4926000" y="5256628"/>
+            <a:ext cx="4815000" cy="1395000"/>
+          </a:xfrm>
+          <a:prstGeom prst="wedgeRoundRectCallout">
+            <a:avLst>
+              <a:gd name="adj1" fmla="val -50834"/>
+              <a:gd name="adj2" fmla="val -68325"/>
+              <a:gd name="adj3" fmla="val 16667"/>
+            </a:avLst>
+          </a:prstGeom>
+          <a:solidFill>
+            <a:schemeClr val="dk2">
+              <a:alpha val="80000"/>
+            </a:schemeClr>
+          </a:solidFill>
+          <a:ln w="19050">
+            <a:solidFill>
+              <a:schemeClr val="tx1">
+                <a:lumMod val="75000"/>
+                <a:alpha val="80000"/>
+              </a:schemeClr>
+            </a:solidFill>
+          </a:ln>
+          <a:effectLst/>
+        </p:spPr>
+        <p:style>
+          <a:lnRef idx="2">
+            <a:schemeClr val="accent1">
+              <a:shade val="50000"/>
+            </a:schemeClr>
+          </a:lnRef>
+          <a:fillRef idx="1001">
+            <a:schemeClr val="dk2"/>
+          </a:fillRef>
+          <a:effectRef idx="0">
+            <a:schemeClr val="accent1"/>
+          </a:effectRef>
+          <a:fontRef idx="minor">
+            <a:schemeClr val="lt1"/>
+          </a:fontRef>
+        </p:style>
+        <p:txBody>
+          <a:bodyPr rot="0" spcFirstLastPara="0" vertOverflow="overflow" horzOverflow="overflow" vert="horz" wrap="square" lIns="91440" tIns="45720" rIns="91440" bIns="45720" numCol="1" spcCol="0" rtlCol="0" fromWordArt="0" anchor="ctr" anchorCtr="0" forceAA="0" compatLnSpc="1">
+            <a:prstTxWarp prst="textNoShape">
+              <a:avLst/>
+            </a:prstTxWarp>
+            <a:noAutofit/>
+          </a:bodyPr>
+          <a:lstStyle/>
+          <a:p>
+            <a:pPr algn="ctr"/>
+            <a:r>
+              <a:rPr lang="bg-BG" sz="2800" b="1" dirty="0" smtClean="0">
+                <a:solidFill>
+                  <a:srgbClr val="FFFFFF"/>
+                </a:solidFill>
+                <a:effectLst>
+                  <a:outerShdw blurRad="38100" dist="38100" dir="2700000" algn="tl">
+                    <a:srgbClr val="000000">
+                      <a:alpha val="43137"/>
+                    </a:srgbClr>
+                  </a:outerShdw>
+                </a:effectLst>
+              </a:rPr>
+              <a:t>От лявата страна са настройки на отпечатването на презентацията</a:t>
+            </a:r>
+            <a:endParaRPr lang="en-US" sz="2800" b="1" dirty="0">
+              <a:solidFill>
+                <a:schemeClr val="bg1">
+                  <a:lumMod val="60000"/>
+                  <a:lumOff val="40000"/>
+                </a:schemeClr>
+              </a:solidFill>
+              <a:effectLst>
+                <a:outerShdw blurRad="38100" dist="38100" dir="2700000" algn="tl">
+                  <a:srgbClr val="000000">
+                    <a:alpha val="43137"/>
+                  </a:srgbClr>
+                </a:outerShdw>
+              </a:effectLst>
+            </a:endParaRPr>
+          </a:p>
+        </p:txBody>
+      </p:sp>
+      <p:sp>
+        <p:nvSpPr>
+          <p:cNvPr id="10" name="Rectangle 9"/>
+          <p:cNvSpPr/>
+          <p:nvPr/>
+        </p:nvSpPr>
+        <p:spPr bwMode="auto">
+          <a:xfrm>
+            <a:off x="2541000" y="2321252"/>
+            <a:ext cx="2115000" cy="4275000"/>
           </a:xfrm>
           <a:prstGeom prst="rect">
             <a:avLst/>
           </a:prstGeom>
           <a:noFill/>
-          <a:ln w="12700">
-            <a:noFill/>
+          <a:ln w="38100">
+            <a:solidFill>
+              <a:schemeClr val="tx1">
+                <a:lumMod val="75000"/>
+                <a:alpha val="80000"/>
+              </a:schemeClr>
+            </a:solidFill>
           </a:ln>
+          <a:effectLst/>
         </p:spPr>
+        <p:style>
+          <a:lnRef idx="2">
+            <a:schemeClr val="accent1">
+              <a:shade val="50000"/>
+            </a:schemeClr>
+          </a:lnRef>
+          <a:fillRef idx="1001">
+            <a:schemeClr val="dk2"/>
+          </a:fillRef>
+          <a:effectRef idx="0">
+            <a:schemeClr val="accent1"/>
+          </a:effectRef>
+          <a:fontRef idx="minor">
+            <a:schemeClr val="lt1"/>
+          </a:fontRef>
+        </p:style>
         <p:txBody>
-          <a:bodyPr wrap="square">
-            <a:spAutoFit/>
+          <a:bodyPr rot="0" spcFirstLastPara="0" vertOverflow="overflow" horzOverflow="overflow" vert="horz" wrap="square" lIns="91440" tIns="45720" rIns="91440" bIns="45720" numCol="1" spcCol="0" rtlCol="0" fromWordArt="0" anchor="ctr" anchorCtr="0" forceAA="0" compatLnSpc="1">
+            <a:prstTxWarp prst="textNoShape">
+              <a:avLst/>
+            </a:prstTxWarp>
+            <a:noAutofit/>
           </a:bodyPr>
           <a:lstStyle/>
           <a:p>
-            <a:pPr marL="360363" indent="-360363" defTabSz="1218438">
-              <a:lnSpc>
-                <a:spcPct val="120000"/>
-              </a:lnSpc>
-              <a:spcBef>
-                <a:spcPts val="600"/>
-              </a:spcBef>
-              <a:spcAft>
-                <a:spcPts val="600"/>
-              </a:spcAft>
-              <a:buFont typeface="Wingdings" panose="05000000000000000000" pitchFamily="2" charset="2"/>
-              <a:buChar char="§"/>
-              <a:defRPr/>
-            </a:pPr>
-            <a:r>
-              <a:rPr lang="bg-BG" sz="3200" dirty="0"/>
-              <a:t>Проект "</a:t>
-            </a:r>
-            <a:r>
-              <a:rPr lang="bg-BG" sz="3200" b="1" dirty="0"/>
-              <a:t>Отворено учебно съдържание по програмиране и ИТ</a:t>
-            </a:r>
-            <a:r>
-              <a:rPr lang="bg-BG" sz="3200" dirty="0"/>
-              <a:t>" към Фондация "Софтуерен университет"</a:t>
-            </a:r>
-            <a:r>
-              <a:rPr lang="en-US" sz="3200" dirty="0"/>
-              <a:t>:</a:t>
-            </a:r>
-            <a:endParaRPr lang="bg-BG" sz="3200" dirty="0"/>
-          </a:p>
-          <a:p>
-            <a:pPr marL="817563" lvl="1" indent="-360363" defTabSz="1218438">
-              <a:lnSpc>
-                <a:spcPct val="120000"/>
-              </a:lnSpc>
-              <a:spcBef>
-                <a:spcPts val="600"/>
-              </a:spcBef>
-              <a:spcAft>
-                <a:spcPts val="600"/>
-              </a:spcAft>
-              <a:buFont typeface="Wingdings" panose="05000000000000000000" pitchFamily="2" charset="2"/>
-              <a:buChar char="§"/>
-              <a:defRPr/>
-            </a:pPr>
-            <a:r>
-              <a:rPr kumimoji="0" lang="en-US" sz="3200" b="0" i="0" u="none" strike="noStrike" kern="1200" cap="none" spc="0" normalizeH="0" baseline="0" noProof="0" dirty="0">
-                <a:ln>
-                  <a:noFill/>
-                </a:ln>
-                <a:solidFill>
-                  <a:srgbClr val="234465"/>
-                </a:solidFill>
-                <a:effectLst/>
-                <a:uLnTx/>
-                <a:uFillTx/>
-                <a:latin typeface="Calibri"/>
-                <a:ea typeface="+mn-ea"/>
-                <a:cs typeface="+mn-cs"/>
-                <a:hlinkClick r:id="rId4"/>
-              </a:rPr>
-              <a:t>https://github.com/BG-IT-Edu</a:t>
-            </a:r>
-            <a:endParaRPr kumimoji="0" lang="bg-BG" sz="3200" b="0" i="0" u="none" strike="noStrike" kern="1200" cap="none" spc="0" normalizeH="0" baseline="0" noProof="0" dirty="0">
-              <a:ln>
-                <a:noFill/>
-              </a:ln>
+            <a:pPr algn="ctr"/>
+            <a:endParaRPr lang="en-US" sz="2800" b="1" dirty="0">
               <a:solidFill>
-                <a:srgbClr val="234465"/>
+                <a:srgbClr val="FFFFFF"/>
               </a:solidFill>
-              <a:effectLst/>
-              <a:uLnTx/>
-              <a:uFillTx/>
-              <a:latin typeface="Calibri"/>
-              <a:ea typeface="+mn-ea"/>
-              <a:cs typeface="+mn-cs"/>
+              <a:effectLst>
+                <a:outerShdw blurRad="38100" dist="38100" dir="2700000" algn="tl">
+                  <a:srgbClr val="000000">
+                    <a:alpha val="43137"/>
+                  </a:srgbClr>
+                </a:outerShdw>
+              </a:effectLst>
             </a:endParaRPr>
           </a:p>
         </p:txBody>
       </p:sp>
-      <p:pic>
-        <p:nvPicPr>
-          <p:cNvPr id="7" name="Picture 6" title="CC-BY-NC-SA License">
-            <a:hlinkClick r:id="rId5" tooltip="This work is licensed under the &quot;Creative Commons Attribution-NonCommercial-ShareAlike 4.0 International&quot; license"/>
-            <a:extLst>
-              <a:ext uri="{FF2B5EF4-FFF2-40B4-BE49-F238E27FC236}">
-                <a16:creationId xmlns:a16="http://schemas.microsoft.com/office/drawing/2014/main" id="{F6C77C47-F7D8-A176-5C69-7FDE5C7E8003}"/>
-              </a:ext>
-            </a:extLst>
-          </p:cNvPr>
-          <p:cNvPicPr>
-            <a:picLocks noChangeAspect="1" noChangeArrowheads="1"/>
-          </p:cNvPicPr>
-          <p:nvPr/>
-        </p:nvPicPr>
-        <p:blipFill>
-          <a:blip r:embed="rId6">
-            <a:extLst>
-              <a:ext uri="{28A0092B-C50C-407E-A947-70E740481C1C}">
-                <a14:useLocalDpi xmlns:a14="http://schemas.microsoft.com/office/drawing/2010/main"/>
-              </a:ext>
-            </a:extLst>
-          </a:blip>
-          <a:srcRect/>
-          <a:stretch>
-            <a:fillRect/>
-          </a:stretch>
-        </p:blipFill>
-        <p:spPr bwMode="auto">
-          <a:xfrm>
-            <a:off x="9831000" y="2908593"/>
-            <a:ext cx="1989336" cy="696022"/>
-          </a:xfrm>
-          <a:prstGeom prst="roundRect">
-            <a:avLst>
-              <a:gd name="adj" fmla="val 3940"/>
-            </a:avLst>
-          </a:prstGeom>
-          <a:solidFill>
-            <a:srgbClr val="231F20">
-              <a:alpha val="50000"/>
-            </a:srgbClr>
-          </a:solidFill>
-          <a:ln>
-            <a:noFill/>
-          </a:ln>
-        </p:spPr>
-      </p:pic>
     </p:spTree>
     <p:extLst>
       <p:ext uri="{BB962C8B-B14F-4D97-AF65-F5344CB8AC3E}">
-        <p14:creationId xmlns:p14="http://schemas.microsoft.com/office/powerpoint/2010/main" val="3879276042"/>
+        <p14:creationId xmlns:p14="http://schemas.microsoft.com/office/powerpoint/2010/main" val="3455378717"/>
       </p:ext>
     </p:extLst>
   </p:cSld>
@@ -10485,9 +10309,1790 @@
   <p:timing>
     <p:tnLst>
       <p:par>
-        <p:cTn id="1" dur="indefinite" restart="never" nodeType="tmRoot"/>
+        <p:cTn id="1" dur="indefinite" restart="never" nodeType="tmRoot">
+          <p:childTnLst>
+            <p:seq concurrent="1" nextAc="seek">
+              <p:cTn id="2" dur="indefinite" nodeType="mainSeq">
+                <p:childTnLst>
+                  <p:par>
+                    <p:cTn id="3" fill="hold">
+                      <p:stCondLst>
+                        <p:cond delay="indefinite"/>
+                      </p:stCondLst>
+                      <p:childTnLst>
+                        <p:par>
+                          <p:cTn id="4" fill="hold">
+                            <p:stCondLst>
+                              <p:cond delay="0"/>
+                            </p:stCondLst>
+                            <p:childTnLst>
+                              <p:par>
+                                <p:cTn id="5" presetID="1" presetClass="entr" presetSubtype="0" fill="hold" grpId="0" nodeType="clickEffect">
+                                  <p:stCondLst>
+                                    <p:cond delay="0"/>
+                                  </p:stCondLst>
+                                  <p:childTnLst>
+                                    <p:set>
+                                      <p:cBhvr>
+                                        <p:cTn id="6" dur="1" fill="hold">
+                                          <p:stCondLst>
+                                            <p:cond delay="0"/>
+                                          </p:stCondLst>
+                                        </p:cTn>
+                                        <p:tgtEl>
+                                          <p:spTgt spid="7"/>
+                                        </p:tgtEl>
+                                        <p:attrNameLst>
+                                          <p:attrName>style.visibility</p:attrName>
+                                        </p:attrNameLst>
+                                      </p:cBhvr>
+                                      <p:to>
+                                        <p:strVal val="visible"/>
+                                      </p:to>
+                                    </p:set>
+                                  </p:childTnLst>
+                                </p:cTn>
+                              </p:par>
+                            </p:childTnLst>
+                          </p:cTn>
+                        </p:par>
+                      </p:childTnLst>
+                    </p:cTn>
+                  </p:par>
+                  <p:par>
+                    <p:cTn id="7" fill="hold">
+                      <p:stCondLst>
+                        <p:cond delay="indefinite"/>
+                      </p:stCondLst>
+                      <p:childTnLst>
+                        <p:par>
+                          <p:cTn id="8" fill="hold">
+                            <p:stCondLst>
+                              <p:cond delay="0"/>
+                            </p:stCondLst>
+                            <p:childTnLst>
+                              <p:par>
+                                <p:cTn id="9" presetID="1" presetClass="entr" presetSubtype="0" fill="hold" grpId="0" nodeType="clickEffect">
+                                  <p:stCondLst>
+                                    <p:cond delay="0"/>
+                                  </p:stCondLst>
+                                  <p:childTnLst>
+                                    <p:set>
+                                      <p:cBhvr>
+                                        <p:cTn id="10" dur="1" fill="hold">
+                                          <p:stCondLst>
+                                            <p:cond delay="0"/>
+                                          </p:stCondLst>
+                                        </p:cTn>
+                                        <p:tgtEl>
+                                          <p:spTgt spid="8"/>
+                                        </p:tgtEl>
+                                        <p:attrNameLst>
+                                          <p:attrName>style.visibility</p:attrName>
+                                        </p:attrNameLst>
+                                      </p:cBhvr>
+                                      <p:to>
+                                        <p:strVal val="visible"/>
+                                      </p:to>
+                                    </p:set>
+                                  </p:childTnLst>
+                                </p:cTn>
+                              </p:par>
+                              <p:par>
+                                <p:cTn id="11" presetID="1" presetClass="exit" presetSubtype="0" fill="hold" grpId="1" nodeType="withEffect">
+                                  <p:stCondLst>
+                                    <p:cond delay="0"/>
+                                  </p:stCondLst>
+                                  <p:childTnLst>
+                                    <p:set>
+                                      <p:cBhvr>
+                                        <p:cTn id="12" dur="1" fill="hold">
+                                          <p:stCondLst>
+                                            <p:cond delay="0"/>
+                                          </p:stCondLst>
+                                        </p:cTn>
+                                        <p:tgtEl>
+                                          <p:spTgt spid="7"/>
+                                        </p:tgtEl>
+                                        <p:attrNameLst>
+                                          <p:attrName>style.visibility</p:attrName>
+                                        </p:attrNameLst>
+                                      </p:cBhvr>
+                                      <p:to>
+                                        <p:strVal val="hidden"/>
+                                      </p:to>
+                                    </p:set>
+                                  </p:childTnLst>
+                                </p:cTn>
+                              </p:par>
+                            </p:childTnLst>
+                          </p:cTn>
+                        </p:par>
+                      </p:childTnLst>
+                    </p:cTn>
+                  </p:par>
+                  <p:par>
+                    <p:cTn id="13" fill="hold">
+                      <p:stCondLst>
+                        <p:cond delay="indefinite"/>
+                      </p:stCondLst>
+                      <p:childTnLst>
+                        <p:par>
+                          <p:cTn id="14" fill="hold">
+                            <p:stCondLst>
+                              <p:cond delay="0"/>
+                            </p:stCondLst>
+                            <p:childTnLst>
+                              <p:par>
+                                <p:cTn id="15" presetID="1" presetClass="entr" presetSubtype="0" fill="hold" grpId="0" nodeType="clickEffect">
+                                  <p:stCondLst>
+                                    <p:cond delay="0"/>
+                                  </p:stCondLst>
+                                  <p:childTnLst>
+                                    <p:set>
+                                      <p:cBhvr>
+                                        <p:cTn id="16" dur="1" fill="hold">
+                                          <p:stCondLst>
+                                            <p:cond delay="0"/>
+                                          </p:stCondLst>
+                                        </p:cTn>
+                                        <p:tgtEl>
+                                          <p:spTgt spid="10"/>
+                                        </p:tgtEl>
+                                        <p:attrNameLst>
+                                          <p:attrName>style.visibility</p:attrName>
+                                        </p:attrNameLst>
+                                      </p:cBhvr>
+                                      <p:to>
+                                        <p:strVal val="visible"/>
+                                      </p:to>
+                                    </p:set>
+                                  </p:childTnLst>
+                                </p:cTn>
+                              </p:par>
+                            </p:childTnLst>
+                          </p:cTn>
+                        </p:par>
+                      </p:childTnLst>
+                    </p:cTn>
+                  </p:par>
+                  <p:par>
+                    <p:cTn id="17" fill="hold">
+                      <p:stCondLst>
+                        <p:cond delay="indefinite"/>
+                      </p:stCondLst>
+                      <p:childTnLst>
+                        <p:par>
+                          <p:cTn id="18" fill="hold">
+                            <p:stCondLst>
+                              <p:cond delay="0"/>
+                            </p:stCondLst>
+                            <p:childTnLst>
+                              <p:par>
+                                <p:cTn id="19" presetID="1" presetClass="entr" presetSubtype="0" fill="hold" grpId="0" nodeType="clickEffect">
+                                  <p:stCondLst>
+                                    <p:cond delay="0"/>
+                                  </p:stCondLst>
+                                  <p:childTnLst>
+                                    <p:set>
+                                      <p:cBhvr>
+                                        <p:cTn id="20" dur="1" fill="hold">
+                                          <p:stCondLst>
+                                            <p:cond delay="0"/>
+                                          </p:stCondLst>
+                                        </p:cTn>
+                                        <p:tgtEl>
+                                          <p:spTgt spid="9"/>
+                                        </p:tgtEl>
+                                        <p:attrNameLst>
+                                          <p:attrName>style.visibility</p:attrName>
+                                        </p:attrNameLst>
+                                      </p:cBhvr>
+                                      <p:to>
+                                        <p:strVal val="visible"/>
+                                      </p:to>
+                                    </p:set>
+                                  </p:childTnLst>
+                                </p:cTn>
+                              </p:par>
+                            </p:childTnLst>
+                          </p:cTn>
+                        </p:par>
+                      </p:childTnLst>
+                    </p:cTn>
+                  </p:par>
+                </p:childTnLst>
+              </p:cTn>
+              <p:prevCondLst>
+                <p:cond evt="onPrev" delay="0">
+                  <p:tgtEl>
+                    <p:sldTgt/>
+                  </p:tgtEl>
+                </p:cond>
+              </p:prevCondLst>
+              <p:nextCondLst>
+                <p:cond evt="onNext" delay="0">
+                  <p:tgtEl>
+                    <p:sldTgt/>
+                  </p:tgtEl>
+                </p:cond>
+              </p:nextCondLst>
+            </p:seq>
+          </p:childTnLst>
+        </p:cTn>
       </p:par>
     </p:tnLst>
+    <p:bldLst>
+      <p:bldP spid="7" grpId="0" animBg="1"/>
+      <p:bldP spid="7" grpId="1" animBg="1"/>
+      <p:bldP spid="8" grpId="0" animBg="1"/>
+      <p:bldP spid="9" grpId="0" animBg="1"/>
+      <p:bldP spid="10" grpId="0" animBg="1"/>
+    </p:bldLst>
+  </p:timing>
+</p:sld>
+</file>
+
+<file path=ppt/slides/slide18.xml><?xml version="1.0" encoding="utf-8"?>
+<p:sld xmlns:a="http://schemas.openxmlformats.org/drawingml/2006/main" xmlns:r="http://schemas.openxmlformats.org/officeDocument/2006/relationships" xmlns:p="http://schemas.openxmlformats.org/presentationml/2006/main">
+  <p:cSld>
+    <p:spTree>
+      <p:nvGrpSpPr>
+        <p:cNvPr id="1" name=""/>
+        <p:cNvGrpSpPr/>
+        <p:nvPr/>
+      </p:nvGrpSpPr>
+      <p:grpSpPr>
+        <a:xfrm>
+          <a:off x="0" y="0"/>
+          <a:ext cx="0" cy="0"/>
+          <a:chOff x="0" y="0"/>
+          <a:chExt cx="0" cy="0"/>
+        </a:xfrm>
+      </p:grpSpPr>
+      <p:sp>
+        <p:nvSpPr>
+          <p:cNvPr id="2" name="Slide Number Placeholder 1"/>
+          <p:cNvSpPr>
+            <a:spLocks noGrp="1"/>
+          </p:cNvSpPr>
+          <p:nvPr>
+            <p:ph type="sldNum" sz="quarter" idx="5"/>
+          </p:nvPr>
+        </p:nvSpPr>
+        <p:spPr/>
+        <p:txBody>
+          <a:bodyPr/>
+          <a:lstStyle/>
+          <a:p>
+            <a:fld id="{2BF067CD-8E6B-4360-9AA8-C5DF2A48A6D1}" type="slidenum">
+              <a:rPr lang="en-US" noProof="0" smtClean="0"/>
+              <a:pPr/>
+              <a:t>18</a:t>
+            </a:fld>
+            <a:endParaRPr lang="en-US" noProof="0" dirty="0"/>
+          </a:p>
+        </p:txBody>
+      </p:sp>
+      <p:sp>
+        <p:nvSpPr>
+          <p:cNvPr id="4" name="Title 3"/>
+          <p:cNvSpPr>
+            <a:spLocks noGrp="1"/>
+          </p:cNvSpPr>
+          <p:nvPr>
+            <p:ph type="title"/>
+          </p:nvPr>
+        </p:nvSpPr>
+        <p:spPr/>
+        <p:txBody>
+          <a:bodyPr/>
+          <a:lstStyle/>
+          <a:p>
+            <a:r>
+              <a:rPr lang="bg-BG" dirty="0" smtClean="0"/>
+              <a:t>Настройки при отпечатването</a:t>
+            </a:r>
+            <a:endParaRPr lang="en-US" dirty="0"/>
+          </a:p>
+        </p:txBody>
+      </p:sp>
+      <p:pic>
+        <p:nvPicPr>
+          <p:cNvPr id="5" name="Picture 4"/>
+          <p:cNvPicPr>
+            <a:picLocks noChangeAspect="1"/>
+          </p:cNvPicPr>
+          <p:nvPr/>
+        </p:nvPicPr>
+        <p:blipFill rotWithShape="1">
+          <a:blip r:embed="rId2"/>
+          <a:srcRect l="12457" t="10189" r="64369" b="48988"/>
+          <a:stretch/>
+        </p:blipFill>
+        <p:spPr>
+          <a:xfrm>
+            <a:off x="4363500" y="2439000"/>
+            <a:ext cx="3465000" cy="3402000"/>
+          </a:xfrm>
+          <a:prstGeom prst="rect">
+            <a:avLst/>
+          </a:prstGeom>
+          <a:ln>
+            <a:solidFill>
+              <a:schemeClr val="bg2">
+                <a:lumMod val="75000"/>
+              </a:schemeClr>
+            </a:solidFill>
+          </a:ln>
+        </p:spPr>
+      </p:pic>
+      <p:sp>
+        <p:nvSpPr>
+          <p:cNvPr id="6" name="Rounded Rectangular Callout 5"/>
+          <p:cNvSpPr/>
+          <p:nvPr/>
+        </p:nvSpPr>
+        <p:spPr bwMode="auto">
+          <a:xfrm>
+            <a:off x="741000" y="1764000"/>
+            <a:ext cx="4410000" cy="1080000"/>
+          </a:xfrm>
+          <a:prstGeom prst="wedgeRoundRectCallout">
+            <a:avLst>
+              <a:gd name="adj1" fmla="val 35550"/>
+              <a:gd name="adj2" fmla="val 112525"/>
+              <a:gd name="adj3" fmla="val 16667"/>
+            </a:avLst>
+          </a:prstGeom>
+          <a:solidFill>
+            <a:schemeClr val="dk2">
+              <a:alpha val="80000"/>
+            </a:schemeClr>
+          </a:solidFill>
+          <a:ln w="19050">
+            <a:solidFill>
+              <a:schemeClr val="tx1">
+                <a:lumMod val="75000"/>
+                <a:alpha val="80000"/>
+              </a:schemeClr>
+            </a:solidFill>
+          </a:ln>
+          <a:effectLst/>
+        </p:spPr>
+        <p:style>
+          <a:lnRef idx="2">
+            <a:schemeClr val="accent1">
+              <a:shade val="50000"/>
+            </a:schemeClr>
+          </a:lnRef>
+          <a:fillRef idx="1001">
+            <a:schemeClr val="dk2"/>
+          </a:fillRef>
+          <a:effectRef idx="0">
+            <a:schemeClr val="accent1"/>
+          </a:effectRef>
+          <a:fontRef idx="minor">
+            <a:schemeClr val="lt1"/>
+          </a:fontRef>
+        </p:style>
+        <p:txBody>
+          <a:bodyPr rot="0" spcFirstLastPara="0" vertOverflow="overflow" horzOverflow="overflow" vert="horz" wrap="square" lIns="91440" tIns="45720" rIns="91440" bIns="45720" numCol="1" spcCol="0" rtlCol="0" fromWordArt="0" anchor="ctr" anchorCtr="0" forceAA="0" compatLnSpc="1">
+            <a:prstTxWarp prst="textNoShape">
+              <a:avLst/>
+            </a:prstTxWarp>
+            <a:noAutofit/>
+          </a:bodyPr>
+          <a:lstStyle/>
+          <a:p>
+            <a:pPr algn="ctr"/>
+            <a:r>
+              <a:rPr lang="bg-BG" sz="2800" b="1" dirty="0" smtClean="0">
+                <a:solidFill>
+                  <a:srgbClr val="FFFFFF"/>
+                </a:solidFill>
+                <a:effectLst>
+                  <a:outerShdw blurRad="38100" dist="38100" dir="2700000" algn="tl">
+                    <a:srgbClr val="000000">
+                      <a:alpha val="43137"/>
+                    </a:srgbClr>
+                  </a:outerShdw>
+                </a:effectLst>
+              </a:rPr>
+              <a:t>Отпечатването се извършва от бутона </a:t>
+            </a:r>
+            <a:r>
+              <a:rPr lang="en-US" sz="2800" b="1" dirty="0" smtClean="0">
+                <a:solidFill>
+                  <a:schemeClr val="bg1">
+                    <a:lumMod val="60000"/>
+                    <a:lumOff val="40000"/>
+                  </a:schemeClr>
+                </a:solidFill>
+                <a:effectLst>
+                  <a:outerShdw blurRad="38100" dist="38100" dir="2700000" algn="tl">
+                    <a:srgbClr val="000000">
+                      <a:alpha val="43137"/>
+                    </a:srgbClr>
+                  </a:outerShdw>
+                </a:effectLst>
+              </a:rPr>
+              <a:t>Print</a:t>
+            </a:r>
+            <a:endParaRPr lang="en-US" sz="2800" b="1" dirty="0">
+              <a:solidFill>
+                <a:schemeClr val="bg1">
+                  <a:lumMod val="60000"/>
+                  <a:lumOff val="40000"/>
+                </a:schemeClr>
+              </a:solidFill>
+              <a:effectLst>
+                <a:outerShdw blurRad="38100" dist="38100" dir="2700000" algn="tl">
+                  <a:srgbClr val="000000">
+                    <a:alpha val="43137"/>
+                  </a:srgbClr>
+                </a:outerShdw>
+              </a:effectLst>
+            </a:endParaRPr>
+          </a:p>
+        </p:txBody>
+      </p:sp>
+      <p:sp>
+        <p:nvSpPr>
+          <p:cNvPr id="7" name="Rounded Rectangular Callout 6"/>
+          <p:cNvSpPr/>
+          <p:nvPr/>
+        </p:nvSpPr>
+        <p:spPr bwMode="auto">
+          <a:xfrm>
+            <a:off x="6771000" y="4509000"/>
+            <a:ext cx="4545000" cy="1170000"/>
+          </a:xfrm>
+          <a:prstGeom prst="wedgeRoundRectCallout">
+            <a:avLst>
+              <a:gd name="adj1" fmla="val -43878"/>
+              <a:gd name="adj2" fmla="val -121936"/>
+              <a:gd name="adj3" fmla="val 16667"/>
+            </a:avLst>
+          </a:prstGeom>
+          <a:solidFill>
+            <a:schemeClr val="dk2">
+              <a:alpha val="80000"/>
+            </a:schemeClr>
+          </a:solidFill>
+          <a:ln w="19050">
+            <a:solidFill>
+              <a:schemeClr val="tx1">
+                <a:lumMod val="75000"/>
+                <a:alpha val="80000"/>
+              </a:schemeClr>
+            </a:solidFill>
+          </a:ln>
+          <a:effectLst/>
+        </p:spPr>
+        <p:style>
+          <a:lnRef idx="2">
+            <a:schemeClr val="accent1">
+              <a:shade val="50000"/>
+            </a:schemeClr>
+          </a:lnRef>
+          <a:fillRef idx="1001">
+            <a:schemeClr val="dk2"/>
+          </a:fillRef>
+          <a:effectRef idx="0">
+            <a:schemeClr val="accent1"/>
+          </a:effectRef>
+          <a:fontRef idx="minor">
+            <a:schemeClr val="lt1"/>
+          </a:fontRef>
+        </p:style>
+        <p:txBody>
+          <a:bodyPr rot="0" spcFirstLastPara="0" vertOverflow="overflow" horzOverflow="overflow" vert="horz" wrap="square" lIns="91440" tIns="45720" rIns="91440" bIns="45720" numCol="1" spcCol="0" rtlCol="0" fromWordArt="0" anchor="ctr" anchorCtr="0" forceAA="0" compatLnSpc="1">
+            <a:prstTxWarp prst="textNoShape">
+              <a:avLst/>
+            </a:prstTxWarp>
+            <a:noAutofit/>
+          </a:bodyPr>
+          <a:lstStyle/>
+          <a:p>
+            <a:pPr algn="ctr"/>
+            <a:r>
+              <a:rPr lang="bg-BG" sz="2800" b="1" dirty="0" smtClean="0">
+                <a:solidFill>
+                  <a:srgbClr val="FFFFFF"/>
+                </a:solidFill>
+                <a:effectLst>
+                  <a:outerShdw blurRad="38100" dist="38100" dir="2700000" algn="tl">
+                    <a:srgbClr val="000000">
+                      <a:alpha val="43137"/>
+                    </a:srgbClr>
+                  </a:outerShdw>
+                </a:effectLst>
+              </a:rPr>
+              <a:t>Броят на копията се задава в числовата кутия </a:t>
+            </a:r>
+            <a:r>
+              <a:rPr lang="en-US" sz="2800" b="1" dirty="0" smtClean="0">
+                <a:solidFill>
+                  <a:schemeClr val="bg1">
+                    <a:lumMod val="60000"/>
+                    <a:lumOff val="40000"/>
+                  </a:schemeClr>
+                </a:solidFill>
+                <a:effectLst>
+                  <a:outerShdw blurRad="38100" dist="38100" dir="2700000" algn="tl">
+                    <a:srgbClr val="000000">
+                      <a:alpha val="43137"/>
+                    </a:srgbClr>
+                  </a:outerShdw>
+                </a:effectLst>
+              </a:rPr>
+              <a:t>Copies</a:t>
+            </a:r>
+            <a:endParaRPr lang="en-US" sz="2800" b="1" dirty="0">
+              <a:solidFill>
+                <a:schemeClr val="bg1">
+                  <a:lumMod val="60000"/>
+                  <a:lumOff val="40000"/>
+                </a:schemeClr>
+              </a:solidFill>
+              <a:effectLst>
+                <a:outerShdw blurRad="38100" dist="38100" dir="2700000" algn="tl">
+                  <a:srgbClr val="000000">
+                    <a:alpha val="43137"/>
+                  </a:srgbClr>
+                </a:outerShdw>
+              </a:effectLst>
+            </a:endParaRPr>
+          </a:p>
+        </p:txBody>
+      </p:sp>
+    </p:spTree>
+    <p:extLst>
+      <p:ext uri="{BB962C8B-B14F-4D97-AF65-F5344CB8AC3E}">
+        <p14:creationId xmlns:p14="http://schemas.microsoft.com/office/powerpoint/2010/main" val="217345815"/>
+      </p:ext>
+    </p:extLst>
+  </p:cSld>
+  <p:clrMapOvr>
+    <a:masterClrMapping/>
+  </p:clrMapOvr>
+  <mc:AlternateContent xmlns:mc="http://schemas.openxmlformats.org/markup-compatibility/2006" xmlns:p14="http://schemas.microsoft.com/office/powerpoint/2010/main">
+    <mc:Choice Requires="p14">
+      <p:transition spd="slow" p14:dur="2000" advClick="0" advTm="5000"/>
+    </mc:Choice>
+    <mc:Fallback xmlns="">
+      <p:transition spd="slow" advClick="0" advTm="5000"/>
+    </mc:Fallback>
+  </mc:AlternateContent>
+  <p:timing>
+    <p:tnLst>
+      <p:par>
+        <p:cTn id="1" dur="indefinite" restart="never" nodeType="tmRoot">
+          <p:childTnLst>
+            <p:seq concurrent="1" nextAc="seek">
+              <p:cTn id="2" dur="indefinite" nodeType="mainSeq">
+                <p:childTnLst>
+                  <p:par>
+                    <p:cTn id="3" fill="hold">
+                      <p:stCondLst>
+                        <p:cond delay="indefinite"/>
+                      </p:stCondLst>
+                      <p:childTnLst>
+                        <p:par>
+                          <p:cTn id="4" fill="hold">
+                            <p:stCondLst>
+                              <p:cond delay="0"/>
+                            </p:stCondLst>
+                            <p:childTnLst>
+                              <p:par>
+                                <p:cTn id="5" presetID="1" presetClass="entr" presetSubtype="0" fill="hold" grpId="0" nodeType="clickEffect">
+                                  <p:stCondLst>
+                                    <p:cond delay="0"/>
+                                  </p:stCondLst>
+                                  <p:childTnLst>
+                                    <p:set>
+                                      <p:cBhvr>
+                                        <p:cTn id="6" dur="1" fill="hold">
+                                          <p:stCondLst>
+                                            <p:cond delay="0"/>
+                                          </p:stCondLst>
+                                        </p:cTn>
+                                        <p:tgtEl>
+                                          <p:spTgt spid="6"/>
+                                        </p:tgtEl>
+                                        <p:attrNameLst>
+                                          <p:attrName>style.visibility</p:attrName>
+                                        </p:attrNameLst>
+                                      </p:cBhvr>
+                                      <p:to>
+                                        <p:strVal val="visible"/>
+                                      </p:to>
+                                    </p:set>
+                                  </p:childTnLst>
+                                </p:cTn>
+                              </p:par>
+                            </p:childTnLst>
+                          </p:cTn>
+                        </p:par>
+                      </p:childTnLst>
+                    </p:cTn>
+                  </p:par>
+                  <p:par>
+                    <p:cTn id="7" fill="hold">
+                      <p:stCondLst>
+                        <p:cond delay="indefinite"/>
+                      </p:stCondLst>
+                      <p:childTnLst>
+                        <p:par>
+                          <p:cTn id="8" fill="hold">
+                            <p:stCondLst>
+                              <p:cond delay="0"/>
+                            </p:stCondLst>
+                            <p:childTnLst>
+                              <p:par>
+                                <p:cTn id="9" presetID="1" presetClass="entr" presetSubtype="0" fill="hold" grpId="0" nodeType="clickEffect">
+                                  <p:stCondLst>
+                                    <p:cond delay="0"/>
+                                  </p:stCondLst>
+                                  <p:childTnLst>
+                                    <p:set>
+                                      <p:cBhvr>
+                                        <p:cTn id="10" dur="1" fill="hold">
+                                          <p:stCondLst>
+                                            <p:cond delay="0"/>
+                                          </p:stCondLst>
+                                        </p:cTn>
+                                        <p:tgtEl>
+                                          <p:spTgt spid="7"/>
+                                        </p:tgtEl>
+                                        <p:attrNameLst>
+                                          <p:attrName>style.visibility</p:attrName>
+                                        </p:attrNameLst>
+                                      </p:cBhvr>
+                                      <p:to>
+                                        <p:strVal val="visible"/>
+                                      </p:to>
+                                    </p:set>
+                                  </p:childTnLst>
+                                </p:cTn>
+                              </p:par>
+                            </p:childTnLst>
+                          </p:cTn>
+                        </p:par>
+                      </p:childTnLst>
+                    </p:cTn>
+                  </p:par>
+                </p:childTnLst>
+              </p:cTn>
+              <p:prevCondLst>
+                <p:cond evt="onPrev" delay="0">
+                  <p:tgtEl>
+                    <p:sldTgt/>
+                  </p:tgtEl>
+                </p:cond>
+              </p:prevCondLst>
+              <p:nextCondLst>
+                <p:cond evt="onNext" delay="0">
+                  <p:tgtEl>
+                    <p:sldTgt/>
+                  </p:tgtEl>
+                </p:cond>
+              </p:nextCondLst>
+            </p:seq>
+          </p:childTnLst>
+        </p:cTn>
+      </p:par>
+    </p:tnLst>
+    <p:bldLst>
+      <p:bldP spid="6" grpId="0" animBg="1"/>
+      <p:bldP spid="7" grpId="0" animBg="1"/>
+    </p:bldLst>
+  </p:timing>
+</p:sld>
+</file>
+
+<file path=ppt/slides/slide19.xml><?xml version="1.0" encoding="utf-8"?>
+<p:sld xmlns:a="http://schemas.openxmlformats.org/drawingml/2006/main" xmlns:r="http://schemas.openxmlformats.org/officeDocument/2006/relationships" xmlns:p="http://schemas.openxmlformats.org/presentationml/2006/main">
+  <p:cSld>
+    <p:spTree>
+      <p:nvGrpSpPr>
+        <p:cNvPr id="1" name=""/>
+        <p:cNvGrpSpPr/>
+        <p:nvPr/>
+      </p:nvGrpSpPr>
+      <p:grpSpPr>
+        <a:xfrm>
+          <a:off x="0" y="0"/>
+          <a:ext cx="0" cy="0"/>
+          <a:chOff x="0" y="0"/>
+          <a:chExt cx="0" cy="0"/>
+        </a:xfrm>
+      </p:grpSpPr>
+      <p:sp>
+        <p:nvSpPr>
+          <p:cNvPr id="2" name="Slide Number Placeholder 1"/>
+          <p:cNvSpPr>
+            <a:spLocks noGrp="1"/>
+          </p:cNvSpPr>
+          <p:nvPr>
+            <p:ph type="sldNum" sz="quarter" idx="5"/>
+          </p:nvPr>
+        </p:nvSpPr>
+        <p:spPr/>
+        <p:txBody>
+          <a:bodyPr/>
+          <a:lstStyle/>
+          <a:p>
+            <a:fld id="{2BF067CD-8E6B-4360-9AA8-C5DF2A48A6D1}" type="slidenum">
+              <a:rPr lang="en-US" noProof="0" smtClean="0"/>
+              <a:pPr/>
+              <a:t>19</a:t>
+            </a:fld>
+            <a:endParaRPr lang="en-US" noProof="0" dirty="0"/>
+          </a:p>
+        </p:txBody>
+      </p:sp>
+      <p:sp>
+        <p:nvSpPr>
+          <p:cNvPr id="4" name="Title 3"/>
+          <p:cNvSpPr>
+            <a:spLocks noGrp="1"/>
+          </p:cNvSpPr>
+          <p:nvPr>
+            <p:ph type="title"/>
+          </p:nvPr>
+        </p:nvSpPr>
+        <p:spPr/>
+        <p:txBody>
+          <a:bodyPr/>
+          <a:lstStyle/>
+          <a:p>
+            <a:r>
+              <a:rPr lang="bg-BG" dirty="0"/>
+              <a:t>Настройки при отпечатването</a:t>
+            </a:r>
+            <a:endParaRPr lang="en-US" dirty="0"/>
+          </a:p>
+        </p:txBody>
+      </p:sp>
+      <p:pic>
+        <p:nvPicPr>
+          <p:cNvPr id="6" name="Picture 5"/>
+          <p:cNvPicPr>
+            <a:picLocks noChangeAspect="1"/>
+          </p:cNvPicPr>
+          <p:nvPr/>
+        </p:nvPicPr>
+        <p:blipFill rotWithShape="1">
+          <a:blip r:embed="rId2"/>
+          <a:srcRect l="12457" t="51228" r="64369" b="2334"/>
+          <a:stretch/>
+        </p:blipFill>
+        <p:spPr>
+          <a:xfrm>
+            <a:off x="4104750" y="1404000"/>
+            <a:ext cx="4455000" cy="4975714"/>
+          </a:xfrm>
+          <a:prstGeom prst="rect">
+            <a:avLst/>
+          </a:prstGeom>
+          <a:ln>
+            <a:solidFill>
+              <a:schemeClr val="bg2">
+                <a:lumMod val="75000"/>
+              </a:schemeClr>
+            </a:solidFill>
+          </a:ln>
+        </p:spPr>
+      </p:pic>
+      <p:pic>
+        <p:nvPicPr>
+          <p:cNvPr id="8" name="Picture 7"/>
+          <p:cNvPicPr>
+            <a:picLocks noChangeAspect="1"/>
+          </p:cNvPicPr>
+          <p:nvPr/>
+        </p:nvPicPr>
+        <p:blipFill rotWithShape="1">
+          <a:blip r:embed="rId3"/>
+          <a:srcRect l="922" t="705" r="17127" b="46070"/>
+          <a:stretch/>
+        </p:blipFill>
+        <p:spPr>
+          <a:xfrm>
+            <a:off x="3829125" y="2683600"/>
+            <a:ext cx="5006250" cy="3397500"/>
+          </a:xfrm>
+          <a:prstGeom prst="rect">
+            <a:avLst/>
+          </a:prstGeom>
+          <a:ln>
+            <a:solidFill>
+              <a:schemeClr val="bg2">
+                <a:lumMod val="75000"/>
+              </a:schemeClr>
+            </a:solidFill>
+          </a:ln>
+        </p:spPr>
+      </p:pic>
+      <p:sp>
+        <p:nvSpPr>
+          <p:cNvPr id="9" name="Rounded Rectangular Callout 8"/>
+          <p:cNvSpPr/>
+          <p:nvPr/>
+        </p:nvSpPr>
+        <p:spPr bwMode="auto">
+          <a:xfrm>
+            <a:off x="8895075" y="1629000"/>
+            <a:ext cx="2925000" cy="1080000"/>
+          </a:xfrm>
+          <a:prstGeom prst="wedgeRoundRectCallout">
+            <a:avLst>
+              <a:gd name="adj1" fmla="val -49489"/>
+              <a:gd name="adj2" fmla="val 92486"/>
+              <a:gd name="adj3" fmla="val 16667"/>
+            </a:avLst>
+          </a:prstGeom>
+          <a:solidFill>
+            <a:schemeClr val="dk2">
+              <a:alpha val="80000"/>
+            </a:schemeClr>
+          </a:solidFill>
+          <a:ln w="19050">
+            <a:solidFill>
+              <a:schemeClr val="tx1">
+                <a:lumMod val="75000"/>
+                <a:alpha val="80000"/>
+              </a:schemeClr>
+            </a:solidFill>
+          </a:ln>
+          <a:effectLst/>
+        </p:spPr>
+        <p:style>
+          <a:lnRef idx="2">
+            <a:schemeClr val="accent1">
+              <a:shade val="50000"/>
+            </a:schemeClr>
+          </a:lnRef>
+          <a:fillRef idx="1001">
+            <a:schemeClr val="dk2"/>
+          </a:fillRef>
+          <a:effectRef idx="0">
+            <a:schemeClr val="accent1"/>
+          </a:effectRef>
+          <a:fontRef idx="minor">
+            <a:schemeClr val="lt1"/>
+          </a:fontRef>
+        </p:style>
+        <p:txBody>
+          <a:bodyPr rot="0" spcFirstLastPara="0" vertOverflow="overflow" horzOverflow="overflow" vert="horz" wrap="square" lIns="91440" tIns="45720" rIns="91440" bIns="45720" numCol="1" spcCol="0" rtlCol="0" fromWordArt="0" anchor="ctr" anchorCtr="0" forceAA="0" compatLnSpc="1">
+            <a:prstTxWarp prst="textNoShape">
+              <a:avLst/>
+            </a:prstTxWarp>
+            <a:noAutofit/>
+          </a:bodyPr>
+          <a:lstStyle/>
+          <a:p>
+            <a:pPr algn="ctr"/>
+            <a:r>
+              <a:rPr lang="bg-BG" sz="2800" b="1" dirty="0" smtClean="0">
+                <a:solidFill>
+                  <a:srgbClr val="FFFFFF"/>
+                </a:solidFill>
+                <a:effectLst>
+                  <a:outerShdw blurRad="38100" dist="38100" dir="2700000" algn="tl">
+                    <a:srgbClr val="000000">
+                      <a:alpha val="43137"/>
+                    </a:srgbClr>
+                  </a:outerShdw>
+                </a:effectLst>
+              </a:rPr>
+              <a:t>Отпечатва </a:t>
+            </a:r>
+            <a:r>
+              <a:rPr lang="bg-BG" sz="2800" b="1" dirty="0" smtClean="0">
+                <a:solidFill>
+                  <a:schemeClr val="bg1">
+                    <a:lumMod val="60000"/>
+                    <a:lumOff val="40000"/>
+                  </a:schemeClr>
+                </a:solidFill>
+                <a:effectLst>
+                  <a:outerShdw blurRad="38100" dist="38100" dir="2700000" algn="tl">
+                    <a:srgbClr val="000000">
+                      <a:alpha val="43137"/>
+                    </a:srgbClr>
+                  </a:outerShdw>
+                </a:effectLst>
+              </a:rPr>
+              <a:t>всички слайдове</a:t>
+            </a:r>
+            <a:endParaRPr lang="en-US" sz="2800" b="1" dirty="0">
+              <a:solidFill>
+                <a:schemeClr val="bg1">
+                  <a:lumMod val="60000"/>
+                  <a:lumOff val="40000"/>
+                </a:schemeClr>
+              </a:solidFill>
+              <a:effectLst>
+                <a:outerShdw blurRad="38100" dist="38100" dir="2700000" algn="tl">
+                  <a:srgbClr val="000000">
+                    <a:alpha val="43137"/>
+                  </a:srgbClr>
+                </a:outerShdw>
+              </a:effectLst>
+            </a:endParaRPr>
+          </a:p>
+        </p:txBody>
+      </p:sp>
+      <p:sp>
+        <p:nvSpPr>
+          <p:cNvPr id="10" name="Rounded Rectangular Callout 9"/>
+          <p:cNvSpPr/>
+          <p:nvPr/>
+        </p:nvSpPr>
+        <p:spPr bwMode="auto">
+          <a:xfrm>
+            <a:off x="432131" y="2029312"/>
+            <a:ext cx="3337294" cy="1359375"/>
+          </a:xfrm>
+          <a:prstGeom prst="wedgeRoundRectCallout">
+            <a:avLst>
+              <a:gd name="adj1" fmla="val 48657"/>
+              <a:gd name="adj2" fmla="val 99317"/>
+              <a:gd name="adj3" fmla="val 16667"/>
+            </a:avLst>
+          </a:prstGeom>
+          <a:solidFill>
+            <a:schemeClr val="dk2">
+              <a:alpha val="80000"/>
+            </a:schemeClr>
+          </a:solidFill>
+          <a:ln w="19050">
+            <a:solidFill>
+              <a:schemeClr val="tx1">
+                <a:lumMod val="75000"/>
+                <a:alpha val="80000"/>
+              </a:schemeClr>
+            </a:solidFill>
+          </a:ln>
+          <a:effectLst/>
+        </p:spPr>
+        <p:style>
+          <a:lnRef idx="2">
+            <a:schemeClr val="accent1">
+              <a:shade val="50000"/>
+            </a:schemeClr>
+          </a:lnRef>
+          <a:fillRef idx="1001">
+            <a:schemeClr val="dk2"/>
+          </a:fillRef>
+          <a:effectRef idx="0">
+            <a:schemeClr val="accent1"/>
+          </a:effectRef>
+          <a:fontRef idx="minor">
+            <a:schemeClr val="lt1"/>
+          </a:fontRef>
+        </p:style>
+        <p:txBody>
+          <a:bodyPr rot="0" spcFirstLastPara="0" vertOverflow="overflow" horzOverflow="overflow" vert="horz" wrap="square" lIns="91440" tIns="45720" rIns="91440" bIns="45720" numCol="1" spcCol="0" rtlCol="0" fromWordArt="0" anchor="ctr" anchorCtr="0" forceAA="0" compatLnSpc="1">
+            <a:prstTxWarp prst="textNoShape">
+              <a:avLst/>
+            </a:prstTxWarp>
+            <a:noAutofit/>
+          </a:bodyPr>
+          <a:lstStyle/>
+          <a:p>
+            <a:pPr algn="ctr"/>
+            <a:r>
+              <a:rPr lang="bg-BG" sz="2800" b="1" dirty="0">
+                <a:solidFill>
+                  <a:srgbClr val="FFFFFF"/>
+                </a:solidFill>
+                <a:effectLst>
+                  <a:outerShdw blurRad="38100" dist="38100" dir="2700000" algn="tl">
+                    <a:srgbClr val="000000">
+                      <a:alpha val="43137"/>
+                    </a:srgbClr>
+                  </a:outerShdw>
+                </a:effectLst>
+              </a:rPr>
+              <a:t>Отпечатва само </a:t>
+            </a:r>
+            <a:r>
+              <a:rPr lang="bg-BG" sz="2800" b="1" dirty="0" smtClean="0">
+                <a:solidFill>
+                  <a:schemeClr val="bg1">
+                    <a:lumMod val="60000"/>
+                    <a:lumOff val="40000"/>
+                  </a:schemeClr>
+                </a:solidFill>
+                <a:effectLst>
+                  <a:outerShdw blurRad="38100" dist="38100" dir="2700000" algn="tl">
+                    <a:srgbClr val="000000">
+                      <a:alpha val="43137"/>
+                    </a:srgbClr>
+                  </a:outerShdw>
+                </a:effectLst>
+              </a:rPr>
+              <a:t>слайдовете</a:t>
+            </a:r>
+            <a:r>
+              <a:rPr lang="bg-BG" sz="2800" b="1" dirty="0" smtClean="0">
+                <a:solidFill>
+                  <a:srgbClr val="FFFFFF"/>
+                </a:solidFill>
+                <a:effectLst>
+                  <a:outerShdw blurRad="38100" dist="38100" dir="2700000" algn="tl">
+                    <a:srgbClr val="000000">
+                      <a:alpha val="43137"/>
+                    </a:srgbClr>
+                  </a:outerShdw>
+                </a:effectLst>
+              </a:rPr>
+              <a:t>, които са </a:t>
+            </a:r>
+            <a:r>
+              <a:rPr lang="bg-BG" sz="2800" b="1" dirty="0" smtClean="0">
+                <a:solidFill>
+                  <a:schemeClr val="accent1">
+                    <a:lumMod val="60000"/>
+                    <a:lumOff val="40000"/>
+                  </a:schemeClr>
+                </a:solidFill>
+                <a:effectLst>
+                  <a:outerShdw blurRad="38100" dist="38100" dir="2700000" algn="tl">
+                    <a:srgbClr val="000000">
+                      <a:alpha val="43137"/>
+                    </a:srgbClr>
+                  </a:outerShdw>
+                </a:effectLst>
+              </a:rPr>
+              <a:t>маркирани</a:t>
+            </a:r>
+            <a:endParaRPr lang="en-US" sz="2800" b="1" dirty="0">
+              <a:solidFill>
+                <a:schemeClr val="accent1">
+                  <a:lumMod val="60000"/>
+                  <a:lumOff val="40000"/>
+                </a:schemeClr>
+              </a:solidFill>
+              <a:effectLst>
+                <a:outerShdw blurRad="38100" dist="38100" dir="2700000" algn="tl">
+                  <a:srgbClr val="000000">
+                    <a:alpha val="43137"/>
+                  </a:srgbClr>
+                </a:outerShdw>
+              </a:effectLst>
+            </a:endParaRPr>
+          </a:p>
+        </p:txBody>
+      </p:sp>
+      <p:sp>
+        <p:nvSpPr>
+          <p:cNvPr id="11" name="Rounded Rectangular Callout 10"/>
+          <p:cNvSpPr/>
+          <p:nvPr/>
+        </p:nvSpPr>
+        <p:spPr bwMode="auto">
+          <a:xfrm>
+            <a:off x="9111000" y="3399596"/>
+            <a:ext cx="2745000" cy="1080000"/>
+          </a:xfrm>
+          <a:prstGeom prst="wedgeRoundRectCallout">
+            <a:avLst>
+              <a:gd name="adj1" fmla="val -110704"/>
+              <a:gd name="adj2" fmla="val 88958"/>
+              <a:gd name="adj3" fmla="val 16667"/>
+            </a:avLst>
+          </a:prstGeom>
+          <a:solidFill>
+            <a:schemeClr val="dk2">
+              <a:alpha val="80000"/>
+            </a:schemeClr>
+          </a:solidFill>
+          <a:ln w="19050">
+            <a:solidFill>
+              <a:schemeClr val="tx1">
+                <a:lumMod val="75000"/>
+                <a:alpha val="80000"/>
+              </a:schemeClr>
+            </a:solidFill>
+          </a:ln>
+          <a:effectLst/>
+        </p:spPr>
+        <p:style>
+          <a:lnRef idx="2">
+            <a:schemeClr val="accent1">
+              <a:shade val="50000"/>
+            </a:schemeClr>
+          </a:lnRef>
+          <a:fillRef idx="1001">
+            <a:schemeClr val="dk2"/>
+          </a:fillRef>
+          <a:effectRef idx="0">
+            <a:schemeClr val="accent1"/>
+          </a:effectRef>
+          <a:fontRef idx="minor">
+            <a:schemeClr val="lt1"/>
+          </a:fontRef>
+        </p:style>
+        <p:txBody>
+          <a:bodyPr rot="0" spcFirstLastPara="0" vertOverflow="overflow" horzOverflow="overflow" vert="horz" wrap="square" lIns="91440" tIns="45720" rIns="91440" bIns="45720" numCol="1" spcCol="0" rtlCol="0" fromWordArt="0" anchor="ctr" anchorCtr="0" forceAA="0" compatLnSpc="1">
+            <a:prstTxWarp prst="textNoShape">
+              <a:avLst/>
+            </a:prstTxWarp>
+            <a:noAutofit/>
+          </a:bodyPr>
+          <a:lstStyle/>
+          <a:p>
+            <a:pPr algn="ctr"/>
+            <a:r>
+              <a:rPr lang="bg-BG" sz="2800" b="1" dirty="0">
+                <a:solidFill>
+                  <a:srgbClr val="FFFFFF"/>
+                </a:solidFill>
+                <a:effectLst>
+                  <a:outerShdw blurRad="38100" dist="38100" dir="2700000" algn="tl">
+                    <a:srgbClr val="000000">
+                      <a:alpha val="43137"/>
+                    </a:srgbClr>
+                  </a:outerShdw>
+                </a:effectLst>
+              </a:rPr>
+              <a:t>Отпечатва само </a:t>
+            </a:r>
+            <a:r>
+              <a:rPr lang="bg-BG" sz="2800" b="1" dirty="0" smtClean="0">
+                <a:solidFill>
+                  <a:schemeClr val="accent1">
+                    <a:lumMod val="60000"/>
+                    <a:lumOff val="40000"/>
+                  </a:schemeClr>
+                </a:solidFill>
+                <a:effectLst>
+                  <a:outerShdw blurRad="38100" dist="38100" dir="2700000" algn="tl">
+                    <a:srgbClr val="000000">
+                      <a:alpha val="43137"/>
+                    </a:srgbClr>
+                  </a:outerShdw>
+                </a:effectLst>
+              </a:rPr>
+              <a:t>текущия слайд</a:t>
+            </a:r>
+            <a:endParaRPr lang="en-US" sz="2800" b="1" dirty="0">
+              <a:solidFill>
+                <a:schemeClr val="accent1">
+                  <a:lumMod val="60000"/>
+                  <a:lumOff val="40000"/>
+                </a:schemeClr>
+              </a:solidFill>
+              <a:effectLst>
+                <a:outerShdw blurRad="38100" dist="38100" dir="2700000" algn="tl">
+                  <a:srgbClr val="000000">
+                    <a:alpha val="43137"/>
+                  </a:srgbClr>
+                </a:outerShdw>
+              </a:effectLst>
+            </a:endParaRPr>
+          </a:p>
+        </p:txBody>
+      </p:sp>
+      <p:sp>
+        <p:nvSpPr>
+          <p:cNvPr id="12" name="Rounded Rectangular Callout 11"/>
+          <p:cNvSpPr/>
+          <p:nvPr/>
+        </p:nvSpPr>
+        <p:spPr bwMode="auto">
+          <a:xfrm>
+            <a:off x="435375" y="4349850"/>
+            <a:ext cx="3241875" cy="2274150"/>
+          </a:xfrm>
+          <a:prstGeom prst="wedgeRoundRectCallout">
+            <a:avLst>
+              <a:gd name="adj1" fmla="val 55631"/>
+              <a:gd name="adj2" fmla="val 14157"/>
+              <a:gd name="adj3" fmla="val 16667"/>
+            </a:avLst>
+          </a:prstGeom>
+          <a:solidFill>
+            <a:schemeClr val="dk2">
+              <a:alpha val="80000"/>
+            </a:schemeClr>
+          </a:solidFill>
+          <a:ln w="19050">
+            <a:solidFill>
+              <a:schemeClr val="tx1">
+                <a:lumMod val="75000"/>
+                <a:alpha val="80000"/>
+              </a:schemeClr>
+            </a:solidFill>
+          </a:ln>
+          <a:effectLst/>
+        </p:spPr>
+        <p:style>
+          <a:lnRef idx="2">
+            <a:schemeClr val="accent1">
+              <a:shade val="50000"/>
+            </a:schemeClr>
+          </a:lnRef>
+          <a:fillRef idx="1001">
+            <a:schemeClr val="dk2"/>
+          </a:fillRef>
+          <a:effectRef idx="0">
+            <a:schemeClr val="accent1"/>
+          </a:effectRef>
+          <a:fontRef idx="minor">
+            <a:schemeClr val="lt1"/>
+          </a:fontRef>
+        </p:style>
+        <p:txBody>
+          <a:bodyPr rot="0" spcFirstLastPara="0" vertOverflow="overflow" horzOverflow="overflow" vert="horz" wrap="square" lIns="91440" tIns="45720" rIns="91440" bIns="45720" numCol="1" spcCol="0" rtlCol="0" fromWordArt="0" anchor="ctr" anchorCtr="0" forceAA="0" compatLnSpc="1">
+            <a:prstTxWarp prst="textNoShape">
+              <a:avLst/>
+            </a:prstTxWarp>
+            <a:noAutofit/>
+          </a:bodyPr>
+          <a:lstStyle/>
+          <a:p>
+            <a:pPr algn="ctr"/>
+            <a:r>
+              <a:rPr lang="bg-BG" sz="2800" b="1" dirty="0" smtClean="0">
+                <a:solidFill>
+                  <a:srgbClr val="FFFFFF"/>
+                </a:solidFill>
+                <a:effectLst>
+                  <a:outerShdw blurRad="38100" dist="38100" dir="2700000" algn="tl">
+                    <a:srgbClr val="000000">
+                      <a:alpha val="43137"/>
+                    </a:srgbClr>
+                  </a:outerShdw>
+                </a:effectLst>
+              </a:rPr>
+              <a:t>Отпечатва слайдовете, на които </a:t>
+            </a:r>
+            <a:r>
+              <a:rPr lang="bg-BG" sz="2800" b="1" dirty="0" smtClean="0">
+                <a:solidFill>
+                  <a:schemeClr val="bg1">
+                    <a:lumMod val="60000"/>
+                    <a:lumOff val="40000"/>
+                  </a:schemeClr>
+                </a:solidFill>
+                <a:effectLst>
+                  <a:outerShdw blurRad="38100" dist="38100" dir="2700000" algn="tl">
+                    <a:srgbClr val="000000">
+                      <a:alpha val="43137"/>
+                    </a:srgbClr>
+                  </a:outerShdw>
+                </a:effectLst>
+              </a:rPr>
+              <a:t>номерата</a:t>
+            </a:r>
+            <a:r>
+              <a:rPr lang="bg-BG" sz="2800" b="1" dirty="0" smtClean="0">
+                <a:solidFill>
+                  <a:srgbClr val="FFFFFF"/>
+                </a:solidFill>
+                <a:effectLst>
+                  <a:outerShdw blurRad="38100" dist="38100" dir="2700000" algn="tl">
+                    <a:srgbClr val="000000">
+                      <a:alpha val="43137"/>
+                    </a:srgbClr>
+                  </a:outerShdw>
+                </a:effectLst>
+              </a:rPr>
+              <a:t> са </a:t>
+            </a:r>
+            <a:r>
+              <a:rPr lang="bg-BG" sz="2800" b="1" dirty="0" smtClean="0">
+                <a:solidFill>
+                  <a:schemeClr val="bg1">
+                    <a:lumMod val="60000"/>
+                    <a:lumOff val="40000"/>
+                  </a:schemeClr>
+                </a:solidFill>
+                <a:effectLst>
+                  <a:outerShdw blurRad="38100" dist="38100" dir="2700000" algn="tl">
+                    <a:srgbClr val="000000">
+                      <a:alpha val="43137"/>
+                    </a:srgbClr>
+                  </a:outerShdw>
+                </a:effectLst>
+              </a:rPr>
+              <a:t>въведени</a:t>
+            </a:r>
+            <a:r>
+              <a:rPr lang="bg-BG" sz="2800" b="1" dirty="0" smtClean="0">
+                <a:solidFill>
+                  <a:srgbClr val="FFFFFF"/>
+                </a:solidFill>
+                <a:effectLst>
+                  <a:outerShdw blurRad="38100" dist="38100" dir="2700000" algn="tl">
+                    <a:srgbClr val="000000">
+                      <a:alpha val="43137"/>
+                    </a:srgbClr>
+                  </a:outerShdw>
+                </a:effectLst>
+              </a:rPr>
+              <a:t> в </a:t>
+            </a:r>
+            <a:r>
+              <a:rPr lang="bg-BG" sz="2800" b="1" dirty="0" smtClean="0">
+                <a:solidFill>
+                  <a:schemeClr val="bg1">
+                    <a:lumMod val="60000"/>
+                    <a:lumOff val="40000"/>
+                  </a:schemeClr>
+                </a:solidFill>
+                <a:effectLst>
+                  <a:outerShdw blurRad="38100" dist="38100" dir="2700000" algn="tl">
+                    <a:srgbClr val="000000">
+                      <a:alpha val="43137"/>
+                    </a:srgbClr>
+                  </a:outerShdw>
+                </a:effectLst>
+              </a:rPr>
+              <a:t>числовата кутия</a:t>
+            </a:r>
+            <a:endParaRPr lang="en-US" sz="2800" b="1" dirty="0">
+              <a:solidFill>
+                <a:schemeClr val="bg1">
+                  <a:lumMod val="60000"/>
+                  <a:lumOff val="40000"/>
+                </a:schemeClr>
+              </a:solidFill>
+              <a:effectLst>
+                <a:outerShdw blurRad="38100" dist="38100" dir="2700000" algn="tl">
+                  <a:srgbClr val="000000">
+                    <a:alpha val="43137"/>
+                  </a:srgbClr>
+                </a:outerShdw>
+              </a:effectLst>
+            </a:endParaRPr>
+          </a:p>
+        </p:txBody>
+      </p:sp>
+      <p:sp>
+        <p:nvSpPr>
+          <p:cNvPr id="13" name="Rectangle 12"/>
+          <p:cNvSpPr/>
+          <p:nvPr/>
+        </p:nvSpPr>
+        <p:spPr bwMode="auto">
+          <a:xfrm>
+            <a:off x="4504452" y="1989187"/>
+            <a:ext cx="3762797" cy="674813"/>
+          </a:xfrm>
+          <a:prstGeom prst="rect">
+            <a:avLst/>
+          </a:prstGeom>
+          <a:noFill/>
+          <a:ln w="38100">
+            <a:solidFill>
+              <a:schemeClr val="tx1">
+                <a:lumMod val="75000"/>
+                <a:alpha val="80000"/>
+              </a:schemeClr>
+            </a:solidFill>
+          </a:ln>
+          <a:effectLst/>
+        </p:spPr>
+        <p:style>
+          <a:lnRef idx="2">
+            <a:schemeClr val="accent1">
+              <a:shade val="50000"/>
+            </a:schemeClr>
+          </a:lnRef>
+          <a:fillRef idx="1001">
+            <a:schemeClr val="dk2"/>
+          </a:fillRef>
+          <a:effectRef idx="0">
+            <a:schemeClr val="accent1"/>
+          </a:effectRef>
+          <a:fontRef idx="minor">
+            <a:schemeClr val="lt1"/>
+          </a:fontRef>
+        </p:style>
+        <p:txBody>
+          <a:bodyPr rot="0" spcFirstLastPara="0" vertOverflow="overflow" horzOverflow="overflow" vert="horz" wrap="square" lIns="91440" tIns="45720" rIns="91440" bIns="45720" numCol="1" spcCol="0" rtlCol="0" fromWordArt="0" anchor="ctr" anchorCtr="0" forceAA="0" compatLnSpc="1">
+            <a:prstTxWarp prst="textNoShape">
+              <a:avLst/>
+            </a:prstTxWarp>
+            <a:noAutofit/>
+          </a:bodyPr>
+          <a:lstStyle/>
+          <a:p>
+            <a:pPr algn="ctr"/>
+            <a:endParaRPr lang="en-US" sz="2800" b="1" dirty="0">
+              <a:solidFill>
+                <a:srgbClr val="FFFFFF"/>
+              </a:solidFill>
+              <a:effectLst>
+                <a:outerShdw blurRad="38100" dist="38100" dir="2700000" algn="tl">
+                  <a:srgbClr val="000000">
+                    <a:alpha val="43137"/>
+                  </a:srgbClr>
+                </a:outerShdw>
+              </a:effectLst>
+            </a:endParaRPr>
+          </a:p>
+        </p:txBody>
+      </p:sp>
+    </p:spTree>
+    <p:extLst>
+      <p:ext uri="{BB962C8B-B14F-4D97-AF65-F5344CB8AC3E}">
+        <p14:creationId xmlns:p14="http://schemas.microsoft.com/office/powerpoint/2010/main" val="2893646782"/>
+      </p:ext>
+    </p:extLst>
+  </p:cSld>
+  <p:clrMapOvr>
+    <a:masterClrMapping/>
+  </p:clrMapOvr>
+  <mc:AlternateContent xmlns:mc="http://schemas.openxmlformats.org/markup-compatibility/2006" xmlns:p14="http://schemas.microsoft.com/office/powerpoint/2010/main">
+    <mc:Choice Requires="p14">
+      <p:transition spd="slow" p14:dur="2000" advClick="0" advTm="5000"/>
+    </mc:Choice>
+    <mc:Fallback xmlns="">
+      <p:transition spd="slow" advClick="0" advTm="5000"/>
+    </mc:Fallback>
+  </mc:AlternateContent>
+  <p:timing>
+    <p:tnLst>
+      <p:par>
+        <p:cTn id="1" dur="indefinite" restart="never" nodeType="tmRoot">
+          <p:childTnLst>
+            <p:seq concurrent="1" nextAc="seek">
+              <p:cTn id="2" dur="indefinite" nodeType="mainSeq">
+                <p:childTnLst>
+                  <p:par>
+                    <p:cTn id="3" fill="hold">
+                      <p:stCondLst>
+                        <p:cond delay="indefinite"/>
+                      </p:stCondLst>
+                      <p:childTnLst>
+                        <p:par>
+                          <p:cTn id="4" fill="hold">
+                            <p:stCondLst>
+                              <p:cond delay="0"/>
+                            </p:stCondLst>
+                            <p:childTnLst>
+                              <p:par>
+                                <p:cTn id="5" presetID="1" presetClass="entr" presetSubtype="0" fill="hold" grpId="0" nodeType="clickEffect">
+                                  <p:stCondLst>
+                                    <p:cond delay="0"/>
+                                  </p:stCondLst>
+                                  <p:childTnLst>
+                                    <p:set>
+                                      <p:cBhvr>
+                                        <p:cTn id="6" dur="1" fill="hold">
+                                          <p:stCondLst>
+                                            <p:cond delay="0"/>
+                                          </p:stCondLst>
+                                        </p:cTn>
+                                        <p:tgtEl>
+                                          <p:spTgt spid="13"/>
+                                        </p:tgtEl>
+                                        <p:attrNameLst>
+                                          <p:attrName>style.visibility</p:attrName>
+                                        </p:attrNameLst>
+                                      </p:cBhvr>
+                                      <p:to>
+                                        <p:strVal val="visible"/>
+                                      </p:to>
+                                    </p:set>
+                                  </p:childTnLst>
+                                </p:cTn>
+                              </p:par>
+                            </p:childTnLst>
+                          </p:cTn>
+                        </p:par>
+                      </p:childTnLst>
+                    </p:cTn>
+                  </p:par>
+                  <p:par>
+                    <p:cTn id="7" fill="hold">
+                      <p:stCondLst>
+                        <p:cond delay="indefinite"/>
+                      </p:stCondLst>
+                      <p:childTnLst>
+                        <p:par>
+                          <p:cTn id="8" fill="hold">
+                            <p:stCondLst>
+                              <p:cond delay="0"/>
+                            </p:stCondLst>
+                            <p:childTnLst>
+                              <p:par>
+                                <p:cTn id="9" presetID="1" presetClass="entr" presetSubtype="0" fill="hold" nodeType="clickEffect">
+                                  <p:stCondLst>
+                                    <p:cond delay="0"/>
+                                  </p:stCondLst>
+                                  <p:childTnLst>
+                                    <p:set>
+                                      <p:cBhvr>
+                                        <p:cTn id="10" dur="1" fill="hold">
+                                          <p:stCondLst>
+                                            <p:cond delay="0"/>
+                                          </p:stCondLst>
+                                        </p:cTn>
+                                        <p:tgtEl>
+                                          <p:spTgt spid="8"/>
+                                        </p:tgtEl>
+                                        <p:attrNameLst>
+                                          <p:attrName>style.visibility</p:attrName>
+                                        </p:attrNameLst>
+                                      </p:cBhvr>
+                                      <p:to>
+                                        <p:strVal val="visible"/>
+                                      </p:to>
+                                    </p:set>
+                                  </p:childTnLst>
+                                </p:cTn>
+                              </p:par>
+                              <p:par>
+                                <p:cTn id="11" presetID="1" presetClass="exit" presetSubtype="0" fill="hold" grpId="1" nodeType="withEffect">
+                                  <p:stCondLst>
+                                    <p:cond delay="0"/>
+                                  </p:stCondLst>
+                                  <p:childTnLst>
+                                    <p:set>
+                                      <p:cBhvr>
+                                        <p:cTn id="12" dur="1" fill="hold">
+                                          <p:stCondLst>
+                                            <p:cond delay="0"/>
+                                          </p:stCondLst>
+                                        </p:cTn>
+                                        <p:tgtEl>
+                                          <p:spTgt spid="13"/>
+                                        </p:tgtEl>
+                                        <p:attrNameLst>
+                                          <p:attrName>style.visibility</p:attrName>
+                                        </p:attrNameLst>
+                                      </p:cBhvr>
+                                      <p:to>
+                                        <p:strVal val="hidden"/>
+                                      </p:to>
+                                    </p:set>
+                                  </p:childTnLst>
+                                </p:cTn>
+                              </p:par>
+                            </p:childTnLst>
+                          </p:cTn>
+                        </p:par>
+                      </p:childTnLst>
+                    </p:cTn>
+                  </p:par>
+                  <p:par>
+                    <p:cTn id="13" fill="hold">
+                      <p:stCondLst>
+                        <p:cond delay="indefinite"/>
+                      </p:stCondLst>
+                      <p:childTnLst>
+                        <p:par>
+                          <p:cTn id="14" fill="hold">
+                            <p:stCondLst>
+                              <p:cond delay="0"/>
+                            </p:stCondLst>
+                            <p:childTnLst>
+                              <p:par>
+                                <p:cTn id="15" presetID="1" presetClass="entr" presetSubtype="0" fill="hold" grpId="0" nodeType="clickEffect">
+                                  <p:stCondLst>
+                                    <p:cond delay="0"/>
+                                  </p:stCondLst>
+                                  <p:childTnLst>
+                                    <p:set>
+                                      <p:cBhvr>
+                                        <p:cTn id="16" dur="1" fill="hold">
+                                          <p:stCondLst>
+                                            <p:cond delay="0"/>
+                                          </p:stCondLst>
+                                        </p:cTn>
+                                        <p:tgtEl>
+                                          <p:spTgt spid="9"/>
+                                        </p:tgtEl>
+                                        <p:attrNameLst>
+                                          <p:attrName>style.visibility</p:attrName>
+                                        </p:attrNameLst>
+                                      </p:cBhvr>
+                                      <p:to>
+                                        <p:strVal val="visible"/>
+                                      </p:to>
+                                    </p:set>
+                                  </p:childTnLst>
+                                </p:cTn>
+                              </p:par>
+                            </p:childTnLst>
+                          </p:cTn>
+                        </p:par>
+                      </p:childTnLst>
+                    </p:cTn>
+                  </p:par>
+                  <p:par>
+                    <p:cTn id="17" fill="hold">
+                      <p:stCondLst>
+                        <p:cond delay="indefinite"/>
+                      </p:stCondLst>
+                      <p:childTnLst>
+                        <p:par>
+                          <p:cTn id="18" fill="hold">
+                            <p:stCondLst>
+                              <p:cond delay="0"/>
+                            </p:stCondLst>
+                            <p:childTnLst>
+                              <p:par>
+                                <p:cTn id="19" presetID="1" presetClass="entr" presetSubtype="0" fill="hold" grpId="0" nodeType="clickEffect">
+                                  <p:stCondLst>
+                                    <p:cond delay="0"/>
+                                  </p:stCondLst>
+                                  <p:childTnLst>
+                                    <p:set>
+                                      <p:cBhvr>
+                                        <p:cTn id="20" dur="1" fill="hold">
+                                          <p:stCondLst>
+                                            <p:cond delay="0"/>
+                                          </p:stCondLst>
+                                        </p:cTn>
+                                        <p:tgtEl>
+                                          <p:spTgt spid="10"/>
+                                        </p:tgtEl>
+                                        <p:attrNameLst>
+                                          <p:attrName>style.visibility</p:attrName>
+                                        </p:attrNameLst>
+                                      </p:cBhvr>
+                                      <p:to>
+                                        <p:strVal val="visible"/>
+                                      </p:to>
+                                    </p:set>
+                                  </p:childTnLst>
+                                </p:cTn>
+                              </p:par>
+                            </p:childTnLst>
+                          </p:cTn>
+                        </p:par>
+                      </p:childTnLst>
+                    </p:cTn>
+                  </p:par>
+                  <p:par>
+                    <p:cTn id="21" fill="hold">
+                      <p:stCondLst>
+                        <p:cond delay="indefinite"/>
+                      </p:stCondLst>
+                      <p:childTnLst>
+                        <p:par>
+                          <p:cTn id="22" fill="hold">
+                            <p:stCondLst>
+                              <p:cond delay="0"/>
+                            </p:stCondLst>
+                            <p:childTnLst>
+                              <p:par>
+                                <p:cTn id="23" presetID="1" presetClass="entr" presetSubtype="0" fill="hold" grpId="0" nodeType="clickEffect">
+                                  <p:stCondLst>
+                                    <p:cond delay="0"/>
+                                  </p:stCondLst>
+                                  <p:childTnLst>
+                                    <p:set>
+                                      <p:cBhvr>
+                                        <p:cTn id="24" dur="1" fill="hold">
+                                          <p:stCondLst>
+                                            <p:cond delay="0"/>
+                                          </p:stCondLst>
+                                        </p:cTn>
+                                        <p:tgtEl>
+                                          <p:spTgt spid="11"/>
+                                        </p:tgtEl>
+                                        <p:attrNameLst>
+                                          <p:attrName>style.visibility</p:attrName>
+                                        </p:attrNameLst>
+                                      </p:cBhvr>
+                                      <p:to>
+                                        <p:strVal val="visible"/>
+                                      </p:to>
+                                    </p:set>
+                                  </p:childTnLst>
+                                </p:cTn>
+                              </p:par>
+                            </p:childTnLst>
+                          </p:cTn>
+                        </p:par>
+                      </p:childTnLst>
+                    </p:cTn>
+                  </p:par>
+                  <p:par>
+                    <p:cTn id="25" fill="hold">
+                      <p:stCondLst>
+                        <p:cond delay="indefinite"/>
+                      </p:stCondLst>
+                      <p:childTnLst>
+                        <p:par>
+                          <p:cTn id="26" fill="hold">
+                            <p:stCondLst>
+                              <p:cond delay="0"/>
+                            </p:stCondLst>
+                            <p:childTnLst>
+                              <p:par>
+                                <p:cTn id="27" presetID="1" presetClass="entr" presetSubtype="0" fill="hold" grpId="0" nodeType="clickEffect">
+                                  <p:stCondLst>
+                                    <p:cond delay="0"/>
+                                  </p:stCondLst>
+                                  <p:childTnLst>
+                                    <p:set>
+                                      <p:cBhvr>
+                                        <p:cTn id="28" dur="1" fill="hold">
+                                          <p:stCondLst>
+                                            <p:cond delay="0"/>
+                                          </p:stCondLst>
+                                        </p:cTn>
+                                        <p:tgtEl>
+                                          <p:spTgt spid="12"/>
+                                        </p:tgtEl>
+                                        <p:attrNameLst>
+                                          <p:attrName>style.visibility</p:attrName>
+                                        </p:attrNameLst>
+                                      </p:cBhvr>
+                                      <p:to>
+                                        <p:strVal val="visible"/>
+                                      </p:to>
+                                    </p:set>
+                                  </p:childTnLst>
+                                </p:cTn>
+                              </p:par>
+                            </p:childTnLst>
+                          </p:cTn>
+                        </p:par>
+                      </p:childTnLst>
+                    </p:cTn>
+                  </p:par>
+                </p:childTnLst>
+              </p:cTn>
+              <p:prevCondLst>
+                <p:cond evt="onPrev" delay="0">
+                  <p:tgtEl>
+                    <p:sldTgt/>
+                  </p:tgtEl>
+                </p:cond>
+              </p:prevCondLst>
+              <p:nextCondLst>
+                <p:cond evt="onNext" delay="0">
+                  <p:tgtEl>
+                    <p:sldTgt/>
+                  </p:tgtEl>
+                </p:cond>
+              </p:nextCondLst>
+            </p:seq>
+          </p:childTnLst>
+        </p:cTn>
+      </p:par>
+    </p:tnLst>
+    <p:bldLst>
+      <p:bldP spid="9" grpId="0" animBg="1"/>
+      <p:bldP spid="10" grpId="0" animBg="1"/>
+      <p:bldP spid="11" grpId="0" animBg="1"/>
+      <p:bldP spid="12" grpId="0" animBg="1"/>
+      <p:bldP spid="13" grpId="0" animBg="1"/>
+      <p:bldP spid="13" grpId="1" animBg="1"/>
+    </p:bldLst>
   </p:timing>
 </p:sld>
 </file>
@@ -10947,6 +12552,4117 @@
             </p:seq>
           </p:childTnLst>
         </p:cTn>
+      </p:par>
+    </p:tnLst>
+  </p:timing>
+</p:sld>
+</file>
+
+<file path=ppt/slides/slide20.xml><?xml version="1.0" encoding="utf-8"?>
+<p:sld xmlns:a="http://schemas.openxmlformats.org/drawingml/2006/main" xmlns:r="http://schemas.openxmlformats.org/officeDocument/2006/relationships" xmlns:p="http://schemas.openxmlformats.org/presentationml/2006/main">
+  <p:cSld>
+    <p:spTree>
+      <p:nvGrpSpPr>
+        <p:cNvPr id="1" name=""/>
+        <p:cNvGrpSpPr/>
+        <p:nvPr/>
+      </p:nvGrpSpPr>
+      <p:grpSpPr>
+        <a:xfrm>
+          <a:off x="0" y="0"/>
+          <a:ext cx="0" cy="0"/>
+          <a:chOff x="0" y="0"/>
+          <a:chExt cx="0" cy="0"/>
+        </a:xfrm>
+      </p:grpSpPr>
+      <p:sp>
+        <p:nvSpPr>
+          <p:cNvPr id="2" name="Slide Number Placeholder 1"/>
+          <p:cNvSpPr>
+            <a:spLocks noGrp="1"/>
+          </p:cNvSpPr>
+          <p:nvPr>
+            <p:ph type="sldNum" sz="quarter" idx="5"/>
+          </p:nvPr>
+        </p:nvSpPr>
+        <p:spPr/>
+        <p:txBody>
+          <a:bodyPr/>
+          <a:lstStyle/>
+          <a:p>
+            <a:fld id="{2BF067CD-8E6B-4360-9AA8-C5DF2A48A6D1}" type="slidenum">
+              <a:rPr lang="en-US" noProof="0" smtClean="0"/>
+              <a:pPr/>
+              <a:t>20</a:t>
+            </a:fld>
+            <a:endParaRPr lang="en-US" noProof="0" dirty="0"/>
+          </a:p>
+        </p:txBody>
+      </p:sp>
+      <p:sp>
+        <p:nvSpPr>
+          <p:cNvPr id="4" name="Title 3"/>
+          <p:cNvSpPr>
+            <a:spLocks noGrp="1"/>
+          </p:cNvSpPr>
+          <p:nvPr>
+            <p:ph type="title"/>
+          </p:nvPr>
+        </p:nvSpPr>
+        <p:spPr/>
+        <p:txBody>
+          <a:bodyPr/>
+          <a:lstStyle/>
+          <a:p>
+            <a:r>
+              <a:rPr lang="bg-BG" dirty="0"/>
+              <a:t>Настройки при отпечатването</a:t>
+            </a:r>
+            <a:endParaRPr lang="en-US" dirty="0"/>
+          </a:p>
+        </p:txBody>
+      </p:sp>
+      <p:pic>
+        <p:nvPicPr>
+          <p:cNvPr id="5" name="Picture 4"/>
+          <p:cNvPicPr>
+            <a:picLocks noChangeAspect="1"/>
+          </p:cNvPicPr>
+          <p:nvPr/>
+        </p:nvPicPr>
+        <p:blipFill rotWithShape="1">
+          <a:blip r:embed="rId2"/>
+          <a:srcRect l="12457" t="51228" r="64369" b="2334"/>
+          <a:stretch/>
+        </p:blipFill>
+        <p:spPr>
+          <a:xfrm>
+            <a:off x="4329750" y="1254080"/>
+            <a:ext cx="4455000" cy="4975714"/>
+          </a:xfrm>
+          <a:prstGeom prst="rect">
+            <a:avLst/>
+          </a:prstGeom>
+          <a:ln>
+            <a:solidFill>
+              <a:schemeClr val="bg2">
+                <a:lumMod val="75000"/>
+              </a:schemeClr>
+            </a:solidFill>
+          </a:ln>
+        </p:spPr>
+      </p:pic>
+      <p:sp>
+        <p:nvSpPr>
+          <p:cNvPr id="6" name="Rectangle 5"/>
+          <p:cNvSpPr/>
+          <p:nvPr/>
+        </p:nvSpPr>
+        <p:spPr bwMode="auto">
+          <a:xfrm>
+            <a:off x="4729452" y="2973059"/>
+            <a:ext cx="3762797" cy="674813"/>
+          </a:xfrm>
+          <a:prstGeom prst="rect">
+            <a:avLst/>
+          </a:prstGeom>
+          <a:noFill/>
+          <a:ln w="38100">
+            <a:solidFill>
+              <a:schemeClr val="tx1">
+                <a:lumMod val="75000"/>
+                <a:alpha val="80000"/>
+              </a:schemeClr>
+            </a:solidFill>
+          </a:ln>
+          <a:effectLst/>
+        </p:spPr>
+        <p:style>
+          <a:lnRef idx="2">
+            <a:schemeClr val="accent1">
+              <a:shade val="50000"/>
+            </a:schemeClr>
+          </a:lnRef>
+          <a:fillRef idx="1001">
+            <a:schemeClr val="dk2"/>
+          </a:fillRef>
+          <a:effectRef idx="0">
+            <a:schemeClr val="accent1"/>
+          </a:effectRef>
+          <a:fontRef idx="minor">
+            <a:schemeClr val="lt1"/>
+          </a:fontRef>
+        </p:style>
+        <p:txBody>
+          <a:bodyPr rot="0" spcFirstLastPara="0" vertOverflow="overflow" horzOverflow="overflow" vert="horz" wrap="square" lIns="91440" tIns="45720" rIns="91440" bIns="45720" numCol="1" spcCol="0" rtlCol="0" fromWordArt="0" anchor="ctr" anchorCtr="0" forceAA="0" compatLnSpc="1">
+            <a:prstTxWarp prst="textNoShape">
+              <a:avLst/>
+            </a:prstTxWarp>
+            <a:noAutofit/>
+          </a:bodyPr>
+          <a:lstStyle/>
+          <a:p>
+            <a:pPr algn="ctr"/>
+            <a:endParaRPr lang="en-US" sz="2800" b="1" dirty="0">
+              <a:solidFill>
+                <a:srgbClr val="FFFFFF"/>
+              </a:solidFill>
+              <a:effectLst>
+                <a:outerShdw blurRad="38100" dist="38100" dir="2700000" algn="tl">
+                  <a:srgbClr val="000000">
+                    <a:alpha val="43137"/>
+                  </a:srgbClr>
+                </a:outerShdw>
+              </a:effectLst>
+            </a:endParaRPr>
+          </a:p>
+        </p:txBody>
+      </p:sp>
+      <p:pic>
+        <p:nvPicPr>
+          <p:cNvPr id="7" name="Picture 6"/>
+          <p:cNvPicPr>
+            <a:picLocks noChangeAspect="1"/>
+          </p:cNvPicPr>
+          <p:nvPr/>
+        </p:nvPicPr>
+        <p:blipFill rotWithShape="1">
+          <a:blip r:embed="rId3"/>
+          <a:srcRect b="27982"/>
+          <a:stretch/>
+        </p:blipFill>
+        <p:spPr>
+          <a:xfrm>
+            <a:off x="4720544" y="3647872"/>
+            <a:ext cx="3780497" cy="3066128"/>
+          </a:xfrm>
+          <a:prstGeom prst="rect">
+            <a:avLst/>
+          </a:prstGeom>
+          <a:ln>
+            <a:solidFill>
+              <a:schemeClr val="bg2">
+                <a:lumMod val="75000"/>
+              </a:schemeClr>
+            </a:solidFill>
+          </a:ln>
+        </p:spPr>
+      </p:pic>
+      <p:sp>
+        <p:nvSpPr>
+          <p:cNvPr id="8" name="Rounded Rectangular Callout 7"/>
+          <p:cNvSpPr/>
+          <p:nvPr/>
+        </p:nvSpPr>
+        <p:spPr bwMode="auto">
+          <a:xfrm>
+            <a:off x="1240601" y="2302027"/>
+            <a:ext cx="2739166" cy="1431687"/>
+          </a:xfrm>
+          <a:prstGeom prst="wedgeRoundRectCallout">
+            <a:avLst>
+              <a:gd name="adj1" fmla="val 74732"/>
+              <a:gd name="adj2" fmla="val 85117"/>
+              <a:gd name="adj3" fmla="val 16667"/>
+            </a:avLst>
+          </a:prstGeom>
+          <a:solidFill>
+            <a:schemeClr val="dk2">
+              <a:alpha val="80000"/>
+            </a:schemeClr>
+          </a:solidFill>
+          <a:ln w="19050">
+            <a:solidFill>
+              <a:schemeClr val="tx1">
+                <a:lumMod val="75000"/>
+                <a:alpha val="80000"/>
+              </a:schemeClr>
+            </a:solidFill>
+          </a:ln>
+          <a:effectLst/>
+        </p:spPr>
+        <p:style>
+          <a:lnRef idx="2">
+            <a:schemeClr val="accent1">
+              <a:shade val="50000"/>
+            </a:schemeClr>
+          </a:lnRef>
+          <a:fillRef idx="1001">
+            <a:schemeClr val="dk2"/>
+          </a:fillRef>
+          <a:effectRef idx="0">
+            <a:schemeClr val="accent1"/>
+          </a:effectRef>
+          <a:fontRef idx="minor">
+            <a:schemeClr val="lt1"/>
+          </a:fontRef>
+        </p:style>
+        <p:txBody>
+          <a:bodyPr rot="0" spcFirstLastPara="0" vertOverflow="overflow" horzOverflow="overflow" vert="horz" wrap="square" lIns="91440" tIns="45720" rIns="91440" bIns="45720" numCol="1" spcCol="0" rtlCol="0" fromWordArt="0" anchor="ctr" anchorCtr="0" forceAA="0" compatLnSpc="1">
+            <a:prstTxWarp prst="textNoShape">
+              <a:avLst/>
+            </a:prstTxWarp>
+            <a:noAutofit/>
+          </a:bodyPr>
+          <a:lstStyle/>
+          <a:p>
+            <a:pPr algn="ctr"/>
+            <a:r>
+              <a:rPr lang="bg-BG" sz="2800" b="1" dirty="0" smtClean="0">
+                <a:solidFill>
+                  <a:srgbClr val="FFFFFF"/>
+                </a:solidFill>
+                <a:effectLst>
+                  <a:outerShdw blurRad="38100" dist="38100" dir="2700000" algn="tl">
+                    <a:srgbClr val="000000">
+                      <a:alpha val="43137"/>
+                    </a:srgbClr>
+                  </a:outerShdw>
+                </a:effectLst>
+              </a:rPr>
+              <a:t>Отпечатва </a:t>
+            </a:r>
+            <a:r>
+              <a:rPr lang="bg-BG" sz="2800" b="1" dirty="0" smtClean="0">
+                <a:solidFill>
+                  <a:schemeClr val="bg2"/>
+                </a:solidFill>
+                <a:effectLst>
+                  <a:outerShdw blurRad="38100" dist="38100" dir="2700000" algn="tl">
+                    <a:srgbClr val="000000">
+                      <a:alpha val="43137"/>
+                    </a:srgbClr>
+                  </a:outerShdw>
+                </a:effectLst>
+              </a:rPr>
+              <a:t>слайдовете</a:t>
+            </a:r>
+            <a:r>
+              <a:rPr lang="bg-BG" sz="2800" b="1" dirty="0" smtClean="0">
+                <a:solidFill>
+                  <a:schemeClr val="bg1">
+                    <a:lumMod val="60000"/>
+                    <a:lumOff val="40000"/>
+                  </a:schemeClr>
+                </a:solidFill>
+                <a:effectLst>
+                  <a:outerShdw blurRad="38100" dist="38100" dir="2700000" algn="tl">
+                    <a:srgbClr val="000000">
+                      <a:alpha val="43137"/>
+                    </a:srgbClr>
+                  </a:outerShdw>
+                </a:effectLst>
+              </a:rPr>
+              <a:t> </a:t>
+            </a:r>
+            <a:r>
+              <a:rPr lang="bg-BG" sz="2800" b="1" dirty="0" smtClean="0">
+                <a:solidFill>
+                  <a:schemeClr val="bg2"/>
+                </a:solidFill>
+                <a:effectLst>
+                  <a:outerShdw blurRad="38100" dist="38100" dir="2700000" algn="tl">
+                    <a:srgbClr val="000000">
+                      <a:alpha val="43137"/>
+                    </a:srgbClr>
+                  </a:outerShdw>
+                </a:effectLst>
+              </a:rPr>
+              <a:t>в</a:t>
+            </a:r>
+            <a:r>
+              <a:rPr lang="bg-BG" sz="2800" b="1" dirty="0" smtClean="0">
+                <a:solidFill>
+                  <a:schemeClr val="bg1">
+                    <a:lumMod val="60000"/>
+                    <a:lumOff val="40000"/>
+                  </a:schemeClr>
+                </a:solidFill>
+                <a:effectLst>
+                  <a:outerShdw blurRad="38100" dist="38100" dir="2700000" algn="tl">
+                    <a:srgbClr val="000000">
+                      <a:alpha val="43137"/>
+                    </a:srgbClr>
+                  </a:outerShdw>
+                </a:effectLst>
+              </a:rPr>
+              <a:t> пълен размер</a:t>
+            </a:r>
+            <a:endParaRPr lang="en-US" sz="2800" b="1" dirty="0">
+              <a:solidFill>
+                <a:schemeClr val="bg1">
+                  <a:lumMod val="60000"/>
+                  <a:lumOff val="40000"/>
+                </a:schemeClr>
+              </a:solidFill>
+              <a:effectLst>
+                <a:outerShdw blurRad="38100" dist="38100" dir="2700000" algn="tl">
+                  <a:srgbClr val="000000">
+                    <a:alpha val="43137"/>
+                  </a:srgbClr>
+                </a:outerShdw>
+              </a:effectLst>
+            </a:endParaRPr>
+          </a:p>
+        </p:txBody>
+      </p:sp>
+      <p:sp>
+        <p:nvSpPr>
+          <p:cNvPr id="9" name="Rounded Rectangular Callout 8"/>
+          <p:cNvSpPr/>
+          <p:nvPr/>
+        </p:nvSpPr>
+        <p:spPr bwMode="auto">
+          <a:xfrm>
+            <a:off x="7986000" y="1910601"/>
+            <a:ext cx="3465000" cy="1431687"/>
+          </a:xfrm>
+          <a:prstGeom prst="wedgeRoundRectCallout">
+            <a:avLst>
+              <a:gd name="adj1" fmla="val -78531"/>
+              <a:gd name="adj2" fmla="val 108454"/>
+              <a:gd name="adj3" fmla="val 16667"/>
+            </a:avLst>
+          </a:prstGeom>
+          <a:solidFill>
+            <a:schemeClr val="dk2">
+              <a:alpha val="80000"/>
+            </a:schemeClr>
+          </a:solidFill>
+          <a:ln w="19050">
+            <a:solidFill>
+              <a:schemeClr val="tx1">
+                <a:lumMod val="75000"/>
+                <a:alpha val="80000"/>
+              </a:schemeClr>
+            </a:solidFill>
+          </a:ln>
+          <a:effectLst/>
+        </p:spPr>
+        <p:style>
+          <a:lnRef idx="2">
+            <a:schemeClr val="accent1">
+              <a:shade val="50000"/>
+            </a:schemeClr>
+          </a:lnRef>
+          <a:fillRef idx="1001">
+            <a:schemeClr val="dk2"/>
+          </a:fillRef>
+          <a:effectRef idx="0">
+            <a:schemeClr val="accent1"/>
+          </a:effectRef>
+          <a:fontRef idx="minor">
+            <a:schemeClr val="lt1"/>
+          </a:fontRef>
+        </p:style>
+        <p:txBody>
+          <a:bodyPr rot="0" spcFirstLastPara="0" vertOverflow="overflow" horzOverflow="overflow" vert="horz" wrap="square" lIns="91440" tIns="45720" rIns="91440" bIns="45720" numCol="1" spcCol="0" rtlCol="0" fromWordArt="0" anchor="ctr" anchorCtr="0" forceAA="0" compatLnSpc="1">
+            <a:prstTxWarp prst="textNoShape">
+              <a:avLst/>
+            </a:prstTxWarp>
+            <a:noAutofit/>
+          </a:bodyPr>
+          <a:lstStyle/>
+          <a:p>
+            <a:pPr algn="ctr"/>
+            <a:r>
+              <a:rPr lang="bg-BG" sz="2800" b="1" dirty="0" smtClean="0">
+                <a:solidFill>
+                  <a:srgbClr val="FFFFFF"/>
+                </a:solidFill>
+                <a:effectLst>
+                  <a:outerShdw blurRad="38100" dist="38100" dir="2700000" algn="tl">
+                    <a:srgbClr val="000000">
+                      <a:alpha val="43137"/>
+                    </a:srgbClr>
+                  </a:outerShdw>
+                </a:effectLst>
+              </a:rPr>
+              <a:t>Отпечатва </a:t>
+            </a:r>
+            <a:r>
+              <a:rPr lang="bg-BG" sz="2800" b="1" dirty="0" smtClean="0">
+                <a:solidFill>
+                  <a:schemeClr val="bg2"/>
+                </a:solidFill>
+                <a:effectLst>
+                  <a:outerShdw blurRad="38100" dist="38100" dir="2700000" algn="tl">
+                    <a:srgbClr val="000000">
+                      <a:alpha val="43137"/>
+                    </a:srgbClr>
+                  </a:outerShdw>
+                </a:effectLst>
+              </a:rPr>
+              <a:t>слайдовете</a:t>
+            </a:r>
+            <a:r>
+              <a:rPr lang="bg-BG" sz="2800" b="1" dirty="0" smtClean="0">
+                <a:solidFill>
+                  <a:schemeClr val="bg1">
+                    <a:lumMod val="60000"/>
+                    <a:lumOff val="40000"/>
+                  </a:schemeClr>
+                </a:solidFill>
+                <a:effectLst>
+                  <a:outerShdw blurRad="38100" dist="38100" dir="2700000" algn="tl">
+                    <a:srgbClr val="000000">
+                      <a:alpha val="43137"/>
+                    </a:srgbClr>
+                  </a:outerShdw>
+                </a:effectLst>
+              </a:rPr>
+              <a:t> </a:t>
+            </a:r>
+            <a:r>
+              <a:rPr lang="bg-BG" sz="2800" b="1" dirty="0" smtClean="0">
+                <a:solidFill>
+                  <a:schemeClr val="bg2"/>
+                </a:solidFill>
+                <a:effectLst>
+                  <a:outerShdw blurRad="38100" dist="38100" dir="2700000" algn="tl">
+                    <a:srgbClr val="000000">
+                      <a:alpha val="43137"/>
+                    </a:srgbClr>
+                  </a:outerShdw>
+                </a:effectLst>
+              </a:rPr>
+              <a:t>заедно с </a:t>
+            </a:r>
+            <a:r>
+              <a:rPr lang="bg-BG" sz="2800" b="1" dirty="0" smtClean="0">
+                <a:solidFill>
+                  <a:schemeClr val="bg1">
+                    <a:lumMod val="60000"/>
+                    <a:lumOff val="40000"/>
+                  </a:schemeClr>
+                </a:solidFill>
+                <a:effectLst>
+                  <a:outerShdw blurRad="38100" dist="38100" dir="2700000" algn="tl">
+                    <a:srgbClr val="000000">
+                      <a:alpha val="43137"/>
+                    </a:srgbClr>
+                  </a:outerShdw>
+                </a:effectLst>
+              </a:rPr>
+              <a:t>техните бележки</a:t>
+            </a:r>
+            <a:endParaRPr lang="en-US" sz="2800" b="1" dirty="0">
+              <a:solidFill>
+                <a:schemeClr val="bg1">
+                  <a:lumMod val="60000"/>
+                  <a:lumOff val="40000"/>
+                </a:schemeClr>
+              </a:solidFill>
+              <a:effectLst>
+                <a:outerShdw blurRad="38100" dist="38100" dir="2700000" algn="tl">
+                  <a:srgbClr val="000000">
+                    <a:alpha val="43137"/>
+                  </a:srgbClr>
+                </a:outerShdw>
+              </a:effectLst>
+            </a:endParaRPr>
+          </a:p>
+        </p:txBody>
+      </p:sp>
+      <p:sp>
+        <p:nvSpPr>
+          <p:cNvPr id="10" name="Rectangle 9"/>
+          <p:cNvSpPr/>
+          <p:nvPr/>
+        </p:nvSpPr>
+        <p:spPr bwMode="auto">
+          <a:xfrm>
+            <a:off x="4729452" y="4545540"/>
+            <a:ext cx="3762797" cy="2168460"/>
+          </a:xfrm>
+          <a:prstGeom prst="rect">
+            <a:avLst/>
+          </a:prstGeom>
+          <a:noFill/>
+          <a:ln w="38100">
+            <a:solidFill>
+              <a:schemeClr val="tx1">
+                <a:lumMod val="75000"/>
+                <a:alpha val="80000"/>
+              </a:schemeClr>
+            </a:solidFill>
+          </a:ln>
+          <a:effectLst/>
+        </p:spPr>
+        <p:style>
+          <a:lnRef idx="2">
+            <a:schemeClr val="accent1">
+              <a:shade val="50000"/>
+            </a:schemeClr>
+          </a:lnRef>
+          <a:fillRef idx="1001">
+            <a:schemeClr val="dk2"/>
+          </a:fillRef>
+          <a:effectRef idx="0">
+            <a:schemeClr val="accent1"/>
+          </a:effectRef>
+          <a:fontRef idx="minor">
+            <a:schemeClr val="lt1"/>
+          </a:fontRef>
+        </p:style>
+        <p:txBody>
+          <a:bodyPr rot="0" spcFirstLastPara="0" vertOverflow="overflow" horzOverflow="overflow" vert="horz" wrap="square" lIns="91440" tIns="45720" rIns="91440" bIns="45720" numCol="1" spcCol="0" rtlCol="0" fromWordArt="0" anchor="ctr" anchorCtr="0" forceAA="0" compatLnSpc="1">
+            <a:prstTxWarp prst="textNoShape">
+              <a:avLst/>
+            </a:prstTxWarp>
+            <a:noAutofit/>
+          </a:bodyPr>
+          <a:lstStyle/>
+          <a:p>
+            <a:pPr algn="ctr"/>
+            <a:endParaRPr lang="en-US" sz="2800" b="1" dirty="0">
+              <a:solidFill>
+                <a:srgbClr val="FFFFFF"/>
+              </a:solidFill>
+              <a:effectLst>
+                <a:outerShdw blurRad="38100" dist="38100" dir="2700000" algn="tl">
+                  <a:srgbClr val="000000">
+                    <a:alpha val="43137"/>
+                  </a:srgbClr>
+                </a:outerShdw>
+              </a:effectLst>
+            </a:endParaRPr>
+          </a:p>
+        </p:txBody>
+      </p:sp>
+      <p:sp>
+        <p:nvSpPr>
+          <p:cNvPr id="11" name="Rounded Rectangular Callout 10"/>
+          <p:cNvSpPr/>
+          <p:nvPr/>
+        </p:nvSpPr>
+        <p:spPr bwMode="auto">
+          <a:xfrm>
+            <a:off x="415406" y="4613821"/>
+            <a:ext cx="4090403" cy="1134229"/>
+          </a:xfrm>
+          <a:prstGeom prst="wedgeRoundRectCallout">
+            <a:avLst>
+              <a:gd name="adj1" fmla="val 53162"/>
+              <a:gd name="adj2" fmla="val 76262"/>
+              <a:gd name="adj3" fmla="val 16667"/>
+            </a:avLst>
+          </a:prstGeom>
+          <a:solidFill>
+            <a:schemeClr val="dk2">
+              <a:alpha val="80000"/>
+            </a:schemeClr>
+          </a:solidFill>
+          <a:ln w="19050">
+            <a:solidFill>
+              <a:schemeClr val="tx1">
+                <a:lumMod val="75000"/>
+                <a:alpha val="80000"/>
+              </a:schemeClr>
+            </a:solidFill>
+          </a:ln>
+          <a:effectLst/>
+        </p:spPr>
+        <p:style>
+          <a:lnRef idx="2">
+            <a:schemeClr val="accent1">
+              <a:shade val="50000"/>
+            </a:schemeClr>
+          </a:lnRef>
+          <a:fillRef idx="1001">
+            <a:schemeClr val="dk2"/>
+          </a:fillRef>
+          <a:effectRef idx="0">
+            <a:schemeClr val="accent1"/>
+          </a:effectRef>
+          <a:fontRef idx="minor">
+            <a:schemeClr val="lt1"/>
+          </a:fontRef>
+        </p:style>
+        <p:txBody>
+          <a:bodyPr rot="0" spcFirstLastPara="0" vertOverflow="overflow" horzOverflow="overflow" vert="horz" wrap="square" lIns="91440" tIns="45720" rIns="91440" bIns="45720" numCol="1" spcCol="0" rtlCol="0" fromWordArt="0" anchor="ctr" anchorCtr="0" forceAA="0" compatLnSpc="1">
+            <a:prstTxWarp prst="textNoShape">
+              <a:avLst/>
+            </a:prstTxWarp>
+            <a:noAutofit/>
+          </a:bodyPr>
+          <a:lstStyle/>
+          <a:p>
+            <a:pPr algn="ctr"/>
+            <a:r>
+              <a:rPr lang="bg-BG" sz="2800" b="1" dirty="0" smtClean="0">
+                <a:solidFill>
+                  <a:srgbClr val="FFFFFF"/>
+                </a:solidFill>
+                <a:effectLst>
+                  <a:outerShdw blurRad="38100" dist="38100" dir="2700000" algn="tl">
+                    <a:srgbClr val="000000">
+                      <a:alpha val="43137"/>
+                    </a:srgbClr>
+                  </a:outerShdw>
+                </a:effectLst>
+              </a:rPr>
+              <a:t>Отпечатване </a:t>
+            </a:r>
+            <a:r>
+              <a:rPr lang="bg-BG" sz="2800" b="1" dirty="0" smtClean="0">
+                <a:solidFill>
+                  <a:schemeClr val="bg2"/>
+                </a:solidFill>
+                <a:effectLst>
+                  <a:outerShdw blurRad="38100" dist="38100" dir="2700000" algn="tl">
+                    <a:srgbClr val="000000">
+                      <a:alpha val="43137"/>
+                    </a:srgbClr>
+                  </a:outerShdw>
+                </a:effectLst>
+              </a:rPr>
+              <a:t>по </a:t>
+            </a:r>
+            <a:r>
+              <a:rPr lang="bg-BG" sz="2800" b="1" dirty="0" smtClean="0">
+                <a:solidFill>
+                  <a:schemeClr val="bg1">
+                    <a:lumMod val="60000"/>
+                    <a:lumOff val="40000"/>
+                  </a:schemeClr>
+                </a:solidFill>
+                <a:effectLst>
+                  <a:outerShdw blurRad="38100" dist="38100" dir="2700000" algn="tl">
+                    <a:srgbClr val="000000">
+                      <a:alpha val="43137"/>
+                    </a:srgbClr>
+                  </a:outerShdw>
+                </a:effectLst>
+              </a:rPr>
+              <a:t>няколко слайда </a:t>
+            </a:r>
+            <a:r>
+              <a:rPr lang="bg-BG" sz="2800" b="1" dirty="0" smtClean="0">
+                <a:solidFill>
+                  <a:schemeClr val="bg2"/>
+                </a:solidFill>
+                <a:effectLst>
+                  <a:outerShdw blurRad="38100" dist="38100" dir="2700000" algn="tl">
+                    <a:srgbClr val="000000">
+                      <a:alpha val="43137"/>
+                    </a:srgbClr>
+                  </a:outerShdw>
+                </a:effectLst>
+              </a:rPr>
+              <a:t>на </a:t>
+            </a:r>
+            <a:r>
+              <a:rPr lang="bg-BG" sz="2800" b="1" dirty="0" smtClean="0">
+                <a:solidFill>
+                  <a:schemeClr val="bg1">
+                    <a:lumMod val="60000"/>
+                    <a:lumOff val="40000"/>
+                  </a:schemeClr>
+                </a:solidFill>
+                <a:effectLst>
+                  <a:outerShdw blurRad="38100" dist="38100" dir="2700000" algn="tl">
+                    <a:srgbClr val="000000">
+                      <a:alpha val="43137"/>
+                    </a:srgbClr>
+                  </a:outerShdw>
+                </a:effectLst>
+              </a:rPr>
+              <a:t>страница</a:t>
+            </a:r>
+            <a:endParaRPr lang="en-US" sz="2800" b="1" dirty="0">
+              <a:solidFill>
+                <a:schemeClr val="bg1">
+                  <a:lumMod val="60000"/>
+                  <a:lumOff val="40000"/>
+                </a:schemeClr>
+              </a:solidFill>
+              <a:effectLst>
+                <a:outerShdw blurRad="38100" dist="38100" dir="2700000" algn="tl">
+                  <a:srgbClr val="000000">
+                    <a:alpha val="43137"/>
+                  </a:srgbClr>
+                </a:outerShdw>
+              </a:effectLst>
+            </a:endParaRPr>
+          </a:p>
+        </p:txBody>
+      </p:sp>
+    </p:spTree>
+    <p:extLst>
+      <p:ext uri="{BB962C8B-B14F-4D97-AF65-F5344CB8AC3E}">
+        <p14:creationId xmlns:p14="http://schemas.microsoft.com/office/powerpoint/2010/main" val="1590735262"/>
+      </p:ext>
+    </p:extLst>
+  </p:cSld>
+  <p:clrMapOvr>
+    <a:masterClrMapping/>
+  </p:clrMapOvr>
+  <mc:AlternateContent xmlns:mc="http://schemas.openxmlformats.org/markup-compatibility/2006" xmlns:p14="http://schemas.microsoft.com/office/powerpoint/2010/main">
+    <mc:Choice Requires="p14">
+      <p:transition spd="slow" p14:dur="2000" advClick="0" advTm="5000"/>
+    </mc:Choice>
+    <mc:Fallback xmlns="">
+      <p:transition spd="slow" advClick="0" advTm="5000"/>
+    </mc:Fallback>
+  </mc:AlternateContent>
+  <p:timing>
+    <p:tnLst>
+      <p:par>
+        <p:cTn id="1" dur="indefinite" restart="never" nodeType="tmRoot">
+          <p:childTnLst>
+            <p:seq concurrent="1" nextAc="seek">
+              <p:cTn id="2" dur="indefinite" nodeType="mainSeq">
+                <p:childTnLst>
+                  <p:par>
+                    <p:cTn id="3" fill="hold">
+                      <p:stCondLst>
+                        <p:cond delay="indefinite"/>
+                      </p:stCondLst>
+                      <p:childTnLst>
+                        <p:par>
+                          <p:cTn id="4" fill="hold">
+                            <p:stCondLst>
+                              <p:cond delay="0"/>
+                            </p:stCondLst>
+                            <p:childTnLst>
+                              <p:par>
+                                <p:cTn id="5" presetID="1" presetClass="entr" presetSubtype="0" fill="hold" grpId="0" nodeType="clickEffect">
+                                  <p:stCondLst>
+                                    <p:cond delay="0"/>
+                                  </p:stCondLst>
+                                  <p:childTnLst>
+                                    <p:set>
+                                      <p:cBhvr>
+                                        <p:cTn id="6" dur="1" fill="hold">
+                                          <p:stCondLst>
+                                            <p:cond delay="0"/>
+                                          </p:stCondLst>
+                                        </p:cTn>
+                                        <p:tgtEl>
+                                          <p:spTgt spid="6"/>
+                                        </p:tgtEl>
+                                        <p:attrNameLst>
+                                          <p:attrName>style.visibility</p:attrName>
+                                        </p:attrNameLst>
+                                      </p:cBhvr>
+                                      <p:to>
+                                        <p:strVal val="visible"/>
+                                      </p:to>
+                                    </p:set>
+                                  </p:childTnLst>
+                                </p:cTn>
+                              </p:par>
+                            </p:childTnLst>
+                          </p:cTn>
+                        </p:par>
+                      </p:childTnLst>
+                    </p:cTn>
+                  </p:par>
+                  <p:par>
+                    <p:cTn id="7" fill="hold">
+                      <p:stCondLst>
+                        <p:cond delay="indefinite"/>
+                      </p:stCondLst>
+                      <p:childTnLst>
+                        <p:par>
+                          <p:cTn id="8" fill="hold">
+                            <p:stCondLst>
+                              <p:cond delay="0"/>
+                            </p:stCondLst>
+                            <p:childTnLst>
+                              <p:par>
+                                <p:cTn id="9" presetID="1" presetClass="entr" presetSubtype="0" fill="hold" nodeType="clickEffect">
+                                  <p:stCondLst>
+                                    <p:cond delay="0"/>
+                                  </p:stCondLst>
+                                  <p:childTnLst>
+                                    <p:set>
+                                      <p:cBhvr>
+                                        <p:cTn id="10" dur="1" fill="hold">
+                                          <p:stCondLst>
+                                            <p:cond delay="0"/>
+                                          </p:stCondLst>
+                                        </p:cTn>
+                                        <p:tgtEl>
+                                          <p:spTgt spid="7"/>
+                                        </p:tgtEl>
+                                        <p:attrNameLst>
+                                          <p:attrName>style.visibility</p:attrName>
+                                        </p:attrNameLst>
+                                      </p:cBhvr>
+                                      <p:to>
+                                        <p:strVal val="visible"/>
+                                      </p:to>
+                                    </p:set>
+                                  </p:childTnLst>
+                                </p:cTn>
+                              </p:par>
+                              <p:par>
+                                <p:cTn id="11" presetID="1" presetClass="exit" presetSubtype="0" fill="hold" grpId="1" nodeType="withEffect">
+                                  <p:stCondLst>
+                                    <p:cond delay="0"/>
+                                  </p:stCondLst>
+                                  <p:childTnLst>
+                                    <p:set>
+                                      <p:cBhvr>
+                                        <p:cTn id="12" dur="1" fill="hold">
+                                          <p:stCondLst>
+                                            <p:cond delay="0"/>
+                                          </p:stCondLst>
+                                        </p:cTn>
+                                        <p:tgtEl>
+                                          <p:spTgt spid="6"/>
+                                        </p:tgtEl>
+                                        <p:attrNameLst>
+                                          <p:attrName>style.visibility</p:attrName>
+                                        </p:attrNameLst>
+                                      </p:cBhvr>
+                                      <p:to>
+                                        <p:strVal val="hidden"/>
+                                      </p:to>
+                                    </p:set>
+                                  </p:childTnLst>
+                                </p:cTn>
+                              </p:par>
+                            </p:childTnLst>
+                          </p:cTn>
+                        </p:par>
+                      </p:childTnLst>
+                    </p:cTn>
+                  </p:par>
+                  <p:par>
+                    <p:cTn id="13" fill="hold">
+                      <p:stCondLst>
+                        <p:cond delay="indefinite"/>
+                      </p:stCondLst>
+                      <p:childTnLst>
+                        <p:par>
+                          <p:cTn id="14" fill="hold">
+                            <p:stCondLst>
+                              <p:cond delay="0"/>
+                            </p:stCondLst>
+                            <p:childTnLst>
+                              <p:par>
+                                <p:cTn id="15" presetID="1" presetClass="entr" presetSubtype="0" fill="hold" grpId="0" nodeType="clickEffect">
+                                  <p:stCondLst>
+                                    <p:cond delay="0"/>
+                                  </p:stCondLst>
+                                  <p:childTnLst>
+                                    <p:set>
+                                      <p:cBhvr>
+                                        <p:cTn id="16" dur="1" fill="hold">
+                                          <p:stCondLst>
+                                            <p:cond delay="0"/>
+                                          </p:stCondLst>
+                                        </p:cTn>
+                                        <p:tgtEl>
+                                          <p:spTgt spid="8"/>
+                                        </p:tgtEl>
+                                        <p:attrNameLst>
+                                          <p:attrName>style.visibility</p:attrName>
+                                        </p:attrNameLst>
+                                      </p:cBhvr>
+                                      <p:to>
+                                        <p:strVal val="visible"/>
+                                      </p:to>
+                                    </p:set>
+                                  </p:childTnLst>
+                                </p:cTn>
+                              </p:par>
+                            </p:childTnLst>
+                          </p:cTn>
+                        </p:par>
+                      </p:childTnLst>
+                    </p:cTn>
+                  </p:par>
+                  <p:par>
+                    <p:cTn id="17" fill="hold">
+                      <p:stCondLst>
+                        <p:cond delay="indefinite"/>
+                      </p:stCondLst>
+                      <p:childTnLst>
+                        <p:par>
+                          <p:cTn id="18" fill="hold">
+                            <p:stCondLst>
+                              <p:cond delay="0"/>
+                            </p:stCondLst>
+                            <p:childTnLst>
+                              <p:par>
+                                <p:cTn id="19" presetID="1" presetClass="entr" presetSubtype="0" fill="hold" grpId="0" nodeType="clickEffect">
+                                  <p:stCondLst>
+                                    <p:cond delay="0"/>
+                                  </p:stCondLst>
+                                  <p:childTnLst>
+                                    <p:set>
+                                      <p:cBhvr>
+                                        <p:cTn id="20" dur="1" fill="hold">
+                                          <p:stCondLst>
+                                            <p:cond delay="0"/>
+                                          </p:stCondLst>
+                                        </p:cTn>
+                                        <p:tgtEl>
+                                          <p:spTgt spid="9"/>
+                                        </p:tgtEl>
+                                        <p:attrNameLst>
+                                          <p:attrName>style.visibility</p:attrName>
+                                        </p:attrNameLst>
+                                      </p:cBhvr>
+                                      <p:to>
+                                        <p:strVal val="visible"/>
+                                      </p:to>
+                                    </p:set>
+                                  </p:childTnLst>
+                                </p:cTn>
+                              </p:par>
+                            </p:childTnLst>
+                          </p:cTn>
+                        </p:par>
+                      </p:childTnLst>
+                    </p:cTn>
+                  </p:par>
+                  <p:par>
+                    <p:cTn id="21" fill="hold">
+                      <p:stCondLst>
+                        <p:cond delay="indefinite"/>
+                      </p:stCondLst>
+                      <p:childTnLst>
+                        <p:par>
+                          <p:cTn id="22" fill="hold">
+                            <p:stCondLst>
+                              <p:cond delay="0"/>
+                            </p:stCondLst>
+                            <p:childTnLst>
+                              <p:par>
+                                <p:cTn id="23" presetID="1" presetClass="entr" presetSubtype="0" fill="hold" grpId="0" nodeType="clickEffect">
+                                  <p:stCondLst>
+                                    <p:cond delay="0"/>
+                                  </p:stCondLst>
+                                  <p:childTnLst>
+                                    <p:set>
+                                      <p:cBhvr>
+                                        <p:cTn id="24" dur="1" fill="hold">
+                                          <p:stCondLst>
+                                            <p:cond delay="0"/>
+                                          </p:stCondLst>
+                                        </p:cTn>
+                                        <p:tgtEl>
+                                          <p:spTgt spid="10"/>
+                                        </p:tgtEl>
+                                        <p:attrNameLst>
+                                          <p:attrName>style.visibility</p:attrName>
+                                        </p:attrNameLst>
+                                      </p:cBhvr>
+                                      <p:to>
+                                        <p:strVal val="visible"/>
+                                      </p:to>
+                                    </p:set>
+                                  </p:childTnLst>
+                                </p:cTn>
+                              </p:par>
+                            </p:childTnLst>
+                          </p:cTn>
+                        </p:par>
+                      </p:childTnLst>
+                    </p:cTn>
+                  </p:par>
+                  <p:par>
+                    <p:cTn id="25" fill="hold">
+                      <p:stCondLst>
+                        <p:cond delay="indefinite"/>
+                      </p:stCondLst>
+                      <p:childTnLst>
+                        <p:par>
+                          <p:cTn id="26" fill="hold">
+                            <p:stCondLst>
+                              <p:cond delay="0"/>
+                            </p:stCondLst>
+                            <p:childTnLst>
+                              <p:par>
+                                <p:cTn id="27" presetID="1" presetClass="entr" presetSubtype="0" fill="hold" grpId="0" nodeType="clickEffect">
+                                  <p:stCondLst>
+                                    <p:cond delay="0"/>
+                                  </p:stCondLst>
+                                  <p:childTnLst>
+                                    <p:set>
+                                      <p:cBhvr>
+                                        <p:cTn id="28" dur="1" fill="hold">
+                                          <p:stCondLst>
+                                            <p:cond delay="0"/>
+                                          </p:stCondLst>
+                                        </p:cTn>
+                                        <p:tgtEl>
+                                          <p:spTgt spid="11"/>
+                                        </p:tgtEl>
+                                        <p:attrNameLst>
+                                          <p:attrName>style.visibility</p:attrName>
+                                        </p:attrNameLst>
+                                      </p:cBhvr>
+                                      <p:to>
+                                        <p:strVal val="visible"/>
+                                      </p:to>
+                                    </p:set>
+                                  </p:childTnLst>
+                                </p:cTn>
+                              </p:par>
+                            </p:childTnLst>
+                          </p:cTn>
+                        </p:par>
+                      </p:childTnLst>
+                    </p:cTn>
+                  </p:par>
+                </p:childTnLst>
+              </p:cTn>
+              <p:prevCondLst>
+                <p:cond evt="onPrev" delay="0">
+                  <p:tgtEl>
+                    <p:sldTgt/>
+                  </p:tgtEl>
+                </p:cond>
+              </p:prevCondLst>
+              <p:nextCondLst>
+                <p:cond evt="onNext" delay="0">
+                  <p:tgtEl>
+                    <p:sldTgt/>
+                  </p:tgtEl>
+                </p:cond>
+              </p:nextCondLst>
+            </p:seq>
+          </p:childTnLst>
+        </p:cTn>
+      </p:par>
+    </p:tnLst>
+    <p:bldLst>
+      <p:bldP spid="6" grpId="0" animBg="1"/>
+      <p:bldP spid="6" grpId="1" animBg="1"/>
+      <p:bldP spid="8" grpId="0" animBg="1"/>
+      <p:bldP spid="9" grpId="0" animBg="1"/>
+      <p:bldP spid="10" grpId="0" animBg="1"/>
+      <p:bldP spid="11" grpId="0" animBg="1"/>
+    </p:bldLst>
+  </p:timing>
+</p:sld>
+</file>
+
+<file path=ppt/slides/slide21.xml><?xml version="1.0" encoding="utf-8"?>
+<p:sld xmlns:a="http://schemas.openxmlformats.org/drawingml/2006/main" xmlns:r="http://schemas.openxmlformats.org/officeDocument/2006/relationships" xmlns:p="http://schemas.openxmlformats.org/presentationml/2006/main">
+  <p:cSld>
+    <p:spTree>
+      <p:nvGrpSpPr>
+        <p:cNvPr id="1" name=""/>
+        <p:cNvGrpSpPr/>
+        <p:nvPr/>
+      </p:nvGrpSpPr>
+      <p:grpSpPr>
+        <a:xfrm>
+          <a:off x="0" y="0"/>
+          <a:ext cx="0" cy="0"/>
+          <a:chOff x="0" y="0"/>
+          <a:chExt cx="0" cy="0"/>
+        </a:xfrm>
+      </p:grpSpPr>
+      <p:pic>
+        <p:nvPicPr>
+          <p:cNvPr id="5" name="Picture 4"/>
+          <p:cNvPicPr>
+            <a:picLocks noChangeAspect="1"/>
+          </p:cNvPicPr>
+          <p:nvPr/>
+        </p:nvPicPr>
+        <p:blipFill rotWithShape="1">
+          <a:blip r:embed="rId2"/>
+          <a:srcRect l="12457" t="51228" r="64369" b="2334"/>
+          <a:stretch/>
+        </p:blipFill>
+        <p:spPr>
+          <a:xfrm>
+            <a:off x="7481737" y="1269000"/>
+            <a:ext cx="4455000" cy="4975714"/>
+          </a:xfrm>
+          <a:prstGeom prst="rect">
+            <a:avLst/>
+          </a:prstGeom>
+          <a:ln>
+            <a:solidFill>
+              <a:schemeClr val="bg2">
+                <a:lumMod val="75000"/>
+              </a:schemeClr>
+            </a:solidFill>
+          </a:ln>
+        </p:spPr>
+      </p:pic>
+      <p:pic>
+        <p:nvPicPr>
+          <p:cNvPr id="7" name="Picture 6"/>
+          <p:cNvPicPr>
+            <a:picLocks noChangeAspect="1"/>
+          </p:cNvPicPr>
+          <p:nvPr/>
+        </p:nvPicPr>
+        <p:blipFill>
+          <a:blip r:embed="rId3"/>
+          <a:stretch>
+            <a:fillRect/>
+          </a:stretch>
+        </p:blipFill>
+        <p:spPr>
+          <a:xfrm>
+            <a:off x="7860525" y="5129475"/>
+            <a:ext cx="3780000" cy="1518602"/>
+          </a:xfrm>
+          <a:prstGeom prst="rect">
+            <a:avLst/>
+          </a:prstGeom>
+          <a:ln>
+            <a:solidFill>
+              <a:schemeClr val="bg2">
+                <a:lumMod val="75000"/>
+              </a:schemeClr>
+            </a:solidFill>
+          </a:ln>
+        </p:spPr>
+      </p:pic>
+      <p:sp>
+        <p:nvSpPr>
+          <p:cNvPr id="2" name="Slide Number Placeholder 1"/>
+          <p:cNvSpPr>
+            <a:spLocks noGrp="1"/>
+          </p:cNvSpPr>
+          <p:nvPr>
+            <p:ph type="sldNum" sz="quarter" idx="5"/>
+          </p:nvPr>
+        </p:nvSpPr>
+        <p:spPr/>
+        <p:txBody>
+          <a:bodyPr/>
+          <a:lstStyle/>
+          <a:p>
+            <a:fld id="{2BF067CD-8E6B-4360-9AA8-C5DF2A48A6D1}" type="slidenum">
+              <a:rPr lang="en-US" noProof="0" smtClean="0"/>
+              <a:pPr/>
+              <a:t>21</a:t>
+            </a:fld>
+            <a:endParaRPr lang="en-US" noProof="0" dirty="0"/>
+          </a:p>
+        </p:txBody>
+      </p:sp>
+      <p:sp>
+        <p:nvSpPr>
+          <p:cNvPr id="3" name="Text Placeholder 2"/>
+          <p:cNvSpPr>
+            <a:spLocks noGrp="1"/>
+          </p:cNvSpPr>
+          <p:nvPr>
+            <p:ph type="body" sz="quarter" idx="10"/>
+          </p:nvPr>
+        </p:nvSpPr>
+        <p:spPr>
+          <a:xfrm>
+            <a:off x="190401" y="1196125"/>
+            <a:ext cx="6995123" cy="5528766"/>
+          </a:xfrm>
+        </p:spPr>
+        <p:txBody>
+          <a:bodyPr/>
+          <a:lstStyle/>
+          <a:p>
+            <a:r>
+              <a:rPr lang="bg-BG" dirty="0" smtClean="0"/>
+              <a:t>От </a:t>
+            </a:r>
+            <a:r>
+              <a:rPr lang="en-US" b="1" dirty="0" smtClean="0">
+                <a:solidFill>
+                  <a:schemeClr val="bg1"/>
+                </a:solidFill>
+              </a:rPr>
+              <a:t>Collated</a:t>
+            </a:r>
+            <a:r>
+              <a:rPr lang="en-US" dirty="0" smtClean="0"/>
+              <a:t> </a:t>
+            </a:r>
+            <a:r>
+              <a:rPr lang="bg-BG" dirty="0" smtClean="0"/>
+              <a:t>задавате дали копията да са </a:t>
+            </a:r>
+            <a:r>
+              <a:rPr lang="bg-BG" b="1" dirty="0" smtClean="0"/>
+              <a:t>комплектовани</a:t>
+            </a:r>
+            <a:r>
+              <a:rPr lang="bg-BG" dirty="0" smtClean="0"/>
+              <a:t>, или </a:t>
+            </a:r>
+            <a:r>
+              <a:rPr lang="bg-BG" b="1" dirty="0" smtClean="0"/>
+              <a:t>не</a:t>
+            </a:r>
+          </a:p>
+          <a:p>
+            <a:r>
+              <a:rPr lang="bg-BG" dirty="0" smtClean="0"/>
+              <a:t>От кутията за </a:t>
+            </a:r>
+            <a:r>
+              <a:rPr lang="bg-BG" b="1" dirty="0" smtClean="0"/>
+              <a:t>цвят на отпечатването</a:t>
+            </a:r>
+            <a:r>
+              <a:rPr lang="en-US" b="1" dirty="0" smtClean="0"/>
+              <a:t> </a:t>
+            </a:r>
+            <a:r>
+              <a:rPr lang="bg-BG" dirty="0" smtClean="0"/>
+              <a:t>може да изберете дали то да бъде:</a:t>
+            </a:r>
+          </a:p>
+          <a:p>
+            <a:pPr lvl="1"/>
+            <a:r>
+              <a:rPr lang="en-US" b="1" dirty="0" smtClean="0"/>
+              <a:t>͏</a:t>
+            </a:r>
+            <a:r>
+              <a:rPr lang="en-US" b="1" dirty="0" smtClean="0">
+                <a:solidFill>
+                  <a:srgbClr val="FF0000"/>
+                </a:solidFill>
+              </a:rPr>
+              <a:t>C</a:t>
+            </a:r>
+            <a:r>
+              <a:rPr lang="en-US" b="1" dirty="0" smtClean="0">
+                <a:solidFill>
+                  <a:schemeClr val="accent2"/>
+                </a:solidFill>
+              </a:rPr>
+              <a:t>o</a:t>
+            </a:r>
+            <a:r>
+              <a:rPr lang="en-US" b="1" dirty="0" smtClean="0">
+                <a:solidFill>
+                  <a:schemeClr val="accent4"/>
+                </a:solidFill>
+              </a:rPr>
+              <a:t>l</a:t>
+            </a:r>
+            <a:r>
+              <a:rPr lang="en-US" b="1" dirty="0" smtClean="0">
+                <a:solidFill>
+                  <a:schemeClr val="bg1"/>
+                </a:solidFill>
+              </a:rPr>
+              <a:t>o</a:t>
+            </a:r>
+            <a:r>
+              <a:rPr lang="en-US" b="1" dirty="0" smtClean="0">
+                <a:solidFill>
+                  <a:schemeClr val="accent3"/>
+                </a:solidFill>
+              </a:rPr>
+              <a:t>r</a:t>
+            </a:r>
+            <a:r>
+              <a:rPr lang="en-US" dirty="0" smtClean="0"/>
+              <a:t> (</a:t>
+            </a:r>
+            <a:r>
+              <a:rPr lang="bg-BG" dirty="0" smtClean="0"/>
+              <a:t>цветно)</a:t>
+            </a:r>
+          </a:p>
+          <a:p>
+            <a:pPr lvl="1"/>
+            <a:r>
+              <a:rPr lang="en-US" b="1" dirty="0" smtClean="0"/>
+              <a:t>Grayscale</a:t>
+            </a:r>
+            <a:r>
+              <a:rPr lang="en-US" dirty="0" smtClean="0"/>
+              <a:t> (</a:t>
+            </a:r>
+            <a:r>
+              <a:rPr lang="bg-BG" dirty="0" smtClean="0"/>
+              <a:t>сиво</a:t>
+            </a:r>
+            <a:r>
+              <a:rPr lang="en-US" dirty="0" smtClean="0"/>
+              <a:t>)</a:t>
+            </a:r>
+            <a:endParaRPr lang="bg-BG" dirty="0" smtClean="0"/>
+          </a:p>
+          <a:p>
+            <a:pPr lvl="1"/>
+            <a:r>
+              <a:rPr lang="en-US" b="1" dirty="0" smtClean="0"/>
+              <a:t>Pure Black and White </a:t>
+            </a:r>
+            <a:r>
+              <a:rPr lang="bg-BG" dirty="0" smtClean="0"/>
+              <a:t>(черно-бяло</a:t>
+            </a:r>
+            <a:r>
+              <a:rPr lang="en-US" dirty="0" smtClean="0"/>
+              <a:t>)</a:t>
+            </a:r>
+            <a:endParaRPr lang="en-US" dirty="0"/>
+          </a:p>
+        </p:txBody>
+      </p:sp>
+      <p:sp>
+        <p:nvSpPr>
+          <p:cNvPr id="4" name="Title 3"/>
+          <p:cNvSpPr>
+            <a:spLocks noGrp="1"/>
+          </p:cNvSpPr>
+          <p:nvPr>
+            <p:ph type="title"/>
+          </p:nvPr>
+        </p:nvSpPr>
+        <p:spPr/>
+        <p:txBody>
+          <a:bodyPr/>
+          <a:lstStyle/>
+          <a:p>
+            <a:r>
+              <a:rPr lang="bg-BG" dirty="0"/>
+              <a:t>Настройки при отпечатването</a:t>
+            </a:r>
+            <a:endParaRPr lang="en-US" dirty="0"/>
+          </a:p>
+        </p:txBody>
+      </p:sp>
+      <p:pic>
+        <p:nvPicPr>
+          <p:cNvPr id="8" name="Picture 7"/>
+          <p:cNvPicPr>
+            <a:picLocks noChangeAspect="1"/>
+          </p:cNvPicPr>
+          <p:nvPr/>
+        </p:nvPicPr>
+        <p:blipFill>
+          <a:blip r:embed="rId4"/>
+          <a:stretch>
+            <a:fillRect/>
+          </a:stretch>
+        </p:blipFill>
+        <p:spPr>
+          <a:xfrm>
+            <a:off x="7860525" y="2889000"/>
+            <a:ext cx="3772563" cy="2240475"/>
+          </a:xfrm>
+          <a:prstGeom prst="rect">
+            <a:avLst/>
+          </a:prstGeom>
+          <a:ln>
+            <a:solidFill>
+              <a:schemeClr val="bg2">
+                <a:lumMod val="75000"/>
+              </a:schemeClr>
+            </a:solidFill>
+          </a:ln>
+        </p:spPr>
+      </p:pic>
+      <p:sp>
+        <p:nvSpPr>
+          <p:cNvPr id="9" name="Rectangle 8"/>
+          <p:cNvSpPr/>
+          <p:nvPr/>
+        </p:nvSpPr>
+        <p:spPr bwMode="auto">
+          <a:xfrm>
+            <a:off x="7875675" y="4454662"/>
+            <a:ext cx="3762797" cy="674813"/>
+          </a:xfrm>
+          <a:prstGeom prst="rect">
+            <a:avLst/>
+          </a:prstGeom>
+          <a:noFill/>
+          <a:ln w="38100">
+            <a:solidFill>
+              <a:schemeClr val="tx1">
+                <a:lumMod val="75000"/>
+                <a:alpha val="80000"/>
+              </a:schemeClr>
+            </a:solidFill>
+          </a:ln>
+          <a:effectLst/>
+        </p:spPr>
+        <p:style>
+          <a:lnRef idx="2">
+            <a:schemeClr val="accent1">
+              <a:shade val="50000"/>
+            </a:schemeClr>
+          </a:lnRef>
+          <a:fillRef idx="1001">
+            <a:schemeClr val="dk2"/>
+          </a:fillRef>
+          <a:effectRef idx="0">
+            <a:schemeClr val="accent1"/>
+          </a:effectRef>
+          <a:fontRef idx="minor">
+            <a:schemeClr val="lt1"/>
+          </a:fontRef>
+        </p:style>
+        <p:txBody>
+          <a:bodyPr rot="0" spcFirstLastPara="0" vertOverflow="overflow" horzOverflow="overflow" vert="horz" wrap="square" lIns="91440" tIns="45720" rIns="91440" bIns="45720" numCol="1" spcCol="0" rtlCol="0" fromWordArt="0" anchor="ctr" anchorCtr="0" forceAA="0" compatLnSpc="1">
+            <a:prstTxWarp prst="textNoShape">
+              <a:avLst/>
+            </a:prstTxWarp>
+            <a:noAutofit/>
+          </a:bodyPr>
+          <a:lstStyle/>
+          <a:p>
+            <a:pPr algn="ctr"/>
+            <a:endParaRPr lang="en-US" sz="2800" b="1" dirty="0">
+              <a:solidFill>
+                <a:srgbClr val="FFFFFF"/>
+              </a:solidFill>
+              <a:effectLst>
+                <a:outerShdw blurRad="38100" dist="38100" dir="2700000" algn="tl">
+                  <a:srgbClr val="000000">
+                    <a:alpha val="43137"/>
+                  </a:srgbClr>
+                </a:outerShdw>
+              </a:effectLst>
+            </a:endParaRPr>
+          </a:p>
+        </p:txBody>
+      </p:sp>
+      <p:sp>
+        <p:nvSpPr>
+          <p:cNvPr id="10" name="Rectangle 9"/>
+          <p:cNvSpPr/>
+          <p:nvPr/>
+        </p:nvSpPr>
+        <p:spPr bwMode="auto">
+          <a:xfrm>
+            <a:off x="7877728" y="5184000"/>
+            <a:ext cx="3762797" cy="620289"/>
+          </a:xfrm>
+          <a:prstGeom prst="rect">
+            <a:avLst/>
+          </a:prstGeom>
+          <a:noFill/>
+          <a:ln w="38100">
+            <a:solidFill>
+              <a:schemeClr val="tx1">
+                <a:lumMod val="75000"/>
+                <a:alpha val="80000"/>
+              </a:schemeClr>
+            </a:solidFill>
+          </a:ln>
+          <a:effectLst/>
+        </p:spPr>
+        <p:style>
+          <a:lnRef idx="2">
+            <a:schemeClr val="accent1">
+              <a:shade val="50000"/>
+            </a:schemeClr>
+          </a:lnRef>
+          <a:fillRef idx="1001">
+            <a:schemeClr val="dk2"/>
+          </a:fillRef>
+          <a:effectRef idx="0">
+            <a:schemeClr val="accent1"/>
+          </a:effectRef>
+          <a:fontRef idx="minor">
+            <a:schemeClr val="lt1"/>
+          </a:fontRef>
+        </p:style>
+        <p:txBody>
+          <a:bodyPr rot="0" spcFirstLastPara="0" vertOverflow="overflow" horzOverflow="overflow" vert="horz" wrap="square" lIns="91440" tIns="45720" rIns="91440" bIns="45720" numCol="1" spcCol="0" rtlCol="0" fromWordArt="0" anchor="ctr" anchorCtr="0" forceAA="0" compatLnSpc="1">
+            <a:prstTxWarp prst="textNoShape">
+              <a:avLst/>
+            </a:prstTxWarp>
+            <a:noAutofit/>
+          </a:bodyPr>
+          <a:lstStyle/>
+          <a:p>
+            <a:pPr algn="ctr"/>
+            <a:endParaRPr lang="en-US" sz="2800" b="1" dirty="0">
+              <a:solidFill>
+                <a:srgbClr val="FFFFFF"/>
+              </a:solidFill>
+              <a:effectLst>
+                <a:outerShdw blurRad="38100" dist="38100" dir="2700000" algn="tl">
+                  <a:srgbClr val="000000">
+                    <a:alpha val="43137"/>
+                  </a:srgbClr>
+                </a:outerShdw>
+              </a:effectLst>
+            </a:endParaRPr>
+          </a:p>
+        </p:txBody>
+      </p:sp>
+    </p:spTree>
+    <p:extLst>
+      <p:ext uri="{BB962C8B-B14F-4D97-AF65-F5344CB8AC3E}">
+        <p14:creationId xmlns:p14="http://schemas.microsoft.com/office/powerpoint/2010/main" val="291465802"/>
+      </p:ext>
+    </p:extLst>
+  </p:cSld>
+  <p:clrMapOvr>
+    <a:masterClrMapping/>
+  </p:clrMapOvr>
+  <mc:AlternateContent xmlns:mc="http://schemas.openxmlformats.org/markup-compatibility/2006" xmlns:p14="http://schemas.microsoft.com/office/powerpoint/2010/main">
+    <mc:Choice Requires="p14">
+      <p:transition spd="slow" p14:dur="2000" advClick="0" advTm="5000"/>
+    </mc:Choice>
+    <mc:Fallback xmlns="">
+      <p:transition spd="slow" advClick="0" advTm="5000"/>
+    </mc:Fallback>
+  </mc:AlternateContent>
+  <p:timing>
+    <p:tnLst>
+      <p:par>
+        <p:cTn id="1" dur="indefinite" restart="never" nodeType="tmRoot">
+          <p:childTnLst>
+            <p:seq concurrent="1" nextAc="seek">
+              <p:cTn id="2" dur="indefinite" nodeType="mainSeq">
+                <p:childTnLst>
+                  <p:par>
+                    <p:cTn id="3" fill="hold">
+                      <p:stCondLst>
+                        <p:cond delay="indefinite"/>
+                      </p:stCondLst>
+                      <p:childTnLst>
+                        <p:par>
+                          <p:cTn id="4" fill="hold">
+                            <p:stCondLst>
+                              <p:cond delay="0"/>
+                            </p:stCondLst>
+                            <p:childTnLst>
+                              <p:par>
+                                <p:cTn id="5" presetID="1" presetClass="entr" presetSubtype="0" fill="hold" grpId="0" nodeType="clickEffect">
+                                  <p:stCondLst>
+                                    <p:cond delay="0"/>
+                                  </p:stCondLst>
+                                  <p:childTnLst>
+                                    <p:set>
+                                      <p:cBhvr>
+                                        <p:cTn id="6" dur="1" fill="hold">
+                                          <p:stCondLst>
+                                            <p:cond delay="0"/>
+                                          </p:stCondLst>
+                                        </p:cTn>
+                                        <p:tgtEl>
+                                          <p:spTgt spid="9"/>
+                                        </p:tgtEl>
+                                        <p:attrNameLst>
+                                          <p:attrName>style.visibility</p:attrName>
+                                        </p:attrNameLst>
+                                      </p:cBhvr>
+                                      <p:to>
+                                        <p:strVal val="visible"/>
+                                      </p:to>
+                                    </p:set>
+                                  </p:childTnLst>
+                                </p:cTn>
+                              </p:par>
+                            </p:childTnLst>
+                          </p:cTn>
+                        </p:par>
+                      </p:childTnLst>
+                    </p:cTn>
+                  </p:par>
+                  <p:par>
+                    <p:cTn id="7" fill="hold">
+                      <p:stCondLst>
+                        <p:cond delay="indefinite"/>
+                      </p:stCondLst>
+                      <p:childTnLst>
+                        <p:par>
+                          <p:cTn id="8" fill="hold">
+                            <p:stCondLst>
+                              <p:cond delay="0"/>
+                            </p:stCondLst>
+                            <p:childTnLst>
+                              <p:par>
+                                <p:cTn id="9" presetID="1" presetClass="entr" presetSubtype="0" fill="hold" nodeType="clickEffect">
+                                  <p:stCondLst>
+                                    <p:cond delay="0"/>
+                                  </p:stCondLst>
+                                  <p:childTnLst>
+                                    <p:set>
+                                      <p:cBhvr>
+                                        <p:cTn id="10" dur="1" fill="hold">
+                                          <p:stCondLst>
+                                            <p:cond delay="0"/>
+                                          </p:stCondLst>
+                                        </p:cTn>
+                                        <p:tgtEl>
+                                          <p:spTgt spid="7"/>
+                                        </p:tgtEl>
+                                        <p:attrNameLst>
+                                          <p:attrName>style.visibility</p:attrName>
+                                        </p:attrNameLst>
+                                      </p:cBhvr>
+                                      <p:to>
+                                        <p:strVal val="visible"/>
+                                      </p:to>
+                                    </p:set>
+                                  </p:childTnLst>
+                                </p:cTn>
+                              </p:par>
+                              <p:par>
+                                <p:cTn id="11" presetID="1" presetClass="exit" presetSubtype="0" fill="hold" grpId="1" nodeType="withEffect">
+                                  <p:stCondLst>
+                                    <p:cond delay="0"/>
+                                  </p:stCondLst>
+                                  <p:childTnLst>
+                                    <p:set>
+                                      <p:cBhvr>
+                                        <p:cTn id="12" dur="1" fill="hold">
+                                          <p:stCondLst>
+                                            <p:cond delay="0"/>
+                                          </p:stCondLst>
+                                        </p:cTn>
+                                        <p:tgtEl>
+                                          <p:spTgt spid="9"/>
+                                        </p:tgtEl>
+                                        <p:attrNameLst>
+                                          <p:attrName>style.visibility</p:attrName>
+                                        </p:attrNameLst>
+                                      </p:cBhvr>
+                                      <p:to>
+                                        <p:strVal val="hidden"/>
+                                      </p:to>
+                                    </p:set>
+                                  </p:childTnLst>
+                                </p:cTn>
+                              </p:par>
+                            </p:childTnLst>
+                          </p:cTn>
+                        </p:par>
+                      </p:childTnLst>
+                    </p:cTn>
+                  </p:par>
+                  <p:par>
+                    <p:cTn id="13" fill="hold">
+                      <p:stCondLst>
+                        <p:cond delay="indefinite"/>
+                      </p:stCondLst>
+                      <p:childTnLst>
+                        <p:par>
+                          <p:cTn id="14" fill="hold">
+                            <p:stCondLst>
+                              <p:cond delay="0"/>
+                            </p:stCondLst>
+                            <p:childTnLst>
+                              <p:par>
+                                <p:cTn id="15" presetID="1" presetClass="entr" presetSubtype="0" fill="hold" nodeType="clickEffect">
+                                  <p:stCondLst>
+                                    <p:cond delay="0"/>
+                                  </p:stCondLst>
+                                  <p:childTnLst>
+                                    <p:set>
+                                      <p:cBhvr>
+                                        <p:cTn id="16" dur="1" fill="hold">
+                                          <p:stCondLst>
+                                            <p:cond delay="0"/>
+                                          </p:stCondLst>
+                                        </p:cTn>
+                                        <p:tgtEl>
+                                          <p:spTgt spid="3">
+                                            <p:txEl>
+                                              <p:pRg st="1" end="1"/>
+                                            </p:txEl>
+                                          </p:spTgt>
+                                        </p:tgtEl>
+                                        <p:attrNameLst>
+                                          <p:attrName>style.visibility</p:attrName>
+                                        </p:attrNameLst>
+                                      </p:cBhvr>
+                                      <p:to>
+                                        <p:strVal val="visible"/>
+                                      </p:to>
+                                    </p:set>
+                                  </p:childTnLst>
+                                </p:cTn>
+                              </p:par>
+                              <p:par>
+                                <p:cTn id="17" presetID="1" presetClass="exit" presetSubtype="0" fill="hold" nodeType="withEffect">
+                                  <p:stCondLst>
+                                    <p:cond delay="0"/>
+                                  </p:stCondLst>
+                                  <p:childTnLst>
+                                    <p:set>
+                                      <p:cBhvr>
+                                        <p:cTn id="18" dur="1" fill="hold">
+                                          <p:stCondLst>
+                                            <p:cond delay="0"/>
+                                          </p:stCondLst>
+                                        </p:cTn>
+                                        <p:tgtEl>
+                                          <p:spTgt spid="7"/>
+                                        </p:tgtEl>
+                                        <p:attrNameLst>
+                                          <p:attrName>style.visibility</p:attrName>
+                                        </p:attrNameLst>
+                                      </p:cBhvr>
+                                      <p:to>
+                                        <p:strVal val="hidden"/>
+                                      </p:to>
+                                    </p:set>
+                                  </p:childTnLst>
+                                </p:cTn>
+                              </p:par>
+                            </p:childTnLst>
+                          </p:cTn>
+                        </p:par>
+                      </p:childTnLst>
+                    </p:cTn>
+                  </p:par>
+                  <p:par>
+                    <p:cTn id="19" fill="hold">
+                      <p:stCondLst>
+                        <p:cond delay="indefinite"/>
+                      </p:stCondLst>
+                      <p:childTnLst>
+                        <p:par>
+                          <p:cTn id="20" fill="hold">
+                            <p:stCondLst>
+                              <p:cond delay="0"/>
+                            </p:stCondLst>
+                            <p:childTnLst>
+                              <p:par>
+                                <p:cTn id="21" presetID="1" presetClass="entr" presetSubtype="0" fill="hold" grpId="0" nodeType="clickEffect">
+                                  <p:stCondLst>
+                                    <p:cond delay="0"/>
+                                  </p:stCondLst>
+                                  <p:childTnLst>
+                                    <p:set>
+                                      <p:cBhvr>
+                                        <p:cTn id="22" dur="1" fill="hold">
+                                          <p:stCondLst>
+                                            <p:cond delay="0"/>
+                                          </p:stCondLst>
+                                        </p:cTn>
+                                        <p:tgtEl>
+                                          <p:spTgt spid="10"/>
+                                        </p:tgtEl>
+                                        <p:attrNameLst>
+                                          <p:attrName>style.visibility</p:attrName>
+                                        </p:attrNameLst>
+                                      </p:cBhvr>
+                                      <p:to>
+                                        <p:strVal val="visible"/>
+                                      </p:to>
+                                    </p:set>
+                                  </p:childTnLst>
+                                </p:cTn>
+                              </p:par>
+                            </p:childTnLst>
+                          </p:cTn>
+                        </p:par>
+                      </p:childTnLst>
+                    </p:cTn>
+                  </p:par>
+                  <p:par>
+                    <p:cTn id="23" fill="hold">
+                      <p:stCondLst>
+                        <p:cond delay="indefinite"/>
+                      </p:stCondLst>
+                      <p:childTnLst>
+                        <p:par>
+                          <p:cTn id="24" fill="hold">
+                            <p:stCondLst>
+                              <p:cond delay="0"/>
+                            </p:stCondLst>
+                            <p:childTnLst>
+                              <p:par>
+                                <p:cTn id="25" presetID="1" presetClass="entr" presetSubtype="0" fill="hold" nodeType="clickEffect">
+                                  <p:stCondLst>
+                                    <p:cond delay="0"/>
+                                  </p:stCondLst>
+                                  <p:childTnLst>
+                                    <p:set>
+                                      <p:cBhvr>
+                                        <p:cTn id="26" dur="1" fill="hold">
+                                          <p:stCondLst>
+                                            <p:cond delay="0"/>
+                                          </p:stCondLst>
+                                        </p:cTn>
+                                        <p:tgtEl>
+                                          <p:spTgt spid="8"/>
+                                        </p:tgtEl>
+                                        <p:attrNameLst>
+                                          <p:attrName>style.visibility</p:attrName>
+                                        </p:attrNameLst>
+                                      </p:cBhvr>
+                                      <p:to>
+                                        <p:strVal val="visible"/>
+                                      </p:to>
+                                    </p:set>
+                                  </p:childTnLst>
+                                </p:cTn>
+                              </p:par>
+                              <p:par>
+                                <p:cTn id="27" presetID="1" presetClass="exit" presetSubtype="0" fill="hold" grpId="1" nodeType="withEffect">
+                                  <p:stCondLst>
+                                    <p:cond delay="0"/>
+                                  </p:stCondLst>
+                                  <p:childTnLst>
+                                    <p:set>
+                                      <p:cBhvr>
+                                        <p:cTn id="28" dur="1" fill="hold">
+                                          <p:stCondLst>
+                                            <p:cond delay="0"/>
+                                          </p:stCondLst>
+                                        </p:cTn>
+                                        <p:tgtEl>
+                                          <p:spTgt spid="10"/>
+                                        </p:tgtEl>
+                                        <p:attrNameLst>
+                                          <p:attrName>style.visibility</p:attrName>
+                                        </p:attrNameLst>
+                                      </p:cBhvr>
+                                      <p:to>
+                                        <p:strVal val="hidden"/>
+                                      </p:to>
+                                    </p:set>
+                                  </p:childTnLst>
+                                </p:cTn>
+                              </p:par>
+                            </p:childTnLst>
+                          </p:cTn>
+                        </p:par>
+                      </p:childTnLst>
+                    </p:cTn>
+                  </p:par>
+                  <p:par>
+                    <p:cTn id="29" fill="hold">
+                      <p:stCondLst>
+                        <p:cond delay="indefinite"/>
+                      </p:stCondLst>
+                      <p:childTnLst>
+                        <p:par>
+                          <p:cTn id="30" fill="hold">
+                            <p:stCondLst>
+                              <p:cond delay="0"/>
+                            </p:stCondLst>
+                            <p:childTnLst>
+                              <p:par>
+                                <p:cTn id="31" presetID="1" presetClass="entr" presetSubtype="0" fill="hold" nodeType="clickEffect">
+                                  <p:stCondLst>
+                                    <p:cond delay="0"/>
+                                  </p:stCondLst>
+                                  <p:childTnLst>
+                                    <p:set>
+                                      <p:cBhvr>
+                                        <p:cTn id="32" dur="1" fill="hold">
+                                          <p:stCondLst>
+                                            <p:cond delay="0"/>
+                                          </p:stCondLst>
+                                        </p:cTn>
+                                        <p:tgtEl>
+                                          <p:spTgt spid="3">
+                                            <p:txEl>
+                                              <p:pRg st="2" end="2"/>
+                                            </p:txEl>
+                                          </p:spTgt>
+                                        </p:tgtEl>
+                                        <p:attrNameLst>
+                                          <p:attrName>style.visibility</p:attrName>
+                                        </p:attrNameLst>
+                                      </p:cBhvr>
+                                      <p:to>
+                                        <p:strVal val="visible"/>
+                                      </p:to>
+                                    </p:set>
+                                  </p:childTnLst>
+                                </p:cTn>
+                              </p:par>
+                            </p:childTnLst>
+                          </p:cTn>
+                        </p:par>
+                      </p:childTnLst>
+                    </p:cTn>
+                  </p:par>
+                  <p:par>
+                    <p:cTn id="33" fill="hold">
+                      <p:stCondLst>
+                        <p:cond delay="indefinite"/>
+                      </p:stCondLst>
+                      <p:childTnLst>
+                        <p:par>
+                          <p:cTn id="34" fill="hold">
+                            <p:stCondLst>
+                              <p:cond delay="0"/>
+                            </p:stCondLst>
+                            <p:childTnLst>
+                              <p:par>
+                                <p:cTn id="35" presetID="1" presetClass="entr" presetSubtype="0" fill="hold" nodeType="clickEffect">
+                                  <p:stCondLst>
+                                    <p:cond delay="0"/>
+                                  </p:stCondLst>
+                                  <p:childTnLst>
+                                    <p:set>
+                                      <p:cBhvr>
+                                        <p:cTn id="36" dur="1" fill="hold">
+                                          <p:stCondLst>
+                                            <p:cond delay="0"/>
+                                          </p:stCondLst>
+                                        </p:cTn>
+                                        <p:tgtEl>
+                                          <p:spTgt spid="3">
+                                            <p:txEl>
+                                              <p:pRg st="3" end="3"/>
+                                            </p:txEl>
+                                          </p:spTgt>
+                                        </p:tgtEl>
+                                        <p:attrNameLst>
+                                          <p:attrName>style.visibility</p:attrName>
+                                        </p:attrNameLst>
+                                      </p:cBhvr>
+                                      <p:to>
+                                        <p:strVal val="visible"/>
+                                      </p:to>
+                                    </p:set>
+                                  </p:childTnLst>
+                                </p:cTn>
+                              </p:par>
+                            </p:childTnLst>
+                          </p:cTn>
+                        </p:par>
+                      </p:childTnLst>
+                    </p:cTn>
+                  </p:par>
+                  <p:par>
+                    <p:cTn id="37" fill="hold">
+                      <p:stCondLst>
+                        <p:cond delay="indefinite"/>
+                      </p:stCondLst>
+                      <p:childTnLst>
+                        <p:par>
+                          <p:cTn id="38" fill="hold">
+                            <p:stCondLst>
+                              <p:cond delay="0"/>
+                            </p:stCondLst>
+                            <p:childTnLst>
+                              <p:par>
+                                <p:cTn id="39" presetID="1" presetClass="entr" presetSubtype="0" fill="hold" nodeType="clickEffect">
+                                  <p:stCondLst>
+                                    <p:cond delay="0"/>
+                                  </p:stCondLst>
+                                  <p:childTnLst>
+                                    <p:set>
+                                      <p:cBhvr>
+                                        <p:cTn id="40" dur="1" fill="hold">
+                                          <p:stCondLst>
+                                            <p:cond delay="0"/>
+                                          </p:stCondLst>
+                                        </p:cTn>
+                                        <p:tgtEl>
+                                          <p:spTgt spid="3">
+                                            <p:txEl>
+                                              <p:pRg st="4" end="4"/>
+                                            </p:txEl>
+                                          </p:spTgt>
+                                        </p:tgtEl>
+                                        <p:attrNameLst>
+                                          <p:attrName>style.visibility</p:attrName>
+                                        </p:attrNameLst>
+                                      </p:cBhvr>
+                                      <p:to>
+                                        <p:strVal val="visible"/>
+                                      </p:to>
+                                    </p:set>
+                                  </p:childTnLst>
+                                </p:cTn>
+                              </p:par>
+                            </p:childTnLst>
+                          </p:cTn>
+                        </p:par>
+                      </p:childTnLst>
+                    </p:cTn>
+                  </p:par>
+                </p:childTnLst>
+              </p:cTn>
+              <p:prevCondLst>
+                <p:cond evt="onPrev" delay="0">
+                  <p:tgtEl>
+                    <p:sldTgt/>
+                  </p:tgtEl>
+                </p:cond>
+              </p:prevCondLst>
+              <p:nextCondLst>
+                <p:cond evt="onNext" delay="0">
+                  <p:tgtEl>
+                    <p:sldTgt/>
+                  </p:tgtEl>
+                </p:cond>
+              </p:nextCondLst>
+            </p:seq>
+          </p:childTnLst>
+        </p:cTn>
+      </p:par>
+    </p:tnLst>
+    <p:bldLst>
+      <p:bldP spid="9" grpId="0" animBg="1"/>
+      <p:bldP spid="9" grpId="1" animBg="1"/>
+      <p:bldP spid="10" grpId="0" animBg="1"/>
+      <p:bldP spid="10" grpId="1" animBg="1"/>
+    </p:bldLst>
+  </p:timing>
+</p:sld>
+</file>
+
+<file path=ppt/slides/slide22.xml><?xml version="1.0" encoding="utf-8"?>
+<p:sld xmlns:a="http://schemas.openxmlformats.org/drawingml/2006/main" xmlns:r="http://schemas.openxmlformats.org/officeDocument/2006/relationships" xmlns:p="http://schemas.openxmlformats.org/presentationml/2006/main">
+  <p:cSld>
+    <p:spTree>
+      <p:nvGrpSpPr>
+        <p:cNvPr id="1" name=""/>
+        <p:cNvGrpSpPr/>
+        <p:nvPr/>
+      </p:nvGrpSpPr>
+      <p:grpSpPr>
+        <a:xfrm>
+          <a:off x="0" y="0"/>
+          <a:ext cx="0" cy="0"/>
+          <a:chOff x="0" y="0"/>
+          <a:chExt cx="0" cy="0"/>
+        </a:xfrm>
+      </p:grpSpPr>
+      <p:sp>
+        <p:nvSpPr>
+          <p:cNvPr id="6" name="Slide Number Placeholder 5"/>
+          <p:cNvSpPr>
+            <a:spLocks noGrp="1"/>
+          </p:cNvSpPr>
+          <p:nvPr>
+            <p:ph type="sldNum" sz="quarter" idx="5"/>
+          </p:nvPr>
+        </p:nvSpPr>
+        <p:spPr>
+          <a:xfrm>
+            <a:off x="11752263" y="6507163"/>
+            <a:ext cx="368300" cy="296862"/>
+          </a:xfrm>
+        </p:spPr>
+        <p:txBody>
+          <a:bodyPr/>
+          <a:lstStyle>
+            <a:defPPr>
+              <a:defRPr lang="en-US"/>
+            </a:defPPr>
+            <a:lvl1pPr marL="0" algn="r" defTabSz="914400" rtl="0" eaLnBrk="1" latinLnBrk="0" hangingPunct="1">
+              <a:defRPr sz="1000" kern="1200">
+                <a:solidFill>
+                  <a:schemeClr val="tx1"/>
+                </a:solidFill>
+                <a:latin typeface="+mn-lt"/>
+                <a:ea typeface="+mn-ea"/>
+                <a:cs typeface="+mn-cs"/>
+              </a:defRPr>
+            </a:lvl1pPr>
+            <a:lvl2pPr marL="457200" algn="l" defTabSz="914400" rtl="0" eaLnBrk="1" latinLnBrk="0" hangingPunct="1">
+              <a:defRPr sz="1800" kern="1200">
+                <a:solidFill>
+                  <a:schemeClr val="tx1"/>
+                </a:solidFill>
+                <a:latin typeface="+mn-lt"/>
+                <a:ea typeface="+mn-ea"/>
+                <a:cs typeface="+mn-cs"/>
+              </a:defRPr>
+            </a:lvl2pPr>
+            <a:lvl3pPr marL="914400" algn="l" defTabSz="914400" rtl="0" eaLnBrk="1" latinLnBrk="0" hangingPunct="1">
+              <a:defRPr sz="1800" kern="1200">
+                <a:solidFill>
+                  <a:schemeClr val="tx1"/>
+                </a:solidFill>
+                <a:latin typeface="+mn-lt"/>
+                <a:ea typeface="+mn-ea"/>
+                <a:cs typeface="+mn-cs"/>
+              </a:defRPr>
+            </a:lvl3pPr>
+            <a:lvl4pPr marL="1371600" algn="l" defTabSz="914400" rtl="0" eaLnBrk="1" latinLnBrk="0" hangingPunct="1">
+              <a:defRPr sz="1800" kern="1200">
+                <a:solidFill>
+                  <a:schemeClr val="tx1"/>
+                </a:solidFill>
+                <a:latin typeface="+mn-lt"/>
+                <a:ea typeface="+mn-ea"/>
+                <a:cs typeface="+mn-cs"/>
+              </a:defRPr>
+            </a:lvl4pPr>
+            <a:lvl5pPr marL="1828800" algn="l" defTabSz="914400" rtl="0" eaLnBrk="1" latinLnBrk="0" hangingPunct="1">
+              <a:defRPr sz="1800" kern="1200">
+                <a:solidFill>
+                  <a:schemeClr val="tx1"/>
+                </a:solidFill>
+                <a:latin typeface="+mn-lt"/>
+                <a:ea typeface="+mn-ea"/>
+                <a:cs typeface="+mn-cs"/>
+              </a:defRPr>
+            </a:lvl5pPr>
+            <a:lvl6pPr marL="2286000" algn="l" defTabSz="914400" rtl="0" eaLnBrk="1" latinLnBrk="0" hangingPunct="1">
+              <a:defRPr sz="1800" kern="1200">
+                <a:solidFill>
+                  <a:schemeClr val="tx1"/>
+                </a:solidFill>
+                <a:latin typeface="+mn-lt"/>
+                <a:ea typeface="+mn-ea"/>
+                <a:cs typeface="+mn-cs"/>
+              </a:defRPr>
+            </a:lvl6pPr>
+            <a:lvl7pPr marL="2743200" algn="l" defTabSz="914400" rtl="0" eaLnBrk="1" latinLnBrk="0" hangingPunct="1">
+              <a:defRPr sz="1800" kern="1200">
+                <a:solidFill>
+                  <a:schemeClr val="tx1"/>
+                </a:solidFill>
+                <a:latin typeface="+mn-lt"/>
+                <a:ea typeface="+mn-ea"/>
+                <a:cs typeface="+mn-cs"/>
+              </a:defRPr>
+            </a:lvl7pPr>
+            <a:lvl8pPr marL="3200400" algn="l" defTabSz="914400" rtl="0" eaLnBrk="1" latinLnBrk="0" hangingPunct="1">
+              <a:defRPr sz="1800" kern="1200">
+                <a:solidFill>
+                  <a:schemeClr val="tx1"/>
+                </a:solidFill>
+                <a:latin typeface="+mn-lt"/>
+                <a:ea typeface="+mn-ea"/>
+                <a:cs typeface="+mn-cs"/>
+              </a:defRPr>
+            </a:lvl8pPr>
+            <a:lvl9pPr marL="3657600" algn="l" defTabSz="914400" rtl="0" eaLnBrk="1" latinLnBrk="0" hangingPunct="1">
+              <a:defRPr sz="1800" kern="1200">
+                <a:solidFill>
+                  <a:schemeClr val="tx1"/>
+                </a:solidFill>
+                <a:latin typeface="+mn-lt"/>
+                <a:ea typeface="+mn-ea"/>
+                <a:cs typeface="+mn-cs"/>
+              </a:defRPr>
+            </a:lvl9pPr>
+          </a:lstStyle>
+          <a:p>
+            <a:fld id="{C014DD1E-5D91-48A3-AD6D-45FBA980D106}" type="slidenum">
+              <a:rPr lang="en-US" smtClean="0"/>
+              <a:pPr/>
+              <a:t>22</a:t>
+            </a:fld>
+            <a:endParaRPr lang="en-US" dirty="0"/>
+          </a:p>
+        </p:txBody>
+      </p:sp>
+      <p:sp>
+        <p:nvSpPr>
+          <p:cNvPr id="14" name="Text Placeholder 4">
+            <a:extLst>
+              <a:ext uri="{FF2B5EF4-FFF2-40B4-BE49-F238E27FC236}">
+                <a16:creationId xmlns:a16="http://schemas.microsoft.com/office/drawing/2014/main" id="{0E49D336-45B6-44D3-97C4-E28F8DEA2022}"/>
+              </a:ext>
+            </a:extLst>
+          </p:cNvPr>
+          <p:cNvSpPr>
+            <a:spLocks noGrp="1"/>
+          </p:cNvSpPr>
+          <p:nvPr>
+            <p:ph type="body" sz="quarter" idx="10"/>
+          </p:nvPr>
+        </p:nvSpPr>
+        <p:spPr/>
+        <p:txBody>
+          <a:bodyPr/>
+          <a:lstStyle>
+            <a:lvl1pPr marL="514350" indent="-514350">
+              <a:buFont typeface="Wingdings" panose="05000000000000000000" pitchFamily="2" charset="2"/>
+              <a:buChar char="§"/>
+              <a:defRPr>
+                <a:solidFill>
+                  <a:schemeClr val="bg2"/>
+                </a:solidFill>
+              </a:defRPr>
+            </a:lvl1pPr>
+            <a:lvl2pPr marL="1123935" indent="-514350">
+              <a:buFont typeface="Wingdings" panose="05000000000000000000" pitchFamily="2" charset="2"/>
+              <a:buChar char="§"/>
+              <a:defRPr>
+                <a:solidFill>
+                  <a:schemeClr val="tx1"/>
+                </a:solidFill>
+              </a:defRPr>
+            </a:lvl2pPr>
+            <a:lvl3pPr marL="1733520" indent="-514350">
+              <a:buFont typeface="Wingdings" panose="05000000000000000000" pitchFamily="2" charset="2"/>
+              <a:buChar char="§"/>
+              <a:defRPr>
+                <a:solidFill>
+                  <a:schemeClr val="tx1"/>
+                </a:solidFill>
+              </a:defRPr>
+            </a:lvl3pPr>
+            <a:lvl4pPr marL="2343105" indent="-514350">
+              <a:buFont typeface="Wingdings" panose="05000000000000000000" pitchFamily="2" charset="2"/>
+              <a:buChar char="§"/>
+              <a:defRPr>
+                <a:solidFill>
+                  <a:schemeClr val="tx1"/>
+                </a:solidFill>
+              </a:defRPr>
+            </a:lvl4pPr>
+            <a:lvl5pPr marL="2952689" indent="-514350">
+              <a:buFont typeface="Wingdings" panose="05000000000000000000" pitchFamily="2" charset="2"/>
+              <a:buChar char="§"/>
+              <a:defRPr>
+                <a:solidFill>
+                  <a:schemeClr val="tx1"/>
+                </a:solidFill>
+              </a:defRPr>
+            </a:lvl5pPr>
+          </a:lstStyle>
+          <a:p>
+            <a:pPr lvl="0"/>
+            <a:r>
+              <a:rPr lang="en-US" smtClean="0"/>
+              <a:t>…</a:t>
+            </a:r>
+          </a:p>
+          <a:p>
+            <a:pPr lvl="0"/>
+            <a:r>
+              <a:rPr lang="en-GB" smtClean="0"/>
+              <a:t>…</a:t>
+            </a:r>
+            <a:endParaRPr lang="en-US" smtClean="0"/>
+          </a:p>
+          <a:p>
+            <a:pPr lvl="0"/>
+            <a:r>
+              <a:rPr lang="en-GB" smtClean="0"/>
+              <a:t>…</a:t>
+            </a:r>
+            <a:endParaRPr lang="en-US" smtClean="0"/>
+          </a:p>
+          <a:p>
+            <a:pPr lvl="0"/>
+            <a:endParaRPr lang="en-US" dirty="0"/>
+          </a:p>
+        </p:txBody>
+      </p:sp>
+      <p:sp>
+        <p:nvSpPr>
+          <p:cNvPr id="4" name="Title 3"/>
+          <p:cNvSpPr>
+            <a:spLocks noGrp="1"/>
+          </p:cNvSpPr>
+          <p:nvPr>
+            <p:ph type="title"/>
+          </p:nvPr>
+        </p:nvSpPr>
+        <p:spPr/>
+        <p:txBody>
+          <a:bodyPr/>
+          <a:lstStyle/>
+          <a:p>
+            <a:r>
+              <a:rPr lang="bg-BG" smtClean="0"/>
+              <a:t>Какво научихме днес?</a:t>
+            </a:r>
+            <a:endParaRPr lang="en-US" dirty="0"/>
+          </a:p>
+        </p:txBody>
+      </p:sp>
+      <p:grpSp>
+        <p:nvGrpSpPr>
+          <p:cNvPr id="9" name="Group 8">
+            <a:extLst>
+              <a:ext uri="{FF2B5EF4-FFF2-40B4-BE49-F238E27FC236}">
+                <a16:creationId xmlns:a16="http://schemas.microsoft.com/office/drawing/2014/main" id="{EBAFE522-EB7D-4931-A015-9A7E8A98517D}"/>
+              </a:ext>
+            </a:extLst>
+          </p:cNvPr>
+          <p:cNvGrpSpPr/>
+          <p:nvPr/>
+        </p:nvGrpSpPr>
+        <p:grpSpPr>
+          <a:xfrm>
+            <a:off x="196766" y="1314000"/>
+            <a:ext cx="11798468" cy="5300339"/>
+            <a:chOff x="472011" y="1508786"/>
+            <a:chExt cx="3799787" cy="4865561"/>
+          </a:xfrm>
+        </p:grpSpPr>
+        <p:sp>
+          <p:nvSpPr>
+            <p:cNvPr id="10" name="Rounded Rectangle 10">
+              <a:extLst>
+                <a:ext uri="{FF2B5EF4-FFF2-40B4-BE49-F238E27FC236}">
+                  <a16:creationId xmlns:a16="http://schemas.microsoft.com/office/drawing/2014/main" id="{18F78F23-3D09-4B63-8DF9-D49CFBB145EE}"/>
+                </a:ext>
+              </a:extLst>
+            </p:cNvPr>
+            <p:cNvSpPr/>
+            <p:nvPr userDrawn="1"/>
+          </p:nvSpPr>
+          <p:spPr>
+            <a:xfrm>
+              <a:off x="472011" y="1508786"/>
+              <a:ext cx="3799787" cy="4865561"/>
+            </a:xfrm>
+            <a:prstGeom prst="roundRect">
+              <a:avLst>
+                <a:gd name="adj" fmla="val 3968"/>
+              </a:avLst>
+            </a:prstGeom>
+            <a:solidFill>
+              <a:schemeClr val="tx2"/>
+            </a:solidFill>
+            <a:ln>
+              <a:noFill/>
+            </a:ln>
+          </p:spPr>
+          <p:style>
+            <a:lnRef idx="2">
+              <a:schemeClr val="accent1">
+                <a:shade val="50000"/>
+              </a:schemeClr>
+            </a:lnRef>
+            <a:fillRef idx="1">
+              <a:schemeClr val="accent1"/>
+            </a:fillRef>
+            <a:effectRef idx="0">
+              <a:schemeClr val="accent1"/>
+            </a:effectRef>
+            <a:fontRef idx="minor">
+              <a:schemeClr val="lt1"/>
+            </a:fontRef>
+          </p:style>
+          <p:txBody>
+            <a:bodyPr rtlCol="0" anchor="ctr"/>
+            <a:lstStyle/>
+            <a:p>
+              <a:pPr algn="ctr"/>
+              <a:endParaRPr lang="ko-KR" altLang="en-US" sz="2399" dirty="0"/>
+            </a:p>
+          </p:txBody>
+        </p:sp>
+        <p:sp>
+          <p:nvSpPr>
+            <p:cNvPr id="11" name="Rounded Rectangle 16">
+              <a:extLst>
+                <a:ext uri="{FF2B5EF4-FFF2-40B4-BE49-F238E27FC236}">
+                  <a16:creationId xmlns:a16="http://schemas.microsoft.com/office/drawing/2014/main" id="{F12C06CE-2BBE-46C2-B718-813794C58DF9}"/>
+                </a:ext>
+              </a:extLst>
+            </p:cNvPr>
+            <p:cNvSpPr/>
+            <p:nvPr userDrawn="1"/>
+          </p:nvSpPr>
+          <p:spPr>
+            <a:xfrm>
+              <a:off x="540767" y="1781251"/>
+              <a:ext cx="85794" cy="4320631"/>
+            </a:xfrm>
+            <a:prstGeom prst="roundRect">
+              <a:avLst>
+                <a:gd name="adj" fmla="val 50000"/>
+              </a:avLst>
+            </a:prstGeom>
+            <a:solidFill>
+              <a:schemeClr val="bg2">
+                <a:alpha val="41000"/>
+              </a:schemeClr>
+            </a:solidFill>
+            <a:ln>
+              <a:noFill/>
+            </a:ln>
+          </p:spPr>
+          <p:style>
+            <a:lnRef idx="2">
+              <a:schemeClr val="accent1">
+                <a:shade val="50000"/>
+              </a:schemeClr>
+            </a:lnRef>
+            <a:fillRef idx="1">
+              <a:schemeClr val="accent1"/>
+            </a:fillRef>
+            <a:effectRef idx="0">
+              <a:schemeClr val="accent1"/>
+            </a:effectRef>
+            <a:fontRef idx="minor">
+              <a:schemeClr val="lt1"/>
+            </a:fontRef>
+          </p:style>
+          <p:txBody>
+            <a:bodyPr rtlCol="0" anchor="ctr"/>
+            <a:lstStyle/>
+            <a:p>
+              <a:pPr algn="ctr"/>
+              <a:endParaRPr lang="ko-KR" altLang="en-US" sz="2399">
+                <a:solidFill>
+                  <a:schemeClr val="bg1"/>
+                </a:solidFill>
+              </a:endParaRPr>
+            </a:p>
+          </p:txBody>
+        </p:sp>
+        <p:sp>
+          <p:nvSpPr>
+            <p:cNvPr id="12" name="Half Frame 11">
+              <a:extLst>
+                <a:ext uri="{FF2B5EF4-FFF2-40B4-BE49-F238E27FC236}">
+                  <a16:creationId xmlns:a16="http://schemas.microsoft.com/office/drawing/2014/main" id="{66CDBB1E-AF3C-43FC-9F34-2DD691F81726}"/>
+                </a:ext>
+              </a:extLst>
+            </p:cNvPr>
+            <p:cNvSpPr/>
+            <p:nvPr userDrawn="1"/>
+          </p:nvSpPr>
+          <p:spPr>
+            <a:xfrm rot="5400000">
+              <a:off x="3762569" y="1912372"/>
+              <a:ext cx="669775" cy="238503"/>
+            </a:xfrm>
+            <a:prstGeom prst="halfFrame">
+              <a:avLst>
+                <a:gd name="adj1" fmla="val 23728"/>
+                <a:gd name="adj2" fmla="val 24642"/>
+              </a:avLst>
+            </a:prstGeom>
+            <a:solidFill>
+              <a:schemeClr val="bg2">
+                <a:alpha val="23000"/>
+              </a:schemeClr>
+            </a:solidFill>
+            <a:ln>
+              <a:noFill/>
+            </a:ln>
+          </p:spPr>
+          <p:style>
+            <a:lnRef idx="2">
+              <a:schemeClr val="accent1">
+                <a:shade val="50000"/>
+              </a:schemeClr>
+            </a:lnRef>
+            <a:fillRef idx="1">
+              <a:schemeClr val="accent1"/>
+            </a:fillRef>
+            <a:effectRef idx="0">
+              <a:schemeClr val="accent1"/>
+            </a:effectRef>
+            <a:fontRef idx="minor">
+              <a:schemeClr val="lt1"/>
+            </a:fontRef>
+          </p:style>
+          <p:txBody>
+            <a:bodyPr rtlCol="0" anchor="ctr"/>
+            <a:lstStyle/>
+            <a:p>
+              <a:pPr algn="ctr"/>
+              <a:endParaRPr lang="ko-KR" altLang="en-US" sz="2399">
+                <a:solidFill>
+                  <a:schemeClr val="tx1"/>
+                </a:solidFill>
+              </a:endParaRPr>
+            </a:p>
+          </p:txBody>
+        </p:sp>
+      </p:grpSp>
+      <p:sp>
+        <p:nvSpPr>
+          <p:cNvPr id="15" name="Content Placeholder 4">
+            <a:extLst>
+              <a:ext uri="{FF2B5EF4-FFF2-40B4-BE49-F238E27FC236}">
+                <a16:creationId xmlns:a16="http://schemas.microsoft.com/office/drawing/2014/main" id="{B96A0DF8-27E7-4DC8-BBE3-7238AAAEB845}"/>
+              </a:ext>
+            </a:extLst>
+          </p:cNvPr>
+          <p:cNvSpPr txBox="1">
+            <a:spLocks/>
+          </p:cNvSpPr>
+          <p:nvPr/>
+        </p:nvSpPr>
+        <p:spPr>
+          <a:xfrm>
+            <a:off x="741000" y="1504870"/>
+            <a:ext cx="11040744" cy="4894130"/>
+          </a:xfrm>
+          <a:prstGeom prst="rect">
+            <a:avLst/>
+          </a:prstGeom>
+        </p:spPr>
+        <p:txBody>
+          <a:bodyPr vert="horz" lIns="108000" tIns="36000" rIns="108000" bIns="36000" rtlCol="0">
+            <a:noAutofit/>
+          </a:bodyPr>
+          <a:lstStyle>
+            <a:lvl1pPr marL="456915" indent="-456915" algn="l" defTabSz="1218438" rtl="0" eaLnBrk="1" latinLnBrk="0" hangingPunct="1">
+              <a:lnSpc>
+                <a:spcPct val="105000"/>
+              </a:lnSpc>
+              <a:spcBef>
+                <a:spcPts val="600"/>
+              </a:spcBef>
+              <a:spcAft>
+                <a:spcPts val="600"/>
+              </a:spcAft>
+              <a:buFont typeface="Wingdings" panose="05000000000000000000" pitchFamily="2" charset="2"/>
+              <a:buChar char="§"/>
+              <a:defRPr sz="3398" kern="1200">
+                <a:solidFill>
+                  <a:schemeClr val="tx1"/>
+                </a:solidFill>
+                <a:latin typeface="+mn-lt"/>
+                <a:ea typeface="+mn-ea"/>
+                <a:cs typeface="+mn-cs"/>
+              </a:defRPr>
+            </a:lvl1pPr>
+            <a:lvl2pPr marL="989981" indent="-380762" algn="l" defTabSz="1218438" rtl="0" eaLnBrk="1" latinLnBrk="0" hangingPunct="1">
+              <a:lnSpc>
+                <a:spcPct val="105000"/>
+              </a:lnSpc>
+              <a:spcBef>
+                <a:spcPts val="600"/>
+              </a:spcBef>
+              <a:spcAft>
+                <a:spcPts val="600"/>
+              </a:spcAft>
+              <a:buFont typeface="Wingdings" panose="05000000000000000000" pitchFamily="2" charset="2"/>
+              <a:buChar char="§"/>
+              <a:defRPr sz="3198" kern="1200">
+                <a:solidFill>
+                  <a:schemeClr val="tx1"/>
+                </a:solidFill>
+                <a:latin typeface="+mn-lt"/>
+                <a:ea typeface="+mn-ea"/>
+                <a:cs typeface="+mn-cs"/>
+              </a:defRPr>
+            </a:lvl2pPr>
+            <a:lvl3pPr marL="1523048" indent="-304610" algn="l" defTabSz="1218438" rtl="0" eaLnBrk="1" latinLnBrk="0" hangingPunct="1">
+              <a:lnSpc>
+                <a:spcPct val="105000"/>
+              </a:lnSpc>
+              <a:spcBef>
+                <a:spcPts val="600"/>
+              </a:spcBef>
+              <a:spcAft>
+                <a:spcPts val="600"/>
+              </a:spcAft>
+              <a:buFont typeface="Wingdings" panose="05000000000000000000" pitchFamily="2" charset="2"/>
+              <a:buChar char="§"/>
+              <a:defRPr sz="2998" kern="1200">
+                <a:solidFill>
+                  <a:schemeClr val="tx1"/>
+                </a:solidFill>
+                <a:latin typeface="+mn-lt"/>
+                <a:ea typeface="+mn-ea"/>
+                <a:cs typeface="+mn-cs"/>
+              </a:defRPr>
+            </a:lvl3pPr>
+            <a:lvl4pPr marL="2132267" indent="-304610" algn="l" defTabSz="1218438" rtl="0" eaLnBrk="1" latinLnBrk="0" hangingPunct="1">
+              <a:lnSpc>
+                <a:spcPct val="105000"/>
+              </a:lnSpc>
+              <a:spcBef>
+                <a:spcPts val="600"/>
+              </a:spcBef>
+              <a:spcAft>
+                <a:spcPts val="600"/>
+              </a:spcAft>
+              <a:buFont typeface="Wingdings" panose="05000000000000000000" pitchFamily="2" charset="2"/>
+              <a:buChar char="§"/>
+              <a:defRPr sz="2798" kern="1200">
+                <a:solidFill>
+                  <a:schemeClr val="tx1"/>
+                </a:solidFill>
+                <a:latin typeface="+mn-lt"/>
+                <a:ea typeface="+mn-ea"/>
+                <a:cs typeface="+mn-cs"/>
+              </a:defRPr>
+            </a:lvl4pPr>
+            <a:lvl5pPr marL="2741485" indent="-304610" algn="l" defTabSz="1218438" rtl="0" eaLnBrk="1" latinLnBrk="0" hangingPunct="1">
+              <a:lnSpc>
+                <a:spcPct val="105000"/>
+              </a:lnSpc>
+              <a:spcBef>
+                <a:spcPts val="600"/>
+              </a:spcBef>
+              <a:spcAft>
+                <a:spcPts val="600"/>
+              </a:spcAft>
+              <a:buFont typeface="Wingdings" panose="05000000000000000000" pitchFamily="2" charset="2"/>
+              <a:buChar char="§"/>
+              <a:defRPr sz="2598" kern="1200">
+                <a:solidFill>
+                  <a:schemeClr val="tx1"/>
+                </a:solidFill>
+                <a:latin typeface="+mn-lt"/>
+                <a:ea typeface="+mn-ea"/>
+                <a:cs typeface="+mn-cs"/>
+              </a:defRPr>
+            </a:lvl5pPr>
+            <a:lvl6pPr marL="3350704" indent="-304610" algn="l" defTabSz="1218438" rtl="0" eaLnBrk="1" latinLnBrk="0" hangingPunct="1">
+              <a:spcBef>
+                <a:spcPct val="20000"/>
+              </a:spcBef>
+              <a:buFont typeface="Arial" pitchFamily="34" charset="0"/>
+              <a:buChar char="•"/>
+              <a:defRPr sz="2665" kern="1200">
+                <a:solidFill>
+                  <a:schemeClr val="tx1"/>
+                </a:solidFill>
+                <a:latin typeface="+mn-lt"/>
+                <a:ea typeface="+mn-ea"/>
+                <a:cs typeface="+mn-cs"/>
+              </a:defRPr>
+            </a:lvl6pPr>
+            <a:lvl7pPr marL="3959924" indent="-304610" algn="l" defTabSz="1218438" rtl="0" eaLnBrk="1" latinLnBrk="0" hangingPunct="1">
+              <a:spcBef>
+                <a:spcPct val="20000"/>
+              </a:spcBef>
+              <a:buFont typeface="Arial" pitchFamily="34" charset="0"/>
+              <a:buChar char="•"/>
+              <a:defRPr sz="2665" kern="1200">
+                <a:solidFill>
+                  <a:schemeClr val="tx1"/>
+                </a:solidFill>
+                <a:latin typeface="+mn-lt"/>
+                <a:ea typeface="+mn-ea"/>
+                <a:cs typeface="+mn-cs"/>
+              </a:defRPr>
+            </a:lvl7pPr>
+            <a:lvl8pPr marL="4569143" indent="-304610" algn="l" defTabSz="1218438" rtl="0" eaLnBrk="1" latinLnBrk="0" hangingPunct="1">
+              <a:spcBef>
+                <a:spcPct val="20000"/>
+              </a:spcBef>
+              <a:buFont typeface="Arial" pitchFamily="34" charset="0"/>
+              <a:buChar char="•"/>
+              <a:defRPr sz="2665" kern="1200">
+                <a:solidFill>
+                  <a:schemeClr val="tx1"/>
+                </a:solidFill>
+                <a:latin typeface="+mn-lt"/>
+                <a:ea typeface="+mn-ea"/>
+                <a:cs typeface="+mn-cs"/>
+              </a:defRPr>
+            </a:lvl8pPr>
+            <a:lvl9pPr marL="5178362" indent="-304610" algn="l" defTabSz="1218438" rtl="0" eaLnBrk="1" latinLnBrk="0" hangingPunct="1">
+              <a:spcBef>
+                <a:spcPct val="20000"/>
+              </a:spcBef>
+              <a:buFont typeface="Arial" pitchFamily="34" charset="0"/>
+              <a:buChar char="•"/>
+              <a:defRPr sz="2665" kern="1200">
+                <a:solidFill>
+                  <a:schemeClr val="tx1"/>
+                </a:solidFill>
+                <a:latin typeface="+mn-lt"/>
+                <a:ea typeface="+mn-ea"/>
+                <a:cs typeface="+mn-cs"/>
+              </a:defRPr>
+            </a:lvl9pPr>
+          </a:lstStyle>
+          <a:p>
+            <a:pPr marL="355600" indent="-355600">
+              <a:lnSpc>
+                <a:spcPct val="100000"/>
+              </a:lnSpc>
+              <a:buClr>
+                <a:schemeClr val="bg2"/>
+              </a:buClr>
+            </a:pPr>
+            <a:r>
+              <a:rPr lang="bg-BG" sz="2800" b="1" dirty="0" smtClean="0">
+                <a:solidFill>
+                  <a:schemeClr val="bg1">
+                    <a:lumMod val="60000"/>
+                    <a:lumOff val="40000"/>
+                  </a:schemeClr>
+                </a:solidFill>
+              </a:rPr>
+              <a:t>Файлови формати </a:t>
+            </a:r>
+            <a:r>
+              <a:rPr lang="bg-BG" sz="2800" dirty="0" smtClean="0">
+                <a:solidFill>
+                  <a:schemeClr val="bg2"/>
+                </a:solidFill>
+              </a:rPr>
+              <a:t>за </a:t>
+            </a:r>
+            <a:r>
+              <a:rPr lang="bg-BG" sz="2800" b="1" dirty="0" smtClean="0">
+                <a:solidFill>
+                  <a:schemeClr val="bg2"/>
+                </a:solidFill>
+              </a:rPr>
+              <a:t>запазване</a:t>
+            </a:r>
+            <a:r>
+              <a:rPr lang="bg-BG" sz="2800" dirty="0" smtClean="0">
+                <a:solidFill>
+                  <a:schemeClr val="bg2"/>
+                </a:solidFill>
+              </a:rPr>
+              <a:t> на </a:t>
+            </a:r>
+            <a:r>
+              <a:rPr lang="bg-BG" sz="2800" b="1" dirty="0" smtClean="0">
+                <a:solidFill>
+                  <a:schemeClr val="bg2"/>
+                </a:solidFill>
+              </a:rPr>
+              <a:t>презентация</a:t>
+            </a:r>
+            <a:r>
+              <a:rPr lang="bg-BG" sz="2800" dirty="0" smtClean="0">
+                <a:solidFill>
+                  <a:schemeClr val="bg2"/>
+                </a:solidFill>
+              </a:rPr>
+              <a:t>:</a:t>
+            </a:r>
+          </a:p>
+          <a:p>
+            <a:pPr marL="888666" lvl="1" indent="-355600">
+              <a:lnSpc>
+                <a:spcPct val="100000"/>
+              </a:lnSpc>
+              <a:buClr>
+                <a:schemeClr val="bg2"/>
+              </a:buClr>
+            </a:pPr>
+            <a:r>
+              <a:rPr lang="en-US" sz="2600" dirty="0" err="1" smtClean="0">
+                <a:solidFill>
+                  <a:schemeClr val="bg2"/>
+                </a:solidFill>
+              </a:rPr>
+              <a:t>pptx</a:t>
+            </a:r>
+            <a:endParaRPr lang="en-US" sz="2600" dirty="0" smtClean="0">
+              <a:solidFill>
+                <a:schemeClr val="bg2"/>
+              </a:solidFill>
+            </a:endParaRPr>
+          </a:p>
+          <a:p>
+            <a:pPr marL="888666" lvl="1" indent="-355600">
+              <a:lnSpc>
+                <a:spcPct val="100000"/>
+              </a:lnSpc>
+              <a:buClr>
+                <a:schemeClr val="bg2"/>
+              </a:buClr>
+            </a:pPr>
+            <a:r>
+              <a:rPr lang="en-US" sz="2600" dirty="0" err="1" smtClean="0">
+                <a:solidFill>
+                  <a:schemeClr val="bg2"/>
+                </a:solidFill>
+              </a:rPr>
+              <a:t>ppsx</a:t>
+            </a:r>
+            <a:endParaRPr lang="en-US" sz="2600" dirty="0" smtClean="0">
+              <a:solidFill>
+                <a:schemeClr val="bg2"/>
+              </a:solidFill>
+            </a:endParaRPr>
+          </a:p>
+          <a:p>
+            <a:pPr marL="888666" lvl="1" indent="-355600">
+              <a:lnSpc>
+                <a:spcPct val="100000"/>
+              </a:lnSpc>
+              <a:buClr>
+                <a:schemeClr val="bg2"/>
+              </a:buClr>
+            </a:pPr>
+            <a:r>
+              <a:rPr lang="en-US" sz="2600" dirty="0" smtClean="0">
+                <a:solidFill>
+                  <a:schemeClr val="bg2"/>
+                </a:solidFill>
+              </a:rPr>
+              <a:t>mp4</a:t>
+            </a:r>
+          </a:p>
+          <a:p>
+            <a:pPr marL="355600" indent="-355600">
+              <a:lnSpc>
+                <a:spcPct val="100000"/>
+              </a:lnSpc>
+              <a:buClr>
+                <a:schemeClr val="bg2"/>
+              </a:buClr>
+            </a:pPr>
+            <a:r>
+              <a:rPr lang="bg-BG" sz="2800" b="1" dirty="0" smtClean="0">
+                <a:solidFill>
+                  <a:schemeClr val="bg1">
+                    <a:lumMod val="60000"/>
+                    <a:lumOff val="40000"/>
+                  </a:schemeClr>
+                </a:solidFill>
+              </a:rPr>
+              <a:t>Запазване</a:t>
+            </a:r>
+            <a:r>
+              <a:rPr lang="bg-BG" sz="2800" dirty="0" smtClean="0">
+                <a:solidFill>
+                  <a:schemeClr val="bg2"/>
+                </a:solidFill>
+              </a:rPr>
+              <a:t> и </a:t>
+            </a:r>
+            <a:r>
+              <a:rPr lang="bg-BG" sz="2800" b="1" dirty="0" smtClean="0">
+                <a:solidFill>
+                  <a:schemeClr val="bg1">
+                    <a:lumMod val="60000"/>
+                    <a:lumOff val="40000"/>
+                  </a:schemeClr>
+                </a:solidFill>
+              </a:rPr>
+              <a:t>отпечатване</a:t>
+            </a:r>
+            <a:r>
+              <a:rPr lang="bg-BG" sz="2800" dirty="0" smtClean="0">
+                <a:solidFill>
+                  <a:schemeClr val="bg2"/>
+                </a:solidFill>
+              </a:rPr>
+              <a:t> на презентация</a:t>
+            </a:r>
+            <a:endParaRPr lang="en-US" sz="2400" b="1" dirty="0">
+              <a:solidFill>
+                <a:schemeClr val="bg2"/>
+              </a:solidFill>
+            </a:endParaRPr>
+          </a:p>
+        </p:txBody>
+      </p:sp>
+      <p:sp>
+        <p:nvSpPr>
+          <p:cNvPr id="13" name="Content Placeholder 4">
+            <a:extLst>
+              <a:ext uri="{FF2B5EF4-FFF2-40B4-BE49-F238E27FC236}">
+                <a16:creationId xmlns:a16="http://schemas.microsoft.com/office/drawing/2014/main" id="{B96A0DF8-27E7-4DC8-BBE3-7238AAAEB845}"/>
+              </a:ext>
+            </a:extLst>
+          </p:cNvPr>
+          <p:cNvSpPr txBox="1">
+            <a:spLocks/>
+          </p:cNvSpPr>
+          <p:nvPr/>
+        </p:nvSpPr>
+        <p:spPr>
+          <a:xfrm>
+            <a:off x="2946000" y="2083762"/>
+            <a:ext cx="3330000" cy="1705238"/>
+          </a:xfrm>
+          <a:prstGeom prst="rect">
+            <a:avLst/>
+          </a:prstGeom>
+        </p:spPr>
+        <p:txBody>
+          <a:bodyPr vert="horz" lIns="108000" tIns="36000" rIns="108000" bIns="36000" rtlCol="0">
+            <a:noAutofit/>
+          </a:bodyPr>
+          <a:lstStyle>
+            <a:lvl1pPr marL="456915" indent="-456915" algn="l" defTabSz="1218438" rtl="0" eaLnBrk="1" latinLnBrk="0" hangingPunct="1">
+              <a:lnSpc>
+                <a:spcPct val="105000"/>
+              </a:lnSpc>
+              <a:spcBef>
+                <a:spcPts val="600"/>
+              </a:spcBef>
+              <a:spcAft>
+                <a:spcPts val="600"/>
+              </a:spcAft>
+              <a:buFont typeface="Wingdings" panose="05000000000000000000" pitchFamily="2" charset="2"/>
+              <a:buChar char="§"/>
+              <a:defRPr sz="3398" kern="1200">
+                <a:solidFill>
+                  <a:schemeClr val="tx1"/>
+                </a:solidFill>
+                <a:latin typeface="+mn-lt"/>
+                <a:ea typeface="+mn-ea"/>
+                <a:cs typeface="+mn-cs"/>
+              </a:defRPr>
+            </a:lvl1pPr>
+            <a:lvl2pPr marL="989981" indent="-380762" algn="l" defTabSz="1218438" rtl="0" eaLnBrk="1" latinLnBrk="0" hangingPunct="1">
+              <a:lnSpc>
+                <a:spcPct val="105000"/>
+              </a:lnSpc>
+              <a:spcBef>
+                <a:spcPts val="600"/>
+              </a:spcBef>
+              <a:spcAft>
+                <a:spcPts val="600"/>
+              </a:spcAft>
+              <a:buFont typeface="Wingdings" panose="05000000000000000000" pitchFamily="2" charset="2"/>
+              <a:buChar char="§"/>
+              <a:defRPr sz="3198" kern="1200">
+                <a:solidFill>
+                  <a:schemeClr val="tx1"/>
+                </a:solidFill>
+                <a:latin typeface="+mn-lt"/>
+                <a:ea typeface="+mn-ea"/>
+                <a:cs typeface="+mn-cs"/>
+              </a:defRPr>
+            </a:lvl2pPr>
+            <a:lvl3pPr marL="1523048" indent="-304610" algn="l" defTabSz="1218438" rtl="0" eaLnBrk="1" latinLnBrk="0" hangingPunct="1">
+              <a:lnSpc>
+                <a:spcPct val="105000"/>
+              </a:lnSpc>
+              <a:spcBef>
+                <a:spcPts val="600"/>
+              </a:spcBef>
+              <a:spcAft>
+                <a:spcPts val="600"/>
+              </a:spcAft>
+              <a:buFont typeface="Wingdings" panose="05000000000000000000" pitchFamily="2" charset="2"/>
+              <a:buChar char="§"/>
+              <a:defRPr sz="2998" kern="1200">
+                <a:solidFill>
+                  <a:schemeClr val="tx1"/>
+                </a:solidFill>
+                <a:latin typeface="+mn-lt"/>
+                <a:ea typeface="+mn-ea"/>
+                <a:cs typeface="+mn-cs"/>
+              </a:defRPr>
+            </a:lvl3pPr>
+            <a:lvl4pPr marL="2132267" indent="-304610" algn="l" defTabSz="1218438" rtl="0" eaLnBrk="1" latinLnBrk="0" hangingPunct="1">
+              <a:lnSpc>
+                <a:spcPct val="105000"/>
+              </a:lnSpc>
+              <a:spcBef>
+                <a:spcPts val="600"/>
+              </a:spcBef>
+              <a:spcAft>
+                <a:spcPts val="600"/>
+              </a:spcAft>
+              <a:buFont typeface="Wingdings" panose="05000000000000000000" pitchFamily="2" charset="2"/>
+              <a:buChar char="§"/>
+              <a:defRPr sz="2798" kern="1200">
+                <a:solidFill>
+                  <a:schemeClr val="tx1"/>
+                </a:solidFill>
+                <a:latin typeface="+mn-lt"/>
+                <a:ea typeface="+mn-ea"/>
+                <a:cs typeface="+mn-cs"/>
+              </a:defRPr>
+            </a:lvl4pPr>
+            <a:lvl5pPr marL="2741485" indent="-304610" algn="l" defTabSz="1218438" rtl="0" eaLnBrk="1" latinLnBrk="0" hangingPunct="1">
+              <a:lnSpc>
+                <a:spcPct val="105000"/>
+              </a:lnSpc>
+              <a:spcBef>
+                <a:spcPts val="600"/>
+              </a:spcBef>
+              <a:spcAft>
+                <a:spcPts val="600"/>
+              </a:spcAft>
+              <a:buFont typeface="Wingdings" panose="05000000000000000000" pitchFamily="2" charset="2"/>
+              <a:buChar char="§"/>
+              <a:defRPr sz="2598" kern="1200">
+                <a:solidFill>
+                  <a:schemeClr val="tx1"/>
+                </a:solidFill>
+                <a:latin typeface="+mn-lt"/>
+                <a:ea typeface="+mn-ea"/>
+                <a:cs typeface="+mn-cs"/>
+              </a:defRPr>
+            </a:lvl5pPr>
+            <a:lvl6pPr marL="3350704" indent="-304610" algn="l" defTabSz="1218438" rtl="0" eaLnBrk="1" latinLnBrk="0" hangingPunct="1">
+              <a:spcBef>
+                <a:spcPct val="20000"/>
+              </a:spcBef>
+              <a:buFont typeface="Arial" pitchFamily="34" charset="0"/>
+              <a:buChar char="•"/>
+              <a:defRPr sz="2665" kern="1200">
+                <a:solidFill>
+                  <a:schemeClr val="tx1"/>
+                </a:solidFill>
+                <a:latin typeface="+mn-lt"/>
+                <a:ea typeface="+mn-ea"/>
+                <a:cs typeface="+mn-cs"/>
+              </a:defRPr>
+            </a:lvl6pPr>
+            <a:lvl7pPr marL="3959924" indent="-304610" algn="l" defTabSz="1218438" rtl="0" eaLnBrk="1" latinLnBrk="0" hangingPunct="1">
+              <a:spcBef>
+                <a:spcPct val="20000"/>
+              </a:spcBef>
+              <a:buFont typeface="Arial" pitchFamily="34" charset="0"/>
+              <a:buChar char="•"/>
+              <a:defRPr sz="2665" kern="1200">
+                <a:solidFill>
+                  <a:schemeClr val="tx1"/>
+                </a:solidFill>
+                <a:latin typeface="+mn-lt"/>
+                <a:ea typeface="+mn-ea"/>
+                <a:cs typeface="+mn-cs"/>
+              </a:defRPr>
+            </a:lvl7pPr>
+            <a:lvl8pPr marL="4569143" indent="-304610" algn="l" defTabSz="1218438" rtl="0" eaLnBrk="1" latinLnBrk="0" hangingPunct="1">
+              <a:spcBef>
+                <a:spcPct val="20000"/>
+              </a:spcBef>
+              <a:buFont typeface="Arial" pitchFamily="34" charset="0"/>
+              <a:buChar char="•"/>
+              <a:defRPr sz="2665" kern="1200">
+                <a:solidFill>
+                  <a:schemeClr val="tx1"/>
+                </a:solidFill>
+                <a:latin typeface="+mn-lt"/>
+                <a:ea typeface="+mn-ea"/>
+                <a:cs typeface="+mn-cs"/>
+              </a:defRPr>
+            </a:lvl8pPr>
+            <a:lvl9pPr marL="5178362" indent="-304610" algn="l" defTabSz="1218438" rtl="0" eaLnBrk="1" latinLnBrk="0" hangingPunct="1">
+              <a:spcBef>
+                <a:spcPct val="20000"/>
+              </a:spcBef>
+              <a:buFont typeface="Arial" pitchFamily="34" charset="0"/>
+              <a:buChar char="•"/>
+              <a:defRPr sz="2665" kern="1200">
+                <a:solidFill>
+                  <a:schemeClr val="tx1"/>
+                </a:solidFill>
+                <a:latin typeface="+mn-lt"/>
+                <a:ea typeface="+mn-ea"/>
+                <a:cs typeface="+mn-cs"/>
+              </a:defRPr>
+            </a:lvl9pPr>
+          </a:lstStyle>
+          <a:p>
+            <a:pPr marL="888666" lvl="1" indent="-355600">
+              <a:lnSpc>
+                <a:spcPct val="100000"/>
+              </a:lnSpc>
+              <a:buClr>
+                <a:schemeClr val="bg2"/>
+              </a:buClr>
+            </a:pPr>
+            <a:r>
+              <a:rPr lang="en-US" sz="2600" dirty="0" smtClean="0">
+                <a:solidFill>
+                  <a:schemeClr val="bg2"/>
+                </a:solidFill>
+              </a:rPr>
+              <a:t>pdf</a:t>
+            </a:r>
+          </a:p>
+          <a:p>
+            <a:pPr marL="888666" lvl="1" indent="-355600">
+              <a:lnSpc>
+                <a:spcPct val="100000"/>
+              </a:lnSpc>
+              <a:buClr>
+                <a:schemeClr val="bg2"/>
+              </a:buClr>
+            </a:pPr>
+            <a:r>
+              <a:rPr lang="en-US" sz="2600" dirty="0" smtClean="0">
+                <a:solidFill>
+                  <a:schemeClr val="bg2"/>
+                </a:solidFill>
+              </a:rPr>
+              <a:t>jpg, gif, bmp…</a:t>
+            </a:r>
+          </a:p>
+          <a:p>
+            <a:pPr marL="888666" lvl="1" indent="-355600">
+              <a:lnSpc>
+                <a:spcPct val="100000"/>
+              </a:lnSpc>
+              <a:buClr>
+                <a:schemeClr val="bg2"/>
+              </a:buClr>
+            </a:pPr>
+            <a:r>
+              <a:rPr lang="en-US" sz="2600" dirty="0" smtClean="0">
+                <a:solidFill>
+                  <a:schemeClr val="bg2"/>
+                </a:solidFill>
+              </a:rPr>
+              <a:t>rtf</a:t>
+            </a:r>
+          </a:p>
+        </p:txBody>
+      </p:sp>
+    </p:spTree>
+    <p:extLst>
+      <p:ext uri="{BB962C8B-B14F-4D97-AF65-F5344CB8AC3E}">
+        <p14:creationId xmlns:p14="http://schemas.microsoft.com/office/powerpoint/2010/main" val="3528394487"/>
+      </p:ext>
+    </p:extLst>
+  </p:cSld>
+  <p:clrMapOvr>
+    <a:masterClrMapping/>
+  </p:clrMapOvr>
+  <mc:AlternateContent xmlns:mc="http://schemas.openxmlformats.org/markup-compatibility/2006" xmlns:p14="http://schemas.microsoft.com/office/powerpoint/2010/main">
+    <mc:Choice Requires="p14">
+      <p:transition spd="slow" p14:dur="2000" advClick="0" advTm="5000"/>
+    </mc:Choice>
+    <mc:Fallback xmlns="">
+      <p:transition spd="slow" advClick="0" advTm="5000"/>
+    </mc:Fallback>
+  </mc:AlternateContent>
+  <p:timing>
+    <p:tnLst>
+      <p:par>
+        <p:cTn id="1" dur="indefinite" restart="never" nodeType="tmRoot">
+          <p:childTnLst>
+            <p:seq concurrent="1" nextAc="seek">
+              <p:cTn id="2" dur="indefinite" nodeType="mainSeq">
+                <p:childTnLst>
+                  <p:par>
+                    <p:cTn id="3" fill="hold">
+                      <p:stCondLst>
+                        <p:cond delay="indefinite"/>
+                      </p:stCondLst>
+                      <p:childTnLst>
+                        <p:par>
+                          <p:cTn id="4" fill="hold">
+                            <p:stCondLst>
+                              <p:cond delay="0"/>
+                            </p:stCondLst>
+                            <p:childTnLst>
+                              <p:par>
+                                <p:cTn id="5" presetID="1" presetClass="entr" presetSubtype="0" fill="hold" nodeType="clickEffect">
+                                  <p:stCondLst>
+                                    <p:cond delay="0"/>
+                                  </p:stCondLst>
+                                  <p:childTnLst>
+                                    <p:set>
+                                      <p:cBhvr>
+                                        <p:cTn id="6" dur="1" fill="hold">
+                                          <p:stCondLst>
+                                            <p:cond delay="0"/>
+                                          </p:stCondLst>
+                                        </p:cTn>
+                                        <p:tgtEl>
+                                          <p:spTgt spid="15">
+                                            <p:txEl>
+                                              <p:pRg st="1" end="1"/>
+                                            </p:txEl>
+                                          </p:spTgt>
+                                        </p:tgtEl>
+                                        <p:attrNameLst>
+                                          <p:attrName>style.visibility</p:attrName>
+                                        </p:attrNameLst>
+                                      </p:cBhvr>
+                                      <p:to>
+                                        <p:strVal val="visible"/>
+                                      </p:to>
+                                    </p:set>
+                                  </p:childTnLst>
+                                </p:cTn>
+                              </p:par>
+                            </p:childTnLst>
+                          </p:cTn>
+                        </p:par>
+                      </p:childTnLst>
+                    </p:cTn>
+                  </p:par>
+                  <p:par>
+                    <p:cTn id="7" fill="hold">
+                      <p:stCondLst>
+                        <p:cond delay="indefinite"/>
+                      </p:stCondLst>
+                      <p:childTnLst>
+                        <p:par>
+                          <p:cTn id="8" fill="hold">
+                            <p:stCondLst>
+                              <p:cond delay="0"/>
+                            </p:stCondLst>
+                            <p:childTnLst>
+                              <p:par>
+                                <p:cTn id="9" presetID="1" presetClass="entr" presetSubtype="0" fill="hold" nodeType="clickEffect">
+                                  <p:stCondLst>
+                                    <p:cond delay="0"/>
+                                  </p:stCondLst>
+                                  <p:childTnLst>
+                                    <p:set>
+                                      <p:cBhvr>
+                                        <p:cTn id="10" dur="1" fill="hold">
+                                          <p:stCondLst>
+                                            <p:cond delay="0"/>
+                                          </p:stCondLst>
+                                        </p:cTn>
+                                        <p:tgtEl>
+                                          <p:spTgt spid="15">
+                                            <p:txEl>
+                                              <p:pRg st="2" end="2"/>
+                                            </p:txEl>
+                                          </p:spTgt>
+                                        </p:tgtEl>
+                                        <p:attrNameLst>
+                                          <p:attrName>style.visibility</p:attrName>
+                                        </p:attrNameLst>
+                                      </p:cBhvr>
+                                      <p:to>
+                                        <p:strVal val="visible"/>
+                                      </p:to>
+                                    </p:set>
+                                  </p:childTnLst>
+                                </p:cTn>
+                              </p:par>
+                            </p:childTnLst>
+                          </p:cTn>
+                        </p:par>
+                      </p:childTnLst>
+                    </p:cTn>
+                  </p:par>
+                  <p:par>
+                    <p:cTn id="11" fill="hold">
+                      <p:stCondLst>
+                        <p:cond delay="indefinite"/>
+                      </p:stCondLst>
+                      <p:childTnLst>
+                        <p:par>
+                          <p:cTn id="12" fill="hold">
+                            <p:stCondLst>
+                              <p:cond delay="0"/>
+                            </p:stCondLst>
+                            <p:childTnLst>
+                              <p:par>
+                                <p:cTn id="13" presetID="1" presetClass="entr" presetSubtype="0" fill="hold" nodeType="clickEffect">
+                                  <p:stCondLst>
+                                    <p:cond delay="0"/>
+                                  </p:stCondLst>
+                                  <p:childTnLst>
+                                    <p:set>
+                                      <p:cBhvr>
+                                        <p:cTn id="14" dur="1" fill="hold">
+                                          <p:stCondLst>
+                                            <p:cond delay="0"/>
+                                          </p:stCondLst>
+                                        </p:cTn>
+                                        <p:tgtEl>
+                                          <p:spTgt spid="15">
+                                            <p:txEl>
+                                              <p:pRg st="3" end="3"/>
+                                            </p:txEl>
+                                          </p:spTgt>
+                                        </p:tgtEl>
+                                        <p:attrNameLst>
+                                          <p:attrName>style.visibility</p:attrName>
+                                        </p:attrNameLst>
+                                      </p:cBhvr>
+                                      <p:to>
+                                        <p:strVal val="visible"/>
+                                      </p:to>
+                                    </p:set>
+                                  </p:childTnLst>
+                                </p:cTn>
+                              </p:par>
+                            </p:childTnLst>
+                          </p:cTn>
+                        </p:par>
+                      </p:childTnLst>
+                    </p:cTn>
+                  </p:par>
+                  <p:par>
+                    <p:cTn id="15" fill="hold">
+                      <p:stCondLst>
+                        <p:cond delay="indefinite"/>
+                      </p:stCondLst>
+                      <p:childTnLst>
+                        <p:par>
+                          <p:cTn id="16" fill="hold">
+                            <p:stCondLst>
+                              <p:cond delay="0"/>
+                            </p:stCondLst>
+                            <p:childTnLst>
+                              <p:par>
+                                <p:cTn id="17" presetID="1" presetClass="entr" presetSubtype="0" fill="hold" nodeType="clickEffect">
+                                  <p:stCondLst>
+                                    <p:cond delay="0"/>
+                                  </p:stCondLst>
+                                  <p:childTnLst>
+                                    <p:set>
+                                      <p:cBhvr>
+                                        <p:cTn id="18" dur="1" fill="hold">
+                                          <p:stCondLst>
+                                            <p:cond delay="0"/>
+                                          </p:stCondLst>
+                                        </p:cTn>
+                                        <p:tgtEl>
+                                          <p:spTgt spid="13">
+                                            <p:txEl>
+                                              <p:pRg st="0" end="0"/>
+                                            </p:txEl>
+                                          </p:spTgt>
+                                        </p:tgtEl>
+                                        <p:attrNameLst>
+                                          <p:attrName>style.visibility</p:attrName>
+                                        </p:attrNameLst>
+                                      </p:cBhvr>
+                                      <p:to>
+                                        <p:strVal val="visible"/>
+                                      </p:to>
+                                    </p:set>
+                                  </p:childTnLst>
+                                </p:cTn>
+                              </p:par>
+                            </p:childTnLst>
+                          </p:cTn>
+                        </p:par>
+                      </p:childTnLst>
+                    </p:cTn>
+                  </p:par>
+                  <p:par>
+                    <p:cTn id="19" fill="hold">
+                      <p:stCondLst>
+                        <p:cond delay="indefinite"/>
+                      </p:stCondLst>
+                      <p:childTnLst>
+                        <p:par>
+                          <p:cTn id="20" fill="hold">
+                            <p:stCondLst>
+                              <p:cond delay="0"/>
+                            </p:stCondLst>
+                            <p:childTnLst>
+                              <p:par>
+                                <p:cTn id="21" presetID="1" presetClass="entr" presetSubtype="0" fill="hold" nodeType="clickEffect">
+                                  <p:stCondLst>
+                                    <p:cond delay="0"/>
+                                  </p:stCondLst>
+                                  <p:childTnLst>
+                                    <p:set>
+                                      <p:cBhvr>
+                                        <p:cTn id="22" dur="1" fill="hold">
+                                          <p:stCondLst>
+                                            <p:cond delay="0"/>
+                                          </p:stCondLst>
+                                        </p:cTn>
+                                        <p:tgtEl>
+                                          <p:spTgt spid="13">
+                                            <p:txEl>
+                                              <p:pRg st="1" end="1"/>
+                                            </p:txEl>
+                                          </p:spTgt>
+                                        </p:tgtEl>
+                                        <p:attrNameLst>
+                                          <p:attrName>style.visibility</p:attrName>
+                                        </p:attrNameLst>
+                                      </p:cBhvr>
+                                      <p:to>
+                                        <p:strVal val="visible"/>
+                                      </p:to>
+                                    </p:set>
+                                  </p:childTnLst>
+                                </p:cTn>
+                              </p:par>
+                            </p:childTnLst>
+                          </p:cTn>
+                        </p:par>
+                      </p:childTnLst>
+                    </p:cTn>
+                  </p:par>
+                  <p:par>
+                    <p:cTn id="23" fill="hold">
+                      <p:stCondLst>
+                        <p:cond delay="indefinite"/>
+                      </p:stCondLst>
+                      <p:childTnLst>
+                        <p:par>
+                          <p:cTn id="24" fill="hold">
+                            <p:stCondLst>
+                              <p:cond delay="0"/>
+                            </p:stCondLst>
+                            <p:childTnLst>
+                              <p:par>
+                                <p:cTn id="25" presetID="1" presetClass="entr" presetSubtype="0" fill="hold" nodeType="clickEffect">
+                                  <p:stCondLst>
+                                    <p:cond delay="0"/>
+                                  </p:stCondLst>
+                                  <p:childTnLst>
+                                    <p:set>
+                                      <p:cBhvr>
+                                        <p:cTn id="26" dur="1" fill="hold">
+                                          <p:stCondLst>
+                                            <p:cond delay="0"/>
+                                          </p:stCondLst>
+                                        </p:cTn>
+                                        <p:tgtEl>
+                                          <p:spTgt spid="13">
+                                            <p:txEl>
+                                              <p:pRg st="2" end="2"/>
+                                            </p:txEl>
+                                          </p:spTgt>
+                                        </p:tgtEl>
+                                        <p:attrNameLst>
+                                          <p:attrName>style.visibility</p:attrName>
+                                        </p:attrNameLst>
+                                      </p:cBhvr>
+                                      <p:to>
+                                        <p:strVal val="visible"/>
+                                      </p:to>
+                                    </p:set>
+                                  </p:childTnLst>
+                                </p:cTn>
+                              </p:par>
+                            </p:childTnLst>
+                          </p:cTn>
+                        </p:par>
+                      </p:childTnLst>
+                    </p:cTn>
+                  </p:par>
+                  <p:par>
+                    <p:cTn id="27" fill="hold">
+                      <p:stCondLst>
+                        <p:cond delay="indefinite"/>
+                      </p:stCondLst>
+                      <p:childTnLst>
+                        <p:par>
+                          <p:cTn id="28" fill="hold">
+                            <p:stCondLst>
+                              <p:cond delay="0"/>
+                            </p:stCondLst>
+                            <p:childTnLst>
+                              <p:par>
+                                <p:cTn id="29" presetID="1" presetClass="entr" presetSubtype="0" fill="hold" nodeType="clickEffect">
+                                  <p:stCondLst>
+                                    <p:cond delay="0"/>
+                                  </p:stCondLst>
+                                  <p:childTnLst>
+                                    <p:set>
+                                      <p:cBhvr>
+                                        <p:cTn id="30" dur="1" fill="hold">
+                                          <p:stCondLst>
+                                            <p:cond delay="0"/>
+                                          </p:stCondLst>
+                                        </p:cTn>
+                                        <p:tgtEl>
+                                          <p:spTgt spid="15">
+                                            <p:txEl>
+                                              <p:pRg st="4" end="4"/>
+                                            </p:txEl>
+                                          </p:spTgt>
+                                        </p:tgtEl>
+                                        <p:attrNameLst>
+                                          <p:attrName>style.visibility</p:attrName>
+                                        </p:attrNameLst>
+                                      </p:cBhvr>
+                                      <p:to>
+                                        <p:strVal val="visible"/>
+                                      </p:to>
+                                    </p:set>
+                                  </p:childTnLst>
+                                </p:cTn>
+                              </p:par>
+                            </p:childTnLst>
+                          </p:cTn>
+                        </p:par>
+                      </p:childTnLst>
+                    </p:cTn>
+                  </p:par>
+                </p:childTnLst>
+              </p:cTn>
+              <p:prevCondLst>
+                <p:cond evt="onPrev" delay="0">
+                  <p:tgtEl>
+                    <p:sldTgt/>
+                  </p:tgtEl>
+                </p:cond>
+              </p:prevCondLst>
+              <p:nextCondLst>
+                <p:cond evt="onNext" delay="0">
+                  <p:tgtEl>
+                    <p:sldTgt/>
+                  </p:tgtEl>
+                </p:cond>
+              </p:nextCondLst>
+            </p:seq>
+          </p:childTnLst>
+        </p:cTn>
+      </p:par>
+    </p:tnLst>
+  </p:timing>
+</p:sld>
+</file>
+
+<file path=ppt/slides/slide23.xml><?xml version="1.0" encoding="utf-8"?>
+<p:sld xmlns:a="http://schemas.openxmlformats.org/drawingml/2006/main" xmlns:r="http://schemas.openxmlformats.org/officeDocument/2006/relationships" xmlns:p="http://schemas.openxmlformats.org/presentationml/2006/main">
+  <p:cSld>
+    <p:spTree>
+      <p:nvGrpSpPr>
+        <p:cNvPr id="1" name=""/>
+        <p:cNvGrpSpPr/>
+        <p:nvPr/>
+      </p:nvGrpSpPr>
+      <p:grpSpPr>
+        <a:xfrm>
+          <a:off x="0" y="0"/>
+          <a:ext cx="0" cy="0"/>
+          <a:chOff x="0" y="0"/>
+          <a:chExt cx="0" cy="0"/>
+        </a:xfrm>
+      </p:grpSpPr>
+      <p:sp>
+        <p:nvSpPr>
+          <p:cNvPr id="5" name="Slide Title">
+            <a:extLst>
+              <a:ext uri="{FF2B5EF4-FFF2-40B4-BE49-F238E27FC236}">
+                <a16:creationId xmlns:a16="http://schemas.microsoft.com/office/drawing/2014/main" id="{FA0703FC-0F8F-4C80-A615-E4B381EC0E0C}"/>
+              </a:ext>
+            </a:extLst>
+          </p:cNvPr>
+          <p:cNvSpPr>
+            <a:spLocks noGrp="1"/>
+          </p:cNvSpPr>
+          <p:nvPr>
+            <p:ph type="title"/>
+          </p:nvPr>
+        </p:nvSpPr>
+        <p:spPr/>
+        <p:txBody>
+          <a:bodyPr/>
+          <a:lstStyle/>
+          <a:p>
+            <a:r>
+              <a:rPr lang="bg-BG" dirty="0"/>
+              <a:t>Въпроси</a:t>
+            </a:r>
+            <a:r>
+              <a:rPr lang="en-US" dirty="0"/>
+              <a:t>?</a:t>
+            </a:r>
+          </a:p>
+        </p:txBody>
+      </p:sp>
+      <p:sp>
+        <p:nvSpPr>
+          <p:cNvPr id="2" name="Rectangle Bottom Copyright">
+            <a:extLst>
+              <a:ext uri="{FF2B5EF4-FFF2-40B4-BE49-F238E27FC236}">
+                <a16:creationId xmlns:a16="http://schemas.microsoft.com/office/drawing/2014/main" id="{664812A4-2991-44D1-BFE9-32E55AADF8A5}"/>
+              </a:ext>
+            </a:extLst>
+          </p:cNvPr>
+          <p:cNvSpPr/>
+          <p:nvPr/>
+        </p:nvSpPr>
+        <p:spPr>
+          <a:xfrm>
+            <a:off x="111000" y="6454758"/>
+            <a:ext cx="11970000" cy="304242"/>
+          </a:xfrm>
+          <a:prstGeom prst="rect">
+            <a:avLst/>
+          </a:prstGeom>
+        </p:spPr>
+        <p:txBody>
+          <a:bodyPr wrap="square">
+            <a:noAutofit/>
+          </a:bodyPr>
+          <a:lstStyle/>
+          <a:p>
+            <a:pPr algn="ctr">
+              <a:lnSpc>
+                <a:spcPct val="100000"/>
+              </a:lnSpc>
+              <a:spcBef>
+                <a:spcPts val="0"/>
+              </a:spcBef>
+              <a:spcAft>
+                <a:spcPts val="0"/>
+              </a:spcAft>
+            </a:pPr>
+            <a:r>
+              <a:rPr lang="bg-BG" sz="1600" dirty="0">
+                <a:solidFill>
+                  <a:schemeClr val="bg2"/>
+                </a:solidFill>
+                <a:effectLst/>
+                <a:latin typeface="Calibri" panose="020F0502020204030204" pitchFamily="34" charset="0"/>
+                <a:ea typeface="Calibri" panose="020F0502020204030204" pitchFamily="34" charset="0"/>
+                <a:cs typeface="Arial" panose="020B0604020202020204" pitchFamily="34" charset="0"/>
+              </a:rPr>
+              <a:t>Проект "</a:t>
+            </a:r>
+            <a:r>
+              <a:rPr lang="bg-BG" sz="1600" dirty="0">
+                <a:solidFill>
+                  <a:schemeClr val="bg1">
+                    <a:lumMod val="20000"/>
+                    <a:lumOff val="80000"/>
+                  </a:schemeClr>
+                </a:solidFill>
+                <a:effectLst/>
+                <a:latin typeface="Calibri" panose="020F0502020204030204" pitchFamily="34" charset="0"/>
+                <a:ea typeface="Calibri" panose="020F0502020204030204" pitchFamily="34" charset="0"/>
+                <a:cs typeface="Arial" panose="020B0604020202020204" pitchFamily="34" charset="0"/>
+                <a:hlinkClick r:id="rId3">
+                  <a:extLst>
+                    <a:ext uri="{A12FA001-AC4F-418D-AE19-62706E023703}">
+                      <ahyp:hlinkClr xmlns="" xmlns:ahyp="http://schemas.microsoft.com/office/drawing/2018/hyperlinkcolor" val="tx"/>
+                    </a:ext>
+                  </a:extLst>
+                </a:hlinkClick>
+              </a:rPr>
+              <a:t>Отворено учебно съдържание по програмиране и ИТ</a:t>
+            </a:r>
+            <a:r>
+              <a:rPr lang="bg-BG" sz="1600" dirty="0">
+                <a:solidFill>
+                  <a:schemeClr val="bg2"/>
+                </a:solidFill>
+                <a:effectLst/>
+                <a:latin typeface="Calibri" panose="020F0502020204030204" pitchFamily="34" charset="0"/>
+                <a:ea typeface="Calibri" panose="020F0502020204030204" pitchFamily="34" charset="0"/>
+                <a:cs typeface="Arial" panose="020B0604020202020204" pitchFamily="34" charset="0"/>
+              </a:rPr>
+              <a:t>", СофтУни Фондация (лиценз </a:t>
+            </a:r>
+            <a:r>
+              <a:rPr lang="en-US" sz="1600" dirty="0">
+                <a:solidFill>
+                  <a:schemeClr val="bg2"/>
+                </a:solidFill>
+                <a:effectLst/>
+                <a:latin typeface="Calibri" panose="020F0502020204030204" pitchFamily="34" charset="0"/>
+                <a:ea typeface="Calibri" panose="020F0502020204030204" pitchFamily="34" charset="0"/>
+                <a:cs typeface="Arial" panose="020B0604020202020204" pitchFamily="34" charset="0"/>
+              </a:rPr>
+              <a:t>CC-BY-NC-SA</a:t>
+            </a:r>
+            <a:r>
+              <a:rPr lang="bg-BG" sz="1600" dirty="0">
+                <a:solidFill>
+                  <a:schemeClr val="bg2"/>
+                </a:solidFill>
+                <a:effectLst/>
+                <a:latin typeface="Calibri" panose="020F0502020204030204" pitchFamily="34" charset="0"/>
+                <a:ea typeface="Calibri" panose="020F0502020204030204" pitchFamily="34" charset="0"/>
+                <a:cs typeface="Arial" panose="020B0604020202020204" pitchFamily="34" charset="0"/>
+              </a:rPr>
+              <a:t>)</a:t>
+            </a:r>
+            <a:endParaRPr lang="bg-BG" sz="2400" dirty="0">
+              <a:solidFill>
+                <a:schemeClr val="bg2"/>
+              </a:solidFill>
+              <a:effectLst/>
+              <a:latin typeface="Calibri" panose="020F0502020204030204" pitchFamily="34" charset="0"/>
+              <a:ea typeface="Calibri" panose="020F0502020204030204" pitchFamily="34" charset="0"/>
+              <a:cs typeface="Arial" panose="020B0604020202020204" pitchFamily="34" charset="0"/>
+            </a:endParaRPr>
+          </a:p>
+        </p:txBody>
+      </p:sp>
+    </p:spTree>
+    <p:extLst>
+      <p:ext uri="{BB962C8B-B14F-4D97-AF65-F5344CB8AC3E}">
+        <p14:creationId xmlns:p14="http://schemas.microsoft.com/office/powerpoint/2010/main" val="1472534970"/>
+      </p:ext>
+    </p:extLst>
+  </p:cSld>
+  <p:clrMapOvr>
+    <a:masterClrMapping/>
+  </p:clrMapOvr>
+  <mc:AlternateContent xmlns:mc="http://schemas.openxmlformats.org/markup-compatibility/2006" xmlns:p14="http://schemas.microsoft.com/office/powerpoint/2010/main">
+    <mc:Choice Requires="p14">
+      <p:transition spd="slow" p14:dur="2000" advClick="0" advTm="5000"/>
+    </mc:Choice>
+    <mc:Fallback xmlns="">
+      <p:transition spd="slow" advClick="0" advTm="5000"/>
+    </mc:Fallback>
+  </mc:AlternateContent>
+  <p:timing>
+    <p:tnLst>
+      <p:par>
+        <p:cTn id="1" dur="indefinite" restart="never" nodeType="tmRoot"/>
+      </p:par>
+    </p:tnLst>
+  </p:timing>
+</p:sld>
+</file>
+
+<file path=ppt/slides/slide24.xml><?xml version="1.0" encoding="utf-8"?>
+<p:sld xmlns:a="http://schemas.openxmlformats.org/drawingml/2006/main" xmlns:r="http://schemas.openxmlformats.org/officeDocument/2006/relationships" xmlns:p="http://schemas.openxmlformats.org/presentationml/2006/main" show="0">
+  <p:cSld>
+    <p:spTree>
+      <p:nvGrpSpPr>
+        <p:cNvPr id="1" name=""/>
+        <p:cNvGrpSpPr/>
+        <p:nvPr/>
+      </p:nvGrpSpPr>
+      <p:grpSpPr>
+        <a:xfrm>
+          <a:off x="0" y="0"/>
+          <a:ext cx="0" cy="0"/>
+          <a:chOff x="0" y="0"/>
+          <a:chExt cx="0" cy="0"/>
+        </a:xfrm>
+      </p:grpSpPr>
+      <p:sp>
+        <p:nvSpPr>
+          <p:cNvPr id="5" name="Slide Number">
+            <a:extLst>
+              <a:ext uri="{FF2B5EF4-FFF2-40B4-BE49-F238E27FC236}">
+                <a16:creationId xmlns:a16="http://schemas.microsoft.com/office/drawing/2014/main" id="{F48C3C93-90A1-4D31-BEA6-B54D1106CE31}"/>
+              </a:ext>
+            </a:extLst>
+          </p:cNvPr>
+          <p:cNvSpPr>
+            <a:spLocks noGrp="1"/>
+          </p:cNvSpPr>
+          <p:nvPr>
+            <p:ph type="sldNum" sz="quarter" idx="5"/>
+          </p:nvPr>
+        </p:nvSpPr>
+        <p:spPr>
+          <a:xfrm>
+            <a:off x="11753030" y="6507000"/>
+            <a:ext cx="367414" cy="297000"/>
+          </a:xfrm>
+          <a:prstGeom prst="rect">
+            <a:avLst/>
+          </a:prstGeom>
+        </p:spPr>
+        <p:txBody>
+          <a:bodyPr vert="horz" lIns="91440" tIns="45720" rIns="91440" bIns="45720" rtlCol="0" anchor="b"/>
+          <a:lstStyle>
+            <a:lvl1pPr algn="r">
+              <a:defRPr sz="1000"/>
+            </a:lvl1pPr>
+          </a:lstStyle>
+          <a:p>
+            <a:fld id="{2BF067CD-8E6B-4360-9AA8-C5DF2A48A6D1}" type="slidenum">
+              <a:rPr lang="en-US" smtClean="0"/>
+              <a:pPr/>
+              <a:t>24</a:t>
+            </a:fld>
+            <a:endParaRPr lang="en-US" dirty="0"/>
+          </a:p>
+        </p:txBody>
+      </p:sp>
+      <p:sp>
+        <p:nvSpPr>
+          <p:cNvPr id="2" name="Slide Body">
+            <a:extLst>
+              <a:ext uri="{FF2B5EF4-FFF2-40B4-BE49-F238E27FC236}">
+                <a16:creationId xmlns:a16="http://schemas.microsoft.com/office/drawing/2014/main" id="{980F49B1-E4BE-4389-A747-7AB9B71AD920}"/>
+              </a:ext>
+            </a:extLst>
+          </p:cNvPr>
+          <p:cNvSpPr>
+            <a:spLocks noGrp="1"/>
+          </p:cNvSpPr>
+          <p:nvPr>
+            <p:ph type="body" sz="quarter" idx="10"/>
+          </p:nvPr>
+        </p:nvSpPr>
+        <p:spPr>
+          <a:xfrm>
+            <a:off x="190402" y="1269001"/>
+            <a:ext cx="9865598" cy="2474999"/>
+          </a:xfrm>
+        </p:spPr>
+        <p:txBody>
+          <a:bodyPr>
+            <a:normAutofit/>
+          </a:bodyPr>
+          <a:lstStyle/>
+          <a:p>
+            <a:pPr>
+              <a:lnSpc>
+                <a:spcPct val="120000"/>
+              </a:lnSpc>
+            </a:pPr>
+            <a:r>
+              <a:rPr lang="bg-BG" sz="3200" dirty="0"/>
+              <a:t>Този курс</a:t>
+            </a:r>
+            <a:r>
+              <a:rPr lang="en-US" sz="3200" dirty="0"/>
+              <a:t> (</a:t>
+            </a:r>
+            <a:r>
+              <a:rPr lang="bg-BG" sz="3200" dirty="0"/>
+              <a:t>презентации, примери, демонстрационен код, упражнения, домашни, видео и други активи</a:t>
+            </a:r>
+            <a:r>
+              <a:rPr lang="en-US" sz="3200" dirty="0"/>
+              <a:t>) </a:t>
+            </a:r>
+            <a:r>
+              <a:rPr lang="bg-BG" sz="3200" dirty="0"/>
+              <a:t>представлява</a:t>
+            </a:r>
+            <a:r>
+              <a:rPr lang="en-US" sz="3200" dirty="0"/>
+              <a:t> </a:t>
+            </a:r>
+            <a:r>
+              <a:rPr lang="bg-BG" sz="3200" b="1" dirty="0"/>
+              <a:t>свободно учебно съдържание </a:t>
+            </a:r>
+            <a:r>
+              <a:rPr lang="bg-BG" sz="3200" dirty="0"/>
+              <a:t>и се разпространява под свободен лиценз </a:t>
+            </a:r>
+            <a:r>
+              <a:rPr lang="en-US" sz="3200" b="1" dirty="0"/>
+              <a:t>CC-BY-NC-SA</a:t>
+            </a:r>
+            <a:endParaRPr lang="bg-BG" sz="3200" dirty="0"/>
+          </a:p>
+        </p:txBody>
+      </p:sp>
+      <p:pic>
+        <p:nvPicPr>
+          <p:cNvPr id="6" name="Picture License" descr="License">
+            <a:extLst>
+              <a:ext uri="{FF2B5EF4-FFF2-40B4-BE49-F238E27FC236}">
+                <a16:creationId xmlns:a16="http://schemas.microsoft.com/office/drawing/2014/main" id="{82BA520F-A037-4E01-AA18-27D9F1E930A6}"/>
+              </a:ext>
+            </a:extLst>
+          </p:cNvPr>
+          <p:cNvPicPr>
+            <a:picLocks noChangeAspect="1"/>
+          </p:cNvPicPr>
+          <p:nvPr/>
+        </p:nvPicPr>
+        <p:blipFill>
+          <a:blip r:embed="rId3">
+            <a:clrChange>
+              <a:clrFrom>
+                <a:srgbClr val="FFFFFF"/>
+              </a:clrFrom>
+              <a:clrTo>
+                <a:srgbClr val="FFFFFF">
+                  <a:alpha val="0"/>
+                </a:srgbClr>
+              </a:clrTo>
+            </a:clrChange>
+          </a:blip>
+          <a:stretch>
+            <a:fillRect/>
+          </a:stretch>
+        </p:blipFill>
+        <p:spPr>
+          <a:xfrm>
+            <a:off x="10226175" y="1440120"/>
+            <a:ext cx="1198986" cy="1268880"/>
+          </a:xfrm>
+          <a:prstGeom prst="rect">
+            <a:avLst/>
+          </a:prstGeom>
+        </p:spPr>
+      </p:pic>
+      <p:sp>
+        <p:nvSpPr>
+          <p:cNvPr id="3" name="Slide Title">
+            <a:extLst>
+              <a:ext uri="{FF2B5EF4-FFF2-40B4-BE49-F238E27FC236}">
+                <a16:creationId xmlns:a16="http://schemas.microsoft.com/office/drawing/2014/main" id="{E5F1FB41-80C3-4816-BC47-CCC50632E6E8}"/>
+              </a:ext>
+            </a:extLst>
+          </p:cNvPr>
+          <p:cNvSpPr>
+            <a:spLocks noGrp="1"/>
+          </p:cNvSpPr>
+          <p:nvPr>
+            <p:ph type="title"/>
+          </p:nvPr>
+        </p:nvSpPr>
+        <p:spPr/>
+        <p:txBody>
+          <a:bodyPr/>
+          <a:lstStyle/>
+          <a:p>
+            <a:r>
+              <a:rPr lang="bg-BG" dirty="0"/>
+              <a:t>Лиценз</a:t>
+            </a:r>
+          </a:p>
+        </p:txBody>
+      </p:sp>
+      <p:sp>
+        <p:nvSpPr>
+          <p:cNvPr id="11" name="TextBox 10">
+            <a:extLst>
+              <a:ext uri="{FF2B5EF4-FFF2-40B4-BE49-F238E27FC236}">
+                <a16:creationId xmlns:a16="http://schemas.microsoft.com/office/drawing/2014/main" id="{0C18DF19-B750-4C88-975B-661A6BF61F5E}"/>
+              </a:ext>
+            </a:extLst>
+          </p:cNvPr>
+          <p:cNvSpPr txBox="1"/>
+          <p:nvPr/>
+        </p:nvSpPr>
+        <p:spPr>
+          <a:xfrm>
+            <a:off x="190401" y="3927519"/>
+            <a:ext cx="11710599" cy="1979644"/>
+          </a:xfrm>
+          <a:prstGeom prst="rect">
+            <a:avLst/>
+          </a:prstGeom>
+          <a:noFill/>
+          <a:ln w="12700">
+            <a:noFill/>
+          </a:ln>
+        </p:spPr>
+        <p:txBody>
+          <a:bodyPr wrap="square">
+            <a:spAutoFit/>
+          </a:bodyPr>
+          <a:lstStyle/>
+          <a:p>
+            <a:pPr marL="360363" indent="-360363" defTabSz="1218438">
+              <a:lnSpc>
+                <a:spcPct val="120000"/>
+              </a:lnSpc>
+              <a:spcBef>
+                <a:spcPts val="600"/>
+              </a:spcBef>
+              <a:spcAft>
+                <a:spcPts val="600"/>
+              </a:spcAft>
+              <a:buFont typeface="Wingdings" panose="05000000000000000000" pitchFamily="2" charset="2"/>
+              <a:buChar char="§"/>
+              <a:defRPr/>
+            </a:pPr>
+            <a:r>
+              <a:rPr lang="bg-BG" sz="3200" dirty="0"/>
+              <a:t>Проект "</a:t>
+            </a:r>
+            <a:r>
+              <a:rPr lang="bg-BG" sz="3200" b="1" dirty="0"/>
+              <a:t>Отворено учебно съдържание по програмиране и ИТ</a:t>
+            </a:r>
+            <a:r>
+              <a:rPr lang="bg-BG" sz="3200" dirty="0"/>
+              <a:t>" към Фондация "Софтуерен университет"</a:t>
+            </a:r>
+            <a:r>
+              <a:rPr lang="en-US" sz="3200" dirty="0"/>
+              <a:t>:</a:t>
+            </a:r>
+            <a:endParaRPr lang="bg-BG" sz="3200" dirty="0"/>
+          </a:p>
+          <a:p>
+            <a:pPr marL="817563" lvl="1" indent="-360363" defTabSz="1218438">
+              <a:lnSpc>
+                <a:spcPct val="120000"/>
+              </a:lnSpc>
+              <a:spcBef>
+                <a:spcPts val="600"/>
+              </a:spcBef>
+              <a:spcAft>
+                <a:spcPts val="600"/>
+              </a:spcAft>
+              <a:buFont typeface="Wingdings" panose="05000000000000000000" pitchFamily="2" charset="2"/>
+              <a:buChar char="§"/>
+              <a:defRPr/>
+            </a:pPr>
+            <a:r>
+              <a:rPr kumimoji="0" lang="en-US" sz="3200" b="0" i="0" u="none" strike="noStrike" kern="1200" cap="none" spc="0" normalizeH="0" baseline="0" noProof="0" dirty="0">
+                <a:ln>
+                  <a:noFill/>
+                </a:ln>
+                <a:solidFill>
+                  <a:srgbClr val="234465"/>
+                </a:solidFill>
+                <a:effectLst/>
+                <a:uLnTx/>
+                <a:uFillTx/>
+                <a:latin typeface="Calibri"/>
+                <a:ea typeface="+mn-ea"/>
+                <a:cs typeface="+mn-cs"/>
+                <a:hlinkClick r:id="rId4"/>
+              </a:rPr>
+              <a:t>https://github.com/BG-IT-Edu</a:t>
+            </a:r>
+            <a:endParaRPr kumimoji="0" lang="bg-BG" sz="3200" b="0" i="0" u="none" strike="noStrike" kern="1200" cap="none" spc="0" normalizeH="0" baseline="0" noProof="0" dirty="0">
+              <a:ln>
+                <a:noFill/>
+              </a:ln>
+              <a:solidFill>
+                <a:srgbClr val="234465"/>
+              </a:solidFill>
+              <a:effectLst/>
+              <a:uLnTx/>
+              <a:uFillTx/>
+              <a:latin typeface="Calibri"/>
+              <a:ea typeface="+mn-ea"/>
+              <a:cs typeface="+mn-cs"/>
+            </a:endParaRPr>
+          </a:p>
+        </p:txBody>
+      </p:sp>
+      <p:pic>
+        <p:nvPicPr>
+          <p:cNvPr id="7" name="Picture 6" title="CC-BY-NC-SA License">
+            <a:hlinkClick r:id="rId5" tooltip="This work is licensed under the &quot;Creative Commons Attribution-NonCommercial-ShareAlike 4.0 International&quot; license"/>
+            <a:extLst>
+              <a:ext uri="{FF2B5EF4-FFF2-40B4-BE49-F238E27FC236}">
+                <a16:creationId xmlns:a16="http://schemas.microsoft.com/office/drawing/2014/main" id="{F6C77C47-F7D8-A176-5C69-7FDE5C7E8003}"/>
+              </a:ext>
+            </a:extLst>
+          </p:cNvPr>
+          <p:cNvPicPr>
+            <a:picLocks noChangeAspect="1" noChangeArrowheads="1"/>
+          </p:cNvPicPr>
+          <p:nvPr/>
+        </p:nvPicPr>
+        <p:blipFill>
+          <a:blip r:embed="rId6">
+            <a:extLst>
+              <a:ext uri="{28A0092B-C50C-407E-A947-70E740481C1C}">
+                <a14:useLocalDpi xmlns:a14="http://schemas.microsoft.com/office/drawing/2010/main"/>
+              </a:ext>
+            </a:extLst>
+          </a:blip>
+          <a:srcRect/>
+          <a:stretch>
+            <a:fillRect/>
+          </a:stretch>
+        </p:blipFill>
+        <p:spPr bwMode="auto">
+          <a:xfrm>
+            <a:off x="9831000" y="2908593"/>
+            <a:ext cx="1989336" cy="696022"/>
+          </a:xfrm>
+          <a:prstGeom prst="roundRect">
+            <a:avLst>
+              <a:gd name="adj" fmla="val 3940"/>
+            </a:avLst>
+          </a:prstGeom>
+          <a:solidFill>
+            <a:srgbClr val="231F20">
+              <a:alpha val="50000"/>
+            </a:srgbClr>
+          </a:solidFill>
+          <a:ln>
+            <a:noFill/>
+          </a:ln>
+        </p:spPr>
+      </p:pic>
+    </p:spTree>
+    <p:extLst>
+      <p:ext uri="{BB962C8B-B14F-4D97-AF65-F5344CB8AC3E}">
+        <p14:creationId xmlns:p14="http://schemas.microsoft.com/office/powerpoint/2010/main" val="3879276042"/>
+      </p:ext>
+    </p:extLst>
+  </p:cSld>
+  <p:clrMapOvr>
+    <a:masterClrMapping/>
+  </p:clrMapOvr>
+  <mc:AlternateContent xmlns:mc="http://schemas.openxmlformats.org/markup-compatibility/2006" xmlns:p14="http://schemas.microsoft.com/office/powerpoint/2010/main">
+    <mc:Choice Requires="p14">
+      <p:transition spd="slow" p14:dur="2000" advClick="0" advTm="5000"/>
+    </mc:Choice>
+    <mc:Fallback xmlns="">
+      <p:transition spd="slow" advClick="0" advTm="5000"/>
+    </mc:Fallback>
+  </mc:AlternateContent>
+  <p:timing>
+    <p:tnLst>
+      <p:par>
+        <p:cTn id="1" dur="indefinite" restart="never" nodeType="tmRoot"/>
       </p:par>
     </p:tnLst>
   </p:timing>

--- a/Courses/Computer-Modeling-and-IT/Computer-Modeling-and-IT-6-Class/19-Saving-Presentation-in-Different-File-Formats/19-Saving-Presentation-in-Different-File-Formats.pptx
+++ b/Courses/Computer-Modeling-and-IT/Computer-Modeling-and-IT-6-Class/19-Saving-Presentation-in-Different-File-Formats/19-Saving-Presentation-in-Different-File-Formats.pptx
@@ -297,7 +297,7 @@
           <a:p>
             <a:fld id="{4E087215-0C8F-4762-A664-737A353EC9A4}" type="datetimeFigureOut">
               <a:rPr lang="bg-BG" smtClean="0"/>
-              <a:t>4.8.2024 г.</a:t>
+              <a:t>30.8.2025 г.</a:t>
             </a:fld>
             <a:endParaRPr lang="bg-BG"/>
           </a:p>
@@ -493,7 +493,7 @@
           <a:p>
             <a:fld id="{72D84649-876A-46C9-8472-14CB09C070D8}" type="datetimeFigureOut">
               <a:rPr lang="en-US" smtClean="0"/>
-              <a:t>8/4/2024</a:t>
+              <a:t>8/30/2025</a:t>
             </a:fld>
             <a:endParaRPr lang="en-US"/>
           </a:p>
@@ -921,6 +921,236 @@
 </p:notes>
 </file>
 
+<file path=ppt/notesSlides/notesSlide10.xml><?xml version="1.0" encoding="utf-8"?>
+<p:notes xmlns:a="http://schemas.openxmlformats.org/drawingml/2006/main" xmlns:r="http://schemas.openxmlformats.org/officeDocument/2006/relationships" xmlns:p="http://schemas.openxmlformats.org/presentationml/2006/main">
+  <p:cSld>
+    <p:spTree>
+      <p:nvGrpSpPr>
+        <p:cNvPr id="1" name=""/>
+        <p:cNvGrpSpPr/>
+        <p:nvPr/>
+      </p:nvGrpSpPr>
+      <p:grpSpPr>
+        <a:xfrm>
+          <a:off x="0" y="0"/>
+          <a:ext cx="0" cy="0"/>
+          <a:chOff x="0" y="0"/>
+          <a:chExt cx="0" cy="0"/>
+        </a:xfrm>
+      </p:grpSpPr>
+      <p:sp>
+        <p:nvSpPr>
+          <p:cNvPr id="2" name="Slide Image Placeholder 1"/>
+          <p:cNvSpPr>
+            <a:spLocks noGrp="1" noRot="1" noChangeAspect="1"/>
+          </p:cNvSpPr>
+          <p:nvPr>
+            <p:ph type="sldImg"/>
+          </p:nvPr>
+        </p:nvSpPr>
+        <p:spPr/>
+      </p:sp>
+      <p:sp>
+        <p:nvSpPr>
+          <p:cNvPr id="3" name="Notes Placeholder 2"/>
+          <p:cNvSpPr>
+            <a:spLocks noGrp="1"/>
+          </p:cNvSpPr>
+          <p:nvPr>
+            <p:ph type="body" idx="1"/>
+          </p:nvPr>
+        </p:nvSpPr>
+        <p:spPr/>
+        <p:txBody>
+          <a:bodyPr/>
+          <a:lstStyle/>
+          <a:p>
+            <a:endParaRPr lang="en-US"/>
+          </a:p>
+        </p:txBody>
+      </p:sp>
+      <p:sp>
+        <p:nvSpPr>
+          <p:cNvPr id="6" name="Slide Number Placeholder 5">
+            <a:extLst>
+              <a:ext uri="{FF2B5EF4-FFF2-40B4-BE49-F238E27FC236}">
+                <a16:creationId xmlns:a16="http://schemas.microsoft.com/office/drawing/2014/main" id="{6627548A-4D3C-449B-81A5-FA4BE4628490}"/>
+              </a:ext>
+            </a:extLst>
+          </p:cNvPr>
+          <p:cNvSpPr txBox="1">
+            <a:spLocks/>
+          </p:cNvSpPr>
+          <p:nvPr/>
+        </p:nvSpPr>
+        <p:spPr>
+          <a:xfrm>
+            <a:off x="6488999" y="8847000"/>
+            <a:ext cx="367414" cy="297000"/>
+          </a:xfrm>
+          <a:prstGeom prst="rect">
+            <a:avLst/>
+          </a:prstGeom>
+        </p:spPr>
+        <p:txBody>
+          <a:bodyPr vert="horz" lIns="91440" tIns="45720" rIns="91440" bIns="45720" rtlCol="0" anchor="b"/>
+          <a:lstStyle>
+            <a:defPPr>
+              <a:defRPr lang="en-US"/>
+            </a:defPPr>
+            <a:lvl1pPr marL="0" algn="r" defTabSz="914400" rtl="0" eaLnBrk="1" latinLnBrk="0" hangingPunct="1">
+              <a:defRPr sz="1200" kern="1200">
+                <a:solidFill>
+                  <a:schemeClr val="tx1"/>
+                </a:solidFill>
+                <a:latin typeface="+mn-lt"/>
+                <a:ea typeface="+mn-ea"/>
+                <a:cs typeface="+mn-cs"/>
+              </a:defRPr>
+            </a:lvl1pPr>
+            <a:lvl2pPr marL="457200" algn="l" defTabSz="914400" rtl="0" eaLnBrk="1" latinLnBrk="0" hangingPunct="1">
+              <a:defRPr sz="1800" kern="1200">
+                <a:solidFill>
+                  <a:schemeClr val="tx1"/>
+                </a:solidFill>
+                <a:latin typeface="+mn-lt"/>
+                <a:ea typeface="+mn-ea"/>
+                <a:cs typeface="+mn-cs"/>
+              </a:defRPr>
+            </a:lvl2pPr>
+            <a:lvl3pPr marL="914400" algn="l" defTabSz="914400" rtl="0" eaLnBrk="1" latinLnBrk="0" hangingPunct="1">
+              <a:defRPr sz="1800" kern="1200">
+                <a:solidFill>
+                  <a:schemeClr val="tx1"/>
+                </a:solidFill>
+                <a:latin typeface="+mn-lt"/>
+                <a:ea typeface="+mn-ea"/>
+                <a:cs typeface="+mn-cs"/>
+              </a:defRPr>
+            </a:lvl3pPr>
+            <a:lvl4pPr marL="1371600" algn="l" defTabSz="914400" rtl="0" eaLnBrk="1" latinLnBrk="0" hangingPunct="1">
+              <a:defRPr sz="1800" kern="1200">
+                <a:solidFill>
+                  <a:schemeClr val="tx1"/>
+                </a:solidFill>
+                <a:latin typeface="+mn-lt"/>
+                <a:ea typeface="+mn-ea"/>
+                <a:cs typeface="+mn-cs"/>
+              </a:defRPr>
+            </a:lvl4pPr>
+            <a:lvl5pPr marL="1828800" algn="l" defTabSz="914400" rtl="0" eaLnBrk="1" latinLnBrk="0" hangingPunct="1">
+              <a:defRPr sz="1800" kern="1200">
+                <a:solidFill>
+                  <a:schemeClr val="tx1"/>
+                </a:solidFill>
+                <a:latin typeface="+mn-lt"/>
+                <a:ea typeface="+mn-ea"/>
+                <a:cs typeface="+mn-cs"/>
+              </a:defRPr>
+            </a:lvl5pPr>
+            <a:lvl6pPr marL="2286000" algn="l" defTabSz="914400" rtl="0" eaLnBrk="1" latinLnBrk="0" hangingPunct="1">
+              <a:defRPr sz="1800" kern="1200">
+                <a:solidFill>
+                  <a:schemeClr val="tx1"/>
+                </a:solidFill>
+                <a:latin typeface="+mn-lt"/>
+                <a:ea typeface="+mn-ea"/>
+                <a:cs typeface="+mn-cs"/>
+              </a:defRPr>
+            </a:lvl6pPr>
+            <a:lvl7pPr marL="2743200" algn="l" defTabSz="914400" rtl="0" eaLnBrk="1" latinLnBrk="0" hangingPunct="1">
+              <a:defRPr sz="1800" kern="1200">
+                <a:solidFill>
+                  <a:schemeClr val="tx1"/>
+                </a:solidFill>
+                <a:latin typeface="+mn-lt"/>
+                <a:ea typeface="+mn-ea"/>
+                <a:cs typeface="+mn-cs"/>
+              </a:defRPr>
+            </a:lvl7pPr>
+            <a:lvl8pPr marL="3200400" algn="l" defTabSz="914400" rtl="0" eaLnBrk="1" latinLnBrk="0" hangingPunct="1">
+              <a:defRPr sz="1800" kern="1200">
+                <a:solidFill>
+                  <a:schemeClr val="tx1"/>
+                </a:solidFill>
+                <a:latin typeface="+mn-lt"/>
+                <a:ea typeface="+mn-ea"/>
+                <a:cs typeface="+mn-cs"/>
+              </a:defRPr>
+            </a:lvl8pPr>
+            <a:lvl9pPr marL="3657600" algn="l" defTabSz="914400" rtl="0" eaLnBrk="1" latinLnBrk="0" hangingPunct="1">
+              <a:defRPr sz="1800" kern="1200">
+                <a:solidFill>
+                  <a:schemeClr val="tx1"/>
+                </a:solidFill>
+                <a:latin typeface="+mn-lt"/>
+                <a:ea typeface="+mn-ea"/>
+                <a:cs typeface="+mn-cs"/>
+              </a:defRPr>
+            </a:lvl9pPr>
+          </a:lstStyle>
+          <a:p>
+            <a:fld id="{3EBA5BD7-F043-4D1B-AA17-CD412FC534DE}" type="slidenum">
+              <a:rPr lang="en-US" smtClean="0"/>
+              <a:pPr/>
+              <a:t>24</a:t>
+            </a:fld>
+            <a:endParaRPr lang="en-US" dirty="0"/>
+          </a:p>
+        </p:txBody>
+      </p:sp>
+      <p:sp>
+        <p:nvSpPr>
+          <p:cNvPr id="4" name="Footer Placeholder 3">
+            <a:extLst>
+              <a:ext uri="{FF2B5EF4-FFF2-40B4-BE49-F238E27FC236}">
+                <a16:creationId xmlns:a16="http://schemas.microsoft.com/office/drawing/2014/main" id="{D2472CE7-61C1-4B7B-B0C8-5A45F0178717}"/>
+              </a:ext>
+            </a:extLst>
+          </p:cNvPr>
+          <p:cNvSpPr>
+            <a:spLocks noGrp="1"/>
+          </p:cNvSpPr>
+          <p:nvPr>
+            <p:ph type="ftr" sz="quarter" idx="4"/>
+          </p:nvPr>
+        </p:nvSpPr>
+        <p:spPr/>
+        <p:txBody>
+          <a:bodyPr/>
+          <a:lstStyle/>
+          <a:p>
+            <a:r>
+              <a:rPr lang="en-US"/>
+              <a:t>© SoftUni – </a:t>
+            </a:r>
+            <a:r>
+              <a:rPr lang="en-US" u="sng">
+                <a:hlinkClick r:id="rId3"/>
+              </a:rPr>
+              <a:t>https://softuni.org</a:t>
+            </a:r>
+            <a:r>
+              <a:rPr lang="en-US"/>
+              <a:t>. Copyrighted document. Unauthorized copy or reproduction is not permitted.</a:t>
+            </a:r>
+            <a:endParaRPr lang="en-US" dirty="0"/>
+          </a:p>
+        </p:txBody>
+      </p:sp>
+    </p:spTree>
+    <p:extLst>
+      <p:ext uri="{BB962C8B-B14F-4D97-AF65-F5344CB8AC3E}">
+        <p14:creationId xmlns:p14="http://schemas.microsoft.com/office/powerpoint/2010/main" val="3648844402"/>
+      </p:ext>
+    </p:extLst>
+  </p:cSld>
+  <p:clrMapOvr>
+    <a:masterClrMapping/>
+  </p:clrMapOvr>
+</p:notes>
+</file>
+
 <file path=ppt/notesSlides/notesSlide2.xml><?xml version="1.0" encoding="utf-8"?>
 <p:notes xmlns:a="http://schemas.openxmlformats.org/drawingml/2006/main" xmlns:r="http://schemas.openxmlformats.org/officeDocument/2006/relationships" xmlns:p="http://schemas.openxmlformats.org/presentationml/2006/main">
   <p:cSld>
@@ -1250,19 +1480,19 @@
           <a:lstStyle/>
           <a:p>
             <a:r>
-              <a:rPr lang="bg-BG" sz="1100" smtClean="0"/>
+              <a:rPr lang="bg-BG" sz="1100"/>
               <a:t>Работна група </a:t>
             </a:r>
             <a:r>
-              <a:rPr lang="bg-BG" smtClean="0"/>
+              <a:rPr lang="bg-BG"/>
               <a:t>"Образование по програмиране и ИТ"</a:t>
             </a:r>
             <a:r>
-              <a:rPr lang="bg-BG" sz="1100" smtClean="0"/>
+              <a:rPr lang="bg-BG" sz="1100"/>
               <a:t>, с подкрепата на </a:t>
             </a:r>
             <a:r>
-              <a:rPr lang="en-US" sz="1100" smtClean="0">
+              <a:rPr lang="en-US" sz="1100">
                 <a:hlinkClick r:id="rId3"/>
               </a:rPr>
               <a:t>SoftUni</a:t>
@@ -1371,19 +1601,19 @@
           <a:lstStyle/>
           <a:p>
             <a:r>
-              <a:rPr lang="bg-BG" sz="1100" smtClean="0"/>
+              <a:rPr lang="bg-BG" sz="1100"/>
               <a:t>Работна група </a:t>
             </a:r>
             <a:r>
-              <a:rPr lang="bg-BG" smtClean="0"/>
+              <a:rPr lang="bg-BG"/>
               <a:t>"Образование по програмиране и ИТ"</a:t>
             </a:r>
             <a:r>
-              <a:rPr lang="bg-BG" sz="1100" smtClean="0"/>
+              <a:rPr lang="bg-BG" sz="1100"/>
               <a:t>, с подкрепата на </a:t>
             </a:r>
             <a:r>
-              <a:rPr lang="en-US" sz="1100" smtClean="0">
+              <a:rPr lang="en-US" sz="1100">
                 <a:hlinkClick r:id="rId3"/>
               </a:rPr>
               <a:t>SoftUni</a:t>
@@ -1492,19 +1722,19 @@
           <a:lstStyle/>
           <a:p>
             <a:r>
-              <a:rPr lang="bg-BG" sz="1100" smtClean="0"/>
+              <a:rPr lang="bg-BG" sz="1100"/>
               <a:t>Работна група </a:t>
             </a:r>
             <a:r>
-              <a:rPr lang="bg-BG" smtClean="0"/>
+              <a:rPr lang="bg-BG"/>
               <a:t>"Образование по програмиране и ИТ"</a:t>
             </a:r>
             <a:r>
-              <a:rPr lang="bg-BG" sz="1100" smtClean="0"/>
+              <a:rPr lang="bg-BG" sz="1100"/>
               <a:t>, с подкрепата на </a:t>
             </a:r>
             <a:r>
-              <a:rPr lang="en-US" sz="1100" smtClean="0">
+              <a:rPr lang="en-US" sz="1100">
                 <a:hlinkClick r:id="rId3"/>
               </a:rPr>
               <a:t>SoftUni</a:t>
@@ -1613,19 +1843,19 @@
           <a:lstStyle/>
           <a:p>
             <a:r>
-              <a:rPr lang="bg-BG" sz="1100" smtClean="0"/>
+              <a:rPr lang="bg-BG" sz="1100"/>
               <a:t>Работна група </a:t>
             </a:r>
             <a:r>
-              <a:rPr lang="bg-BG" smtClean="0"/>
+              <a:rPr lang="bg-BG"/>
               <a:t>"Образование по програмиране и ИТ"</a:t>
             </a:r>
             <a:r>
-              <a:rPr lang="bg-BG" sz="1100" smtClean="0"/>
+              <a:rPr lang="bg-BG" sz="1100"/>
               <a:t>, с подкрепата на </a:t>
             </a:r>
             <a:r>
-              <a:rPr lang="en-US" sz="1100" smtClean="0">
+              <a:rPr lang="en-US" sz="1100">
                 <a:hlinkClick r:id="rId3"/>
               </a:rPr>
               <a:t>SoftUni</a:t>
@@ -1691,18 +1921,18 @@
           <a:bodyPr/>
           <a:lstStyle/>
           <a:p>
-            <a:endParaRPr lang="en-US" dirty="0"/>
+            <a:endParaRPr lang="en-GB" dirty="0"/>
           </a:p>
         </p:txBody>
       </p:sp>
       <p:sp>
         <p:nvSpPr>
-          <p:cNvPr id="4" name="Footer Placeholder 3"/>
+          <p:cNvPr id="4" name="Slide Number Placeholder 3"/>
           <p:cNvSpPr>
             <a:spLocks noGrp="1"/>
           </p:cNvSpPr>
           <p:nvPr>
-            <p:ph type="ftr" sz="quarter" idx="10"/>
+            <p:ph type="sldNum" sz="quarter" idx="5"/>
           </p:nvPr>
         </p:nvSpPr>
         <p:spPr/>
@@ -1710,48 +1940,22 @@
           <a:bodyPr/>
           <a:lstStyle/>
           <a:p>
-            <a:r>
-              <a:rPr lang="en-US" sz="1000" dirty="0"/>
-              <a:t>© Software University Foundation – </a:t>
-            </a:r>
-            <a:r>
-              <a:rPr lang="en-US" sz="1000" u="sng" dirty="0">
-                <a:hlinkClick r:id="rId3"/>
-              </a:rPr>
-              <a:t>http://softuni.org</a:t>
-            </a:r>
-            <a:endParaRPr lang="en-US" sz="1000" dirty="0"/>
-          </a:p>
-          <a:p>
-            <a:r>
-              <a:rPr lang="en-US" sz="1000" dirty="0"/>
-              <a:t>This work is licensed under the </a:t>
-            </a:r>
-            <a:r>
-              <a:rPr lang="en-US" sz="1000" u="sng" noProof="1">
-                <a:hlinkClick r:id="rId4"/>
-              </a:rPr>
-              <a:t>Creative Commons Attribution-NonCommercial-ShareAlike</a:t>
-            </a:r>
-            <a:r>
-              <a:rPr lang="en-US" sz="1000" noProof="1"/>
-              <a:t> </a:t>
-            </a:r>
-            <a:r>
-              <a:rPr lang="en-US" sz="1000" dirty="0"/>
-              <a:t>license.</a:t>
-            </a:r>
+            <a:fld id="{2BF067CD-8E6B-4360-9AA8-C5DF2A48A6D1}" type="slidenum">
+              <a:rPr lang="en-US" smtClean="0"/>
+              <a:t>21</a:t>
+            </a:fld>
+            <a:endParaRPr lang="en-US" dirty="0"/>
           </a:p>
         </p:txBody>
       </p:sp>
       <p:sp>
         <p:nvSpPr>
-          <p:cNvPr id="5" name="Slide Number Placeholder 4"/>
+          <p:cNvPr id="5" name="Footer Placeholder 4"/>
           <p:cNvSpPr>
             <a:spLocks noGrp="1"/>
           </p:cNvSpPr>
           <p:nvPr>
-            <p:ph type="sldNum" sz="quarter" idx="11"/>
+            <p:ph type="ftr" sz="quarter" idx="4"/>
           </p:nvPr>
         </p:nvSpPr>
         <p:spPr/>
@@ -1759,19 +1963,32 @@
           <a:bodyPr/>
           <a:lstStyle/>
           <a:p>
-            <a:fld id="{3EBA5BD7-F043-4D1B-AA17-CD412FC534DE}" type="slidenum">
-              <a:rPr lang="en-US" smtClean="0"/>
-              <a:pPr/>
-              <a:t>22</a:t>
-            </a:fld>
-            <a:endParaRPr lang="en-US" dirty="0"/>
+            <a:r>
+              <a:rPr lang="bg-BG" sz="1100"/>
+              <a:t>Работна група </a:t>
+            </a:r>
+            <a:r>
+              <a:rPr lang="bg-BG"/>
+              <a:t>"Образование по програмиране и ИТ"</a:t>
+            </a:r>
+            <a:r>
+              <a:rPr lang="bg-BG" sz="1100"/>
+              <a:t>, с подкрепата на </a:t>
+            </a:r>
+            <a:r>
+              <a:rPr lang="en-US" sz="1100">
+                <a:hlinkClick r:id="rId3"/>
+              </a:rPr>
+              <a:t>SoftUni</a:t>
+            </a:r>
+            <a:endParaRPr lang="en-US" sz="1100" dirty="0"/>
           </a:p>
         </p:txBody>
       </p:sp>
     </p:spTree>
     <p:extLst>
       <p:ext uri="{BB962C8B-B14F-4D97-AF65-F5344CB8AC3E}">
-        <p14:creationId xmlns:p14="http://schemas.microsoft.com/office/powerpoint/2010/main" val="2505804726"/>
+        <p14:creationId xmlns:p14="http://schemas.microsoft.com/office/powerpoint/2010/main" val="3107938371"/>
       </p:ext>
     </p:extLst>
   </p:cSld>
@@ -1831,148 +2048,12 @@
       </p:sp>
       <p:sp>
         <p:nvSpPr>
-          <p:cNvPr id="7" name="Slide Number Placeholder 5">
-            <a:extLst>
-              <a:ext uri="{FF2B5EF4-FFF2-40B4-BE49-F238E27FC236}">
-                <a16:creationId xmlns:a16="http://schemas.microsoft.com/office/drawing/2014/main" id="{5049B984-F964-47FF-8179-0A3007CE21CD}"/>
-              </a:ext>
-            </a:extLst>
-          </p:cNvPr>
-          <p:cNvSpPr txBox="1">
-            <a:spLocks/>
-          </p:cNvSpPr>
-          <p:nvPr/>
-        </p:nvSpPr>
-        <p:spPr>
-          <a:xfrm>
-            <a:off x="6488999" y="8847000"/>
-            <a:ext cx="367414" cy="297000"/>
-          </a:xfrm>
-          <a:prstGeom prst="rect">
-            <a:avLst/>
-          </a:prstGeom>
-        </p:spPr>
-        <p:txBody>
-          <a:bodyPr vert="horz" lIns="91440" tIns="45720" rIns="91440" bIns="45720" rtlCol="0" anchor="b"/>
-          <a:lstStyle>
-            <a:defPPr>
-              <a:defRPr lang="en-US"/>
-            </a:defPPr>
-            <a:lvl1pPr marL="0" algn="r" defTabSz="914400" rtl="0" eaLnBrk="1" latinLnBrk="0" hangingPunct="1">
-              <a:defRPr sz="1200" kern="1200">
-                <a:solidFill>
-                  <a:schemeClr val="tx1"/>
-                </a:solidFill>
-                <a:latin typeface="+mn-lt"/>
-                <a:ea typeface="+mn-ea"/>
-                <a:cs typeface="+mn-cs"/>
-              </a:defRPr>
-            </a:lvl1pPr>
-            <a:lvl2pPr marL="457200" algn="l" defTabSz="914400" rtl="0" eaLnBrk="1" latinLnBrk="0" hangingPunct="1">
-              <a:defRPr sz="1800" kern="1200">
-                <a:solidFill>
-                  <a:schemeClr val="tx1"/>
-                </a:solidFill>
-                <a:latin typeface="+mn-lt"/>
-                <a:ea typeface="+mn-ea"/>
-                <a:cs typeface="+mn-cs"/>
-              </a:defRPr>
-            </a:lvl2pPr>
-            <a:lvl3pPr marL="914400" algn="l" defTabSz="914400" rtl="0" eaLnBrk="1" latinLnBrk="0" hangingPunct="1">
-              <a:defRPr sz="1800" kern="1200">
-                <a:solidFill>
-                  <a:schemeClr val="tx1"/>
-                </a:solidFill>
-                <a:latin typeface="+mn-lt"/>
-                <a:ea typeface="+mn-ea"/>
-                <a:cs typeface="+mn-cs"/>
-              </a:defRPr>
-            </a:lvl3pPr>
-            <a:lvl4pPr marL="1371600" algn="l" defTabSz="914400" rtl="0" eaLnBrk="1" latinLnBrk="0" hangingPunct="1">
-              <a:defRPr sz="1800" kern="1200">
-                <a:solidFill>
-                  <a:schemeClr val="tx1"/>
-                </a:solidFill>
-                <a:latin typeface="+mn-lt"/>
-                <a:ea typeface="+mn-ea"/>
-                <a:cs typeface="+mn-cs"/>
-              </a:defRPr>
-            </a:lvl4pPr>
-            <a:lvl5pPr marL="1828800" algn="l" defTabSz="914400" rtl="0" eaLnBrk="1" latinLnBrk="0" hangingPunct="1">
-              <a:defRPr sz="1800" kern="1200">
-                <a:solidFill>
-                  <a:schemeClr val="tx1"/>
-                </a:solidFill>
-                <a:latin typeface="+mn-lt"/>
-                <a:ea typeface="+mn-ea"/>
-                <a:cs typeface="+mn-cs"/>
-              </a:defRPr>
-            </a:lvl5pPr>
-            <a:lvl6pPr marL="2286000" algn="l" defTabSz="914400" rtl="0" eaLnBrk="1" latinLnBrk="0" hangingPunct="1">
-              <a:defRPr sz="1800" kern="1200">
-                <a:solidFill>
-                  <a:schemeClr val="tx1"/>
-                </a:solidFill>
-                <a:latin typeface="+mn-lt"/>
-                <a:ea typeface="+mn-ea"/>
-                <a:cs typeface="+mn-cs"/>
-              </a:defRPr>
-            </a:lvl6pPr>
-            <a:lvl7pPr marL="2743200" algn="l" defTabSz="914400" rtl="0" eaLnBrk="1" latinLnBrk="0" hangingPunct="1">
-              <a:defRPr sz="1800" kern="1200">
-                <a:solidFill>
-                  <a:schemeClr val="tx1"/>
-                </a:solidFill>
-                <a:latin typeface="+mn-lt"/>
-                <a:ea typeface="+mn-ea"/>
-                <a:cs typeface="+mn-cs"/>
-              </a:defRPr>
-            </a:lvl7pPr>
-            <a:lvl8pPr marL="3200400" algn="l" defTabSz="914400" rtl="0" eaLnBrk="1" latinLnBrk="0" hangingPunct="1">
-              <a:defRPr sz="1800" kern="1200">
-                <a:solidFill>
-                  <a:schemeClr val="tx1"/>
-                </a:solidFill>
-                <a:latin typeface="+mn-lt"/>
-                <a:ea typeface="+mn-ea"/>
-                <a:cs typeface="+mn-cs"/>
-              </a:defRPr>
-            </a:lvl8pPr>
-            <a:lvl9pPr marL="3657600" algn="l" defTabSz="914400" rtl="0" eaLnBrk="1" latinLnBrk="0" hangingPunct="1">
-              <a:defRPr sz="1800" kern="1200">
-                <a:solidFill>
-                  <a:schemeClr val="tx1"/>
-                </a:solidFill>
-                <a:latin typeface="+mn-lt"/>
-                <a:ea typeface="+mn-ea"/>
-                <a:cs typeface="+mn-cs"/>
-              </a:defRPr>
-            </a:lvl9pPr>
-          </a:lstStyle>
-          <a:p>
-            <a:fld id="{3EBA5BD7-F043-4D1B-AA17-CD412FC534DE}" type="slidenum">
-              <a:rPr lang="en-US" smtClean="0"/>
-              <a:pPr/>
-              <a:t>23</a:t>
-            </a:fld>
-            <a:endParaRPr lang="en-US" dirty="0"/>
-          </a:p>
-        </p:txBody>
-      </p:sp>
-      <p:sp>
-        <p:nvSpPr>
-          <p:cNvPr id="4" name="Footer Placeholder 3">
-            <a:extLst>
-              <a:ext uri="{FF2B5EF4-FFF2-40B4-BE49-F238E27FC236}">
-                <a16:creationId xmlns:a16="http://schemas.microsoft.com/office/drawing/2014/main" id="{8E059BE0-D868-413B-AAA1-1CC88D1F52C5}"/>
-              </a:ext>
-            </a:extLst>
-          </p:cNvPr>
+          <p:cNvPr id="4" name="Footer Placeholder 3"/>
           <p:cNvSpPr>
             <a:spLocks noGrp="1"/>
           </p:cNvSpPr>
           <p:nvPr>
-            <p:ph type="ftr" sz="quarter" idx="4"/>
+            <p:ph type="ftr" sz="quarter" idx="10"/>
           </p:nvPr>
         </p:nvSpPr>
         <p:spPr/>
@@ -1981,19 +2062,59 @@
           <a:lstStyle/>
           <a:p>
             <a:r>
-              <a:rPr lang="en-US"/>
-              <a:t>© SoftUni – </a:t>
-            </a:r>
-            <a:r>
-              <a:rPr lang="en-US" u="sng">
+              <a:rPr lang="en-US" sz="1000" dirty="0"/>
+              <a:t>© Software University Foundation – </a:t>
+            </a:r>
+            <a:r>
+              <a:rPr lang="en-US" sz="1000" u="sng" dirty="0">
                 <a:hlinkClick r:id="rId3"/>
               </a:rPr>
-              <a:t>https://softuni.org</a:t>
-            </a:r>
-            <a:r>
-              <a:rPr lang="en-US"/>
-              <a:t>. Copyrighted document. Unauthorized copy or reproduction is not permitted.</a:t>
-            </a:r>
+              <a:t>http://softuni.org</a:t>
+            </a:r>
+            <a:endParaRPr lang="en-US" sz="1000" dirty="0"/>
+          </a:p>
+          <a:p>
+            <a:r>
+              <a:rPr lang="en-US" sz="1000" dirty="0"/>
+              <a:t>This work is licensed under the </a:t>
+            </a:r>
+            <a:r>
+              <a:rPr lang="en-US" sz="1000" u="sng" noProof="1">
+                <a:hlinkClick r:id="rId4"/>
+              </a:rPr>
+              <a:t>Creative Commons Attribution-NonCommercial-ShareAlike</a:t>
+            </a:r>
+            <a:r>
+              <a:rPr lang="en-US" sz="1000" noProof="1"/>
+              <a:t> </a:t>
+            </a:r>
+            <a:r>
+              <a:rPr lang="en-US" sz="1000" dirty="0"/>
+              <a:t>license.</a:t>
+            </a:r>
+          </a:p>
+        </p:txBody>
+      </p:sp>
+      <p:sp>
+        <p:nvSpPr>
+          <p:cNvPr id="5" name="Slide Number Placeholder 4"/>
+          <p:cNvSpPr>
+            <a:spLocks noGrp="1"/>
+          </p:cNvSpPr>
+          <p:nvPr>
+            <p:ph type="sldNum" sz="quarter" idx="11"/>
+          </p:nvPr>
+        </p:nvSpPr>
+        <p:spPr/>
+        <p:txBody>
+          <a:bodyPr/>
+          <a:lstStyle/>
+          <a:p>
+            <a:fld id="{3EBA5BD7-F043-4D1B-AA17-CD412FC534DE}" type="slidenum">
+              <a:rPr lang="en-US" smtClean="0"/>
+              <a:pPr/>
+              <a:t>22</a:t>
+            </a:fld>
             <a:endParaRPr lang="en-US" dirty="0"/>
           </a:p>
         </p:txBody>
@@ -2001,7 +2122,7 @@
     </p:spTree>
     <p:extLst>
       <p:ext uri="{BB962C8B-B14F-4D97-AF65-F5344CB8AC3E}">
-        <p14:creationId xmlns:p14="http://schemas.microsoft.com/office/powerpoint/2010/main" val="3466590374"/>
+        <p14:creationId xmlns:p14="http://schemas.microsoft.com/office/powerpoint/2010/main" val="2505804726"/>
       </p:ext>
     </p:extLst>
   </p:cSld>
@@ -2055,16 +2176,16 @@
           <a:bodyPr/>
           <a:lstStyle/>
           <a:p>
-            <a:endParaRPr lang="en-US"/>
+            <a:endParaRPr lang="en-US" dirty="0"/>
           </a:p>
         </p:txBody>
       </p:sp>
       <p:sp>
         <p:nvSpPr>
-          <p:cNvPr id="6" name="Slide Number Placeholder 5">
+          <p:cNvPr id="7" name="Slide Number Placeholder 5">
             <a:extLst>
               <a:ext uri="{FF2B5EF4-FFF2-40B4-BE49-F238E27FC236}">
-                <a16:creationId xmlns:a16="http://schemas.microsoft.com/office/drawing/2014/main" id="{6627548A-4D3C-449B-81A5-FA4BE4628490}"/>
+                <a16:creationId xmlns:a16="http://schemas.microsoft.com/office/drawing/2014/main" id="{5049B984-F964-47FF-8179-0A3007CE21CD}"/>
               </a:ext>
             </a:extLst>
           </p:cNvPr>
@@ -2183,7 +2304,7 @@
             <a:fld id="{3EBA5BD7-F043-4D1B-AA17-CD412FC534DE}" type="slidenum">
               <a:rPr lang="en-US" smtClean="0"/>
               <a:pPr/>
-              <a:t>24</a:t>
+              <a:t>23</a:t>
             </a:fld>
             <a:endParaRPr lang="en-US" dirty="0"/>
           </a:p>
@@ -2194,7 +2315,7 @@
           <p:cNvPr id="4" name="Footer Placeholder 3">
             <a:extLst>
               <a:ext uri="{FF2B5EF4-FFF2-40B4-BE49-F238E27FC236}">
-                <a16:creationId xmlns:a16="http://schemas.microsoft.com/office/drawing/2014/main" id="{D2472CE7-61C1-4B7B-B0C8-5A45F0178717}"/>
+                <a16:creationId xmlns:a16="http://schemas.microsoft.com/office/drawing/2014/main" id="{8E059BE0-D868-413B-AAA1-1CC88D1F52C5}"/>
               </a:ext>
             </a:extLst>
           </p:cNvPr>
@@ -2231,7 +2352,7 @@
     </p:spTree>
     <p:extLst>
       <p:ext uri="{BB962C8B-B14F-4D97-AF65-F5344CB8AC3E}">
-        <p14:creationId xmlns:p14="http://schemas.microsoft.com/office/powerpoint/2010/main" val="3648844402"/>
+        <p14:creationId xmlns:p14="http://schemas.microsoft.com/office/powerpoint/2010/main" val="3466590374"/>
       </p:ext>
     </p:extLst>
   </p:cSld>
@@ -7541,13 +7662,6 @@
       <p:transition spd="slow" advClick="0" advTm="5000"/>
     </mc:Fallback>
   </mc:AlternateContent>
-  <p:timing>
-    <p:tnLst>
-      <p:par>
-        <p:cTn id="1" dur="indefinite" restart="never" nodeType="tmRoot"/>
-      </p:par>
-    </p:tnLst>
-  </p:timing>
 </p:sld>
 </file>
 
@@ -7662,13 +7776,6 @@
       <p:transition spd="slow" advClick="0" advTm="5000"/>
     </mc:Fallback>
   </mc:AlternateContent>
-  <p:timing>
-    <p:tnLst>
-      <p:par>
-        <p:cTn id="1" dur="indefinite" restart="never" nodeType="tmRoot"/>
-      </p:par>
-    </p:tnLst>
-  </p:timing>
 </p:sld>
 </file>
 
@@ -7707,7 +7814,7 @@
           <a:lstStyle/>
           <a:p>
             <a:r>
-              <a:rPr lang="bg-BG" dirty="0" smtClean="0"/>
+              <a:rPr lang="bg-BG" dirty="0"/>
               <a:t>Съхраняване на презентация в ралзични формати</a:t>
             </a:r>
             <a:endParaRPr lang="en-US" dirty="0"/>
@@ -7723,14 +7830,20 @@
           <p:nvPr/>
         </p:nvPicPr>
         <p:blipFill rotWithShape="1">
-          <a:blip r:embed="rId3"/>
-          <a:srcRect t="1" r="72786" b="78396"/>
+          <a:blip r:embed="rId3">
+            <a:extLst>
+              <a:ext uri="{28A0092B-C50C-407E-A947-70E740481C1C}">
+                <a14:useLocalDpi xmlns:a14="http://schemas.microsoft.com/office/drawing/2010/main" val="0"/>
+              </a:ext>
+            </a:extLst>
+          </a:blip>
+          <a:srcRect t="708" b="255"/>
           <a:stretch/>
         </p:blipFill>
         <p:spPr>
           <a:xfrm>
-            <a:off x="2571256" y="2844000"/>
-            <a:ext cx="7049488" cy="3041847"/>
+            <a:off x="3276128" y="2799000"/>
+            <a:ext cx="5639744" cy="3168086"/>
           </a:xfrm>
           <a:prstGeom prst="rect">
             <a:avLst/>
@@ -7752,13 +7865,13 @@
         </p:nvSpPr>
         <p:spPr bwMode="auto">
           <a:xfrm>
-            <a:off x="4071000" y="1629000"/>
+            <a:off x="5646000" y="1494000"/>
             <a:ext cx="5850000" cy="1575000"/>
           </a:xfrm>
           <a:prstGeom prst="wedgeRoundRectCallout">
             <a:avLst>
-              <a:gd name="adj1" fmla="val -65771"/>
-              <a:gd name="adj2" fmla="val 64314"/>
+              <a:gd name="adj1" fmla="val -74438"/>
+              <a:gd name="adj2" fmla="val 97654"/>
               <a:gd name="adj3" fmla="val 16667"/>
             </a:avLst>
           </a:prstGeom>
@@ -7821,7 +7934,7 @@
             <a:r>
               <a:rPr lang="ru-RU" sz="2800" b="1" dirty="0">
                 <a:solidFill>
-                  <a:schemeClr val="bg1">
+                  <a:schemeClr val="accent1">
                     <a:lumMod val="60000"/>
                     <a:lumOff val="40000"/>
                   </a:schemeClr>
@@ -7852,9 +7965,9 @@
               <a:t>става от менюто </a:t>
             </a:r>
             <a:r>
-              <a:rPr lang="ru-RU" sz="2800" b="1" dirty="0" smtClean="0">
-                <a:solidFill>
-                  <a:schemeClr val="bg1">
+              <a:rPr lang="ru-RU" sz="2800" b="1" dirty="0">
+                <a:solidFill>
+                  <a:schemeClr val="accent1">
                     <a:lumMod val="60000"/>
                     <a:lumOff val="40000"/>
                   </a:schemeClr>
@@ -7870,7 +7983,7 @@
               <a:t>File</a:t>
             </a:r>
             <a:r>
-              <a:rPr lang="ru-RU" sz="2800" b="1" dirty="0" smtClean="0">
+              <a:rPr lang="ru-RU" sz="2800" b="1" dirty="0">
                 <a:solidFill>
                   <a:srgbClr val="FFFFFF"/>
                 </a:solidFill>
@@ -7884,18 +7997,6 @@
               </a:rPr>
               <a:t> </a:t>
             </a:r>
-            <a:endParaRPr lang="ru-RU" sz="2800" b="1" dirty="0">
-              <a:solidFill>
-                <a:srgbClr val="FFFFFF"/>
-              </a:solidFill>
-              <a:effectLst>
-                <a:outerShdw blurRad="38100" dist="38100" dir="2700000" algn="tl">
-                  <a:srgbClr val="000000">
-                    <a:alpha val="43137"/>
-                  </a:srgbClr>
-                </a:outerShdw>
-              </a:effectLst>
-            </a:endParaRPr>
           </a:p>
         </p:txBody>
       </p:sp>
@@ -8015,6 +8116,43 @@
           <a:chExt cx="0" cy="0"/>
         </a:xfrm>
       </p:grpSpPr>
+      <p:pic>
+        <p:nvPicPr>
+          <p:cNvPr id="9" name="Picture 8">
+            <a:extLst>
+              <a:ext uri="{FF2B5EF4-FFF2-40B4-BE49-F238E27FC236}">
+                <a16:creationId xmlns:a16="http://schemas.microsoft.com/office/drawing/2014/main" id="{51828A2C-9D66-76EE-DC57-A80AA73AEFBD}"/>
+              </a:ext>
+            </a:extLst>
+          </p:cNvPr>
+          <p:cNvPicPr>
+            <a:picLocks noChangeAspect="1"/>
+          </p:cNvPicPr>
+          <p:nvPr/>
+        </p:nvPicPr>
+        <p:blipFill>
+          <a:blip r:embed="rId2"/>
+          <a:stretch>
+            <a:fillRect/>
+          </a:stretch>
+        </p:blipFill>
+        <p:spPr>
+          <a:xfrm>
+            <a:off x="5331000" y="1315342"/>
+            <a:ext cx="4055255" cy="5200392"/>
+          </a:xfrm>
+          <a:prstGeom prst="rect">
+            <a:avLst/>
+          </a:prstGeom>
+          <a:ln>
+            <a:solidFill>
+              <a:schemeClr val="bg2">
+                <a:lumMod val="75000"/>
+              </a:schemeClr>
+            </a:solidFill>
+          </a:ln>
+        </p:spPr>
+      </p:pic>
       <p:sp>
         <p:nvSpPr>
           <p:cNvPr id="2" name="Slide Number Placeholder 1"/>
@@ -8064,36 +8202,6 @@
           </a:p>
         </p:txBody>
       </p:sp>
-      <p:pic>
-        <p:nvPicPr>
-          <p:cNvPr id="5" name="Picture 4"/>
-          <p:cNvPicPr>
-            <a:picLocks noChangeAspect="1"/>
-          </p:cNvPicPr>
-          <p:nvPr/>
-        </p:nvPicPr>
-        <p:blipFill rotWithShape="1">
-          <a:blip r:embed="rId2"/>
-          <a:srcRect r="74256" b="47746"/>
-          <a:stretch/>
-        </p:blipFill>
-        <p:spPr>
-          <a:xfrm>
-            <a:off x="5016000" y="1359000"/>
-            <a:ext cx="4728382" cy="5216797"/>
-          </a:xfrm>
-          <a:prstGeom prst="rect">
-            <a:avLst/>
-          </a:prstGeom>
-          <a:ln>
-            <a:solidFill>
-              <a:schemeClr val="bg2">
-                <a:lumMod val="75000"/>
-              </a:schemeClr>
-            </a:solidFill>
-          </a:ln>
-        </p:spPr>
-      </p:pic>
       <p:sp>
         <p:nvSpPr>
           <p:cNvPr id="6" name="Rounded Rectangular Callout 5"/>
@@ -8102,13 +8210,13 @@
         </p:nvSpPr>
         <p:spPr bwMode="auto">
           <a:xfrm>
-            <a:off x="1477352" y="2259000"/>
+            <a:off x="2001000" y="3024000"/>
             <a:ext cx="3060000" cy="1215000"/>
           </a:xfrm>
           <a:prstGeom prst="wedgeRoundRectCallout">
             <a:avLst>
-              <a:gd name="adj1" fmla="val 64145"/>
-              <a:gd name="adj2" fmla="val 61716"/>
+              <a:gd name="adj1" fmla="val 68583"/>
+              <a:gd name="adj2" fmla="val 115367"/>
               <a:gd name="adj3" fmla="val 16667"/>
             </a:avLst>
           </a:prstGeom>
@@ -8154,7 +8262,7 @@
           <a:p>
             <a:pPr algn="ctr"/>
             <a:r>
-              <a:rPr lang="bg-BG" sz="2800" b="1" dirty="0" smtClean="0">
+              <a:rPr lang="bg-BG" sz="2800" b="1" dirty="0">
                 <a:solidFill>
                   <a:srgbClr val="FFFFFF"/>
                 </a:solidFill>
@@ -8169,9 +8277,9 @@
               <a:t>Оттук избирате опцията </a:t>
             </a:r>
             <a:r>
-              <a:rPr lang="en-US" sz="2800" b="1" dirty="0" smtClean="0">
-                <a:solidFill>
-                  <a:schemeClr val="bg1">
+              <a:rPr lang="en-US" sz="2800" b="1" dirty="0">
+                <a:solidFill>
+                  <a:schemeClr val="accent1">
                     <a:lumMod val="60000"/>
                     <a:lumOff val="40000"/>
                   </a:schemeClr>
@@ -8186,21 +8294,6 @@
               </a:rPr>
               <a:t>Save As</a:t>
             </a:r>
-            <a:endParaRPr lang="en-US" sz="2800" b="1" dirty="0">
-              <a:solidFill>
-                <a:schemeClr val="bg1">
-                  <a:lumMod val="60000"/>
-                  <a:lumOff val="40000"/>
-                </a:schemeClr>
-              </a:solidFill>
-              <a:effectLst>
-                <a:outerShdw blurRad="38100" dist="38100" dir="2700000" algn="tl">
-                  <a:srgbClr val="000000">
-                    <a:alpha val="43137"/>
-                  </a:srgbClr>
-                </a:outerShdw>
-              </a:effectLst>
-            </a:endParaRPr>
           </a:p>
         </p:txBody>
       </p:sp>
@@ -8489,7 +8582,7 @@
           <a:p>
             <a:pPr algn="ctr"/>
             <a:r>
-              <a:rPr lang="bg-BG" sz="2800" b="1" dirty="0" smtClean="0">
+              <a:rPr lang="bg-BG" sz="2800" b="1" dirty="0">
                 <a:solidFill>
                   <a:srgbClr val="FFFFFF"/>
                 </a:solidFill>
@@ -8504,7 +8597,7 @@
               <a:t>Така се отваря диалогов прозорец </a:t>
             </a:r>
             <a:r>
-              <a:rPr lang="en-US" sz="2800" b="1" dirty="0" smtClean="0">
+              <a:rPr lang="en-US" sz="2800" b="1" dirty="0">
                 <a:solidFill>
                   <a:schemeClr val="bg1">
                     <a:lumMod val="60000"/>
@@ -8521,21 +8614,6 @@
               </a:rPr>
               <a:t>Save As</a:t>
             </a:r>
-            <a:endParaRPr lang="en-US" sz="2800" b="1" dirty="0">
-              <a:solidFill>
-                <a:schemeClr val="bg1">
-                  <a:lumMod val="60000"/>
-                  <a:lumOff val="40000"/>
-                </a:schemeClr>
-              </a:solidFill>
-              <a:effectLst>
-                <a:outerShdw blurRad="38100" dist="38100" dir="2700000" algn="tl">
-                  <a:srgbClr val="000000">
-                    <a:alpha val="43137"/>
-                  </a:srgbClr>
-                </a:outerShdw>
-              </a:effectLst>
-            </a:endParaRPr>
           </a:p>
         </p:txBody>
       </p:sp>
@@ -8599,7 +8677,7 @@
           <a:p>
             <a:pPr algn="ctr"/>
             <a:r>
-              <a:rPr lang="bg-BG" sz="2800" b="1" dirty="0" smtClean="0">
+              <a:rPr lang="bg-BG" sz="2800" b="1" dirty="0">
                 <a:solidFill>
                   <a:srgbClr val="FFFFFF"/>
                 </a:solidFill>
@@ -8614,7 +8692,7 @@
               <a:t>От падащия списък </a:t>
             </a:r>
             <a:r>
-              <a:rPr lang="en-US" sz="2800" b="1" dirty="0" smtClean="0">
+              <a:rPr lang="en-US" sz="2800" b="1" dirty="0">
                 <a:solidFill>
                   <a:schemeClr val="bg1">
                     <a:lumMod val="60000"/>
@@ -8632,7 +8710,7 @@
               <a:t>Save as type</a:t>
             </a:r>
             <a:r>
-              <a:rPr lang="en-US" sz="2800" b="1" dirty="0" smtClean="0">
+              <a:rPr lang="en-US" sz="2800" b="1" dirty="0">
                 <a:solidFill>
                   <a:srgbClr val="FFFFFF"/>
                 </a:solidFill>
@@ -8647,7 +8725,7 @@
               <a:t> </a:t>
             </a:r>
             <a:r>
-              <a:rPr lang="bg-BG" sz="2800" b="1" dirty="0" smtClean="0">
+              <a:rPr lang="bg-BG" sz="2800" b="1" dirty="0">
                 <a:solidFill>
                   <a:srgbClr val="FFFFFF"/>
                 </a:solidFill>
@@ -8662,7 +8740,7 @@
               <a:t>избирате</a:t>
             </a:r>
             <a:r>
-              <a:rPr lang="en-US" sz="2800" b="1" dirty="0" smtClean="0">
+              <a:rPr lang="en-US" sz="2800" b="1" dirty="0">
                 <a:solidFill>
                   <a:srgbClr val="FFFFFF"/>
                 </a:solidFill>
@@ -8677,7 +8755,7 @@
               <a:t> </a:t>
             </a:r>
             <a:r>
-              <a:rPr lang="bg-BG" sz="2800" b="1" dirty="0" smtClean="0">
+              <a:rPr lang="bg-BG" sz="2800" b="1" dirty="0">
                 <a:solidFill>
                   <a:srgbClr val="FFFFFF"/>
                 </a:solidFill>
@@ -9178,13 +9256,6 @@
       <p:transition spd="slow" advClick="0" advTm="5000"/>
     </mc:Fallback>
   </mc:AlternateContent>
-  <p:timing>
-    <p:tnLst>
-      <p:par>
-        <p:cTn id="1" dur="indefinite" restart="never" nodeType="tmRoot"/>
-      </p:par>
-    </p:tnLst>
-  </p:timing>
 </p:sld>
 </file>
 
@@ -9205,46 +9276,35 @@
           <a:chExt cx="0" cy="0"/>
         </a:xfrm>
       </p:grpSpPr>
-      <p:sp>
-        <p:nvSpPr>
-          <p:cNvPr id="7" name="Title 6"/>
-          <p:cNvSpPr>
-            <a:spLocks noGrp="1"/>
-          </p:cNvSpPr>
-          <p:nvPr>
-            <p:ph type="title"/>
-          </p:nvPr>
-        </p:nvSpPr>
-        <p:spPr/>
-        <p:txBody>
-          <a:bodyPr/>
-          <a:lstStyle/>
-          <a:p>
-            <a:r>
-              <a:rPr lang="bg-BG" dirty="0"/>
-              <a:t>͏Отпечатване на презентация</a:t>
-            </a:r>
-            <a:endParaRPr lang="en-US" dirty="0"/>
-          </a:p>
-        </p:txBody>
-      </p:sp>
       <p:pic>
         <p:nvPicPr>
-          <p:cNvPr id="9" name="Picture 8"/>
+          <p:cNvPr id="2" name="Picture 1">
+            <a:extLst>
+              <a:ext uri="{FF2B5EF4-FFF2-40B4-BE49-F238E27FC236}">
+                <a16:creationId xmlns:a16="http://schemas.microsoft.com/office/drawing/2014/main" id="{77792C78-F42C-5CA1-7CF9-160330D6ED54}"/>
+              </a:ext>
+            </a:extLst>
+          </p:cNvPr>
           <p:cNvPicPr>
             <a:picLocks noChangeAspect="1"/>
           </p:cNvPicPr>
           <p:nvPr/>
         </p:nvPicPr>
         <p:blipFill rotWithShape="1">
-          <a:blip r:embed="rId2"/>
-          <a:srcRect t="1" r="72786" b="78396"/>
+          <a:blip r:embed="rId2">
+            <a:extLst>
+              <a:ext uri="{28A0092B-C50C-407E-A947-70E740481C1C}">
+                <a14:useLocalDpi xmlns:a14="http://schemas.microsoft.com/office/drawing/2010/main" val="0"/>
+              </a:ext>
+            </a:extLst>
+          </a:blip>
+          <a:srcRect t="708" b="255"/>
           <a:stretch/>
         </p:blipFill>
         <p:spPr>
           <a:xfrm>
-            <a:off x="2571256" y="2844000"/>
-            <a:ext cx="7049488" cy="3041847"/>
+            <a:off x="3276128" y="2799000"/>
+            <a:ext cx="5639744" cy="3168086"/>
           </a:xfrm>
           <a:prstGeom prst="rect">
             <a:avLst/>
@@ -9260,19 +9320,42 @@
       </p:pic>
       <p:sp>
         <p:nvSpPr>
+          <p:cNvPr id="7" name="Title 6"/>
+          <p:cNvSpPr>
+            <a:spLocks noGrp="1"/>
+          </p:cNvSpPr>
+          <p:nvPr>
+            <p:ph type="title"/>
+          </p:nvPr>
+        </p:nvSpPr>
+        <p:spPr/>
+        <p:txBody>
+          <a:bodyPr/>
+          <a:lstStyle/>
+          <a:p>
+            <a:r>
+              <a:rPr lang="bg-BG" dirty="0"/>
+              <a:t>͏Отпечатване на презентация</a:t>
+            </a:r>
+            <a:endParaRPr lang="en-US" dirty="0"/>
+          </a:p>
+        </p:txBody>
+      </p:sp>
+      <p:sp>
+        <p:nvSpPr>
           <p:cNvPr id="10" name="Rounded Rectangular Callout 9"/>
           <p:cNvSpPr/>
           <p:nvPr/>
         </p:nvSpPr>
         <p:spPr bwMode="auto">
           <a:xfrm>
-            <a:off x="4071000" y="1899000"/>
+            <a:off x="5106000" y="1719000"/>
             <a:ext cx="5805000" cy="1080000"/>
           </a:xfrm>
           <a:prstGeom prst="wedgeRoundRectCallout">
             <a:avLst>
-              <a:gd name="adj1" fmla="val -63691"/>
-              <a:gd name="adj2" fmla="val 88276"/>
+              <a:gd name="adj1" fmla="val -66186"/>
+              <a:gd name="adj2" fmla="val 153662"/>
               <a:gd name="adj3" fmla="val 16667"/>
             </a:avLst>
           </a:prstGeom>
@@ -9318,7 +9401,7 @@
           <a:p>
             <a:pPr algn="ctr"/>
             <a:r>
-              <a:rPr lang="ru-RU" sz="2800" b="1" dirty="0" smtClean="0">
+              <a:rPr lang="ru-RU" sz="2800" b="1" dirty="0">
                 <a:solidFill>
                   <a:srgbClr val="FFFFFF"/>
                 </a:solidFill>
@@ -9330,42 +9413,12 @@
                   </a:outerShdw>
                 </a:effectLst>
               </a:rPr>
-              <a:t>Принтирането </a:t>
+              <a:t>Принтирането на презентация в </a:t>
             </a:r>
             <a:r>
               <a:rPr lang="ru-RU" sz="2800" b="1" dirty="0">
                 <a:solidFill>
-                  <a:srgbClr val="FFFFFF"/>
-                </a:solidFill>
-                <a:effectLst>
-                  <a:outerShdw blurRad="38100" dist="38100" dir="2700000" algn="tl">
-                    <a:srgbClr val="000000">
-                      <a:alpha val="43137"/>
-                    </a:srgbClr>
-                  </a:outerShdw>
-                </a:effectLst>
-              </a:rPr>
-              <a:t>на презентация </a:t>
-            </a:r>
-            <a:r>
-              <a:rPr lang="ru-RU" sz="2800" b="1" dirty="0" smtClean="0">
-                <a:solidFill>
-                  <a:srgbClr val="FFFFFF"/>
-                </a:solidFill>
-                <a:effectLst>
-                  <a:outerShdw blurRad="38100" dist="38100" dir="2700000" algn="tl">
-                    <a:srgbClr val="000000">
-                      <a:alpha val="43137"/>
-                    </a:srgbClr>
-                  </a:outerShdw>
-                </a:effectLst>
-              </a:rPr>
-              <a:t>в </a:t>
-            </a:r>
-            <a:r>
-              <a:rPr lang="ru-RU" sz="2800" b="1" dirty="0">
-                <a:solidFill>
-                  <a:schemeClr val="bg1">
+                  <a:schemeClr val="accent1">
                     <a:lumMod val="60000"/>
                     <a:lumOff val="40000"/>
                   </a:schemeClr>
@@ -9396,9 +9449,9 @@
               <a:t>става от менюто </a:t>
             </a:r>
             <a:r>
-              <a:rPr lang="ru-RU" sz="2800" b="1" dirty="0" smtClean="0">
-                <a:solidFill>
-                  <a:schemeClr val="bg1">
+              <a:rPr lang="ru-RU" sz="2800" b="1" dirty="0">
+                <a:solidFill>
+                  <a:schemeClr val="accent1">
                     <a:lumMod val="60000"/>
                     <a:lumOff val="40000"/>
                   </a:schemeClr>
@@ -9414,7 +9467,7 @@
               <a:t>File</a:t>
             </a:r>
             <a:r>
-              <a:rPr lang="ru-RU" sz="2800" b="1" dirty="0" smtClean="0">
+              <a:rPr lang="ru-RU" sz="2800" b="1" dirty="0">
                 <a:solidFill>
                   <a:srgbClr val="FFFFFF"/>
                 </a:solidFill>
@@ -9428,18 +9481,6 @@
               </a:rPr>
               <a:t> </a:t>
             </a:r>
-            <a:endParaRPr lang="ru-RU" sz="2800" b="1" dirty="0">
-              <a:solidFill>
-                <a:srgbClr val="FFFFFF"/>
-              </a:solidFill>
-              <a:effectLst>
-                <a:outerShdw blurRad="38100" dist="38100" dir="2700000" algn="tl">
-                  <a:srgbClr val="000000">
-                    <a:alpha val="43137"/>
-                  </a:srgbClr>
-                </a:outerShdw>
-              </a:effectLst>
-            </a:endParaRPr>
           </a:p>
         </p:txBody>
       </p:sp>
@@ -9559,46 +9600,30 @@
           <a:chExt cx="0" cy="0"/>
         </a:xfrm>
       </p:grpSpPr>
-      <p:sp>
-        <p:nvSpPr>
-          <p:cNvPr id="7" name="Title 6"/>
-          <p:cNvSpPr>
-            <a:spLocks noGrp="1"/>
-          </p:cNvSpPr>
-          <p:nvPr>
-            <p:ph type="title"/>
-          </p:nvPr>
-        </p:nvSpPr>
-        <p:spPr/>
-        <p:txBody>
-          <a:bodyPr/>
-          <a:lstStyle/>
-          <a:p>
-            <a:r>
-              <a:rPr lang="bg-BG" dirty="0"/>
-              <a:t>͏Отпечатване на презентация</a:t>
-            </a:r>
-            <a:endParaRPr lang="en-US" dirty="0"/>
-          </a:p>
-        </p:txBody>
-      </p:sp>
       <p:pic>
         <p:nvPicPr>
-          <p:cNvPr id="2" name="Picture 1"/>
+          <p:cNvPr id="3" name="Picture 2">
+            <a:extLst>
+              <a:ext uri="{FF2B5EF4-FFF2-40B4-BE49-F238E27FC236}">
+                <a16:creationId xmlns:a16="http://schemas.microsoft.com/office/drawing/2014/main" id="{1E972E2C-0465-FC0F-DFA4-C5E487796E47}"/>
+              </a:ext>
+            </a:extLst>
+          </p:cNvPr>
           <p:cNvPicPr>
             <a:picLocks noChangeAspect="1"/>
           </p:cNvPicPr>
           <p:nvPr/>
         </p:nvPicPr>
-        <p:blipFill rotWithShape="1">
+        <p:blipFill>
           <a:blip r:embed="rId2"/>
-          <a:srcRect r="86034" b="59015"/>
-          <a:stretch/>
+          <a:stretch>
+            <a:fillRect/>
+          </a:stretch>
         </p:blipFill>
         <p:spPr>
           <a:xfrm>
-            <a:off x="4813500" y="2034000"/>
-            <a:ext cx="2565000" cy="4091797"/>
+            <a:off x="5331000" y="1315342"/>
+            <a:ext cx="4055255" cy="5200392"/>
           </a:xfrm>
           <a:prstGeom prst="rect">
             <a:avLst/>
@@ -9614,19 +9639,42 @@
       </p:pic>
       <p:sp>
         <p:nvSpPr>
+          <p:cNvPr id="7" name="Title 6"/>
+          <p:cNvSpPr>
+            <a:spLocks noGrp="1"/>
+          </p:cNvSpPr>
+          <p:nvPr>
+            <p:ph type="title"/>
+          </p:nvPr>
+        </p:nvSpPr>
+        <p:spPr/>
+        <p:txBody>
+          <a:bodyPr/>
+          <a:lstStyle/>
+          <a:p>
+            <a:r>
+              <a:rPr lang="bg-BG" dirty="0"/>
+              <a:t>͏Отпечатване на презентация</a:t>
+            </a:r>
+            <a:endParaRPr lang="en-US" dirty="0"/>
+          </a:p>
+        </p:txBody>
+      </p:sp>
+      <p:sp>
+        <p:nvSpPr>
           <p:cNvPr id="6" name="Rounded Rectangular Callout 5"/>
           <p:cNvSpPr/>
           <p:nvPr/>
         </p:nvSpPr>
         <p:spPr bwMode="auto">
           <a:xfrm>
-            <a:off x="1477352" y="2259000"/>
+            <a:off x="2181000" y="3204000"/>
             <a:ext cx="3060000" cy="1215000"/>
           </a:xfrm>
           <a:prstGeom prst="wedgeRoundRectCallout">
             <a:avLst>
-              <a:gd name="adj1" fmla="val 57943"/>
-              <a:gd name="adj2" fmla="val 146205"/>
+              <a:gd name="adj1" fmla="val 62677"/>
+              <a:gd name="adj2" fmla="val 137263"/>
               <a:gd name="adj3" fmla="val 16667"/>
             </a:avLst>
           </a:prstGeom>
@@ -9672,7 +9720,7 @@
           <a:p>
             <a:pPr algn="ctr"/>
             <a:r>
-              <a:rPr lang="bg-BG" sz="2800" b="1" dirty="0" smtClean="0">
+              <a:rPr lang="bg-BG" sz="2800" b="1" dirty="0">
                 <a:solidFill>
                   <a:srgbClr val="FFFFFF"/>
                 </a:solidFill>
@@ -9687,9 +9735,9 @@
               <a:t>Оттук избирате опцията </a:t>
             </a:r>
             <a:r>
-              <a:rPr lang="en-US" sz="2800" b="1" dirty="0" smtClean="0">
-                <a:solidFill>
-                  <a:schemeClr val="bg1">
+              <a:rPr lang="en-US" sz="2800" b="1" dirty="0">
+                <a:solidFill>
+                  <a:schemeClr val="accent1">
                     <a:lumMod val="60000"/>
                     <a:lumOff val="40000"/>
                   </a:schemeClr>
@@ -9704,21 +9752,6 @@
               </a:rPr>
               <a:t>Print</a:t>
             </a:r>
-            <a:endParaRPr lang="en-US" sz="2800" b="1" dirty="0">
-              <a:solidFill>
-                <a:schemeClr val="bg1">
-                  <a:lumMod val="60000"/>
-                  <a:lumOff val="40000"/>
-                </a:schemeClr>
-              </a:solidFill>
-              <a:effectLst>
-                <a:outerShdw blurRad="38100" dist="38100" dir="2700000" algn="tl">
-                  <a:srgbClr val="000000">
-                    <a:alpha val="43137"/>
-                  </a:srgbClr>
-                </a:outerShdw>
-              </a:effectLst>
-            </a:endParaRPr>
           </a:p>
         </p:txBody>
       </p:sp>
@@ -9894,15 +9927,20 @@
           <p:nvPr/>
         </p:nvPicPr>
         <p:blipFill>
-          <a:blip r:embed="rId2"/>
-          <a:stretch>
-            <a:fillRect/>
-          </a:stretch>
+          <a:blip r:embed="rId2">
+            <a:extLst>
+              <a:ext uri="{28A0092B-C50C-407E-A947-70E740481C1C}">
+                <a14:useLocalDpi xmlns:a14="http://schemas.microsoft.com/office/drawing/2010/main" val="0"/>
+              </a:ext>
+            </a:extLst>
+          </a:blip>
+          <a:srcRect/>
+          <a:stretch/>
         </p:blipFill>
         <p:spPr>
           <a:xfrm>
-            <a:off x="1241576" y="1302647"/>
-            <a:ext cx="9708848" cy="5411353"/>
+            <a:off x="1241576" y="1316399"/>
+            <a:ext cx="9708848" cy="5383849"/>
           </a:xfrm>
           <a:prstGeom prst="rect">
             <a:avLst/>
@@ -9916,128 +9954,6 @@
           </a:ln>
         </p:spPr>
       </p:pic>
-      <p:sp>
-        <p:nvSpPr>
-          <p:cNvPr id="7" name="Rounded Rectangular Callout 6"/>
-          <p:cNvSpPr/>
-          <p:nvPr/>
-        </p:nvSpPr>
-        <p:spPr bwMode="auto">
-          <a:xfrm>
-            <a:off x="381000" y="1404000"/>
-            <a:ext cx="3850087" cy="1035000"/>
-          </a:xfrm>
-          <a:prstGeom prst="wedgeRoundRectCallout">
-            <a:avLst>
-              <a:gd name="adj1" fmla="val -38586"/>
-              <a:gd name="adj2" fmla="val 22766"/>
-              <a:gd name="adj3" fmla="val 16667"/>
-            </a:avLst>
-          </a:prstGeom>
-          <a:solidFill>
-            <a:schemeClr val="dk2">
-              <a:alpha val="80000"/>
-            </a:schemeClr>
-          </a:solidFill>
-          <a:ln w="19050">
-            <a:solidFill>
-              <a:schemeClr val="tx1">
-                <a:lumMod val="75000"/>
-                <a:alpha val="80000"/>
-              </a:schemeClr>
-            </a:solidFill>
-          </a:ln>
-          <a:effectLst/>
-        </p:spPr>
-        <p:style>
-          <a:lnRef idx="2">
-            <a:schemeClr val="accent1">
-              <a:shade val="50000"/>
-            </a:schemeClr>
-          </a:lnRef>
-          <a:fillRef idx="1001">
-            <a:schemeClr val="dk2"/>
-          </a:fillRef>
-          <a:effectRef idx="0">
-            <a:schemeClr val="accent1"/>
-          </a:effectRef>
-          <a:fontRef idx="minor">
-            <a:schemeClr val="lt1"/>
-          </a:fontRef>
-        </p:style>
-        <p:txBody>
-          <a:bodyPr rot="0" spcFirstLastPara="0" vertOverflow="overflow" horzOverflow="overflow" vert="horz" wrap="square" lIns="91440" tIns="45720" rIns="91440" bIns="45720" numCol="1" spcCol="0" rtlCol="0" fromWordArt="0" anchor="ctr" anchorCtr="0" forceAA="0" compatLnSpc="1">
-            <a:prstTxWarp prst="textNoShape">
-              <a:avLst/>
-            </a:prstTxWarp>
-            <a:noAutofit/>
-          </a:bodyPr>
-          <a:lstStyle/>
-          <a:p>
-            <a:pPr algn="ctr"/>
-            <a:r>
-              <a:rPr lang="bg-BG" sz="2800" b="1" dirty="0" smtClean="0">
-                <a:solidFill>
-                  <a:srgbClr val="FFFFFF"/>
-                </a:solidFill>
-                <a:effectLst>
-                  <a:outerShdw blurRad="38100" dist="38100" dir="2700000" algn="tl">
-                    <a:srgbClr val="000000">
-                      <a:alpha val="43137"/>
-                    </a:srgbClr>
-                  </a:outerShdw>
-                </a:effectLst>
-              </a:rPr>
-              <a:t>Така се отваря </a:t>
-            </a:r>
-            <a:r>
-              <a:rPr lang="bg-BG" sz="2800" b="1" dirty="0" smtClean="0">
-                <a:solidFill>
-                  <a:srgbClr val="FFFFFF"/>
-                </a:solidFill>
-                <a:effectLst>
-                  <a:outerShdw blurRad="38100" dist="38100" dir="2700000" algn="tl">
-                    <a:srgbClr val="000000">
-                      <a:alpha val="43137"/>
-                    </a:srgbClr>
-                  </a:outerShdw>
-                </a:effectLst>
-              </a:rPr>
-              <a:t>прозорец </a:t>
-            </a:r>
-            <a:r>
-              <a:rPr lang="bg-BG" sz="2800" b="1" dirty="0" smtClean="0">
-                <a:solidFill>
-                  <a:schemeClr val="bg2"/>
-                </a:solidFill>
-                <a:effectLst>
-                  <a:outerShdw blurRad="38100" dist="38100" dir="2700000" algn="tl">
-                    <a:srgbClr val="000000">
-                      <a:alpha val="43137"/>
-                    </a:srgbClr>
-                  </a:outerShdw>
-                </a:effectLst>
-              </a:rPr>
-              <a:t>от две части</a:t>
-            </a:r>
-            <a:endParaRPr lang="en-US" sz="2800" b="1" dirty="0">
-              <a:solidFill>
-                <a:schemeClr val="bg1">
-                  <a:lumMod val="60000"/>
-                  <a:lumOff val="40000"/>
-                </a:schemeClr>
-              </a:solidFill>
-              <a:effectLst>
-                <a:outerShdw blurRad="38100" dist="38100" dir="2700000" algn="tl">
-                  <a:srgbClr val="000000">
-                    <a:alpha val="43137"/>
-                  </a:srgbClr>
-                </a:outerShdw>
-              </a:effectLst>
-            </a:endParaRPr>
-          </a:p>
-        </p:txBody>
-      </p:sp>
       <p:sp>
         <p:nvSpPr>
           <p:cNvPr id="8" name="Rounded Rectangular Callout 7"/>
@@ -10098,7 +10014,7 @@
           <a:p>
             <a:pPr algn="ctr"/>
             <a:r>
-              <a:rPr lang="bg-BG" sz="2800" b="1" dirty="0" smtClean="0">
+              <a:rPr lang="bg-BG" sz="2800" b="1" dirty="0">
                 <a:solidFill>
                   <a:srgbClr val="FFFFFF"/>
                 </a:solidFill>
@@ -10138,13 +10054,13 @@
         </p:nvSpPr>
         <p:spPr bwMode="auto">
           <a:xfrm>
-            <a:off x="4926000" y="5256628"/>
+            <a:off x="5151000" y="5256628"/>
             <a:ext cx="4815000" cy="1395000"/>
           </a:xfrm>
           <a:prstGeom prst="wedgeRoundRectCallout">
             <a:avLst>
-              <a:gd name="adj1" fmla="val -50834"/>
-              <a:gd name="adj2" fmla="val -68325"/>
+              <a:gd name="adj1" fmla="val -55159"/>
+              <a:gd name="adj2" fmla="val -42365"/>
               <a:gd name="adj3" fmla="val 16667"/>
             </a:avLst>
           </a:prstGeom>
@@ -10190,7 +10106,7 @@
           <a:p>
             <a:pPr algn="ctr"/>
             <a:r>
-              <a:rPr lang="bg-BG" sz="2800" b="1" dirty="0" smtClean="0">
+              <a:rPr lang="bg-BG" sz="2800" b="1" dirty="0">
                 <a:solidFill>
                   <a:srgbClr val="FFFFFF"/>
                 </a:solidFill>
@@ -10230,8 +10146,8 @@
         </p:nvSpPr>
         <p:spPr bwMode="auto">
           <a:xfrm>
-            <a:off x="2541000" y="2321252"/>
-            <a:ext cx="2115000" cy="4275000"/>
+            <a:off x="2517390" y="2121352"/>
+            <a:ext cx="2318610" cy="4277647"/>
           </a:xfrm>
           <a:prstGeom prst="rect">
             <a:avLst/>
@@ -10276,6 +10192,113 @@
             <a:endParaRPr lang="en-US" sz="2800" b="1" dirty="0">
               <a:solidFill>
                 <a:srgbClr val="FFFFFF"/>
+              </a:solidFill>
+              <a:effectLst>
+                <a:outerShdw blurRad="38100" dist="38100" dir="2700000" algn="tl">
+                  <a:srgbClr val="000000">
+                    <a:alpha val="43137"/>
+                  </a:srgbClr>
+                </a:outerShdw>
+              </a:effectLst>
+            </a:endParaRPr>
+          </a:p>
+        </p:txBody>
+      </p:sp>
+      <p:sp>
+        <p:nvSpPr>
+          <p:cNvPr id="7" name="Rounded Rectangular Callout 6"/>
+          <p:cNvSpPr/>
+          <p:nvPr/>
+        </p:nvSpPr>
+        <p:spPr bwMode="auto">
+          <a:xfrm>
+            <a:off x="438970" y="1437355"/>
+            <a:ext cx="3850087" cy="1035000"/>
+          </a:xfrm>
+          <a:prstGeom prst="wedgeRoundRectCallout">
+            <a:avLst>
+              <a:gd name="adj1" fmla="val -38586"/>
+              <a:gd name="adj2" fmla="val 22766"/>
+              <a:gd name="adj3" fmla="val 16667"/>
+            </a:avLst>
+          </a:prstGeom>
+          <a:solidFill>
+            <a:schemeClr val="dk2">
+              <a:alpha val="80000"/>
+            </a:schemeClr>
+          </a:solidFill>
+          <a:ln w="19050">
+            <a:solidFill>
+              <a:schemeClr val="tx1">
+                <a:lumMod val="75000"/>
+                <a:alpha val="80000"/>
+              </a:schemeClr>
+            </a:solidFill>
+          </a:ln>
+          <a:effectLst/>
+        </p:spPr>
+        <p:style>
+          <a:lnRef idx="2">
+            <a:schemeClr val="accent1">
+              <a:shade val="50000"/>
+            </a:schemeClr>
+          </a:lnRef>
+          <a:fillRef idx="1001">
+            <a:schemeClr val="dk2"/>
+          </a:fillRef>
+          <a:effectRef idx="0">
+            <a:schemeClr val="accent1"/>
+          </a:effectRef>
+          <a:fontRef idx="minor">
+            <a:schemeClr val="lt1"/>
+          </a:fontRef>
+        </p:style>
+        <p:txBody>
+          <a:bodyPr rot="0" spcFirstLastPara="0" vertOverflow="overflow" horzOverflow="overflow" vert="horz" wrap="square" lIns="91440" tIns="45720" rIns="91440" bIns="45720" numCol="1" spcCol="0" rtlCol="0" fromWordArt="0" anchor="ctr" anchorCtr="0" forceAA="0" compatLnSpc="1">
+            <a:prstTxWarp prst="textNoShape">
+              <a:avLst/>
+            </a:prstTxWarp>
+            <a:noAutofit/>
+          </a:bodyPr>
+          <a:lstStyle/>
+          <a:p>
+            <a:pPr algn="ctr"/>
+            <a:r>
+              <a:rPr lang="bg-BG" sz="2800" b="1" dirty="0">
+                <a:solidFill>
+                  <a:srgbClr val="FFFFFF"/>
+                </a:solidFill>
+                <a:effectLst>
+                  <a:outerShdw blurRad="38100" dist="38100" dir="2700000" algn="tl">
+                    <a:srgbClr val="000000">
+                      <a:alpha val="43137"/>
+                    </a:srgbClr>
+                  </a:outerShdw>
+                </a:effectLst>
+              </a:rPr>
+              <a:t>Така се отваря прозорец </a:t>
+            </a:r>
+            <a:r>
+              <a:rPr lang="bg-BG" sz="2800" b="1" dirty="0">
+                <a:solidFill>
+                  <a:schemeClr val="bg2"/>
+                </a:solidFill>
+                <a:effectLst>
+                  <a:outerShdw blurRad="38100" dist="38100" dir="2700000" algn="tl">
+                    <a:srgbClr val="000000">
+                      <a:alpha val="43137"/>
+                    </a:srgbClr>
+                  </a:outerShdw>
+                </a:effectLst>
+              </a:rPr>
+              <a:t>от две части</a:t>
+            </a:r>
+            <a:endParaRPr lang="en-US" sz="2800" b="1" dirty="0">
+              <a:solidFill>
+                <a:schemeClr val="bg1">
+                  <a:lumMod val="60000"/>
+                  <a:lumOff val="40000"/>
+                </a:schemeClr>
               </a:solidFill>
               <a:effectLst>
                 <a:outerShdw blurRad="38100" dist="38100" dir="2700000" algn="tl">
@@ -10543,11 +10566,11 @@
       </p:par>
     </p:tnLst>
     <p:bldLst>
-      <p:bldP spid="7" grpId="0" animBg="1"/>
-      <p:bldP spid="7" grpId="1" animBg="1"/>
       <p:bldP spid="8" grpId="0" animBg="1"/>
       <p:bldP spid="9" grpId="0" animBg="1"/>
       <p:bldP spid="10" grpId="0" animBg="1"/>
+      <p:bldP spid="7" grpId="0" animBg="1"/>
+      <p:bldP spid="7" grpId="1" animBg="1"/>
     </p:bldLst>
   </p:timing>
 </p:sld>
@@ -10610,7 +10633,7 @@
           <a:lstStyle/>
           <a:p>
             <a:r>
-              <a:rPr lang="bg-BG" dirty="0" smtClean="0"/>
+              <a:rPr lang="bg-BG" dirty="0"/>
               <a:t>Настройки при отпечатването</a:t>
             </a:r>
             <a:endParaRPr lang="en-US" dirty="0"/>
@@ -10626,14 +10649,20 @@
           <p:nvPr/>
         </p:nvPicPr>
         <p:blipFill rotWithShape="1">
-          <a:blip r:embed="rId2"/>
-          <a:srcRect l="12457" t="10189" r="64369" b="48988"/>
+          <a:blip r:embed="rId2">
+            <a:extLst>
+              <a:ext uri="{28A0092B-C50C-407E-A947-70E740481C1C}">
+                <a14:useLocalDpi xmlns:a14="http://schemas.microsoft.com/office/drawing/2010/main" val="0"/>
+              </a:ext>
+            </a:extLst>
+          </a:blip>
+          <a:srcRect l="205" r="205"/>
           <a:stretch/>
         </p:blipFill>
         <p:spPr>
           <a:xfrm>
-            <a:off x="4363500" y="2439000"/>
-            <a:ext cx="3465000" cy="3402000"/>
+            <a:off x="4231000" y="2619000"/>
+            <a:ext cx="3730000" cy="3357000"/>
           </a:xfrm>
           <a:prstGeom prst="rect">
             <a:avLst/>
@@ -10655,13 +10684,13 @@
         </p:nvSpPr>
         <p:spPr bwMode="auto">
           <a:xfrm>
-            <a:off x="741000" y="1764000"/>
-            <a:ext cx="4410000" cy="1080000"/>
+            <a:off x="471000" y="1359000"/>
+            <a:ext cx="4230000" cy="1080000"/>
           </a:xfrm>
           <a:prstGeom prst="wedgeRoundRectCallout">
             <a:avLst>
-              <a:gd name="adj1" fmla="val 35550"/>
-              <a:gd name="adj2" fmla="val 112525"/>
+              <a:gd name="adj1" fmla="val 43897"/>
+              <a:gd name="adj2" fmla="val 158631"/>
               <a:gd name="adj3" fmla="val 16667"/>
             </a:avLst>
           </a:prstGeom>
@@ -10707,7 +10736,7 @@
           <a:p>
             <a:pPr algn="ctr"/>
             <a:r>
-              <a:rPr lang="bg-BG" sz="2800" b="1" dirty="0" smtClean="0">
+              <a:rPr lang="bg-BG" sz="2800" b="1" dirty="0">
                 <a:solidFill>
                   <a:srgbClr val="FFFFFF"/>
                 </a:solidFill>
@@ -10722,9 +10751,9 @@
               <a:t>Отпечатването се извършва от бутона </a:t>
             </a:r>
             <a:r>
-              <a:rPr lang="en-US" sz="2800" b="1" dirty="0" smtClean="0">
-                <a:solidFill>
-                  <a:schemeClr val="bg1">
+              <a:rPr lang="en-US" sz="2800" b="1" dirty="0">
+                <a:solidFill>
+                  <a:schemeClr val="accent1">
                     <a:lumMod val="60000"/>
                     <a:lumOff val="40000"/>
                   </a:schemeClr>
@@ -10739,21 +10768,6 @@
               </a:rPr>
               <a:t>Print</a:t>
             </a:r>
-            <a:endParaRPr lang="en-US" sz="2800" b="1" dirty="0">
-              <a:solidFill>
-                <a:schemeClr val="bg1">
-                  <a:lumMod val="60000"/>
-                  <a:lumOff val="40000"/>
-                </a:schemeClr>
-              </a:solidFill>
-              <a:effectLst>
-                <a:outerShdw blurRad="38100" dist="38100" dir="2700000" algn="tl">
-                  <a:srgbClr val="000000">
-                    <a:alpha val="43137"/>
-                  </a:srgbClr>
-                </a:outerShdw>
-              </a:effectLst>
-            </a:endParaRPr>
           </a:p>
         </p:txBody>
       </p:sp>
@@ -10765,13 +10779,13 @@
         </p:nvSpPr>
         <p:spPr bwMode="auto">
           <a:xfrm>
-            <a:off x="6771000" y="4509000"/>
+            <a:off x="7197913" y="4374000"/>
             <a:ext cx="4545000" cy="1170000"/>
           </a:xfrm>
           <a:prstGeom prst="wedgeRoundRectCallout">
             <a:avLst>
-              <a:gd name="adj1" fmla="val -43878"/>
-              <a:gd name="adj2" fmla="val -121936"/>
+              <a:gd name="adj1" fmla="val -45671"/>
+              <a:gd name="adj2" fmla="val -107234"/>
               <a:gd name="adj3" fmla="val 16667"/>
             </a:avLst>
           </a:prstGeom>
@@ -10817,7 +10831,7 @@
           <a:p>
             <a:pPr algn="ctr"/>
             <a:r>
-              <a:rPr lang="bg-BG" sz="2800" b="1" dirty="0" smtClean="0">
+              <a:rPr lang="bg-BG" sz="2800" b="1" dirty="0">
                 <a:solidFill>
                   <a:srgbClr val="FFFFFF"/>
                 </a:solidFill>
@@ -10832,9 +10846,9 @@
               <a:t>Броят на копията се задава в числовата кутия </a:t>
             </a:r>
             <a:r>
-              <a:rPr lang="en-US" sz="2800" b="1" dirty="0" smtClean="0">
-                <a:solidFill>
-                  <a:schemeClr val="bg1">
+              <a:rPr lang="en-US" sz="2800" b="1" dirty="0">
+                <a:solidFill>
+                  <a:schemeClr val="accent1">
                     <a:lumMod val="60000"/>
                     <a:lumOff val="40000"/>
                   </a:schemeClr>
@@ -10849,21 +10863,6 @@
               </a:rPr>
               <a:t>Copies</a:t>
             </a:r>
-            <a:endParaRPr lang="en-US" sz="2800" b="1" dirty="0">
-              <a:solidFill>
-                <a:schemeClr val="bg1">
-                  <a:lumMod val="60000"/>
-                  <a:lumOff val="40000"/>
-                </a:schemeClr>
-              </a:solidFill>
-              <a:effectLst>
-                <a:outerShdw blurRad="38100" dist="38100" dir="2700000" algn="tl">
-                  <a:srgbClr val="000000">
-                    <a:alpha val="43137"/>
-                  </a:srgbClr>
-                </a:outerShdw>
-              </a:effectLst>
-            </a:endParaRPr>
           </a:p>
         </p:txBody>
       </p:sp>
@@ -11029,6 +11028,42 @@
           <a:chExt cx="0" cy="0"/>
         </a:xfrm>
       </p:grpSpPr>
+      <p:pic>
+        <p:nvPicPr>
+          <p:cNvPr id="6" name="Picture 5"/>
+          <p:cNvPicPr>
+            <a:picLocks noChangeAspect="1"/>
+          </p:cNvPicPr>
+          <p:nvPr/>
+        </p:nvPicPr>
+        <p:blipFill rotWithShape="1">
+          <a:blip r:embed="rId2">
+            <a:extLst>
+              <a:ext uri="{28A0092B-C50C-407E-A947-70E740481C1C}">
+                <a14:useLocalDpi xmlns:a14="http://schemas.microsoft.com/office/drawing/2010/main" val="0"/>
+              </a:ext>
+            </a:extLst>
+          </a:blip>
+          <a:srcRect t="562" b="3898"/>
+          <a:stretch/>
+        </p:blipFill>
+        <p:spPr>
+          <a:xfrm>
+            <a:off x="3868500" y="1361739"/>
+            <a:ext cx="4455000" cy="5155714"/>
+          </a:xfrm>
+          <a:prstGeom prst="rect">
+            <a:avLst/>
+          </a:prstGeom>
+          <a:ln>
+            <a:solidFill>
+              <a:schemeClr val="bg2">
+                <a:lumMod val="75000"/>
+              </a:schemeClr>
+            </a:solidFill>
+          </a:ln>
+        </p:spPr>
+      </p:pic>
       <p:sp>
         <p:nvSpPr>
           <p:cNvPr id="2" name="Slide Number Placeholder 1"/>
@@ -11076,36 +11111,72 @@
           </a:p>
         </p:txBody>
       </p:sp>
-      <p:pic>
-        <p:nvPicPr>
-          <p:cNvPr id="6" name="Picture 5"/>
-          <p:cNvPicPr>
-            <a:picLocks noChangeAspect="1"/>
-          </p:cNvPicPr>
+      <p:sp>
+        <p:nvSpPr>
+          <p:cNvPr id="13" name="Rectangle 12"/>
+          <p:cNvSpPr/>
           <p:nvPr/>
-        </p:nvPicPr>
-        <p:blipFill rotWithShape="1">
-          <a:blip r:embed="rId2"/>
-          <a:srcRect l="12457" t="51228" r="64369" b="2334"/>
-          <a:stretch/>
-        </p:blipFill>
-        <p:spPr>
+        </p:nvSpPr>
+        <p:spPr bwMode="auto">
           <a:xfrm>
-            <a:off x="4104750" y="1404000"/>
-            <a:ext cx="4455000" cy="4975714"/>
+            <a:off x="4116000" y="1819619"/>
+            <a:ext cx="3825000" cy="754381"/>
           </a:xfrm>
           <a:prstGeom prst="rect">
             <a:avLst/>
           </a:prstGeom>
-          <a:ln>
+          <a:noFill/>
+          <a:ln w="38100">
             <a:solidFill>
-              <a:schemeClr val="bg2">
+              <a:schemeClr val="tx1">
                 <a:lumMod val="75000"/>
+                <a:alpha val="80000"/>
               </a:schemeClr>
             </a:solidFill>
           </a:ln>
+          <a:effectLst/>
         </p:spPr>
-      </p:pic>
+        <p:style>
+          <a:lnRef idx="2">
+            <a:schemeClr val="accent1">
+              <a:shade val="50000"/>
+            </a:schemeClr>
+          </a:lnRef>
+          <a:fillRef idx="1001">
+            <a:schemeClr val="dk2"/>
+          </a:fillRef>
+          <a:effectRef idx="0">
+            <a:schemeClr val="accent1"/>
+          </a:effectRef>
+          <a:fontRef idx="minor">
+            <a:schemeClr val="lt1"/>
+          </a:fontRef>
+        </p:style>
+        <p:txBody>
+          <a:bodyPr rot="0" spcFirstLastPara="0" vertOverflow="overflow" horzOverflow="overflow" vert="horz" wrap="square" lIns="91440" tIns="45720" rIns="91440" bIns="45720" numCol="1" spcCol="0" rtlCol="0" fromWordArt="0" anchor="ctr" anchorCtr="0" forceAA="0" compatLnSpc="1">
+            <a:prstTxWarp prst="textNoShape">
+              <a:avLst/>
+            </a:prstTxWarp>
+            <a:noAutofit/>
+          </a:bodyPr>
+          <a:lstStyle/>
+          <a:p>
+            <a:pPr algn="ctr"/>
+            <a:endParaRPr lang="en-US" sz="2800" b="1" dirty="0">
+              <a:solidFill>
+                <a:srgbClr val="FFFFFF"/>
+              </a:solidFill>
+              <a:effectLst>
+                <a:outerShdw blurRad="38100" dist="38100" dir="2700000" algn="tl">
+                  <a:srgbClr val="000000">
+                    <a:alpha val="43137"/>
+                  </a:srgbClr>
+                </a:outerShdw>
+              </a:effectLst>
+            </a:endParaRPr>
+          </a:p>
+        </p:txBody>
+      </p:sp>
       <p:pic>
         <p:nvPicPr>
           <p:cNvPr id="8" name="Picture 7"/>
@@ -11121,7 +11192,7 @@
         </p:blipFill>
         <p:spPr>
           <a:xfrm>
-            <a:off x="3829125" y="2683600"/>
+            <a:off x="3711000" y="2552560"/>
             <a:ext cx="5006250" cy="3397500"/>
           </a:xfrm>
           <a:prstGeom prst="rect">
@@ -11196,7 +11267,7 @@
           <a:p>
             <a:pPr algn="ctr"/>
             <a:r>
-              <a:rPr lang="bg-BG" sz="2800" b="1" dirty="0" smtClean="0">
+              <a:rPr lang="bg-BG" sz="2800" b="1" dirty="0">
                 <a:solidFill>
                   <a:srgbClr val="FFFFFF"/>
                 </a:solidFill>
@@ -11211,9 +11282,9 @@
               <a:t>Отпечатва </a:t>
             </a:r>
             <a:r>
-              <a:rPr lang="bg-BG" sz="2800" b="1" dirty="0" smtClean="0">
-                <a:solidFill>
-                  <a:schemeClr val="bg1">
+              <a:rPr lang="bg-BG" sz="2800" b="1" dirty="0">
+                <a:solidFill>
+                  <a:schemeClr val="accent1">
                     <a:lumMod val="60000"/>
                     <a:lumOff val="40000"/>
                   </a:schemeClr>
@@ -11230,7 +11301,7 @@
             </a:r>
             <a:endParaRPr lang="en-US" sz="2800" b="1" dirty="0">
               <a:solidFill>
-                <a:schemeClr val="bg1">
+                <a:schemeClr val="accent1">
                   <a:lumMod val="60000"/>
                   <a:lumOff val="40000"/>
                 </a:schemeClr>
@@ -11321,9 +11392,9 @@
               <a:t>Отпечатва само </a:t>
             </a:r>
             <a:r>
-              <a:rPr lang="bg-BG" sz="2800" b="1" dirty="0" smtClean="0">
-                <a:solidFill>
-                  <a:schemeClr val="bg1">
+              <a:rPr lang="bg-BG" sz="2800" b="1" dirty="0">
+                <a:solidFill>
+                  <a:schemeClr val="accent1">
                     <a:lumMod val="60000"/>
                     <a:lumOff val="40000"/>
                   </a:schemeClr>
@@ -11339,7 +11410,7 @@
               <a:t>слайдовете</a:t>
             </a:r>
             <a:r>
-              <a:rPr lang="bg-BG" sz="2800" b="1" dirty="0" smtClean="0">
+              <a:rPr lang="bg-BG" sz="2800" b="1" dirty="0">
                 <a:solidFill>
                   <a:srgbClr val="FFFFFF"/>
                 </a:solidFill>
@@ -11354,7 +11425,7 @@
               <a:t>, които са </a:t>
             </a:r>
             <a:r>
-              <a:rPr lang="bg-BG" sz="2800" b="1" dirty="0" smtClean="0">
+              <a:rPr lang="bg-BG" sz="2800" b="1" dirty="0">
                 <a:solidFill>
                   <a:schemeClr val="accent1">
                     <a:lumMod val="60000"/>
@@ -11464,7 +11535,7 @@
               <a:t>Отпечатва само </a:t>
             </a:r>
             <a:r>
-              <a:rPr lang="bg-BG" sz="2800" b="1" dirty="0" smtClean="0">
+              <a:rPr lang="bg-BG" sz="2800" b="1" dirty="0">
                 <a:solidFill>
                   <a:schemeClr val="accent1">
                     <a:lumMod val="60000"/>
@@ -11559,7 +11630,7 @@
           <a:p>
             <a:pPr algn="ctr"/>
             <a:r>
-              <a:rPr lang="bg-BG" sz="2800" b="1" dirty="0" smtClean="0">
+              <a:rPr lang="bg-BG" sz="2800" b="1" dirty="0">
                 <a:solidFill>
                   <a:srgbClr val="FFFFFF"/>
                 </a:solidFill>
@@ -11574,9 +11645,9 @@
               <a:t>Отпечатва слайдовете, на които </a:t>
             </a:r>
             <a:r>
-              <a:rPr lang="bg-BG" sz="2800" b="1" dirty="0" smtClean="0">
-                <a:solidFill>
-                  <a:schemeClr val="bg1">
+              <a:rPr lang="bg-BG" sz="2800" b="1" dirty="0">
+                <a:solidFill>
+                  <a:schemeClr val="accent1">
                     <a:lumMod val="60000"/>
                     <a:lumOff val="40000"/>
                   </a:schemeClr>
@@ -11592,7 +11663,7 @@
               <a:t>номерата</a:t>
             </a:r>
             <a:r>
-              <a:rPr lang="bg-BG" sz="2800" b="1" dirty="0" smtClean="0">
+              <a:rPr lang="bg-BG" sz="2800" b="1" dirty="0">
                 <a:solidFill>
                   <a:srgbClr val="FFFFFF"/>
                 </a:solidFill>
@@ -11607,9 +11678,9 @@
               <a:t> са </a:t>
             </a:r>
             <a:r>
-              <a:rPr lang="bg-BG" sz="2800" b="1" dirty="0" smtClean="0">
-                <a:solidFill>
-                  <a:schemeClr val="bg1">
+              <a:rPr lang="bg-BG" sz="2800" b="1" dirty="0">
+                <a:solidFill>
+                  <a:schemeClr val="accent1">
                     <a:lumMod val="60000"/>
                     <a:lumOff val="40000"/>
                   </a:schemeClr>
@@ -11625,7 +11696,7 @@
               <a:t>въведени</a:t>
             </a:r>
             <a:r>
-              <a:rPr lang="bg-BG" sz="2800" b="1" dirty="0" smtClean="0">
+              <a:rPr lang="bg-BG" sz="2800" b="1" dirty="0">
                 <a:solidFill>
                   <a:srgbClr val="FFFFFF"/>
                 </a:solidFill>
@@ -11640,9 +11711,9 @@
               <a:t> в </a:t>
             </a:r>
             <a:r>
-              <a:rPr lang="bg-BG" sz="2800" b="1" dirty="0" smtClean="0">
-                <a:solidFill>
-                  <a:schemeClr val="bg1">
+              <a:rPr lang="bg-BG" sz="2800" b="1" dirty="0">
+                <a:solidFill>
+                  <a:schemeClr val="accent1">
                     <a:lumMod val="60000"/>
                     <a:lumOff val="40000"/>
                   </a:schemeClr>
@@ -11659,76 +11730,10 @@
             </a:r>
             <a:endParaRPr lang="en-US" sz="2800" b="1" dirty="0">
               <a:solidFill>
-                <a:schemeClr val="bg1">
+                <a:schemeClr val="accent1">
                   <a:lumMod val="60000"/>
                   <a:lumOff val="40000"/>
                 </a:schemeClr>
-              </a:solidFill>
-              <a:effectLst>
-                <a:outerShdw blurRad="38100" dist="38100" dir="2700000" algn="tl">
-                  <a:srgbClr val="000000">
-                    <a:alpha val="43137"/>
-                  </a:srgbClr>
-                </a:outerShdw>
-              </a:effectLst>
-            </a:endParaRPr>
-          </a:p>
-        </p:txBody>
-      </p:sp>
-      <p:sp>
-        <p:nvSpPr>
-          <p:cNvPr id="13" name="Rectangle 12"/>
-          <p:cNvSpPr/>
-          <p:nvPr/>
-        </p:nvSpPr>
-        <p:spPr bwMode="auto">
-          <a:xfrm>
-            <a:off x="4504452" y="1989187"/>
-            <a:ext cx="3762797" cy="674813"/>
-          </a:xfrm>
-          <a:prstGeom prst="rect">
-            <a:avLst/>
-          </a:prstGeom>
-          <a:noFill/>
-          <a:ln w="38100">
-            <a:solidFill>
-              <a:schemeClr val="tx1">
-                <a:lumMod val="75000"/>
-                <a:alpha val="80000"/>
-              </a:schemeClr>
-            </a:solidFill>
-          </a:ln>
-          <a:effectLst/>
-        </p:spPr>
-        <p:style>
-          <a:lnRef idx="2">
-            <a:schemeClr val="accent1">
-              <a:shade val="50000"/>
-            </a:schemeClr>
-          </a:lnRef>
-          <a:fillRef idx="1001">
-            <a:schemeClr val="dk2"/>
-          </a:fillRef>
-          <a:effectRef idx="0">
-            <a:schemeClr val="accent1"/>
-          </a:effectRef>
-          <a:fontRef idx="minor">
-            <a:schemeClr val="lt1"/>
-          </a:fontRef>
-        </p:style>
-        <p:txBody>
-          <a:bodyPr rot="0" spcFirstLastPara="0" vertOverflow="overflow" horzOverflow="overflow" vert="horz" wrap="square" lIns="91440" tIns="45720" rIns="91440" bIns="45720" numCol="1" spcCol="0" rtlCol="0" fromWordArt="0" anchor="ctr" anchorCtr="0" forceAA="0" compatLnSpc="1">
-            <a:prstTxWarp prst="textNoShape">
-              <a:avLst/>
-            </a:prstTxWarp>
-            <a:noAutofit/>
-          </a:bodyPr>
-          <a:lstStyle/>
-          <a:p>
-            <a:pPr algn="ctr"/>
-            <a:endParaRPr lang="en-US" sz="2800" b="1" dirty="0">
-              <a:solidFill>
-                <a:srgbClr val="FFFFFF"/>
               </a:solidFill>
               <a:effectLst>
                 <a:outerShdw blurRad="38100" dist="38100" dir="2700000" algn="tl">
@@ -12086,12 +12091,12 @@
       </p:par>
     </p:tnLst>
     <p:bldLst>
+      <p:bldP spid="13" grpId="0" animBg="1"/>
+      <p:bldP spid="13" grpId="1" animBg="1"/>
       <p:bldP spid="9" grpId="0" animBg="1"/>
       <p:bldP spid="10" grpId="0" animBg="1"/>
       <p:bldP spid="11" grpId="0" animBg="1"/>
       <p:bldP spid="12" grpId="0" animBg="1"/>
-      <p:bldP spid="13" grpId="0" animBg="1"/>
-      <p:bldP spid="13" grpId="1" animBg="1"/>
     </p:bldLst>
   </p:timing>
 </p:sld>
@@ -12265,29 +12270,29 @@
           <a:lstStyle/>
           <a:p>
             <a:r>
-              <a:rPr lang="bg-BG" dirty="0" smtClean="0"/>
+              <a:rPr lang="bg-BG" dirty="0"/>
               <a:t>͏͏</a:t>
             </a:r>
             <a:r>
-              <a:rPr lang="bg-BG" b="1" dirty="0" smtClean="0"/>
+              <a:rPr lang="bg-BG" b="1" dirty="0"/>
               <a:t>Файлови формати </a:t>
             </a:r>
             <a:r>
-              <a:rPr lang="bg-BG" dirty="0" smtClean="0"/>
+              <a:rPr lang="bg-BG" dirty="0"/>
               <a:t>за </a:t>
             </a:r>
             <a:r>
-              <a:rPr lang="bg-BG" b="1" dirty="0" smtClean="0"/>
+              <a:rPr lang="bg-BG" b="1" dirty="0"/>
               <a:t>презентация</a:t>
             </a:r>
           </a:p>
           <a:p>
             <a:r>
-              <a:rPr lang="bg-BG" dirty="0" smtClean="0"/>
+              <a:rPr lang="bg-BG" dirty="0"/>
               <a:t>͏</a:t>
             </a:r>
             <a:r>
-              <a:rPr lang="bg-BG" b="1" dirty="0" smtClean="0">
+              <a:rPr lang="bg-BG" b="1" dirty="0">
                 <a:solidFill>
                   <a:schemeClr val="bg1"/>
                 </a:solidFill>
@@ -12295,25 +12300,25 @@
               <a:t>Запазване</a:t>
             </a:r>
             <a:r>
-              <a:rPr lang="bg-BG" dirty="0" smtClean="0"/>
+              <a:rPr lang="bg-BG" dirty="0"/>
               <a:t> на </a:t>
             </a:r>
             <a:r>
-              <a:rPr lang="bg-BG" b="1" dirty="0" smtClean="0"/>
+              <a:rPr lang="bg-BG" b="1" dirty="0"/>
               <a:t>презентация</a:t>
             </a:r>
             <a:r>
-              <a:rPr lang="bg-BG" dirty="0" smtClean="0"/>
+              <a:rPr lang="bg-BG" dirty="0"/>
               <a:t> в разлчини файлови формати</a:t>
             </a:r>
           </a:p>
           <a:p>
             <a:r>
-              <a:rPr lang="bg-BG" dirty="0" smtClean="0"/>
+              <a:rPr lang="bg-BG" dirty="0"/>
               <a:t>͏</a:t>
             </a:r>
             <a:r>
-              <a:rPr lang="bg-BG" b="1" dirty="0" smtClean="0">
+              <a:rPr lang="bg-BG" b="1" dirty="0">
                 <a:solidFill>
                   <a:schemeClr val="bg1"/>
                 </a:solidFill>
@@ -12321,14 +12326,13 @@
               <a:t>Отпечатване</a:t>
             </a:r>
             <a:r>
-              <a:rPr lang="bg-BG" dirty="0" smtClean="0"/>
+              <a:rPr lang="bg-BG" dirty="0"/>
               <a:t> на </a:t>
             </a:r>
             <a:r>
-              <a:rPr lang="bg-BG" b="1" dirty="0" smtClean="0"/>
+              <a:rPr lang="bg-BG" b="1" dirty="0"/>
               <a:t>презентация</a:t>
             </a:r>
-            <a:endParaRPr lang="bg-BG" b="1" dirty="0"/>
           </a:p>
         </p:txBody>
       </p:sp>
@@ -12631,13 +12635,19 @@
           <p:nvPr/>
         </p:nvPicPr>
         <p:blipFill rotWithShape="1">
-          <a:blip r:embed="rId2"/>
-          <a:srcRect l="12457" t="51228" r="64369" b="2334"/>
+          <a:blip r:embed="rId2">
+            <a:extLst>
+              <a:ext uri="{28A0092B-C50C-407E-A947-70E740481C1C}">
+                <a14:useLocalDpi xmlns:a14="http://schemas.microsoft.com/office/drawing/2010/main" val="0"/>
+              </a:ext>
+            </a:extLst>
+          </a:blip>
+          <a:srcRect t="1777" b="1777"/>
           <a:stretch/>
         </p:blipFill>
         <p:spPr>
           <a:xfrm>
-            <a:off x="4329750" y="1254080"/>
+            <a:off x="3868500" y="1359000"/>
             <a:ext cx="4455000" cy="4975714"/>
           </a:xfrm>
           <a:prstGeom prst="rect">
@@ -12660,8 +12670,8 @@
         </p:nvSpPr>
         <p:spPr bwMode="auto">
           <a:xfrm>
-            <a:off x="4729452" y="2973059"/>
-            <a:ext cx="3762797" cy="674813"/>
+            <a:off x="4115835" y="2975669"/>
+            <a:ext cx="3825165" cy="723331"/>
           </a:xfrm>
           <a:prstGeom prst="rect">
             <a:avLst/>
@@ -12808,7 +12818,7 @@
           <a:p>
             <a:pPr algn="ctr"/>
             <a:r>
-              <a:rPr lang="bg-BG" sz="2800" b="1" dirty="0" smtClean="0">
+              <a:rPr lang="bg-BG" sz="2800" b="1" dirty="0">
                 <a:solidFill>
                   <a:srgbClr val="FFFFFF"/>
                 </a:solidFill>
@@ -12823,7 +12833,7 @@
               <a:t>Отпечатва </a:t>
             </a:r>
             <a:r>
-              <a:rPr lang="bg-BG" sz="2800" b="1" dirty="0" smtClean="0">
+              <a:rPr lang="bg-BG" sz="2800" b="1" dirty="0">
                 <a:solidFill>
                   <a:schemeClr val="bg2"/>
                 </a:solidFill>
@@ -12838,7 +12848,7 @@
               <a:t>слайдовете</a:t>
             </a:r>
             <a:r>
-              <a:rPr lang="bg-BG" sz="2800" b="1" dirty="0" smtClean="0">
+              <a:rPr lang="bg-BG" sz="2800" b="1" dirty="0">
                 <a:solidFill>
                   <a:schemeClr val="bg1">
                     <a:lumMod val="60000"/>
@@ -12856,7 +12866,7 @@
               <a:t> </a:t>
             </a:r>
             <a:r>
-              <a:rPr lang="bg-BG" sz="2800" b="1" dirty="0" smtClean="0">
+              <a:rPr lang="bg-BG" sz="2800" b="1" dirty="0">
                 <a:solidFill>
                   <a:schemeClr val="bg2"/>
                 </a:solidFill>
@@ -12871,7 +12881,7 @@
               <a:t>в</a:t>
             </a:r>
             <a:r>
-              <a:rPr lang="bg-BG" sz="2800" b="1" dirty="0" smtClean="0">
+              <a:rPr lang="bg-BG" sz="2800" b="1" dirty="0">
                 <a:solidFill>
                   <a:schemeClr val="bg1">
                     <a:lumMod val="60000"/>
@@ -12886,11 +12896,29 @@
                   </a:outerShdw>
                 </a:effectLst>
               </a:rPr>
-              <a:t> пълен размер</a:t>
+              <a:t> </a:t>
+            </a:r>
+            <a:r>
+              <a:rPr lang="bg-BG" sz="2800" b="1" dirty="0">
+                <a:solidFill>
+                  <a:schemeClr val="accent1">
+                    <a:lumMod val="60000"/>
+                    <a:lumOff val="40000"/>
+                  </a:schemeClr>
+                </a:solidFill>
+                <a:effectLst>
+                  <a:outerShdw blurRad="38100" dist="38100" dir="2700000" algn="tl">
+                    <a:srgbClr val="000000">
+                      <a:alpha val="43137"/>
+                    </a:srgbClr>
+                  </a:outerShdw>
+                </a:effectLst>
+              </a:rPr>
+              <a:t>пълен размер</a:t>
             </a:r>
             <a:endParaRPr lang="en-US" sz="2800" b="1" dirty="0">
               <a:solidFill>
-                <a:schemeClr val="bg1">
+                <a:schemeClr val="accent1">
                   <a:lumMod val="60000"/>
                   <a:lumOff val="40000"/>
                 </a:schemeClr>
@@ -12966,7 +12994,7 @@
           <a:p>
             <a:pPr algn="ctr"/>
             <a:r>
-              <a:rPr lang="bg-BG" sz="2800" b="1" dirty="0" smtClean="0">
+              <a:rPr lang="bg-BG" sz="2800" b="1" dirty="0">
                 <a:solidFill>
                   <a:srgbClr val="FFFFFF"/>
                 </a:solidFill>
@@ -12981,7 +13009,7 @@
               <a:t>Отпечатва </a:t>
             </a:r>
             <a:r>
-              <a:rPr lang="bg-BG" sz="2800" b="1" dirty="0" smtClean="0">
+              <a:rPr lang="bg-BG" sz="2800" b="1" dirty="0">
                 <a:solidFill>
                   <a:schemeClr val="bg2"/>
                 </a:solidFill>
@@ -12996,7 +13024,7 @@
               <a:t>слайдовете</a:t>
             </a:r>
             <a:r>
-              <a:rPr lang="bg-BG" sz="2800" b="1" dirty="0" smtClean="0">
+              <a:rPr lang="bg-BG" sz="2800" b="1" dirty="0">
                 <a:solidFill>
                   <a:schemeClr val="bg1">
                     <a:lumMod val="60000"/>
@@ -13014,7 +13042,7 @@
               <a:t> </a:t>
             </a:r>
             <a:r>
-              <a:rPr lang="bg-BG" sz="2800" b="1" dirty="0" smtClean="0">
+              <a:rPr lang="bg-BG" sz="2800" b="1" dirty="0">
                 <a:solidFill>
                   <a:schemeClr val="bg2"/>
                 </a:solidFill>
@@ -13029,9 +13057,9 @@
               <a:t>заедно с </a:t>
             </a:r>
             <a:r>
-              <a:rPr lang="bg-BG" sz="2800" b="1" dirty="0" smtClean="0">
-                <a:solidFill>
-                  <a:schemeClr val="bg1">
+              <a:rPr lang="bg-BG" sz="2800" b="1" dirty="0">
+                <a:solidFill>
+                  <a:schemeClr val="accent1">
                     <a:lumMod val="60000"/>
                     <a:lumOff val="40000"/>
                   </a:schemeClr>
@@ -13048,7 +13076,7 @@
             </a:r>
             <a:endParaRPr lang="en-US" sz="2800" b="1" dirty="0">
               <a:solidFill>
-                <a:schemeClr val="bg1">
+                <a:schemeClr val="accent1">
                   <a:lumMod val="60000"/>
                   <a:lumOff val="40000"/>
                 </a:schemeClr>
@@ -13190,7 +13218,7 @@
           <a:p>
             <a:pPr algn="ctr"/>
             <a:r>
-              <a:rPr lang="bg-BG" sz="2800" b="1" dirty="0" smtClean="0">
+              <a:rPr lang="bg-BG" sz="2800" b="1" dirty="0">
                 <a:solidFill>
                   <a:srgbClr val="FFFFFF"/>
                 </a:solidFill>
@@ -13205,7 +13233,7 @@
               <a:t>Отпечатване </a:t>
             </a:r>
             <a:r>
-              <a:rPr lang="bg-BG" sz="2800" b="1" dirty="0" smtClean="0">
+              <a:rPr lang="bg-BG" sz="2800" b="1" dirty="0">
                 <a:solidFill>
                   <a:schemeClr val="bg2"/>
                 </a:solidFill>
@@ -13220,9 +13248,9 @@
               <a:t>по </a:t>
             </a:r>
             <a:r>
-              <a:rPr lang="bg-BG" sz="2800" b="1" dirty="0" smtClean="0">
-                <a:solidFill>
-                  <a:schemeClr val="bg1">
+              <a:rPr lang="bg-BG" sz="2800" b="1" dirty="0">
+                <a:solidFill>
+                  <a:schemeClr val="accent1">
                     <a:lumMod val="60000"/>
                     <a:lumOff val="40000"/>
                   </a:schemeClr>
@@ -13238,7 +13266,7 @@
               <a:t>няколко слайда </a:t>
             </a:r>
             <a:r>
-              <a:rPr lang="bg-BG" sz="2800" b="1" dirty="0" smtClean="0">
+              <a:rPr lang="bg-BG" sz="2800" b="1" dirty="0">
                 <a:solidFill>
                   <a:schemeClr val="bg2"/>
                 </a:solidFill>
@@ -13253,9 +13281,9 @@
               <a:t>на </a:t>
             </a:r>
             <a:r>
-              <a:rPr lang="bg-BG" sz="2800" b="1" dirty="0" smtClean="0">
-                <a:solidFill>
-                  <a:schemeClr val="bg1">
+              <a:rPr lang="bg-BG" sz="2800" b="1" dirty="0">
+                <a:solidFill>
+                  <a:schemeClr val="accent1">
                     <a:lumMod val="60000"/>
                     <a:lumOff val="40000"/>
                   </a:schemeClr>
@@ -13272,7 +13300,7 @@
             </a:r>
             <a:endParaRPr lang="en-US" sz="2800" b="1" dirty="0">
               <a:solidFill>
-                <a:schemeClr val="bg1">
+                <a:schemeClr val="accent1">
                   <a:lumMod val="60000"/>
                   <a:lumOff val="40000"/>
                 </a:schemeClr>
@@ -13670,45 +13698,20 @@
           <p:nvPr/>
         </p:nvPicPr>
         <p:blipFill rotWithShape="1">
-          <a:blip r:embed="rId2"/>
-          <a:srcRect l="12457" t="51228" r="64369" b="2334"/>
+          <a:blip r:embed="rId3">
+            <a:extLst>
+              <a:ext uri="{28A0092B-C50C-407E-A947-70E740481C1C}">
+                <a14:useLocalDpi xmlns:a14="http://schemas.microsoft.com/office/drawing/2010/main" val="0"/>
+              </a:ext>
+            </a:extLst>
+          </a:blip>
+          <a:srcRect t="1777" b="1777"/>
           <a:stretch/>
         </p:blipFill>
         <p:spPr>
           <a:xfrm>
             <a:off x="7481737" y="1269000"/>
             <a:ext cx="4455000" cy="4975714"/>
-          </a:xfrm>
-          <a:prstGeom prst="rect">
-            <a:avLst/>
-          </a:prstGeom>
-          <a:ln>
-            <a:solidFill>
-              <a:schemeClr val="bg2">
-                <a:lumMod val="75000"/>
-              </a:schemeClr>
-            </a:solidFill>
-          </a:ln>
-        </p:spPr>
-      </p:pic>
-      <p:pic>
-        <p:nvPicPr>
-          <p:cNvPr id="7" name="Picture 6"/>
-          <p:cNvPicPr>
-            <a:picLocks noChangeAspect="1"/>
-          </p:cNvPicPr>
-          <p:nvPr/>
-        </p:nvPicPr>
-        <p:blipFill>
-          <a:blip r:embed="rId3"/>
-          <a:stretch>
-            <a:fillRect/>
-          </a:stretch>
-        </p:blipFill>
-        <p:spPr>
-          <a:xfrm>
-            <a:off x="7860525" y="5129475"/>
-            <a:ext cx="3780000" cy="1518602"/>
           </a:xfrm>
           <a:prstGeom prst="rect">
             <a:avLst/>
@@ -13767,11 +13770,11 @@
           <a:lstStyle/>
           <a:p>
             <a:r>
-              <a:rPr lang="bg-BG" dirty="0" smtClean="0"/>
+              <a:rPr lang="bg-BG" dirty="0"/>
               <a:t>От </a:t>
             </a:r>
             <a:r>
-              <a:rPr lang="en-US" b="1" dirty="0" smtClean="0">
+              <a:rPr lang="en-US" b="1" dirty="0">
                 <a:solidFill>
                   <a:schemeClr val="bg1"/>
                 </a:solidFill>
@@ -13779,52 +13782,52 @@
               <a:t>Collated</a:t>
             </a:r>
             <a:r>
-              <a:rPr lang="en-US" dirty="0" smtClean="0"/>
+              <a:rPr lang="en-US" dirty="0"/>
               <a:t> </a:t>
             </a:r>
             <a:r>
-              <a:rPr lang="bg-BG" dirty="0" smtClean="0"/>
+              <a:rPr lang="bg-BG" dirty="0"/>
               <a:t>задавате дали копията да са </a:t>
             </a:r>
             <a:r>
-              <a:rPr lang="bg-BG" b="1" dirty="0" smtClean="0"/>
+              <a:rPr lang="bg-BG" b="1" dirty="0"/>
               <a:t>комплектовани</a:t>
             </a:r>
             <a:r>
-              <a:rPr lang="bg-BG" dirty="0" smtClean="0"/>
+              <a:rPr lang="bg-BG" dirty="0"/>
               <a:t>, или </a:t>
             </a:r>
             <a:r>
-              <a:rPr lang="bg-BG" b="1" dirty="0" smtClean="0"/>
+              <a:rPr lang="bg-BG" b="1" dirty="0"/>
               <a:t>не</a:t>
             </a:r>
           </a:p>
           <a:p>
             <a:r>
-              <a:rPr lang="bg-BG" dirty="0" smtClean="0"/>
+              <a:rPr lang="bg-BG" dirty="0"/>
               <a:t>От кутията за </a:t>
             </a:r>
             <a:r>
-              <a:rPr lang="bg-BG" b="1" dirty="0" smtClean="0"/>
+              <a:rPr lang="bg-BG" b="1" dirty="0"/>
               <a:t>цвят на отпечатването</a:t>
             </a:r>
             <a:r>
-              <a:rPr lang="en-US" b="1" dirty="0" smtClean="0"/>
+              <a:rPr lang="en-US" b="1" dirty="0"/>
               <a:t> </a:t>
             </a:r>
             <a:r>
-              <a:rPr lang="bg-BG" dirty="0" smtClean="0"/>
+              <a:rPr lang="bg-BG" dirty="0"/>
               <a:t>може да изберете дали то да бъде:</a:t>
             </a:r>
           </a:p>
           <a:p>
             <a:pPr lvl="1"/>
             <a:r>
-              <a:rPr lang="en-US" b="1" dirty="0" smtClean="0"/>
+              <a:rPr lang="en-US" b="1" dirty="0"/>
               <a:t>͏</a:t>
             </a:r>
             <a:r>
-              <a:rPr lang="en-US" b="1" dirty="0" smtClean="0">
+              <a:rPr lang="en-US" b="1" dirty="0">
                 <a:solidFill>
                   <a:srgbClr val="FF0000"/>
                 </a:solidFill>
@@ -13832,7 +13835,7 @@
               <a:t>C</a:t>
             </a:r>
             <a:r>
-              <a:rPr lang="en-US" b="1" dirty="0" smtClean="0">
+              <a:rPr lang="en-US" b="1" dirty="0">
                 <a:solidFill>
                   <a:schemeClr val="accent2"/>
                 </a:solidFill>
@@ -13840,7 +13843,7 @@
               <a:t>o</a:t>
             </a:r>
             <a:r>
-              <a:rPr lang="en-US" b="1" dirty="0" smtClean="0">
+              <a:rPr lang="en-US" b="1" dirty="0">
                 <a:solidFill>
                   <a:schemeClr val="accent4"/>
                 </a:solidFill>
@@ -13848,7 +13851,7 @@
               <a:t>l</a:t>
             </a:r>
             <a:r>
-              <a:rPr lang="en-US" b="1" dirty="0" smtClean="0">
+              <a:rPr lang="en-US" b="1" dirty="0">
                 <a:solidFill>
                   <a:schemeClr val="bg1"/>
                 </a:solidFill>
@@ -13856,7 +13859,7 @@
               <a:t>o</a:t>
             </a:r>
             <a:r>
-              <a:rPr lang="en-US" b="1" dirty="0" smtClean="0">
+              <a:rPr lang="en-US" b="1" dirty="0">
                 <a:solidFill>
                   <a:schemeClr val="accent3"/>
                 </a:solidFill>
@@ -13864,49 +13867,48 @@
               <a:t>r</a:t>
             </a:r>
             <a:r>
-              <a:rPr lang="en-US" dirty="0" smtClean="0"/>
+              <a:rPr lang="en-US" dirty="0"/>
               <a:t> (</a:t>
             </a:r>
             <a:r>
-              <a:rPr lang="bg-BG" dirty="0" smtClean="0"/>
+              <a:rPr lang="bg-BG" dirty="0"/>
               <a:t>цветно)</a:t>
             </a:r>
           </a:p>
           <a:p>
             <a:pPr lvl="1"/>
             <a:r>
-              <a:rPr lang="en-US" b="1" dirty="0" smtClean="0"/>
+              <a:rPr lang="en-US" b="1" dirty="0"/>
               <a:t>Grayscale</a:t>
             </a:r>
             <a:r>
-              <a:rPr lang="en-US" dirty="0" smtClean="0"/>
+              <a:rPr lang="en-US" dirty="0"/>
               <a:t> (</a:t>
             </a:r>
             <a:r>
-              <a:rPr lang="bg-BG" dirty="0" smtClean="0"/>
+              <a:rPr lang="bg-BG" dirty="0"/>
               <a:t>сиво</a:t>
             </a:r>
             <a:r>
-              <a:rPr lang="en-US" dirty="0" smtClean="0"/>
+              <a:rPr lang="en-US" dirty="0"/>
               <a:t>)</a:t>
             </a:r>
-            <a:endParaRPr lang="bg-BG" dirty="0" smtClean="0"/>
+            <a:endParaRPr lang="bg-BG" dirty="0"/>
           </a:p>
           <a:p>
             <a:pPr lvl="1"/>
             <a:r>
-              <a:rPr lang="en-US" b="1" dirty="0" smtClean="0"/>
+              <a:rPr lang="en-US" b="1" dirty="0"/>
               <a:t>Pure Black and White </a:t>
             </a:r>
             <a:r>
-              <a:rPr lang="bg-BG" dirty="0" smtClean="0"/>
+              <a:rPr lang="bg-BG" dirty="0"/>
               <a:t>(черно-бяло</a:t>
             </a:r>
             <a:r>
-              <a:rPr lang="en-US" dirty="0" smtClean="0"/>
+              <a:rPr lang="en-US" dirty="0"/>
               <a:t>)</a:t>
             </a:r>
-            <a:endParaRPr lang="en-US" dirty="0"/>
           </a:p>
         </p:txBody>
       </p:sp>
@@ -13972,7 +13974,7 @@
         </p:nvSpPr>
         <p:spPr bwMode="auto">
           <a:xfrm>
-            <a:off x="7875675" y="4454662"/>
+            <a:off x="7761000" y="4454662"/>
             <a:ext cx="3762797" cy="674813"/>
           </a:xfrm>
           <a:prstGeom prst="rect">
@@ -14038,8 +14040,8 @@
         </p:nvSpPr>
         <p:spPr bwMode="auto">
           <a:xfrm>
-            <a:off x="7877728" y="5184000"/>
-            <a:ext cx="3762797" cy="620289"/>
+            <a:off x="7763053" y="5220212"/>
+            <a:ext cx="3762797" cy="674813"/>
           </a:xfrm>
           <a:prstGeom prst="rect">
             <a:avLst/>
@@ -14096,6 +14098,37 @@
           </a:p>
         </p:txBody>
       </p:sp>
+      <p:pic>
+        <p:nvPicPr>
+          <p:cNvPr id="7" name="Picture 6"/>
+          <p:cNvPicPr>
+            <a:picLocks noChangeAspect="1"/>
+          </p:cNvPicPr>
+          <p:nvPr/>
+        </p:nvPicPr>
+        <p:blipFill>
+          <a:blip r:embed="rId5"/>
+          <a:stretch>
+            <a:fillRect/>
+          </a:stretch>
+        </p:blipFill>
+        <p:spPr>
+          <a:xfrm>
+            <a:off x="7860525" y="5129475"/>
+            <a:ext cx="3780000" cy="1518602"/>
+          </a:xfrm>
+          <a:prstGeom prst="rect">
+            <a:avLst/>
+          </a:prstGeom>
+          <a:ln>
+            <a:solidFill>
+              <a:schemeClr val="bg2">
+                <a:lumMod val="75000"/>
+              </a:schemeClr>
+            </a:solidFill>
+          </a:ln>
+        </p:spPr>
+      </p:pic>
     </p:spTree>
     <p:extLst>
       <p:ext uri="{BB962C8B-B14F-4D97-AF65-F5344CB8AC3E}">
@@ -14819,25 +14852,25 @@
           <a:p>
             <a:pPr lvl="0"/>
             <a:r>
-              <a:rPr lang="en-US" smtClean="0"/>
+              <a:rPr lang="en-US"/>
               <a:t>…</a:t>
             </a:r>
           </a:p>
           <a:p>
             <a:pPr lvl="0"/>
             <a:r>
-              <a:rPr lang="en-GB" smtClean="0"/>
+              <a:rPr lang="en-GB"/>
               <a:t>…</a:t>
             </a:r>
-            <a:endParaRPr lang="en-US" smtClean="0"/>
+            <a:endParaRPr lang="en-US"/>
           </a:p>
           <a:p>
             <a:pPr lvl="0"/>
             <a:r>
-              <a:rPr lang="en-GB" smtClean="0"/>
+              <a:rPr lang="en-GB"/>
               <a:t>…</a:t>
             </a:r>
-            <a:endParaRPr lang="en-US" smtClean="0"/>
+            <a:endParaRPr lang="en-US"/>
           </a:p>
           <a:p>
             <a:pPr lvl="0"/>
@@ -14861,7 +14894,7 @@
           <a:lstStyle/>
           <a:p>
             <a:r>
-              <a:rPr lang="bg-BG" smtClean="0"/>
+              <a:rPr lang="bg-BG"/>
               <a:t>Какво научихме днес?</a:t>
             </a:r>
             <a:endParaRPr lang="en-US" dirty="0"/>
@@ -15268,9 +15301,9 @@
               </a:buClr>
             </a:pPr>
             <a:r>
-              <a:rPr lang="bg-BG" sz="2800" b="1" dirty="0" smtClean="0">
-                <a:solidFill>
-                  <a:schemeClr val="bg1">
+              <a:rPr lang="bg-BG" sz="2800" b="1" dirty="0">
+                <a:solidFill>
+                  <a:schemeClr val="accent1">
                     <a:lumMod val="60000"/>
                     <a:lumOff val="40000"/>
                   </a:schemeClr>
@@ -15279,7 +15312,7 @@
               <a:t>Файлови формати </a:t>
             </a:r>
             <a:r>
-              <a:rPr lang="bg-BG" sz="2800" dirty="0" smtClean="0">
+              <a:rPr lang="bg-BG" sz="2800" dirty="0">
                 <a:solidFill>
                   <a:schemeClr val="bg2"/>
                 </a:solidFill>
@@ -15287,7 +15320,7 @@
               <a:t>за </a:t>
             </a:r>
             <a:r>
-              <a:rPr lang="bg-BG" sz="2800" b="1" dirty="0" smtClean="0">
+              <a:rPr lang="bg-BG" sz="2800" b="1" dirty="0">
                 <a:solidFill>
                   <a:schemeClr val="bg2"/>
                 </a:solidFill>
@@ -15295,7 +15328,7 @@
               <a:t>запазване</a:t>
             </a:r>
             <a:r>
-              <a:rPr lang="bg-BG" sz="2800" dirty="0" smtClean="0">
+              <a:rPr lang="bg-BG" sz="2800" dirty="0">
                 <a:solidFill>
                   <a:schemeClr val="bg2"/>
                 </a:solidFill>
@@ -15303,7 +15336,7 @@
               <a:t> на </a:t>
             </a:r>
             <a:r>
-              <a:rPr lang="bg-BG" sz="2800" b="1" dirty="0" smtClean="0">
+              <a:rPr lang="bg-BG" sz="2800" b="1" dirty="0">
                 <a:solidFill>
                   <a:schemeClr val="bg2"/>
                 </a:solidFill>
@@ -15311,7 +15344,7 @@
               <a:t>презентация</a:t>
             </a:r>
             <a:r>
-              <a:rPr lang="bg-BG" sz="2800" dirty="0" smtClean="0">
+              <a:rPr lang="bg-BG" sz="2800" dirty="0">
                 <a:solidFill>
                   <a:schemeClr val="bg2"/>
                 </a:solidFill>
@@ -15329,14 +15362,14 @@
               </a:buClr>
             </a:pPr>
             <a:r>
-              <a:rPr lang="en-US" sz="2600" dirty="0" err="1" smtClean="0">
+              <a:rPr lang="en-US" sz="2600" dirty="0" err="1">
                 <a:solidFill>
                   <a:schemeClr val="bg2"/>
                 </a:solidFill>
               </a:rPr>
               <a:t>pptx</a:t>
             </a:r>
-            <a:endParaRPr lang="en-US" sz="2600" dirty="0" smtClean="0">
+            <a:endParaRPr lang="en-US" sz="2600" dirty="0">
               <a:solidFill>
                 <a:schemeClr val="bg2"/>
               </a:solidFill>
@@ -15352,14 +15385,14 @@
               </a:buClr>
             </a:pPr>
             <a:r>
-              <a:rPr lang="en-US" sz="2600" dirty="0" err="1" smtClean="0">
+              <a:rPr lang="en-US" sz="2600" dirty="0" err="1">
                 <a:solidFill>
                   <a:schemeClr val="bg2"/>
                 </a:solidFill>
               </a:rPr>
               <a:t>ppsx</a:t>
             </a:r>
-            <a:endParaRPr lang="en-US" sz="2600" dirty="0" smtClean="0">
+            <a:endParaRPr lang="en-US" sz="2600" dirty="0">
               <a:solidFill>
                 <a:schemeClr val="bg2"/>
               </a:solidFill>
@@ -15375,7 +15408,7 @@
               </a:buClr>
             </a:pPr>
             <a:r>
-              <a:rPr lang="en-US" sz="2600" dirty="0" smtClean="0">
+              <a:rPr lang="en-US" sz="2600" dirty="0">
                 <a:solidFill>
                   <a:schemeClr val="bg2"/>
                 </a:solidFill>
@@ -15393,9 +15426,9 @@
               </a:buClr>
             </a:pPr>
             <a:r>
-              <a:rPr lang="bg-BG" sz="2800" b="1" dirty="0" smtClean="0">
-                <a:solidFill>
-                  <a:schemeClr val="bg1">
+              <a:rPr lang="bg-BG" sz="2800" b="1" dirty="0">
+                <a:solidFill>
+                  <a:schemeClr val="accent1">
                     <a:lumMod val="60000"/>
                     <a:lumOff val="40000"/>
                   </a:schemeClr>
@@ -15404,7 +15437,7 @@
               <a:t>Запазване</a:t>
             </a:r>
             <a:r>
-              <a:rPr lang="bg-BG" sz="2800" dirty="0" smtClean="0">
+              <a:rPr lang="bg-BG" sz="2800" dirty="0">
                 <a:solidFill>
                   <a:schemeClr val="bg2"/>
                 </a:solidFill>
@@ -15412,9 +15445,9 @@
               <a:t> и </a:t>
             </a:r>
             <a:r>
-              <a:rPr lang="bg-BG" sz="2800" b="1" dirty="0" smtClean="0">
-                <a:solidFill>
-                  <a:schemeClr val="bg1">
+              <a:rPr lang="bg-BG" sz="2800" b="1" dirty="0">
+                <a:solidFill>
+                  <a:schemeClr val="accent1">
                     <a:lumMod val="60000"/>
                     <a:lumOff val="40000"/>
                   </a:schemeClr>
@@ -15423,7 +15456,7 @@
               <a:t>отпечатване</a:t>
             </a:r>
             <a:r>
-              <a:rPr lang="bg-BG" sz="2800" dirty="0" smtClean="0">
+              <a:rPr lang="bg-BG" sz="2800" dirty="0">
                 <a:solidFill>
                   <a:schemeClr val="bg2"/>
                 </a:solidFill>
@@ -15642,7 +15675,7 @@
               </a:buClr>
             </a:pPr>
             <a:r>
-              <a:rPr lang="en-US" sz="2600" dirty="0" smtClean="0">
+              <a:rPr lang="en-US" sz="2600" dirty="0">
                 <a:solidFill>
                   <a:schemeClr val="bg2"/>
                 </a:solidFill>
@@ -15660,7 +15693,7 @@
               </a:buClr>
             </a:pPr>
             <a:r>
-              <a:rPr lang="en-US" sz="2600" dirty="0" smtClean="0">
+              <a:rPr lang="en-US" sz="2600" dirty="0">
                 <a:solidFill>
                   <a:schemeClr val="bg2"/>
                 </a:solidFill>
@@ -15678,7 +15711,7 @@
               </a:buClr>
             </a:pPr>
             <a:r>
-              <a:rPr lang="en-US" sz="2600" dirty="0" smtClean="0">
+              <a:rPr lang="en-US" sz="2600" dirty="0">
                 <a:solidFill>
                   <a:schemeClr val="bg2"/>
                 </a:solidFill>
@@ -16196,7 +16229,7 @@
                 <a:hlinkClick r:id="rId3">
                   <a:extLst>
                     <a:ext uri="{A12FA001-AC4F-418D-AE19-62706E023703}">
-                      <ahyp:hlinkClr xmlns="" xmlns:ahyp="http://schemas.microsoft.com/office/drawing/2018/hyperlinkcolor" val="tx"/>
+                      <ahyp:hlinkClr xmlns:ahyp="http://schemas.microsoft.com/office/drawing/2018/hyperlinkcolor" val="tx"/>
                     </a:ext>
                   </a:extLst>
                 </a:hlinkClick>
@@ -16269,13 +16302,6 @@
       <p:transition spd="slow" advClick="0" advTm="5000"/>
     </mc:Fallback>
   </mc:AlternateContent>
-  <p:timing>
-    <p:tnLst>
-      <p:par>
-        <p:cTn id="1" dur="indefinite" restart="never" nodeType="tmRoot"/>
-      </p:par>
-    </p:tnLst>
-  </p:timing>
 </p:sld>
 </file>
 
@@ -16659,13 +16685,6 @@
       <p:transition spd="slow" advClick="0" advTm="5000"/>
     </mc:Fallback>
   </mc:AlternateContent>
-  <p:timing>
-    <p:tnLst>
-      <p:par>
-        <p:cTn id="1" dur="indefinite" restart="never" nodeType="tmRoot"/>
-      </p:par>
-    </p:tnLst>
-  </p:timing>
 </p:sld>
 </file>
 
@@ -16708,11 +16727,7 @@
           <a:p>
             <a:r>
               <a:rPr lang="bg-BG" dirty="0"/>
-              <a:t>͏͏Файлови формати за </a:t>
-            </a:r>
-            <a:r>
-              <a:rPr lang="bg-BG" dirty="0" smtClean="0"/>
-              <a:t>презентация</a:t>
+              <a:t>͏͏Файлови формати за презентация</a:t>
             </a:r>
             <a:endParaRPr lang="en-US" dirty="0"/>
           </a:p>
@@ -16766,13 +16781,6 @@
       <p:transition spd="slow" advClick="0" advTm="5000"/>
     </mc:Fallback>
   </mc:AlternateContent>
-  <p:timing>
-    <p:tnLst>
-      <p:par>
-        <p:cTn id="1" dur="indefinite" restart="never" nodeType="tmRoot"/>
-      </p:par>
-    </p:tnLst>
-  </p:timing>
 </p:sld>
 </file>
 
@@ -16814,11 +16822,11 @@
           <a:lstStyle/>
           <a:p>
             <a:r>
-              <a:rPr lang="bg-BG" dirty="0" smtClean="0"/>
+              <a:rPr lang="bg-BG" dirty="0"/>
               <a:t>Обикновено </a:t>
             </a:r>
             <a:r>
-              <a:rPr lang="en-US" b="1" dirty="0" smtClean="0">
+              <a:rPr lang="en-US" b="1" dirty="0">
                 <a:solidFill>
                   <a:schemeClr val="bg1"/>
                 </a:solidFill>
@@ -16826,19 +16834,19 @@
               <a:t>MS PowerPoint </a:t>
             </a:r>
             <a:r>
-              <a:rPr lang="bg-BG" dirty="0" smtClean="0"/>
+              <a:rPr lang="bg-BG" dirty="0"/>
               <a:t>съхранява презентациите във файл с познатото </a:t>
             </a:r>
             <a:r>
-              <a:rPr lang="bg-BG" b="1" dirty="0" smtClean="0"/>
+              <a:rPr lang="bg-BG" b="1" dirty="0"/>
               <a:t>разширение</a:t>
             </a:r>
             <a:r>
-              <a:rPr lang="bg-BG" dirty="0" smtClean="0"/>
+              <a:rPr lang="bg-BG" dirty="0"/>
               <a:t> </a:t>
             </a:r>
             <a:r>
-              <a:rPr lang="en-US" b="1" dirty="0" smtClean="0">
+              <a:rPr lang="en-US" b="1" dirty="0">
                 <a:solidFill>
                   <a:schemeClr val="bg1"/>
                 </a:solidFill>
@@ -16849,11 +16857,11 @@
           <a:p>
             <a:pPr lvl="1"/>
             <a:r>
-              <a:rPr lang="bg-BG" dirty="0" smtClean="0"/>
+              <a:rPr lang="bg-BG" dirty="0"/>
               <a:t>По-старите версии са били с </a:t>
             </a:r>
             <a:r>
-              <a:rPr lang="en-US" b="1" dirty="0" err="1" smtClean="0">
+              <a:rPr lang="en-US" b="1" dirty="0" err="1">
                 <a:solidFill>
                   <a:schemeClr val="bg1"/>
                 </a:solidFill>
@@ -16868,46 +16876,46 @@
           </a:p>
           <a:p>
             <a:r>
-              <a:rPr lang="bg-BG" dirty="0" smtClean="0"/>
+              <a:rPr lang="bg-BG" dirty="0"/>
               <a:t>За да се </a:t>
             </a:r>
             <a:r>
-              <a:rPr lang="bg-BG" b="1" dirty="0" smtClean="0"/>
+              <a:rPr lang="bg-BG" b="1" dirty="0"/>
               <a:t>работи</a:t>
             </a:r>
             <a:r>
-              <a:rPr lang="bg-BG" dirty="0" smtClean="0"/>
+              <a:rPr lang="bg-BG" dirty="0"/>
               <a:t> с тези </a:t>
             </a:r>
             <a:r>
-              <a:rPr lang="bg-BG" b="1" dirty="0" smtClean="0"/>
+              <a:rPr lang="bg-BG" b="1" dirty="0"/>
               <a:t>формати</a:t>
             </a:r>
             <a:r>
-              <a:rPr lang="bg-BG" dirty="0" smtClean="0"/>
+              <a:rPr lang="bg-BG" dirty="0"/>
               <a:t>, е необходимо на </a:t>
             </a:r>
             <a:r>
-              <a:rPr lang="bg-BG" b="1" dirty="0" smtClean="0"/>
+              <a:rPr lang="bg-BG" b="1" dirty="0"/>
               <a:t>компютъра</a:t>
             </a:r>
             <a:r>
-              <a:rPr lang="bg-BG" dirty="0" smtClean="0"/>
+              <a:rPr lang="bg-BG" dirty="0"/>
               <a:t> да има </a:t>
             </a:r>
             <a:r>
-              <a:rPr lang="bg-BG" b="1" dirty="0" smtClean="0"/>
+              <a:rPr lang="bg-BG" b="1" dirty="0"/>
               <a:t>инсталиран </a:t>
             </a:r>
             <a:r>
-              <a:rPr lang="en-US" b="1" dirty="0" smtClean="0">
+              <a:rPr lang="en-US" b="1" dirty="0">
                 <a:solidFill>
                   <a:schemeClr val="bg1"/>
                 </a:solidFill>
               </a:rPr>
               <a:t>PowerPoint</a:t>
             </a:r>
-            <a:endParaRPr lang="bg-BG" b="1" dirty="0" smtClean="0">
+            <a:endParaRPr lang="bg-BG" b="1" dirty="0">
               <a:solidFill>
                 <a:schemeClr val="bg1"/>
               </a:solidFill>
@@ -17342,27 +17350,27 @@
           <a:lstStyle/>
           <a:p>
             <a:r>
-              <a:rPr lang="bg-BG" dirty="0" smtClean="0"/>
+              <a:rPr lang="bg-BG" dirty="0"/>
               <a:t>Ако </a:t>
             </a:r>
             <a:r>
-              <a:rPr lang="bg-BG" b="1" dirty="0" smtClean="0"/>
+              <a:rPr lang="bg-BG" b="1" dirty="0"/>
               <a:t>не желаете</a:t>
             </a:r>
             <a:r>
-              <a:rPr lang="bg-BG" dirty="0" smtClean="0"/>
+              <a:rPr lang="bg-BG" dirty="0"/>
               <a:t> презентацията да може да се </a:t>
             </a:r>
             <a:r>
-              <a:rPr lang="bg-BG" b="1" dirty="0" smtClean="0"/>
+              <a:rPr lang="bg-BG" b="1" dirty="0"/>
               <a:t>променя</a:t>
             </a:r>
             <a:r>
-              <a:rPr lang="bg-BG" dirty="0" smtClean="0"/>
+              <a:rPr lang="bg-BG" dirty="0"/>
               <a:t>, се използва </a:t>
             </a:r>
             <a:r>
-              <a:rPr lang="en-US" b="1" dirty="0" err="1" smtClean="0">
+              <a:rPr lang="en-US" b="1" dirty="0" err="1">
                 <a:solidFill>
                   <a:schemeClr val="bg1"/>
                 </a:solidFill>
@@ -17370,14 +17378,14 @@
               <a:t>ppsx</a:t>
             </a:r>
             <a:r>
-              <a:rPr lang="bg-BG" dirty="0" smtClean="0"/>
+              <a:rPr lang="bg-BG" dirty="0"/>
               <a:t> </a:t>
             </a:r>
             <a:r>
-              <a:rPr lang="bg-BG" b="1" dirty="0" smtClean="0"/>
+              <a:rPr lang="bg-BG" b="1" dirty="0"/>
               <a:t>формат</a:t>
             </a:r>
-            <a:endParaRPr lang="en-US" b="1" dirty="0" smtClean="0"/>
+            <a:endParaRPr lang="en-US" b="1" dirty="0"/>
           </a:p>
           <a:p>
             <a:pPr lvl="1"/>
@@ -17386,14 +17394,14 @@
               <a:t>По-старите версии са били с </a:t>
             </a:r>
             <a:r>
-              <a:rPr lang="en-US" b="1" dirty="0" err="1" smtClean="0">
+              <a:rPr lang="en-US" b="1" dirty="0" err="1">
                 <a:solidFill>
                   <a:schemeClr val="bg1"/>
                 </a:solidFill>
               </a:rPr>
               <a:t>pps</a:t>
             </a:r>
-            <a:endParaRPr lang="en-US" b="1" dirty="0" smtClean="0">
+            <a:endParaRPr lang="en-US" b="1" dirty="0">
               <a:solidFill>
                 <a:schemeClr val="bg1"/>
               </a:solidFill>
@@ -17401,39 +17409,35 @@
           </a:p>
           <a:p>
             <a:r>
-              <a:rPr lang="bg-BG" dirty="0" smtClean="0"/>
+              <a:rPr lang="bg-BG" dirty="0"/>
               <a:t>Когато презентацията се </a:t>
             </a:r>
             <a:r>
-              <a:rPr lang="bg-BG" b="1" dirty="0" smtClean="0"/>
+              <a:rPr lang="bg-BG" b="1" dirty="0"/>
               <a:t>отвори</a:t>
             </a:r>
             <a:r>
-              <a:rPr lang="bg-BG" dirty="0" smtClean="0"/>
+              <a:rPr lang="bg-BG" dirty="0"/>
               <a:t>, тя </a:t>
             </a:r>
             <a:r>
-              <a:rPr lang="bg-BG" b="1" dirty="0" smtClean="0"/>
+              <a:rPr lang="bg-BG" b="1" dirty="0"/>
               <a:t>автоматично</a:t>
             </a:r>
             <a:r>
-              <a:rPr lang="bg-BG" dirty="0" smtClean="0"/>
-              <a:t> </a:t>
-            </a:r>
-            <a:r>
               <a:rPr lang="bg-BG" dirty="0"/>
-              <a:t>се </a:t>
+              <a:t> се </a:t>
             </a:r>
             <a:r>
               <a:rPr lang="bg-BG" b="1" dirty="0"/>
               <a:t>стартира</a:t>
             </a:r>
             <a:r>
-              <a:rPr lang="bg-BG" dirty="0" smtClean="0"/>
+              <a:rPr lang="bg-BG" dirty="0"/>
               <a:t> като </a:t>
             </a:r>
             <a:r>
-              <a:rPr lang="bg-BG" b="1" dirty="0" smtClean="0"/>
+              <a:rPr lang="bg-BG" b="1" dirty="0"/>
               <a:t>слайдшоу</a:t>
             </a:r>
             <a:endParaRPr lang="en-US" b="1" dirty="0"/>
@@ -17464,7 +17468,7 @@
               <a:t>Файлови формати за презентация – </a:t>
             </a:r>
             <a:r>
-              <a:rPr lang="en-US" dirty="0" err="1" smtClean="0"/>
+              <a:rPr lang="en-US" dirty="0" err="1"/>
               <a:t>ppsx</a:t>
             </a:r>
             <a:endParaRPr lang="en-US" dirty="0"/>
@@ -17770,26 +17774,26 @@
           <a:lstStyle/>
           <a:p>
             <a:r>
-              <a:rPr lang="bg-BG" dirty="0" smtClean="0"/>
+              <a:rPr lang="bg-BG" dirty="0"/>
               <a:t>Презентация може да се запише като </a:t>
             </a:r>
             <a:r>
-              <a:rPr lang="bg-BG" b="1" dirty="0" smtClean="0"/>
+              <a:rPr lang="bg-BG" b="1" dirty="0"/>
               <a:t>видеофайл</a:t>
             </a:r>
             <a:r>
-              <a:rPr lang="bg-BG" dirty="0" smtClean="0"/>
+              <a:rPr lang="bg-BG" dirty="0"/>
               <a:t> – </a:t>
             </a:r>
             <a:r>
-              <a:rPr lang="en-US" b="1" dirty="0" smtClean="0">
+              <a:rPr lang="en-US" b="1" dirty="0">
                 <a:solidFill>
                   <a:schemeClr val="bg1"/>
                 </a:solidFill>
               </a:rPr>
               <a:t>mp4</a:t>
             </a:r>
-            <a:endParaRPr lang="bg-BG" b="1" dirty="0" smtClean="0">
+            <a:endParaRPr lang="bg-BG" b="1" dirty="0">
               <a:solidFill>
                 <a:schemeClr val="bg1"/>
               </a:solidFill>
@@ -17797,35 +17801,35 @@
           </a:p>
           <a:p>
             <a:r>
-              <a:rPr lang="bg-BG" dirty="0" smtClean="0"/>
+              <a:rPr lang="bg-BG" dirty="0"/>
               <a:t>Така тя може да се </a:t>
             </a:r>
             <a:r>
-              <a:rPr lang="bg-BG" b="1" dirty="0" smtClean="0"/>
+              <a:rPr lang="bg-BG" b="1" dirty="0"/>
               <a:t>възпроизвежда</a:t>
             </a:r>
             <a:r>
-              <a:rPr lang="bg-BG" dirty="0" smtClean="0"/>
+              <a:rPr lang="bg-BG" dirty="0"/>
               <a:t> на </a:t>
             </a:r>
             <a:r>
-              <a:rPr lang="bg-BG" b="1" dirty="0" smtClean="0"/>
+              <a:rPr lang="bg-BG" b="1" dirty="0"/>
               <a:t>устройства</a:t>
             </a:r>
             <a:r>
-              <a:rPr lang="bg-BG" dirty="0" smtClean="0"/>
+              <a:rPr lang="bg-BG" dirty="0"/>
               <a:t>, които </a:t>
             </a:r>
             <a:r>
-              <a:rPr lang="bg-BG" b="1" dirty="0" smtClean="0"/>
+              <a:rPr lang="bg-BG" b="1" dirty="0"/>
               <a:t>няма</a:t>
             </a:r>
             <a:r>
-              <a:rPr lang="bg-BG" dirty="0" smtClean="0"/>
+              <a:rPr lang="bg-BG" dirty="0"/>
               <a:t> инсталиран </a:t>
             </a:r>
             <a:r>
-              <a:rPr lang="en-US" b="1" dirty="0" smtClean="0">
+              <a:rPr lang="en-US" b="1" dirty="0">
                 <a:solidFill>
                   <a:schemeClr val="bg1"/>
                 </a:solidFill>
@@ -17835,44 +17839,44 @@
           </a:p>
           <a:p>
             <a:r>
-              <a:rPr lang="bg-BG" b="1" dirty="0" smtClean="0"/>
+              <a:rPr lang="bg-BG" b="1" dirty="0"/>
               <a:t>Недостатъците</a:t>
             </a:r>
             <a:r>
-              <a:rPr lang="bg-BG" dirty="0" smtClean="0"/>
+              <a:rPr lang="bg-BG" dirty="0"/>
               <a:t> на този формат са:</a:t>
             </a:r>
           </a:p>
           <a:p>
             <a:pPr lvl="1"/>
             <a:r>
-              <a:rPr lang="bg-BG" b="1" dirty="0" smtClean="0"/>
+              <a:rPr lang="bg-BG" b="1" dirty="0"/>
               <a:t>Невъзможност</a:t>
             </a:r>
             <a:r>
-              <a:rPr lang="bg-BG" dirty="0" smtClean="0"/>
+              <a:rPr lang="bg-BG" dirty="0"/>
               <a:t> за </a:t>
             </a:r>
             <a:r>
-              <a:rPr lang="bg-BG" b="1" dirty="0" smtClean="0"/>
+              <a:rPr lang="bg-BG" b="1" dirty="0"/>
               <a:t>управление</a:t>
             </a:r>
             <a:r>
-              <a:rPr lang="bg-BG" dirty="0" smtClean="0"/>
+              <a:rPr lang="bg-BG" dirty="0"/>
               <a:t> на презентацията</a:t>
             </a:r>
           </a:p>
           <a:p>
             <a:pPr lvl="1"/>
             <a:r>
-              <a:rPr lang="bg-BG" b="1" dirty="0" smtClean="0"/>
+              <a:rPr lang="bg-BG" b="1" dirty="0"/>
               <a:t>Големината</a:t>
             </a:r>
             <a:r>
-              <a:rPr lang="bg-BG" dirty="0" smtClean="0"/>
+              <a:rPr lang="bg-BG" dirty="0"/>
               <a:t> на файла</a:t>
             </a:r>
-            <a:endParaRPr lang="en-US" dirty="0" smtClean="0"/>
+            <a:endParaRPr lang="en-US" dirty="0"/>
           </a:p>
         </p:txBody>
       </p:sp>
@@ -17896,10 +17900,9 @@
               <a:t>Файлови формати за презентация – </a:t>
             </a:r>
             <a:r>
-              <a:rPr lang="en-US" dirty="0" smtClean="0"/>
+              <a:rPr lang="en-US" dirty="0"/>
               <a:t>mp4</a:t>
             </a:r>
-            <a:endParaRPr lang="en-US" dirty="0"/>
           </a:p>
         </p:txBody>
       </p:sp>
@@ -18301,35 +18304,35 @@
           <a:lstStyle/>
           <a:p>
             <a:r>
-              <a:rPr lang="bg-BG" dirty="0" smtClean="0"/>
+              <a:rPr lang="bg-BG" dirty="0"/>
               <a:t>Когато </a:t>
             </a:r>
             <a:r>
-              <a:rPr lang="bg-BG" b="1" dirty="0" smtClean="0"/>
+              <a:rPr lang="bg-BG" b="1" dirty="0"/>
               <a:t>изпращате</a:t>
             </a:r>
             <a:r>
-              <a:rPr lang="bg-BG" dirty="0" smtClean="0"/>
+              <a:rPr lang="bg-BG" dirty="0"/>
               <a:t> </a:t>
             </a:r>
             <a:r>
-              <a:rPr lang="bg-BG" b="1" dirty="0" smtClean="0"/>
+              <a:rPr lang="bg-BG" b="1" dirty="0"/>
               <a:t>презентация</a:t>
             </a:r>
             <a:r>
-              <a:rPr lang="bg-BG" dirty="0" smtClean="0"/>
+              <a:rPr lang="bg-BG" dirty="0"/>
               <a:t> през </a:t>
             </a:r>
             <a:r>
-              <a:rPr lang="bg-BG" b="1" dirty="0" smtClean="0"/>
+              <a:rPr lang="bg-BG" b="1" dirty="0"/>
               <a:t>интернет</a:t>
             </a:r>
             <a:r>
-              <a:rPr lang="bg-BG" dirty="0" smtClean="0"/>
+              <a:rPr lang="bg-BG" dirty="0"/>
               <a:t>, може да използвате </a:t>
             </a:r>
             <a:r>
-              <a:rPr lang="en-US" b="1" dirty="0" smtClean="0">
+              <a:rPr lang="en-US" b="1" dirty="0">
                 <a:solidFill>
                   <a:schemeClr val="bg1"/>
                 </a:solidFill>
@@ -18337,37 +18340,37 @@
               <a:t>pdf</a:t>
             </a:r>
             <a:r>
-              <a:rPr lang="en-US" b="1" dirty="0" smtClean="0"/>
+              <a:rPr lang="en-US" b="1" dirty="0"/>
               <a:t> </a:t>
             </a:r>
             <a:r>
-              <a:rPr lang="bg-BG" b="1" dirty="0" smtClean="0"/>
+              <a:rPr lang="bg-BG" b="1" dirty="0"/>
               <a:t>формат</a:t>
             </a:r>
           </a:p>
           <a:p>
             <a:r>
-              <a:rPr lang="bg-BG" dirty="0" smtClean="0"/>
+              <a:rPr lang="bg-BG" dirty="0"/>
               <a:t>Този формат </a:t>
             </a:r>
             <a:r>
-              <a:rPr lang="bg-BG" b="1" dirty="0" smtClean="0"/>
+              <a:rPr lang="bg-BG" b="1" dirty="0"/>
               <a:t>предава точно съдържанието</a:t>
             </a:r>
             <a:r>
-              <a:rPr lang="bg-BG" dirty="0" smtClean="0"/>
+              <a:rPr lang="bg-BG" dirty="0"/>
               <a:t>, но </a:t>
             </a:r>
             <a:r>
-              <a:rPr lang="bg-BG" b="1" dirty="0" smtClean="0"/>
+              <a:rPr lang="bg-BG" b="1" dirty="0"/>
               <a:t>не поддържа видео</a:t>
             </a:r>
             <a:r>
-              <a:rPr lang="bg-BG" dirty="0" smtClean="0"/>
+              <a:rPr lang="bg-BG" dirty="0"/>
               <a:t> и </a:t>
             </a:r>
             <a:r>
-              <a:rPr lang="bg-BG" b="1" dirty="0" smtClean="0"/>
+              <a:rPr lang="bg-BG" b="1" dirty="0"/>
               <a:t>анимации</a:t>
             </a:r>
             <a:endParaRPr lang="en-US" b="1" dirty="0"/>
@@ -18394,10 +18397,9 @@
               <a:t>Файлови формати за презентация – </a:t>
             </a:r>
             <a:r>
-              <a:rPr lang="en-US" dirty="0" smtClean="0"/>
+              <a:rPr lang="en-US" dirty="0"/>
               <a:t>pdf</a:t>
             </a:r>
-            <a:endParaRPr lang="en-US" dirty="0"/>
           </a:p>
         </p:txBody>
       </p:sp>
@@ -18627,35 +18629,35 @@
           <a:lstStyle/>
           <a:p>
             <a:r>
-              <a:rPr lang="bg-BG" dirty="0" smtClean="0"/>
+              <a:rPr lang="bg-BG" dirty="0"/>
               <a:t>Отделни </a:t>
             </a:r>
             <a:r>
-              <a:rPr lang="bg-BG" b="1" dirty="0" smtClean="0"/>
+              <a:rPr lang="bg-BG" b="1" dirty="0"/>
               <a:t>слайдове</a:t>
             </a:r>
             <a:r>
-              <a:rPr lang="bg-BG" dirty="0" smtClean="0"/>
+              <a:rPr lang="bg-BG" dirty="0"/>
               <a:t> или </a:t>
             </a:r>
             <a:r>
-              <a:rPr lang="bg-BG" b="1" dirty="0" smtClean="0"/>
+              <a:rPr lang="bg-BG" b="1" dirty="0"/>
               <a:t>цялата презентация </a:t>
             </a:r>
             <a:r>
-              <a:rPr lang="bg-BG" dirty="0" smtClean="0"/>
+              <a:rPr lang="bg-BG" dirty="0"/>
               <a:t>могат да бъдат </a:t>
             </a:r>
             <a:r>
-              <a:rPr lang="bg-BG" b="1" dirty="0" smtClean="0"/>
+              <a:rPr lang="bg-BG" b="1" dirty="0"/>
               <a:t>съхранени</a:t>
             </a:r>
             <a:r>
-              <a:rPr lang="bg-BG" dirty="0" smtClean="0"/>
+              <a:rPr lang="bg-BG" dirty="0"/>
               <a:t> като отделни </a:t>
             </a:r>
             <a:r>
-              <a:rPr lang="bg-BG" b="1" dirty="0" smtClean="0">
+              <a:rPr lang="bg-BG" b="1" dirty="0">
                 <a:solidFill>
                   <a:schemeClr val="bg1"/>
                 </a:solidFill>
@@ -18687,18 +18689,17 @@
               <a:t>Файлови формати за презентация – </a:t>
             </a:r>
             <a:r>
-              <a:rPr lang="en-US" dirty="0" smtClean="0"/>
+              <a:rPr lang="en-US" dirty="0"/>
               <a:t>jpg, </a:t>
             </a:r>
             <a:r>
-              <a:rPr lang="en-US" dirty="0" err="1" smtClean="0"/>
+              <a:rPr lang="en-US" dirty="0" err="1"/>
               <a:t>png</a:t>
             </a:r>
             <a:r>
-              <a:rPr lang="en-US" dirty="0" smtClean="0"/>
+              <a:rPr lang="en-US" dirty="0"/>
               <a:t>…</a:t>
             </a:r>
-            <a:endParaRPr lang="en-US" dirty="0"/>
           </a:p>
         </p:txBody>
       </p:sp>
@@ -18711,15 +18712,20 @@
           <p:nvPr/>
         </p:nvPicPr>
         <p:blipFill>
-          <a:blip r:embed="rId3"/>
-          <a:stretch>
-            <a:fillRect/>
-          </a:stretch>
+          <a:blip r:embed="rId3">
+            <a:extLst>
+              <a:ext uri="{28A0092B-C50C-407E-A947-70E740481C1C}">
+                <a14:useLocalDpi xmlns:a14="http://schemas.microsoft.com/office/drawing/2010/main" val="0"/>
+              </a:ext>
+            </a:extLst>
+          </a:blip>
+          <a:srcRect/>
+          <a:stretch/>
         </p:blipFill>
         <p:spPr>
           <a:xfrm>
-            <a:off x="2534738" y="2438030"/>
-            <a:ext cx="7122525" cy="4275970"/>
+            <a:off x="2582330" y="2438030"/>
+            <a:ext cx="7027340" cy="4275970"/>
           </a:xfrm>
           <a:prstGeom prst="rect">
             <a:avLst/>
@@ -18886,11 +18892,11 @@
           <a:lstStyle/>
           <a:p>
             <a:r>
-              <a:rPr lang="bg-BG" dirty="0" smtClean="0"/>
+              <a:rPr lang="bg-BG" dirty="0"/>
               <a:t>Ако запишете презентацията в </a:t>
             </a:r>
             <a:r>
-              <a:rPr lang="en-US" b="1" dirty="0" smtClean="0">
+              <a:rPr lang="en-US" b="1" dirty="0">
                 <a:solidFill>
                   <a:schemeClr val="bg1"/>
                 </a:solidFill>
@@ -18898,23 +18904,23 @@
               <a:t>rtf</a:t>
             </a:r>
             <a:r>
-              <a:rPr lang="en-US" b="1" dirty="0" smtClean="0"/>
+              <a:rPr lang="en-US" b="1" dirty="0"/>
               <a:t> </a:t>
             </a:r>
             <a:r>
-              <a:rPr lang="bg-BG" b="1" dirty="0" smtClean="0"/>
+              <a:rPr lang="bg-BG" b="1" dirty="0"/>
               <a:t>формат</a:t>
             </a:r>
             <a:r>
-              <a:rPr lang="bg-BG" dirty="0" smtClean="0"/>
+              <a:rPr lang="bg-BG" dirty="0"/>
               <a:t>, можете да отворите файла с </a:t>
             </a:r>
             <a:r>
-              <a:rPr lang="bg-BG" b="1" dirty="0" smtClean="0"/>
+              <a:rPr lang="bg-BG" b="1" dirty="0"/>
               <a:t>програмата </a:t>
             </a:r>
             <a:r>
-              <a:rPr lang="en-US" b="1" dirty="0" smtClean="0">
+              <a:rPr lang="en-US" b="1" dirty="0">
                 <a:solidFill>
                   <a:schemeClr val="bg1"/>
                 </a:solidFill>
@@ -18924,27 +18930,27 @@
           </a:p>
           <a:p>
             <a:r>
-              <a:rPr lang="bg-BG" dirty="0" smtClean="0"/>
+              <a:rPr lang="bg-BG" dirty="0"/>
               <a:t>Така </a:t>
             </a:r>
             <a:r>
-              <a:rPr lang="bg-BG" b="1" dirty="0" smtClean="0"/>
+              <a:rPr lang="bg-BG" b="1" dirty="0"/>
               <a:t>текстовете</a:t>
             </a:r>
             <a:r>
-              <a:rPr lang="bg-BG" dirty="0" smtClean="0"/>
+              <a:rPr lang="bg-BG" dirty="0"/>
               <a:t> в </a:t>
             </a:r>
             <a:r>
-              <a:rPr lang="bg-BG" b="1" dirty="0" smtClean="0"/>
+              <a:rPr lang="bg-BG" b="1" dirty="0"/>
               <a:t>презентацията</a:t>
             </a:r>
             <a:r>
-              <a:rPr lang="bg-BG" dirty="0" smtClean="0"/>
+              <a:rPr lang="bg-BG" dirty="0"/>
               <a:t> могат да се </a:t>
             </a:r>
             <a:r>
-              <a:rPr lang="bg-BG" b="1" dirty="0" smtClean="0"/>
+              <a:rPr lang="bg-BG" b="1" dirty="0"/>
               <a:t>редактират</a:t>
             </a:r>
             <a:endParaRPr lang="en-US" b="1" dirty="0"/>
@@ -18973,10 +18979,9 @@
               <a:t>Файлови формати за презентация – </a:t>
             </a:r>
             <a:r>
-              <a:rPr lang="en-US" dirty="0" smtClean="0"/>
+              <a:rPr lang="en-US" dirty="0"/>
               <a:t>rtf</a:t>
             </a:r>
-            <a:endParaRPr lang="en-US" dirty="0"/>
           </a:p>
         </p:txBody>
       </p:sp>

--- a/Courses/Computer-Modeling-and-IT/Computer-Modeling-and-IT-6-Class/19-Saving-Presentation-in-Different-File-Formats/19-Saving-Presentation-in-Different-File-Formats.pptx
+++ b/Courses/Computer-Modeling-and-IT/Computer-Modeling-and-IT-6-Class/19-Saving-Presentation-in-Different-File-Formats/19-Saving-Presentation-in-Different-File-Formats.pptx
@@ -297,7 +297,7 @@
           <a:p>
             <a:fld id="{4E087215-0C8F-4762-A664-737A353EC9A4}" type="datetimeFigureOut">
               <a:rPr lang="bg-BG" smtClean="0"/>
-              <a:t>30.8.2025 г.</a:t>
+              <a:t>3.9.2025 г.</a:t>
             </a:fld>
             <a:endParaRPr lang="bg-BG"/>
           </a:p>
@@ -493,7 +493,7 @@
           <a:p>
             <a:fld id="{72D84649-876A-46C9-8472-14CB09C070D8}" type="datetimeFigureOut">
               <a:rPr lang="en-US" smtClean="0"/>
-              <a:t>8/30/2025</a:t>
+              <a:t>3-Sep-25</a:t>
             </a:fld>
             <a:endParaRPr lang="en-US"/>
           </a:p>
@@ -7866,7 +7866,7 @@
         <p:spPr bwMode="auto">
           <a:xfrm>
             <a:off x="5646000" y="1494000"/>
-            <a:ext cx="5850000" cy="1575000"/>
+            <a:ext cx="6030000" cy="1575000"/>
           </a:xfrm>
           <a:prstGeom prst="wedgeRoundRectCallout">
             <a:avLst>
@@ -7929,7 +7929,37 @@
                   </a:outerShdw>
                 </a:effectLst>
               </a:rPr>
-              <a:t>Съхраняването на презентация в определн формат в </a:t>
+              <a:t>Съхраняването на презентация в </a:t>
+            </a:r>
+            <a:r>
+              <a:rPr lang="bg-BG" sz="2800" b="1" dirty="0">
+                <a:solidFill>
+                  <a:srgbClr val="FFFFFF"/>
+                </a:solidFill>
+                <a:effectLst>
+                  <a:outerShdw blurRad="38100" dist="38100" dir="2700000" algn="tl">
+                    <a:srgbClr val="000000">
+                      <a:alpha val="43137"/>
+                    </a:srgbClr>
+                  </a:outerShdw>
+                </a:effectLst>
+              </a:rPr>
+              <a:t>определен</a:t>
+            </a:r>
+            <a:r>
+              <a:rPr lang="ru-RU" sz="2800" b="1" dirty="0">
+                <a:solidFill>
+                  <a:srgbClr val="FFFFFF"/>
+                </a:solidFill>
+                <a:effectLst>
+                  <a:outerShdw blurRad="38100" dist="38100" dir="2700000" algn="tl">
+                    <a:srgbClr val="000000">
+                      <a:alpha val="43137"/>
+                    </a:srgbClr>
+                  </a:outerShdw>
+                </a:effectLst>
+              </a:rPr>
+              <a:t> формат в </a:t>
             </a:r>
             <a:r>
               <a:rPr lang="ru-RU" sz="2800" b="1" dirty="0">
